--- a/slides/ThreeComponentsML.pptx
+++ b/slides/ThreeComponentsML.pptx
@@ -5,7 +5,7 @@
     <p:sldMasterId id="2147483648" r:id="rId1"/>
   </p:sldMasterIdLst>
   <p:notesMasterIdLst>
-    <p:notesMasterId r:id="rId66"/>
+    <p:notesMasterId r:id="rId67"/>
   </p:notesMasterIdLst>
   <p:sldIdLst>
     <p:sldId id="256" r:id="rId2"/>
@@ -57,21 +57,22 @@
     <p:sldId id="414" r:id="rId48"/>
     <p:sldId id="387" r:id="rId49"/>
     <p:sldId id="413" r:id="rId50"/>
-    <p:sldId id="415" r:id="rId51"/>
-    <p:sldId id="416" r:id="rId52"/>
-    <p:sldId id="393" r:id="rId53"/>
-    <p:sldId id="394" r:id="rId54"/>
-    <p:sldId id="407" r:id="rId55"/>
-    <p:sldId id="419" r:id="rId56"/>
-    <p:sldId id="420" r:id="rId57"/>
-    <p:sldId id="421" r:id="rId58"/>
-    <p:sldId id="422" r:id="rId59"/>
-    <p:sldId id="423" r:id="rId60"/>
-    <p:sldId id="424" r:id="rId61"/>
-    <p:sldId id="425" r:id="rId62"/>
-    <p:sldId id="386" r:id="rId63"/>
-    <p:sldId id="382" r:id="rId64"/>
-    <p:sldId id="390" r:id="rId65"/>
+    <p:sldId id="438" r:id="rId51"/>
+    <p:sldId id="415" r:id="rId52"/>
+    <p:sldId id="416" r:id="rId53"/>
+    <p:sldId id="393" r:id="rId54"/>
+    <p:sldId id="394" r:id="rId55"/>
+    <p:sldId id="407" r:id="rId56"/>
+    <p:sldId id="419" r:id="rId57"/>
+    <p:sldId id="420" r:id="rId58"/>
+    <p:sldId id="421" r:id="rId59"/>
+    <p:sldId id="422" r:id="rId60"/>
+    <p:sldId id="423" r:id="rId61"/>
+    <p:sldId id="424" r:id="rId62"/>
+    <p:sldId id="425" r:id="rId63"/>
+    <p:sldId id="386" r:id="rId64"/>
+    <p:sldId id="382" r:id="rId65"/>
+    <p:sldId id="390" r:id="rId66"/>
   </p:sldIdLst>
   <p:sldSz cx="12192000" cy="6858000"/>
   <p:notesSz cx="6858000" cy="9144000"/>
@@ -260,7 +261,7 @@
           <a:p>
             <a:fld id="{B729664D-677E-EE4C-9122-4EABED9A831B}" type="datetimeFigureOut">
               <a:rPr lang="en-US" smtClean="0"/>
-              <a:t>9/10/20</a:t>
+              <a:t>9/11/20</a:t>
             </a:fld>
             <a:endParaRPr lang="en-US"/>
           </a:p>
@@ -677,7 +678,7 @@
           <a:p>
             <a:fld id="{1BB88677-AB31-6C41-A2C0-3EB6EEF3F289}" type="datetime1">
               <a:rPr lang="fi-FI" smtClean="0"/>
-              <a:t>10.9.2020</a:t>
+              <a:t>11.9.2020</a:t>
             </a:fld>
             <a:endParaRPr lang="en-US"/>
           </a:p>
@@ -880,7 +881,7 @@
           <a:p>
             <a:fld id="{9D973135-133D-B041-AC63-B55DAEC0C4E2}" type="datetime1">
               <a:rPr lang="fi-FI" smtClean="0"/>
-              <a:t>10.9.2020</a:t>
+              <a:t>11.9.2020</a:t>
             </a:fld>
             <a:endParaRPr lang="en-US"/>
           </a:p>
@@ -1093,7 +1094,7 @@
           <a:p>
             <a:fld id="{DD9B0464-1207-0445-A88E-DFEB21640E26}" type="datetime1">
               <a:rPr lang="fi-FI" smtClean="0"/>
-              <a:t>10.9.2020</a:t>
+              <a:t>11.9.2020</a:t>
             </a:fld>
             <a:endParaRPr lang="en-US"/>
           </a:p>
@@ -1296,7 +1297,7 @@
           <a:p>
             <a:fld id="{13D71FE0-17B4-CC4E-918D-DFB98F5825F5}" type="datetime1">
               <a:rPr lang="fi-FI" smtClean="0"/>
-              <a:t>10.9.2020</a:t>
+              <a:t>11.9.2020</a:t>
             </a:fld>
             <a:endParaRPr lang="en-US"/>
           </a:p>
@@ -1575,7 +1576,7 @@
           <a:p>
             <a:fld id="{38F2FEC2-8D5B-4640-AAFD-C4976451C978}" type="datetime1">
               <a:rPr lang="fi-FI" smtClean="0"/>
-              <a:t>10.9.2020</a:t>
+              <a:t>11.9.2020</a:t>
             </a:fld>
             <a:endParaRPr lang="en-US"/>
           </a:p>
@@ -1846,7 +1847,7 @@
           <a:p>
             <a:fld id="{905F88CC-A5FE-C442-BDF0-1D92BC7A67AE}" type="datetime1">
               <a:rPr lang="fi-FI" smtClean="0"/>
-              <a:t>10.9.2020</a:t>
+              <a:t>11.9.2020</a:t>
             </a:fld>
             <a:endParaRPr lang="en-US"/>
           </a:p>
@@ -2264,7 +2265,7 @@
           <a:p>
             <a:fld id="{0EF4F7EF-A146-D946-A0A9-3EA136E3A7AA}" type="datetime1">
               <a:rPr lang="fi-FI" smtClean="0"/>
-              <a:t>10.9.2020</a:t>
+              <a:t>11.9.2020</a:t>
             </a:fld>
             <a:endParaRPr lang="en-US"/>
           </a:p>
@@ -2409,7 +2410,7 @@
           <a:p>
             <a:fld id="{806A4E8A-317B-EC44-B6B0-06815361501F}" type="datetime1">
               <a:rPr lang="fi-FI" smtClean="0"/>
-              <a:t>10.9.2020</a:t>
+              <a:t>11.9.2020</a:t>
             </a:fld>
             <a:endParaRPr lang="en-US"/>
           </a:p>
@@ -2525,7 +2526,7 @@
           <a:p>
             <a:fld id="{4893066A-93F8-6045-A6EB-8543B4383365}" type="datetime1">
               <a:rPr lang="fi-FI" smtClean="0"/>
-              <a:t>10.9.2020</a:t>
+              <a:t>11.9.2020</a:t>
             </a:fld>
             <a:endParaRPr lang="en-US"/>
           </a:p>
@@ -2841,7 +2842,7 @@
           <a:p>
             <a:fld id="{93BBA501-D556-0D4A-B923-A56AE92D363D}" type="datetime1">
               <a:rPr lang="fi-FI" smtClean="0"/>
-              <a:t>10.9.2020</a:t>
+              <a:t>11.9.2020</a:t>
             </a:fld>
             <a:endParaRPr lang="en-US"/>
           </a:p>
@@ -3133,7 +3134,7 @@
           <a:p>
             <a:fld id="{7C35C97C-E7FC-EE4B-B12A-13B586F5A720}" type="datetime1">
               <a:rPr lang="fi-FI" smtClean="0"/>
-              <a:t>10.9.2020</a:t>
+              <a:t>11.9.2020</a:t>
             </a:fld>
             <a:endParaRPr lang="en-US"/>
           </a:p>
@@ -3379,7 +3380,7 @@
           <a:p>
             <a:fld id="{FC9E5ED5-65E5-FD4C-AF6B-E6E246BB0C17}" type="datetime1">
               <a:rPr lang="fi-FI" smtClean="0"/>
-              <a:t>10.9.2020</a:t>
+              <a:t>11.9.2020</a:t>
             </a:fld>
             <a:endParaRPr lang="en-US"/>
           </a:p>
@@ -3959,7 +3960,7 @@
         </p:nvSpPr>
         <p:spPr>
           <a:xfrm>
-            <a:off x="28615" y="4553895"/>
+            <a:off x="634096" y="4472295"/>
             <a:ext cx="4343359" cy="1655762"/>
           </a:xfrm>
           <a:prstGeom prst="cloud">
@@ -4013,7 +4014,7 @@
         </p:nvSpPr>
         <p:spPr>
           <a:xfrm>
-            <a:off x="6967578" y="4868541"/>
+            <a:off x="6918151" y="4553895"/>
             <a:ext cx="4343359" cy="1655762"/>
           </a:xfrm>
           <a:prstGeom prst="cloud">
@@ -7895,8 +7896,8 @@
           </a:p>
         </p:txBody>
       </p:sp>
-      <mc:AlternateContent xmlns:mc="http://schemas.openxmlformats.org/markup-compatibility/2006">
-        <mc:Choice xmlns:a14="http://schemas.microsoft.com/office/drawing/2010/main" Requires="a14">
+      <mc:AlternateContent xmlns:mc="http://schemas.openxmlformats.org/markup-compatibility/2006" xmlns:a14="http://schemas.microsoft.com/office/drawing/2010/main">
+        <mc:Choice Requires="a14">
           <p:sp>
             <p:nvSpPr>
               <p:cNvPr id="5" name="TextBox 4">
@@ -7925,6 +7926,7 @@
               </a:bodyPr>
               <a:lstStyle/>
               <a:p>
+                <a:pPr/>
                 <a14:m>
                   <m:oMathPara xmlns:m="http://schemas.openxmlformats.org/officeDocument/2006/math">
                     <m:oMathParaPr>
@@ -7983,7 +7985,7 @@
             </p:txBody>
           </p:sp>
         </mc:Choice>
-        <mc:Fallback>
+        <mc:Fallback xmlns="">
           <p:sp>
             <p:nvSpPr>
               <p:cNvPr id="5" name="TextBox 4">
@@ -8028,8 +8030,8 @@
           </p:sp>
         </mc:Fallback>
       </mc:AlternateContent>
-      <mc:AlternateContent xmlns:mc="http://schemas.openxmlformats.org/markup-compatibility/2006">
-        <mc:Choice xmlns:a14="http://schemas.microsoft.com/office/drawing/2010/main" Requires="a14">
+      <mc:AlternateContent xmlns:mc="http://schemas.openxmlformats.org/markup-compatibility/2006" xmlns:a14="http://schemas.microsoft.com/office/drawing/2010/main">
+        <mc:Choice Requires="a14">
           <p:sp>
             <p:nvSpPr>
               <p:cNvPr id="6" name="TextBox 5">
@@ -8058,6 +8060,7 @@
               </a:bodyPr>
               <a:lstStyle/>
               <a:p>
+                <a:pPr/>
                 <a14:m>
                   <m:oMathPara xmlns:m="http://schemas.openxmlformats.org/officeDocument/2006/math">
                     <m:oMathParaPr>
@@ -8116,7 +8119,7 @@
             </p:txBody>
           </p:sp>
         </mc:Choice>
-        <mc:Fallback>
+        <mc:Fallback xmlns="">
           <p:sp>
             <p:nvSpPr>
               <p:cNvPr id="6" name="TextBox 5">
@@ -8161,8 +8164,8 @@
           </p:sp>
         </mc:Fallback>
       </mc:AlternateContent>
-      <mc:AlternateContent xmlns:mc="http://schemas.openxmlformats.org/markup-compatibility/2006">
-        <mc:Choice xmlns:a14="http://schemas.microsoft.com/office/drawing/2010/main" Requires="a14">
+      <mc:AlternateContent xmlns:mc="http://schemas.openxmlformats.org/markup-compatibility/2006" xmlns:a14="http://schemas.microsoft.com/office/drawing/2010/main">
+        <mc:Choice Requires="a14">
           <p:sp>
             <p:nvSpPr>
               <p:cNvPr id="7" name="TextBox 6">
@@ -8191,6 +8194,7 @@
               </a:bodyPr>
               <a:lstStyle/>
               <a:p>
+                <a:pPr/>
                 <a14:m>
                   <m:oMathPara xmlns:m="http://schemas.openxmlformats.org/officeDocument/2006/math">
                     <m:oMathParaPr>
@@ -8249,7 +8253,7 @@
             </p:txBody>
           </p:sp>
         </mc:Choice>
-        <mc:Fallback>
+        <mc:Fallback xmlns="">
           <p:sp>
             <p:nvSpPr>
               <p:cNvPr id="7" name="TextBox 6">
@@ -8895,8 +8899,8 @@
           <p:nvPr/>
         </p:nvSpPr>
         <p:spPr>
-          <a:xfrm>
-            <a:off x="895391" y="1197980"/>
+          <a:xfrm rot="16200000">
+            <a:off x="-38121" y="3518896"/>
             <a:ext cx="2762808" cy="707886"/>
           </a:xfrm>
           <a:prstGeom prst="rect">
@@ -8975,7 +8979,7 @@
         </p:nvSpPr>
         <p:spPr>
           <a:xfrm>
-            <a:off x="6145364" y="6099441"/>
+            <a:off x="4771767" y="6118681"/>
             <a:ext cx="3257943" cy="707886"/>
           </a:xfrm>
           <a:prstGeom prst="rect">
@@ -9327,8 +9331,8 @@
           </a:p>
         </p:txBody>
       </p:sp>
-      <mc:AlternateContent xmlns:mc="http://schemas.openxmlformats.org/markup-compatibility/2006">
-        <mc:Choice xmlns:a14="http://schemas.microsoft.com/office/drawing/2010/main" Requires="a14">
+      <mc:AlternateContent xmlns:mc="http://schemas.openxmlformats.org/markup-compatibility/2006" xmlns:a14="http://schemas.microsoft.com/office/drawing/2010/main">
+        <mc:Choice Requires="a14">
           <p:sp>
             <p:nvSpPr>
               <p:cNvPr id="9" name="TextBox 8">
@@ -9357,6 +9361,7 @@
               </a:bodyPr>
               <a:lstStyle/>
               <a:p>
+                <a:pPr/>
                 <a14:m>
                   <m:oMathPara xmlns:m="http://schemas.openxmlformats.org/officeDocument/2006/math">
                     <m:oMathParaPr>
@@ -9407,6 +9412,7 @@
                 </a:endParaRPr>
               </a:p>
               <a:p>
+                <a:pPr/>
                 <a14:m>
                   <m:oMathPara xmlns:m="http://schemas.openxmlformats.org/officeDocument/2006/math">
                     <m:oMathParaPr>
@@ -9451,7 +9457,7 @@
             </p:txBody>
           </p:sp>
         </mc:Choice>
-        <mc:Fallback>
+        <mc:Fallback xmlns="">
           <p:sp>
             <p:nvSpPr>
               <p:cNvPr id="9" name="TextBox 8">
@@ -11425,8 +11431,8 @@
           <a:chExt cx="0" cy="0"/>
         </a:xfrm>
       </p:grpSpPr>
-      <mc:AlternateContent xmlns:mc="http://schemas.openxmlformats.org/markup-compatibility/2006">
-        <mc:Choice xmlns:a14="http://schemas.microsoft.com/office/drawing/2010/main" Requires="a14">
+      <mc:AlternateContent xmlns:mc="http://schemas.openxmlformats.org/markup-compatibility/2006" xmlns:a14="http://schemas.microsoft.com/office/drawing/2010/main">
+        <mc:Choice Requires="a14">
           <p:sp>
             <p:nvSpPr>
               <p:cNvPr id="2" name="Title 1">
@@ -11492,7 +11498,7 @@
             </p:txBody>
           </p:sp>
         </mc:Choice>
-        <mc:Fallback>
+        <mc:Fallback xmlns="">
           <p:sp>
             <p:nvSpPr>
               <p:cNvPr id="2" name="Title 1">
@@ -11708,7 +11714,13 @@
           <a:p>
             <a:r>
               <a:rPr lang="en-US" sz="4800" dirty="0"/>
-              <a:t>consider data points with single numeric feature x and label y </a:t>
+              <a:t>consider data points with </a:t>
+            </a:r>
+          </a:p>
+          <a:p>
+            <a:r>
+              <a:rPr lang="en-US" sz="4800" dirty="0"/>
+              <a:t>single numeric feature x and label y </a:t>
             </a:r>
           </a:p>
           <a:p>
@@ -11868,7 +11880,7 @@
         </p:nvSpPr>
         <p:spPr>
           <a:xfrm>
-            <a:off x="1309816" y="642551"/>
+            <a:off x="1186077" y="697112"/>
             <a:ext cx="9205784" cy="4226011"/>
           </a:xfrm>
           <a:custGeom>
@@ -13088,7 +13100,7 @@
         </p:nvSpPr>
         <p:spPr>
           <a:xfrm>
-            <a:off x="142875" y="5015120"/>
+            <a:off x="228600" y="5390243"/>
             <a:ext cx="11120737" cy="1200329"/>
           </a:xfrm>
           <a:prstGeom prst="rect">
@@ -13112,6 +13124,728 @@
               <a:rPr lang="en-US" sz="3600" dirty="0"/>
               <a:t>function to search over (huge) hypothesis spaces</a:t>
             </a:r>
+          </a:p>
+        </p:txBody>
+      </p:sp>
+      <p:grpSp>
+        <p:nvGrpSpPr>
+          <p:cNvPr id="20" name="Group 19">
+            <a:extLst>
+              <a:ext uri="{FF2B5EF4-FFF2-40B4-BE49-F238E27FC236}">
+                <a16:creationId xmlns:a16="http://schemas.microsoft.com/office/drawing/2014/main" id="{CF1C27CB-EC86-0542-9146-28D65E02A474}"/>
+              </a:ext>
+            </a:extLst>
+          </p:cNvPr>
+          <p:cNvGrpSpPr/>
+          <p:nvPr/>
+        </p:nvGrpSpPr>
+        <p:grpSpPr>
+          <a:xfrm>
+            <a:off x="1955017" y="1817571"/>
+            <a:ext cx="1864419" cy="1961473"/>
+            <a:chOff x="1955017" y="1817571"/>
+            <a:chExt cx="1864419" cy="1961473"/>
+          </a:xfrm>
+        </p:grpSpPr>
+        <p:cxnSp>
+          <p:nvCxnSpPr>
+            <p:cNvPr id="4" name="Straight Connector 3">
+              <a:extLst>
+                <a:ext uri="{FF2B5EF4-FFF2-40B4-BE49-F238E27FC236}">
+                  <a16:creationId xmlns:a16="http://schemas.microsoft.com/office/drawing/2014/main" id="{E58368FF-BE2D-C241-9752-0065B6420E60}"/>
+                </a:ext>
+              </a:extLst>
+            </p:cNvPr>
+            <p:cNvCxnSpPr>
+              <a:cxnSpLocks/>
+            </p:cNvCxnSpPr>
+            <p:nvPr/>
+          </p:nvCxnSpPr>
+          <p:spPr>
+            <a:xfrm flipV="1">
+              <a:off x="2125362" y="2347785"/>
+              <a:ext cx="1371600" cy="924667"/>
+            </a:xfrm>
+            <a:prstGeom prst="line">
+              <a:avLst/>
+            </a:prstGeom>
+            <a:ln w="50800">
+              <a:prstDash val="dash"/>
+            </a:ln>
+          </p:spPr>
+          <p:style>
+            <a:lnRef idx="1">
+              <a:schemeClr val="accent1"/>
+            </a:lnRef>
+            <a:fillRef idx="0">
+              <a:schemeClr val="accent1"/>
+            </a:fillRef>
+            <a:effectRef idx="0">
+              <a:schemeClr val="accent1"/>
+            </a:effectRef>
+            <a:fontRef idx="minor">
+              <a:schemeClr val="tx1"/>
+            </a:fontRef>
+          </p:style>
+        </p:cxnSp>
+        <p:cxnSp>
+          <p:nvCxnSpPr>
+            <p:cNvPr id="8" name="Straight Arrow Connector 7">
+              <a:extLst>
+                <a:ext uri="{FF2B5EF4-FFF2-40B4-BE49-F238E27FC236}">
+                  <a16:creationId xmlns:a16="http://schemas.microsoft.com/office/drawing/2014/main" id="{E5A1D6E4-0E3E-A04B-8E85-D96C0BB22757}"/>
+                </a:ext>
+              </a:extLst>
+            </p:cNvPr>
+            <p:cNvCxnSpPr>
+              <a:cxnSpLocks/>
+            </p:cNvCxnSpPr>
+            <p:nvPr/>
+          </p:nvCxnSpPr>
+          <p:spPr>
+            <a:xfrm flipV="1">
+              <a:off x="2489412" y="2347784"/>
+              <a:ext cx="0" cy="1431260"/>
+            </a:xfrm>
+            <a:prstGeom prst="straightConnector1">
+              <a:avLst/>
+            </a:prstGeom>
+            <a:ln w="25400">
+              <a:solidFill>
+                <a:schemeClr val="tx1"/>
+              </a:solidFill>
+              <a:tailEnd type="triangle"/>
+            </a:ln>
+          </p:spPr>
+          <p:style>
+            <a:lnRef idx="1">
+              <a:schemeClr val="accent1"/>
+            </a:lnRef>
+            <a:fillRef idx="0">
+              <a:schemeClr val="accent1"/>
+            </a:fillRef>
+            <a:effectRef idx="0">
+              <a:schemeClr val="accent1"/>
+            </a:effectRef>
+            <a:fontRef idx="minor">
+              <a:schemeClr val="tx1"/>
+            </a:fontRef>
+          </p:style>
+        </p:cxnSp>
+        <p:cxnSp>
+          <p:nvCxnSpPr>
+            <p:cNvPr id="9" name="Straight Arrow Connector 8">
+              <a:extLst>
+                <a:ext uri="{FF2B5EF4-FFF2-40B4-BE49-F238E27FC236}">
+                  <a16:creationId xmlns:a16="http://schemas.microsoft.com/office/drawing/2014/main" id="{DDC00D14-ED1D-0F4D-9E9C-88A03215E626}"/>
+                </a:ext>
+              </a:extLst>
+            </p:cNvPr>
+            <p:cNvCxnSpPr>
+              <a:cxnSpLocks/>
+            </p:cNvCxnSpPr>
+            <p:nvPr/>
+          </p:nvCxnSpPr>
+          <p:spPr>
+            <a:xfrm>
+              <a:off x="1955017" y="3585548"/>
+              <a:ext cx="1752010" cy="0"/>
+            </a:xfrm>
+            <a:prstGeom prst="straightConnector1">
+              <a:avLst/>
+            </a:prstGeom>
+            <a:ln w="25400">
+              <a:solidFill>
+                <a:schemeClr val="tx1"/>
+              </a:solidFill>
+              <a:tailEnd type="triangle"/>
+            </a:ln>
+          </p:spPr>
+          <p:style>
+            <a:lnRef idx="1">
+              <a:schemeClr val="accent1"/>
+            </a:lnRef>
+            <a:fillRef idx="0">
+              <a:schemeClr val="accent1"/>
+            </a:fillRef>
+            <a:effectRef idx="0">
+              <a:schemeClr val="accent1"/>
+            </a:effectRef>
+            <a:fontRef idx="minor">
+              <a:schemeClr val="tx1"/>
+            </a:fontRef>
+          </p:style>
+        </p:cxnSp>
+        <p:sp>
+          <p:nvSpPr>
+            <p:cNvPr id="18" name="TextBox 17">
+              <a:extLst>
+                <a:ext uri="{FF2B5EF4-FFF2-40B4-BE49-F238E27FC236}">
+                  <a16:creationId xmlns:a16="http://schemas.microsoft.com/office/drawing/2014/main" id="{2E0BB5C7-76C7-464E-82A4-D4EC34247D2A}"/>
+                </a:ext>
+              </a:extLst>
+            </p:cNvPr>
+            <p:cNvSpPr txBox="1"/>
+            <p:nvPr/>
+          </p:nvSpPr>
+          <p:spPr>
+            <a:xfrm>
+              <a:off x="3456836" y="3063414"/>
+              <a:ext cx="362600" cy="584775"/>
+            </a:xfrm>
+            <a:prstGeom prst="rect">
+              <a:avLst/>
+            </a:prstGeom>
+            <a:noFill/>
+          </p:spPr>
+          <p:txBody>
+            <a:bodyPr wrap="none" rtlCol="0">
+              <a:spAutoFit/>
+            </a:bodyPr>
+            <a:lstStyle/>
+            <a:p>
+              <a:r>
+                <a:rPr lang="en-US" sz="3200" dirty="0"/>
+                <a:t>x</a:t>
+              </a:r>
+            </a:p>
+          </p:txBody>
+        </p:sp>
+        <p:sp>
+          <p:nvSpPr>
+            <p:cNvPr id="19" name="TextBox 18">
+              <a:extLst>
+                <a:ext uri="{FF2B5EF4-FFF2-40B4-BE49-F238E27FC236}">
+                  <a16:creationId xmlns:a16="http://schemas.microsoft.com/office/drawing/2014/main" id="{A31FECFB-4401-A540-A606-A8A1B6AA1E3C}"/>
+                </a:ext>
+              </a:extLst>
+            </p:cNvPr>
+            <p:cNvSpPr txBox="1"/>
+            <p:nvPr/>
+          </p:nvSpPr>
+          <p:spPr>
+            <a:xfrm>
+              <a:off x="2074875" y="1817571"/>
+              <a:ext cx="829073" cy="584775"/>
+            </a:xfrm>
+            <a:prstGeom prst="rect">
+              <a:avLst/>
+            </a:prstGeom>
+            <a:noFill/>
+          </p:spPr>
+          <p:txBody>
+            <a:bodyPr wrap="none" rtlCol="0">
+              <a:spAutoFit/>
+            </a:bodyPr>
+            <a:lstStyle/>
+            <a:p>
+              <a:r>
+                <a:rPr lang="en-US" sz="3200" dirty="0"/>
+                <a:t>h(x)</a:t>
+              </a:r>
+            </a:p>
+          </p:txBody>
+        </p:sp>
+      </p:grpSp>
+      <p:grpSp>
+        <p:nvGrpSpPr>
+          <p:cNvPr id="21" name="Group 20">
+            <a:extLst>
+              <a:ext uri="{FF2B5EF4-FFF2-40B4-BE49-F238E27FC236}">
+                <a16:creationId xmlns:a16="http://schemas.microsoft.com/office/drawing/2014/main" id="{2A056A79-CC3C-2E46-8BC5-58921BEAE7F3}"/>
+              </a:ext>
+            </a:extLst>
+          </p:cNvPr>
+          <p:cNvGrpSpPr/>
+          <p:nvPr/>
+        </p:nvGrpSpPr>
+        <p:grpSpPr>
+          <a:xfrm>
+            <a:off x="4673504" y="1101941"/>
+            <a:ext cx="1864419" cy="1961473"/>
+            <a:chOff x="1955017" y="1817571"/>
+            <a:chExt cx="1864419" cy="1961473"/>
+          </a:xfrm>
+        </p:grpSpPr>
+        <p:cxnSp>
+          <p:nvCxnSpPr>
+            <p:cNvPr id="22" name="Straight Connector 21">
+              <a:extLst>
+                <a:ext uri="{FF2B5EF4-FFF2-40B4-BE49-F238E27FC236}">
+                  <a16:creationId xmlns:a16="http://schemas.microsoft.com/office/drawing/2014/main" id="{51210D69-9E76-A24B-A3A5-16C10A037BF0}"/>
+                </a:ext>
+              </a:extLst>
+            </p:cNvPr>
+            <p:cNvCxnSpPr>
+              <a:cxnSpLocks/>
+            </p:cNvCxnSpPr>
+            <p:nvPr/>
+          </p:nvCxnSpPr>
+          <p:spPr>
+            <a:xfrm flipV="1">
+              <a:off x="2125362" y="2924480"/>
+              <a:ext cx="1581665" cy="347973"/>
+            </a:xfrm>
+            <a:prstGeom prst="line">
+              <a:avLst/>
+            </a:prstGeom>
+            <a:ln w="50800">
+              <a:solidFill>
+                <a:schemeClr val="accent2"/>
+              </a:solidFill>
+              <a:prstDash val="dash"/>
+            </a:ln>
+          </p:spPr>
+          <p:style>
+            <a:lnRef idx="1">
+              <a:schemeClr val="accent1"/>
+            </a:lnRef>
+            <a:fillRef idx="0">
+              <a:schemeClr val="accent1"/>
+            </a:fillRef>
+            <a:effectRef idx="0">
+              <a:schemeClr val="accent1"/>
+            </a:effectRef>
+            <a:fontRef idx="minor">
+              <a:schemeClr val="tx1"/>
+            </a:fontRef>
+          </p:style>
+        </p:cxnSp>
+        <p:cxnSp>
+          <p:nvCxnSpPr>
+            <p:cNvPr id="23" name="Straight Arrow Connector 22">
+              <a:extLst>
+                <a:ext uri="{FF2B5EF4-FFF2-40B4-BE49-F238E27FC236}">
+                  <a16:creationId xmlns:a16="http://schemas.microsoft.com/office/drawing/2014/main" id="{656D3585-8F88-9E44-A497-FBB23D77E367}"/>
+                </a:ext>
+              </a:extLst>
+            </p:cNvPr>
+            <p:cNvCxnSpPr>
+              <a:cxnSpLocks/>
+            </p:cNvCxnSpPr>
+            <p:nvPr/>
+          </p:nvCxnSpPr>
+          <p:spPr>
+            <a:xfrm flipV="1">
+              <a:off x="2489412" y="2347784"/>
+              <a:ext cx="0" cy="1431260"/>
+            </a:xfrm>
+            <a:prstGeom prst="straightConnector1">
+              <a:avLst/>
+            </a:prstGeom>
+            <a:ln w="25400">
+              <a:solidFill>
+                <a:schemeClr val="tx1"/>
+              </a:solidFill>
+              <a:tailEnd type="triangle"/>
+            </a:ln>
+          </p:spPr>
+          <p:style>
+            <a:lnRef idx="1">
+              <a:schemeClr val="accent1"/>
+            </a:lnRef>
+            <a:fillRef idx="0">
+              <a:schemeClr val="accent1"/>
+            </a:fillRef>
+            <a:effectRef idx="0">
+              <a:schemeClr val="accent1"/>
+            </a:effectRef>
+            <a:fontRef idx="minor">
+              <a:schemeClr val="tx1"/>
+            </a:fontRef>
+          </p:style>
+        </p:cxnSp>
+        <p:cxnSp>
+          <p:nvCxnSpPr>
+            <p:cNvPr id="24" name="Straight Arrow Connector 23">
+              <a:extLst>
+                <a:ext uri="{FF2B5EF4-FFF2-40B4-BE49-F238E27FC236}">
+                  <a16:creationId xmlns:a16="http://schemas.microsoft.com/office/drawing/2014/main" id="{23155DD7-51BF-FE42-B9C5-62C713B97B09}"/>
+                </a:ext>
+              </a:extLst>
+            </p:cNvPr>
+            <p:cNvCxnSpPr>
+              <a:cxnSpLocks/>
+            </p:cNvCxnSpPr>
+            <p:nvPr/>
+          </p:nvCxnSpPr>
+          <p:spPr>
+            <a:xfrm>
+              <a:off x="1955017" y="3585548"/>
+              <a:ext cx="1752010" cy="0"/>
+            </a:xfrm>
+            <a:prstGeom prst="straightConnector1">
+              <a:avLst/>
+            </a:prstGeom>
+            <a:ln w="25400">
+              <a:solidFill>
+                <a:schemeClr val="tx1"/>
+              </a:solidFill>
+              <a:tailEnd type="triangle"/>
+            </a:ln>
+          </p:spPr>
+          <p:style>
+            <a:lnRef idx="1">
+              <a:schemeClr val="accent1"/>
+            </a:lnRef>
+            <a:fillRef idx="0">
+              <a:schemeClr val="accent1"/>
+            </a:fillRef>
+            <a:effectRef idx="0">
+              <a:schemeClr val="accent1"/>
+            </a:effectRef>
+            <a:fontRef idx="minor">
+              <a:schemeClr val="tx1"/>
+            </a:fontRef>
+          </p:style>
+        </p:cxnSp>
+        <p:sp>
+          <p:nvSpPr>
+            <p:cNvPr id="25" name="TextBox 24">
+              <a:extLst>
+                <a:ext uri="{FF2B5EF4-FFF2-40B4-BE49-F238E27FC236}">
+                  <a16:creationId xmlns:a16="http://schemas.microsoft.com/office/drawing/2014/main" id="{81362F86-0B63-8646-9295-4E9B2F504993}"/>
+                </a:ext>
+              </a:extLst>
+            </p:cNvPr>
+            <p:cNvSpPr txBox="1"/>
+            <p:nvPr/>
+          </p:nvSpPr>
+          <p:spPr>
+            <a:xfrm>
+              <a:off x="3456836" y="3063414"/>
+              <a:ext cx="362600" cy="584775"/>
+            </a:xfrm>
+            <a:prstGeom prst="rect">
+              <a:avLst/>
+            </a:prstGeom>
+            <a:noFill/>
+          </p:spPr>
+          <p:txBody>
+            <a:bodyPr wrap="none" rtlCol="0">
+              <a:spAutoFit/>
+            </a:bodyPr>
+            <a:lstStyle/>
+            <a:p>
+              <a:r>
+                <a:rPr lang="en-US" sz="3200" dirty="0"/>
+                <a:t>x</a:t>
+              </a:r>
+            </a:p>
+          </p:txBody>
+        </p:sp>
+        <p:sp>
+          <p:nvSpPr>
+            <p:cNvPr id="26" name="TextBox 25">
+              <a:extLst>
+                <a:ext uri="{FF2B5EF4-FFF2-40B4-BE49-F238E27FC236}">
+                  <a16:creationId xmlns:a16="http://schemas.microsoft.com/office/drawing/2014/main" id="{589BC2F6-EE66-3E4E-A8F3-07565D244192}"/>
+                </a:ext>
+              </a:extLst>
+            </p:cNvPr>
+            <p:cNvSpPr txBox="1"/>
+            <p:nvPr/>
+          </p:nvSpPr>
+          <p:spPr>
+            <a:xfrm>
+              <a:off x="2074875" y="1817571"/>
+              <a:ext cx="829073" cy="584775"/>
+            </a:xfrm>
+            <a:prstGeom prst="rect">
+              <a:avLst/>
+            </a:prstGeom>
+            <a:noFill/>
+          </p:spPr>
+          <p:txBody>
+            <a:bodyPr wrap="none" rtlCol="0">
+              <a:spAutoFit/>
+            </a:bodyPr>
+            <a:lstStyle/>
+            <a:p>
+              <a:r>
+                <a:rPr lang="en-US" sz="3200" dirty="0"/>
+                <a:t>h(x)</a:t>
+              </a:r>
+            </a:p>
+          </p:txBody>
+        </p:sp>
+      </p:grpSp>
+      <p:grpSp>
+        <p:nvGrpSpPr>
+          <p:cNvPr id="29" name="Group 28">
+            <a:extLst>
+              <a:ext uri="{FF2B5EF4-FFF2-40B4-BE49-F238E27FC236}">
+                <a16:creationId xmlns:a16="http://schemas.microsoft.com/office/drawing/2014/main" id="{8A8DF367-CB0B-CD47-98D7-3D8E93F85800}"/>
+              </a:ext>
+            </a:extLst>
+          </p:cNvPr>
+          <p:cNvGrpSpPr/>
+          <p:nvPr/>
+        </p:nvGrpSpPr>
+        <p:grpSpPr>
+          <a:xfrm>
+            <a:off x="7680842" y="1345443"/>
+            <a:ext cx="1864419" cy="1961473"/>
+            <a:chOff x="1955017" y="1817571"/>
+            <a:chExt cx="1864419" cy="1961473"/>
+          </a:xfrm>
+        </p:grpSpPr>
+        <p:cxnSp>
+          <p:nvCxnSpPr>
+            <p:cNvPr id="31" name="Straight Arrow Connector 30">
+              <a:extLst>
+                <a:ext uri="{FF2B5EF4-FFF2-40B4-BE49-F238E27FC236}">
+                  <a16:creationId xmlns:a16="http://schemas.microsoft.com/office/drawing/2014/main" id="{60DF1782-FE7C-224A-B1B5-30C6F3080832}"/>
+                </a:ext>
+              </a:extLst>
+            </p:cNvPr>
+            <p:cNvCxnSpPr>
+              <a:cxnSpLocks/>
+            </p:cNvCxnSpPr>
+            <p:nvPr/>
+          </p:nvCxnSpPr>
+          <p:spPr>
+            <a:xfrm flipV="1">
+              <a:off x="2489412" y="2347784"/>
+              <a:ext cx="0" cy="1431260"/>
+            </a:xfrm>
+            <a:prstGeom prst="straightConnector1">
+              <a:avLst/>
+            </a:prstGeom>
+            <a:ln w="25400">
+              <a:solidFill>
+                <a:schemeClr val="tx1"/>
+              </a:solidFill>
+              <a:tailEnd type="triangle"/>
+            </a:ln>
+          </p:spPr>
+          <p:style>
+            <a:lnRef idx="1">
+              <a:schemeClr val="accent1"/>
+            </a:lnRef>
+            <a:fillRef idx="0">
+              <a:schemeClr val="accent1"/>
+            </a:fillRef>
+            <a:effectRef idx="0">
+              <a:schemeClr val="accent1"/>
+            </a:effectRef>
+            <a:fontRef idx="minor">
+              <a:schemeClr val="tx1"/>
+            </a:fontRef>
+          </p:style>
+        </p:cxnSp>
+        <p:cxnSp>
+          <p:nvCxnSpPr>
+            <p:cNvPr id="32" name="Straight Arrow Connector 31">
+              <a:extLst>
+                <a:ext uri="{FF2B5EF4-FFF2-40B4-BE49-F238E27FC236}">
+                  <a16:creationId xmlns:a16="http://schemas.microsoft.com/office/drawing/2014/main" id="{4A1B2FD6-228A-894A-A793-2C59AFF577BA}"/>
+                </a:ext>
+              </a:extLst>
+            </p:cNvPr>
+            <p:cNvCxnSpPr>
+              <a:cxnSpLocks/>
+            </p:cNvCxnSpPr>
+            <p:nvPr/>
+          </p:nvCxnSpPr>
+          <p:spPr>
+            <a:xfrm>
+              <a:off x="1955017" y="3585548"/>
+              <a:ext cx="1752010" cy="0"/>
+            </a:xfrm>
+            <a:prstGeom prst="straightConnector1">
+              <a:avLst/>
+            </a:prstGeom>
+            <a:ln w="25400">
+              <a:solidFill>
+                <a:schemeClr val="tx1"/>
+              </a:solidFill>
+              <a:tailEnd type="triangle"/>
+            </a:ln>
+          </p:spPr>
+          <p:style>
+            <a:lnRef idx="1">
+              <a:schemeClr val="accent1"/>
+            </a:lnRef>
+            <a:fillRef idx="0">
+              <a:schemeClr val="accent1"/>
+            </a:fillRef>
+            <a:effectRef idx="0">
+              <a:schemeClr val="accent1"/>
+            </a:effectRef>
+            <a:fontRef idx="minor">
+              <a:schemeClr val="tx1"/>
+            </a:fontRef>
+          </p:style>
+        </p:cxnSp>
+        <p:sp>
+          <p:nvSpPr>
+            <p:cNvPr id="33" name="TextBox 32">
+              <a:extLst>
+                <a:ext uri="{FF2B5EF4-FFF2-40B4-BE49-F238E27FC236}">
+                  <a16:creationId xmlns:a16="http://schemas.microsoft.com/office/drawing/2014/main" id="{A6285FBD-D7C1-1746-9E5D-FE019ABB74F6}"/>
+                </a:ext>
+              </a:extLst>
+            </p:cNvPr>
+            <p:cNvSpPr txBox="1"/>
+            <p:nvPr/>
+          </p:nvSpPr>
+          <p:spPr>
+            <a:xfrm>
+              <a:off x="3456836" y="3063414"/>
+              <a:ext cx="362600" cy="584775"/>
+            </a:xfrm>
+            <a:prstGeom prst="rect">
+              <a:avLst/>
+            </a:prstGeom>
+            <a:noFill/>
+          </p:spPr>
+          <p:txBody>
+            <a:bodyPr wrap="none" rtlCol="0">
+              <a:spAutoFit/>
+            </a:bodyPr>
+            <a:lstStyle/>
+            <a:p>
+              <a:r>
+                <a:rPr lang="en-US" sz="3200" dirty="0"/>
+                <a:t>x</a:t>
+              </a:r>
+            </a:p>
+          </p:txBody>
+        </p:sp>
+        <p:sp>
+          <p:nvSpPr>
+            <p:cNvPr id="34" name="TextBox 33">
+              <a:extLst>
+                <a:ext uri="{FF2B5EF4-FFF2-40B4-BE49-F238E27FC236}">
+                  <a16:creationId xmlns:a16="http://schemas.microsoft.com/office/drawing/2014/main" id="{D9DB0256-1BA6-0F41-89D0-6C649145597B}"/>
+                </a:ext>
+              </a:extLst>
+            </p:cNvPr>
+            <p:cNvSpPr txBox="1"/>
+            <p:nvPr/>
+          </p:nvSpPr>
+          <p:spPr>
+            <a:xfrm>
+              <a:off x="2074875" y="1817571"/>
+              <a:ext cx="829073" cy="584775"/>
+            </a:xfrm>
+            <a:prstGeom prst="rect">
+              <a:avLst/>
+            </a:prstGeom>
+            <a:noFill/>
+          </p:spPr>
+          <p:txBody>
+            <a:bodyPr wrap="none" rtlCol="0">
+              <a:spAutoFit/>
+            </a:bodyPr>
+            <a:lstStyle/>
+            <a:p>
+              <a:r>
+                <a:rPr lang="en-US" sz="3200" dirty="0"/>
+                <a:t>h(x)</a:t>
+              </a:r>
+            </a:p>
+          </p:txBody>
+        </p:sp>
+      </p:grpSp>
+      <p:sp>
+        <p:nvSpPr>
+          <p:cNvPr id="35" name="Freeform 34">
+            <a:extLst>
+              <a:ext uri="{FF2B5EF4-FFF2-40B4-BE49-F238E27FC236}">
+                <a16:creationId xmlns:a16="http://schemas.microsoft.com/office/drawing/2014/main" id="{9D634F30-E9AB-D44F-BE79-11354DB592A7}"/>
+              </a:ext>
+            </a:extLst>
+          </p:cNvPr>
+          <p:cNvSpPr/>
+          <p:nvPr/>
+        </p:nvSpPr>
+        <p:spPr>
+          <a:xfrm>
+            <a:off x="7497252" y="2122979"/>
+            <a:ext cx="1771650" cy="614363"/>
+          </a:xfrm>
+          <a:custGeom>
+            <a:avLst/>
+            <a:gdLst>
+              <a:gd name="connsiteX0" fmla="*/ 0 w 1771650"/>
+              <a:gd name="connsiteY0" fmla="*/ 614363 h 614363"/>
+              <a:gd name="connsiteX1" fmla="*/ 857250 w 1771650"/>
+              <a:gd name="connsiteY1" fmla="*/ 328613 h 614363"/>
+              <a:gd name="connsiteX2" fmla="*/ 1471612 w 1771650"/>
+              <a:gd name="connsiteY2" fmla="*/ 471488 h 614363"/>
+              <a:gd name="connsiteX3" fmla="*/ 1771650 w 1771650"/>
+              <a:gd name="connsiteY3" fmla="*/ 0 h 614363"/>
+            </a:gdLst>
+            <a:ahLst/>
+            <a:cxnLst>
+              <a:cxn ang="0">
+                <a:pos x="connsiteX0" y="connsiteY0"/>
+              </a:cxn>
+              <a:cxn ang="0">
+                <a:pos x="connsiteX1" y="connsiteY1"/>
+              </a:cxn>
+              <a:cxn ang="0">
+                <a:pos x="connsiteX2" y="connsiteY2"/>
+              </a:cxn>
+              <a:cxn ang="0">
+                <a:pos x="connsiteX3" y="connsiteY3"/>
+              </a:cxn>
+            </a:cxnLst>
+            <a:rect l="l" t="t" r="r" b="b"/>
+            <a:pathLst>
+              <a:path w="1771650" h="614363">
+                <a:moveTo>
+                  <a:pt x="0" y="614363"/>
+                </a:moveTo>
+                <a:cubicBezTo>
+                  <a:pt x="305990" y="483394"/>
+                  <a:pt x="611981" y="352425"/>
+                  <a:pt x="857250" y="328613"/>
+                </a:cubicBezTo>
+                <a:cubicBezTo>
+                  <a:pt x="1102519" y="304800"/>
+                  <a:pt x="1319212" y="526257"/>
+                  <a:pt x="1471612" y="471488"/>
+                </a:cubicBezTo>
+                <a:cubicBezTo>
+                  <a:pt x="1624012" y="416719"/>
+                  <a:pt x="1697831" y="208359"/>
+                  <a:pt x="1771650" y="0"/>
+                </a:cubicBezTo>
+              </a:path>
+            </a:pathLst>
+          </a:custGeom>
+          <a:noFill/>
+          <a:ln w="63500">
+            <a:solidFill>
+              <a:srgbClr val="00B050"/>
+            </a:solidFill>
+          </a:ln>
+        </p:spPr>
+        <p:style>
+          <a:lnRef idx="2">
+            <a:schemeClr val="accent1">
+              <a:shade val="50000"/>
+            </a:schemeClr>
+          </a:lnRef>
+          <a:fillRef idx="1">
+            <a:schemeClr val="accent1"/>
+          </a:fillRef>
+          <a:effectRef idx="0">
+            <a:schemeClr val="accent1"/>
+          </a:effectRef>
+          <a:fontRef idx="minor">
+            <a:schemeClr val="lt1"/>
+          </a:fontRef>
+        </p:style>
+        <p:txBody>
+          <a:bodyPr rtlCol="0" anchor="ctr"/>
+          <a:lstStyle/>
+          <a:p>
+            <a:pPr algn="ctr"/>
+            <a:endParaRPr lang="en-US"/>
           </a:p>
         </p:txBody>
       </p:sp>
@@ -16198,7 +16932,7 @@
         </p:nvSpPr>
         <p:spPr>
           <a:xfrm>
-            <a:off x="331279" y="237102"/>
+            <a:off x="499827" y="8887"/>
             <a:ext cx="10515600" cy="1325563"/>
           </a:xfrm>
         </p:spPr>
@@ -16210,17 +16944,2001 @@
           <a:p>
             <a:r>
               <a:rPr lang="en-US" sz="6000" b="1" dirty="0"/>
-              <a:t>Hypothesis Space</a:t>
+              <a:t>Hypothesis Space of ANN</a:t>
             </a:r>
           </a:p>
         </p:txBody>
       </p:sp>
+      <p:grpSp>
+        <p:nvGrpSpPr>
+          <p:cNvPr id="5" name="Group 4">
+            <a:extLst>
+              <a:ext uri="{FF2B5EF4-FFF2-40B4-BE49-F238E27FC236}">
+                <a16:creationId xmlns:a16="http://schemas.microsoft.com/office/drawing/2014/main" id="{B98A9CF0-776F-3E4B-A720-FB403A664277}"/>
+              </a:ext>
+            </a:extLst>
+          </p:cNvPr>
+          <p:cNvGrpSpPr/>
+          <p:nvPr/>
+        </p:nvGrpSpPr>
+        <p:grpSpPr>
+          <a:xfrm>
+            <a:off x="2492699" y="1593887"/>
+            <a:ext cx="3045904" cy="2086138"/>
+            <a:chOff x="1836939" y="2175965"/>
+            <a:chExt cx="3752140" cy="2176687"/>
+          </a:xfrm>
+        </p:grpSpPr>
+        <p:sp>
+          <p:nvSpPr>
+            <p:cNvPr id="31" name="Oval 30">
+              <a:extLst>
+                <a:ext uri="{FF2B5EF4-FFF2-40B4-BE49-F238E27FC236}">
+                  <a16:creationId xmlns:a16="http://schemas.microsoft.com/office/drawing/2014/main" id="{025BE4B9-39D9-E44F-9348-0DACDA81D55D}"/>
+                </a:ext>
+              </a:extLst>
+            </p:cNvPr>
+            <p:cNvSpPr/>
+            <p:nvPr/>
+          </p:nvSpPr>
+          <p:spPr>
+            <a:xfrm>
+              <a:off x="3912089" y="2905343"/>
+              <a:ext cx="863871" cy="806845"/>
+            </a:xfrm>
+            <a:prstGeom prst="ellipse">
+              <a:avLst/>
+            </a:prstGeom>
+            <a:noFill/>
+            <a:ln>
+              <a:solidFill>
+                <a:schemeClr val="dk1"/>
+              </a:solidFill>
+            </a:ln>
+          </p:spPr>
+          <p:style>
+            <a:lnRef idx="2">
+              <a:schemeClr val="accent1">
+                <a:shade val="50000"/>
+              </a:schemeClr>
+            </a:lnRef>
+            <a:fillRef idx="1">
+              <a:schemeClr val="accent1"/>
+            </a:fillRef>
+            <a:effectRef idx="0">
+              <a:schemeClr val="accent1"/>
+            </a:effectRef>
+            <a:fontRef idx="minor">
+              <a:schemeClr val="lt1"/>
+            </a:fontRef>
+          </p:style>
+          <p:txBody>
+            <a:bodyPr rtlCol="0" anchor="ctr"/>
+            <a:lstStyle/>
+            <a:p>
+              <a:pPr algn="ctr"/>
+              <a:endParaRPr lang="en-GB" sz="1799"/>
+            </a:p>
+          </p:txBody>
+        </p:sp>
+        <p:cxnSp>
+          <p:nvCxnSpPr>
+            <p:cNvPr id="32" name="Straight Arrow Connector 31">
+              <a:extLst>
+                <a:ext uri="{FF2B5EF4-FFF2-40B4-BE49-F238E27FC236}">
+                  <a16:creationId xmlns:a16="http://schemas.microsoft.com/office/drawing/2014/main" id="{8665F14F-D7D7-2949-BFA6-7E6ACC956F1F}"/>
+                </a:ext>
+              </a:extLst>
+            </p:cNvPr>
+            <p:cNvCxnSpPr>
+              <a:endCxn id="31" idx="2"/>
+            </p:cNvCxnSpPr>
+            <p:nvPr/>
+          </p:nvCxnSpPr>
+          <p:spPr>
+            <a:xfrm>
+              <a:off x="2412362" y="3306043"/>
+              <a:ext cx="1499727" cy="2723"/>
+            </a:xfrm>
+            <a:prstGeom prst="straightConnector1">
+              <a:avLst/>
+            </a:prstGeom>
+            <a:ln w="69850">
+              <a:solidFill>
+                <a:schemeClr val="tx1"/>
+              </a:solidFill>
+              <a:tailEnd type="triangle"/>
+            </a:ln>
+          </p:spPr>
+          <p:style>
+            <a:lnRef idx="1">
+              <a:schemeClr val="accent1"/>
+            </a:lnRef>
+            <a:fillRef idx="0">
+              <a:schemeClr val="accent1"/>
+            </a:fillRef>
+            <a:effectRef idx="0">
+              <a:schemeClr val="accent1"/>
+            </a:effectRef>
+            <a:fontRef idx="minor">
+              <a:schemeClr val="tx1"/>
+            </a:fontRef>
+          </p:style>
+        </p:cxnSp>
+        <p:cxnSp>
+          <p:nvCxnSpPr>
+            <p:cNvPr id="33" name="Straight Arrow Connector 32">
+              <a:extLst>
+                <a:ext uri="{FF2B5EF4-FFF2-40B4-BE49-F238E27FC236}">
+                  <a16:creationId xmlns:a16="http://schemas.microsoft.com/office/drawing/2014/main" id="{A78DB9FE-7AFB-8544-BFF5-02CC57862713}"/>
+                </a:ext>
+              </a:extLst>
+            </p:cNvPr>
+            <p:cNvCxnSpPr>
+              <a:cxnSpLocks/>
+              <a:endCxn id="31" idx="3"/>
+            </p:cNvCxnSpPr>
+            <p:nvPr/>
+          </p:nvCxnSpPr>
+          <p:spPr>
+            <a:xfrm flipV="1">
+              <a:off x="2412362" y="3594028"/>
+              <a:ext cx="1626238" cy="417638"/>
+            </a:xfrm>
+            <a:prstGeom prst="straightConnector1">
+              <a:avLst/>
+            </a:prstGeom>
+            <a:ln w="69850">
+              <a:solidFill>
+                <a:schemeClr val="tx1"/>
+              </a:solidFill>
+              <a:tailEnd type="triangle"/>
+            </a:ln>
+          </p:spPr>
+          <p:style>
+            <a:lnRef idx="1">
+              <a:schemeClr val="accent1"/>
+            </a:lnRef>
+            <a:fillRef idx="0">
+              <a:schemeClr val="accent1"/>
+            </a:fillRef>
+            <a:effectRef idx="0">
+              <a:schemeClr val="accent1"/>
+            </a:effectRef>
+            <a:fontRef idx="minor">
+              <a:schemeClr val="tx1"/>
+            </a:fontRef>
+          </p:style>
+        </p:cxnSp>
+        <p:cxnSp>
+          <p:nvCxnSpPr>
+            <p:cNvPr id="34" name="Straight Arrow Connector 33">
+              <a:extLst>
+                <a:ext uri="{FF2B5EF4-FFF2-40B4-BE49-F238E27FC236}">
+                  <a16:creationId xmlns:a16="http://schemas.microsoft.com/office/drawing/2014/main" id="{BB2F0E51-89C5-6343-A718-332B64BF278C}"/>
+                </a:ext>
+              </a:extLst>
+            </p:cNvPr>
+            <p:cNvCxnSpPr>
+              <a:cxnSpLocks/>
+              <a:endCxn id="31" idx="1"/>
+            </p:cNvCxnSpPr>
+            <p:nvPr/>
+          </p:nvCxnSpPr>
+          <p:spPr>
+            <a:xfrm>
+              <a:off x="2412362" y="2442479"/>
+              <a:ext cx="1626238" cy="581024"/>
+            </a:xfrm>
+            <a:prstGeom prst="straightConnector1">
+              <a:avLst/>
+            </a:prstGeom>
+            <a:ln w="69850">
+              <a:solidFill>
+                <a:schemeClr val="tx1"/>
+              </a:solidFill>
+              <a:tailEnd type="triangle"/>
+            </a:ln>
+          </p:spPr>
+          <p:style>
+            <a:lnRef idx="1">
+              <a:schemeClr val="accent1"/>
+            </a:lnRef>
+            <a:fillRef idx="0">
+              <a:schemeClr val="accent1"/>
+            </a:fillRef>
+            <a:effectRef idx="0">
+              <a:schemeClr val="accent1"/>
+            </a:effectRef>
+            <a:fontRef idx="minor">
+              <a:schemeClr val="tx1"/>
+            </a:fontRef>
+          </p:style>
+        </p:cxnSp>
+        <p:cxnSp>
+          <p:nvCxnSpPr>
+            <p:cNvPr id="35" name="Straight Arrow Connector 34">
+              <a:extLst>
+                <a:ext uri="{FF2B5EF4-FFF2-40B4-BE49-F238E27FC236}">
+                  <a16:creationId xmlns:a16="http://schemas.microsoft.com/office/drawing/2014/main" id="{4E4B3391-3ECE-A444-82FE-D94131BD1346}"/>
+                </a:ext>
+              </a:extLst>
+            </p:cNvPr>
+            <p:cNvCxnSpPr>
+              <a:cxnSpLocks/>
+            </p:cNvCxnSpPr>
+            <p:nvPr/>
+          </p:nvCxnSpPr>
+          <p:spPr>
+            <a:xfrm flipV="1">
+              <a:off x="4805035" y="3271158"/>
+              <a:ext cx="784044" cy="1"/>
+            </a:xfrm>
+            <a:prstGeom prst="straightConnector1">
+              <a:avLst/>
+            </a:prstGeom>
+            <a:ln w="69850">
+              <a:solidFill>
+                <a:schemeClr val="tx1"/>
+              </a:solidFill>
+              <a:tailEnd type="triangle"/>
+            </a:ln>
+          </p:spPr>
+          <p:style>
+            <a:lnRef idx="1">
+              <a:schemeClr val="accent1"/>
+            </a:lnRef>
+            <a:fillRef idx="0">
+              <a:schemeClr val="accent1"/>
+            </a:fillRef>
+            <a:effectRef idx="0">
+              <a:schemeClr val="accent1"/>
+            </a:effectRef>
+            <a:fontRef idx="minor">
+              <a:schemeClr val="tx1"/>
+            </a:fontRef>
+          </p:style>
+        </p:cxnSp>
+        <p:sp>
+          <p:nvSpPr>
+            <p:cNvPr id="36" name="TextBox 35">
+              <a:extLst>
+                <a:ext uri="{FF2B5EF4-FFF2-40B4-BE49-F238E27FC236}">
+                  <a16:creationId xmlns:a16="http://schemas.microsoft.com/office/drawing/2014/main" id="{4DBE3E7A-F7E6-B54D-8041-781763DB7155}"/>
+                </a:ext>
+              </a:extLst>
+            </p:cNvPr>
+            <p:cNvSpPr txBox="1"/>
+            <p:nvPr/>
+          </p:nvSpPr>
+          <p:spPr>
+            <a:xfrm>
+              <a:off x="4097803" y="3121377"/>
+              <a:ext cx="591829" cy="461665"/>
+            </a:xfrm>
+            <a:prstGeom prst="rect">
+              <a:avLst/>
+            </a:prstGeom>
+            <a:noFill/>
+          </p:spPr>
+          <p:txBody>
+            <a:bodyPr wrap="none" rtlCol="0">
+              <a:spAutoFit/>
+            </a:bodyPr>
+            <a:lstStyle/>
+            <a:p>
+              <a:r>
+                <a:rPr lang="en-US" sz="2400" dirty="0"/>
+                <a:t>g(.)</a:t>
+              </a:r>
+            </a:p>
+          </p:txBody>
+        </p:sp>
+        <p:sp>
+          <p:nvSpPr>
+            <p:cNvPr id="37" name="TextBox 36">
+              <a:extLst>
+                <a:ext uri="{FF2B5EF4-FFF2-40B4-BE49-F238E27FC236}">
+                  <a16:creationId xmlns:a16="http://schemas.microsoft.com/office/drawing/2014/main" id="{2DE195C1-990B-7E4B-A1B2-5B3E32E98EA1}"/>
+                </a:ext>
+              </a:extLst>
+            </p:cNvPr>
+            <p:cNvSpPr txBox="1"/>
+            <p:nvPr/>
+          </p:nvSpPr>
+          <p:spPr>
+            <a:xfrm>
+              <a:off x="2967592" y="2175965"/>
+              <a:ext cx="869149" cy="461665"/>
+            </a:xfrm>
+            <a:prstGeom prst="rect">
+              <a:avLst/>
+            </a:prstGeom>
+            <a:noFill/>
+          </p:spPr>
+          <p:txBody>
+            <a:bodyPr wrap="none" rtlCol="0">
+              <a:spAutoFit/>
+            </a:bodyPr>
+            <a:lstStyle/>
+            <a:p>
+              <a:r>
+                <a:rPr lang="en-US" sz="2400" dirty="0"/>
+                <a:t>w1=1</a:t>
+              </a:r>
+            </a:p>
+          </p:txBody>
+        </p:sp>
+        <p:sp>
+          <p:nvSpPr>
+            <p:cNvPr id="38" name="TextBox 37">
+              <a:extLst>
+                <a:ext uri="{FF2B5EF4-FFF2-40B4-BE49-F238E27FC236}">
+                  <a16:creationId xmlns:a16="http://schemas.microsoft.com/office/drawing/2014/main" id="{41D877D7-6884-F349-8791-E3A4517F2C79}"/>
+                </a:ext>
+              </a:extLst>
+            </p:cNvPr>
+            <p:cNvSpPr txBox="1"/>
+            <p:nvPr/>
+          </p:nvSpPr>
+          <p:spPr>
+            <a:xfrm>
+              <a:off x="2632176" y="2897067"/>
+              <a:ext cx="869149" cy="461665"/>
+            </a:xfrm>
+            <a:prstGeom prst="rect">
+              <a:avLst/>
+            </a:prstGeom>
+            <a:noFill/>
+          </p:spPr>
+          <p:txBody>
+            <a:bodyPr wrap="none" rtlCol="0">
+              <a:spAutoFit/>
+            </a:bodyPr>
+            <a:lstStyle/>
+            <a:p>
+              <a:r>
+                <a:rPr lang="en-US" sz="2400" dirty="0"/>
+                <a:t>w2=0</a:t>
+              </a:r>
+            </a:p>
+          </p:txBody>
+        </p:sp>
+        <p:sp>
+          <p:nvSpPr>
+            <p:cNvPr id="39" name="TextBox 38">
+              <a:extLst>
+                <a:ext uri="{FF2B5EF4-FFF2-40B4-BE49-F238E27FC236}">
+                  <a16:creationId xmlns:a16="http://schemas.microsoft.com/office/drawing/2014/main" id="{B81FF04F-4246-7848-AF99-05940E21F248}"/>
+                </a:ext>
+              </a:extLst>
+            </p:cNvPr>
+            <p:cNvSpPr txBox="1"/>
+            <p:nvPr/>
+          </p:nvSpPr>
+          <p:spPr>
+            <a:xfrm>
+              <a:off x="3162225" y="3798566"/>
+              <a:ext cx="963725" cy="461665"/>
+            </a:xfrm>
+            <a:prstGeom prst="rect">
+              <a:avLst/>
+            </a:prstGeom>
+            <a:noFill/>
+          </p:spPr>
+          <p:txBody>
+            <a:bodyPr wrap="none" rtlCol="0">
+              <a:spAutoFit/>
+            </a:bodyPr>
+            <a:lstStyle/>
+            <a:p>
+              <a:r>
+                <a:rPr lang="en-US" sz="2400" dirty="0"/>
+                <a:t>w3=-1</a:t>
+              </a:r>
+            </a:p>
+          </p:txBody>
+        </p:sp>
+        <p:sp>
+          <p:nvSpPr>
+            <p:cNvPr id="40" name="TextBox 39">
+              <a:extLst>
+                <a:ext uri="{FF2B5EF4-FFF2-40B4-BE49-F238E27FC236}">
+                  <a16:creationId xmlns:a16="http://schemas.microsoft.com/office/drawing/2014/main" id="{BBE6F7AA-2D2D-0542-B640-EDF7259624F4}"/>
+                </a:ext>
+              </a:extLst>
+            </p:cNvPr>
+            <p:cNvSpPr txBox="1"/>
+            <p:nvPr/>
+          </p:nvSpPr>
+          <p:spPr>
+            <a:xfrm>
+              <a:off x="1872249" y="2187071"/>
+              <a:ext cx="765573" cy="523220"/>
+            </a:xfrm>
+            <a:prstGeom prst="rect">
+              <a:avLst/>
+            </a:prstGeom>
+            <a:noFill/>
+          </p:spPr>
+          <p:txBody>
+            <a:bodyPr wrap="square" rtlCol="0">
+              <a:spAutoFit/>
+            </a:bodyPr>
+            <a:lstStyle/>
+            <a:p>
+              <a:r>
+                <a:rPr lang="en-US" sz="2800" dirty="0"/>
+                <a:t>x1</a:t>
+              </a:r>
+            </a:p>
+          </p:txBody>
+        </p:sp>
+        <p:sp>
+          <p:nvSpPr>
+            <p:cNvPr id="41" name="TextBox 40">
+              <a:extLst>
+                <a:ext uri="{FF2B5EF4-FFF2-40B4-BE49-F238E27FC236}">
+                  <a16:creationId xmlns:a16="http://schemas.microsoft.com/office/drawing/2014/main" id="{F0194FDA-6A4D-7049-87D5-BC9A792F7A36}"/>
+                </a:ext>
+              </a:extLst>
+            </p:cNvPr>
+            <p:cNvSpPr txBox="1"/>
+            <p:nvPr/>
+          </p:nvSpPr>
+          <p:spPr>
+            <a:xfrm>
+              <a:off x="1836939" y="2989732"/>
+              <a:ext cx="473206" cy="461665"/>
+            </a:xfrm>
+            <a:prstGeom prst="rect">
+              <a:avLst/>
+            </a:prstGeom>
+            <a:noFill/>
+          </p:spPr>
+          <p:txBody>
+            <a:bodyPr wrap="none" rtlCol="0">
+              <a:spAutoFit/>
+            </a:bodyPr>
+            <a:lstStyle/>
+            <a:p>
+              <a:r>
+                <a:rPr lang="en-US" sz="2400" dirty="0"/>
+                <a:t>x2</a:t>
+              </a:r>
+            </a:p>
+          </p:txBody>
+        </p:sp>
+        <p:sp>
+          <p:nvSpPr>
+            <p:cNvPr id="42" name="TextBox 41">
+              <a:extLst>
+                <a:ext uri="{FF2B5EF4-FFF2-40B4-BE49-F238E27FC236}">
+                  <a16:creationId xmlns:a16="http://schemas.microsoft.com/office/drawing/2014/main" id="{A32F686E-F8D9-1E48-B4E2-06ABB1EF7AAA}"/>
+                </a:ext>
+              </a:extLst>
+            </p:cNvPr>
+            <p:cNvSpPr txBox="1"/>
+            <p:nvPr/>
+          </p:nvSpPr>
+          <p:spPr>
+            <a:xfrm>
+              <a:off x="1930955" y="3890987"/>
+              <a:ext cx="473206" cy="461665"/>
+            </a:xfrm>
+            <a:prstGeom prst="rect">
+              <a:avLst/>
+            </a:prstGeom>
+            <a:noFill/>
+          </p:spPr>
+          <p:txBody>
+            <a:bodyPr wrap="none" rtlCol="0">
+              <a:spAutoFit/>
+            </a:bodyPr>
+            <a:lstStyle/>
+            <a:p>
+              <a:r>
+                <a:rPr lang="en-US" sz="2400" dirty="0"/>
+                <a:t>x3</a:t>
+              </a:r>
+            </a:p>
+          </p:txBody>
+        </p:sp>
+      </p:grpSp>
+      <p:grpSp>
+        <p:nvGrpSpPr>
+          <p:cNvPr id="3" name="Group 2">
+            <a:extLst>
+              <a:ext uri="{FF2B5EF4-FFF2-40B4-BE49-F238E27FC236}">
+                <a16:creationId xmlns:a16="http://schemas.microsoft.com/office/drawing/2014/main" id="{FB579DE0-8FF6-FA44-B38F-005B83BBA839}"/>
+              </a:ext>
+            </a:extLst>
+          </p:cNvPr>
+          <p:cNvGrpSpPr/>
+          <p:nvPr/>
+        </p:nvGrpSpPr>
+        <p:grpSpPr>
+          <a:xfrm>
+            <a:off x="5852742" y="3794624"/>
+            <a:ext cx="3021642" cy="2040568"/>
+            <a:chOff x="7135445" y="3829432"/>
+            <a:chExt cx="3914077" cy="2222802"/>
+          </a:xfrm>
+        </p:grpSpPr>
+        <p:sp>
+          <p:nvSpPr>
+            <p:cNvPr id="45" name="Oval 44">
+              <a:extLst>
+                <a:ext uri="{FF2B5EF4-FFF2-40B4-BE49-F238E27FC236}">
+                  <a16:creationId xmlns:a16="http://schemas.microsoft.com/office/drawing/2014/main" id="{0FF6510C-C751-BB4B-BB9C-B8732EE5C0DE}"/>
+                </a:ext>
+              </a:extLst>
+            </p:cNvPr>
+            <p:cNvSpPr/>
+            <p:nvPr/>
+          </p:nvSpPr>
+          <p:spPr>
+            <a:xfrm>
+              <a:off x="9372532" y="4604925"/>
+              <a:ext cx="863871" cy="806845"/>
+            </a:xfrm>
+            <a:prstGeom prst="ellipse">
+              <a:avLst/>
+            </a:prstGeom>
+            <a:noFill/>
+            <a:ln>
+              <a:solidFill>
+                <a:schemeClr val="dk1"/>
+              </a:solidFill>
+            </a:ln>
+          </p:spPr>
+          <p:style>
+            <a:lnRef idx="2">
+              <a:schemeClr val="accent1">
+                <a:shade val="50000"/>
+              </a:schemeClr>
+            </a:lnRef>
+            <a:fillRef idx="1">
+              <a:schemeClr val="accent1"/>
+            </a:fillRef>
+            <a:effectRef idx="0">
+              <a:schemeClr val="accent1"/>
+            </a:effectRef>
+            <a:fontRef idx="minor">
+              <a:schemeClr val="lt1"/>
+            </a:fontRef>
+          </p:style>
+          <p:txBody>
+            <a:bodyPr rtlCol="0" anchor="ctr"/>
+            <a:lstStyle/>
+            <a:p>
+              <a:pPr algn="ctr"/>
+              <a:endParaRPr lang="en-GB" sz="1799"/>
+            </a:p>
+          </p:txBody>
+        </p:sp>
+        <p:cxnSp>
+          <p:nvCxnSpPr>
+            <p:cNvPr id="46" name="Straight Arrow Connector 45">
+              <a:extLst>
+                <a:ext uri="{FF2B5EF4-FFF2-40B4-BE49-F238E27FC236}">
+                  <a16:creationId xmlns:a16="http://schemas.microsoft.com/office/drawing/2014/main" id="{FDE3BC3C-9208-DE49-9885-29076EF529CE}"/>
+                </a:ext>
+              </a:extLst>
+            </p:cNvPr>
+            <p:cNvCxnSpPr>
+              <a:endCxn id="45" idx="2"/>
+            </p:cNvCxnSpPr>
+            <p:nvPr/>
+          </p:nvCxnSpPr>
+          <p:spPr>
+            <a:xfrm>
+              <a:off x="7872805" y="5005625"/>
+              <a:ext cx="1499727" cy="2723"/>
+            </a:xfrm>
+            <a:prstGeom prst="straightConnector1">
+              <a:avLst/>
+            </a:prstGeom>
+            <a:ln w="69850">
+              <a:solidFill>
+                <a:schemeClr val="tx1"/>
+              </a:solidFill>
+              <a:tailEnd type="triangle"/>
+            </a:ln>
+          </p:spPr>
+          <p:style>
+            <a:lnRef idx="1">
+              <a:schemeClr val="accent1"/>
+            </a:lnRef>
+            <a:fillRef idx="0">
+              <a:schemeClr val="accent1"/>
+            </a:fillRef>
+            <a:effectRef idx="0">
+              <a:schemeClr val="accent1"/>
+            </a:effectRef>
+            <a:fontRef idx="minor">
+              <a:schemeClr val="tx1"/>
+            </a:fontRef>
+          </p:style>
+        </p:cxnSp>
+        <p:cxnSp>
+          <p:nvCxnSpPr>
+            <p:cNvPr id="47" name="Straight Arrow Connector 46">
+              <a:extLst>
+                <a:ext uri="{FF2B5EF4-FFF2-40B4-BE49-F238E27FC236}">
+                  <a16:creationId xmlns:a16="http://schemas.microsoft.com/office/drawing/2014/main" id="{A240BABB-5346-9E48-AABB-9D72D094317C}"/>
+                </a:ext>
+              </a:extLst>
+            </p:cNvPr>
+            <p:cNvCxnSpPr>
+              <a:cxnSpLocks/>
+              <a:endCxn id="45" idx="3"/>
+            </p:cNvCxnSpPr>
+            <p:nvPr/>
+          </p:nvCxnSpPr>
+          <p:spPr>
+            <a:xfrm flipV="1">
+              <a:off x="7872805" y="5293610"/>
+              <a:ext cx="1626238" cy="417638"/>
+            </a:xfrm>
+            <a:prstGeom prst="straightConnector1">
+              <a:avLst/>
+            </a:prstGeom>
+            <a:ln w="69850">
+              <a:solidFill>
+                <a:schemeClr val="tx1"/>
+              </a:solidFill>
+              <a:tailEnd type="triangle"/>
+            </a:ln>
+          </p:spPr>
+          <p:style>
+            <a:lnRef idx="1">
+              <a:schemeClr val="accent1"/>
+            </a:lnRef>
+            <a:fillRef idx="0">
+              <a:schemeClr val="accent1"/>
+            </a:fillRef>
+            <a:effectRef idx="0">
+              <a:schemeClr val="accent1"/>
+            </a:effectRef>
+            <a:fontRef idx="minor">
+              <a:schemeClr val="tx1"/>
+            </a:fontRef>
+          </p:style>
+        </p:cxnSp>
+        <p:cxnSp>
+          <p:nvCxnSpPr>
+            <p:cNvPr id="48" name="Straight Arrow Connector 47">
+              <a:extLst>
+                <a:ext uri="{FF2B5EF4-FFF2-40B4-BE49-F238E27FC236}">
+                  <a16:creationId xmlns:a16="http://schemas.microsoft.com/office/drawing/2014/main" id="{E8272890-29C7-E547-81D6-284660D38390}"/>
+                </a:ext>
+              </a:extLst>
+            </p:cNvPr>
+            <p:cNvCxnSpPr>
+              <a:cxnSpLocks/>
+              <a:endCxn id="45" idx="1"/>
+            </p:cNvCxnSpPr>
+            <p:nvPr/>
+          </p:nvCxnSpPr>
+          <p:spPr>
+            <a:xfrm>
+              <a:off x="7872805" y="4142061"/>
+              <a:ext cx="1626238" cy="581024"/>
+            </a:xfrm>
+            <a:prstGeom prst="straightConnector1">
+              <a:avLst/>
+            </a:prstGeom>
+            <a:ln w="69850">
+              <a:solidFill>
+                <a:schemeClr val="tx1"/>
+              </a:solidFill>
+              <a:tailEnd type="triangle"/>
+            </a:ln>
+          </p:spPr>
+          <p:style>
+            <a:lnRef idx="1">
+              <a:schemeClr val="accent1"/>
+            </a:lnRef>
+            <a:fillRef idx="0">
+              <a:schemeClr val="accent1"/>
+            </a:fillRef>
+            <a:effectRef idx="0">
+              <a:schemeClr val="accent1"/>
+            </a:effectRef>
+            <a:fontRef idx="minor">
+              <a:schemeClr val="tx1"/>
+            </a:fontRef>
+          </p:style>
+        </p:cxnSp>
+        <p:cxnSp>
+          <p:nvCxnSpPr>
+            <p:cNvPr id="49" name="Straight Arrow Connector 48">
+              <a:extLst>
+                <a:ext uri="{FF2B5EF4-FFF2-40B4-BE49-F238E27FC236}">
+                  <a16:creationId xmlns:a16="http://schemas.microsoft.com/office/drawing/2014/main" id="{52496B55-C1F6-3748-AC83-131FE8551A46}"/>
+                </a:ext>
+              </a:extLst>
+            </p:cNvPr>
+            <p:cNvCxnSpPr>
+              <a:cxnSpLocks/>
+            </p:cNvCxnSpPr>
+            <p:nvPr/>
+          </p:nvCxnSpPr>
+          <p:spPr>
+            <a:xfrm flipV="1">
+              <a:off x="10265478" y="4970740"/>
+              <a:ext cx="784044" cy="1"/>
+            </a:xfrm>
+            <a:prstGeom prst="straightConnector1">
+              <a:avLst/>
+            </a:prstGeom>
+            <a:ln w="69850">
+              <a:solidFill>
+                <a:schemeClr val="tx1"/>
+              </a:solidFill>
+              <a:tailEnd type="triangle"/>
+            </a:ln>
+          </p:spPr>
+          <p:style>
+            <a:lnRef idx="1">
+              <a:schemeClr val="accent1"/>
+            </a:lnRef>
+            <a:fillRef idx="0">
+              <a:schemeClr val="accent1"/>
+            </a:fillRef>
+            <a:effectRef idx="0">
+              <a:schemeClr val="accent1"/>
+            </a:effectRef>
+            <a:fontRef idx="minor">
+              <a:schemeClr val="tx1"/>
+            </a:fontRef>
+          </p:style>
+        </p:cxnSp>
+        <p:sp>
+          <p:nvSpPr>
+            <p:cNvPr id="50" name="TextBox 49">
+              <a:extLst>
+                <a:ext uri="{FF2B5EF4-FFF2-40B4-BE49-F238E27FC236}">
+                  <a16:creationId xmlns:a16="http://schemas.microsoft.com/office/drawing/2014/main" id="{62565618-FE89-FE4B-9034-3B7BF1051BB6}"/>
+                </a:ext>
+              </a:extLst>
+            </p:cNvPr>
+            <p:cNvSpPr txBox="1"/>
+            <p:nvPr/>
+          </p:nvSpPr>
+          <p:spPr>
+            <a:xfrm>
+              <a:off x="9558246" y="4820959"/>
+              <a:ext cx="591829" cy="461665"/>
+            </a:xfrm>
+            <a:prstGeom prst="rect">
+              <a:avLst/>
+            </a:prstGeom>
+            <a:noFill/>
+          </p:spPr>
+          <p:txBody>
+            <a:bodyPr wrap="none" rtlCol="0">
+              <a:spAutoFit/>
+            </a:bodyPr>
+            <a:lstStyle/>
+            <a:p>
+              <a:r>
+                <a:rPr lang="en-US" sz="2400" dirty="0"/>
+                <a:t>g(.)</a:t>
+              </a:r>
+            </a:p>
+          </p:txBody>
+        </p:sp>
+        <p:sp>
+          <p:nvSpPr>
+            <p:cNvPr id="51" name="TextBox 50">
+              <a:extLst>
+                <a:ext uri="{FF2B5EF4-FFF2-40B4-BE49-F238E27FC236}">
+                  <a16:creationId xmlns:a16="http://schemas.microsoft.com/office/drawing/2014/main" id="{1648A1F8-0B26-4245-A0AD-5F0DD6AC13B8}"/>
+                </a:ext>
+              </a:extLst>
+            </p:cNvPr>
+            <p:cNvSpPr txBox="1"/>
+            <p:nvPr/>
+          </p:nvSpPr>
+          <p:spPr>
+            <a:xfrm>
+              <a:off x="8428035" y="3875547"/>
+              <a:ext cx="1024639" cy="461665"/>
+            </a:xfrm>
+            <a:prstGeom prst="rect">
+              <a:avLst/>
+            </a:prstGeom>
+            <a:noFill/>
+          </p:spPr>
+          <p:txBody>
+            <a:bodyPr wrap="none" rtlCol="0">
+              <a:spAutoFit/>
+            </a:bodyPr>
+            <a:lstStyle/>
+            <a:p>
+              <a:r>
+                <a:rPr lang="en-US" sz="2400" dirty="0"/>
+                <a:t>w1=10</a:t>
+              </a:r>
+            </a:p>
+          </p:txBody>
+        </p:sp>
+        <p:sp>
+          <p:nvSpPr>
+            <p:cNvPr id="52" name="TextBox 51">
+              <a:extLst>
+                <a:ext uri="{FF2B5EF4-FFF2-40B4-BE49-F238E27FC236}">
+                  <a16:creationId xmlns:a16="http://schemas.microsoft.com/office/drawing/2014/main" id="{907E2BE2-0E15-4341-8E96-ABD83CCC5F1B}"/>
+                </a:ext>
+              </a:extLst>
+            </p:cNvPr>
+            <p:cNvSpPr txBox="1"/>
+            <p:nvPr/>
+          </p:nvSpPr>
+          <p:spPr>
+            <a:xfrm>
+              <a:off x="8092619" y="4596649"/>
+              <a:ext cx="869149" cy="461665"/>
+            </a:xfrm>
+            <a:prstGeom prst="rect">
+              <a:avLst/>
+            </a:prstGeom>
+            <a:noFill/>
+          </p:spPr>
+          <p:txBody>
+            <a:bodyPr wrap="none" rtlCol="0">
+              <a:spAutoFit/>
+            </a:bodyPr>
+            <a:lstStyle/>
+            <a:p>
+              <a:r>
+                <a:rPr lang="en-US" sz="2400" dirty="0"/>
+                <a:t>w2=0</a:t>
+              </a:r>
+            </a:p>
+          </p:txBody>
+        </p:sp>
+        <p:sp>
+          <p:nvSpPr>
+            <p:cNvPr id="53" name="TextBox 52">
+              <a:extLst>
+                <a:ext uri="{FF2B5EF4-FFF2-40B4-BE49-F238E27FC236}">
+                  <a16:creationId xmlns:a16="http://schemas.microsoft.com/office/drawing/2014/main" id="{D05DAAAC-0E1D-4746-ADB8-77D75505CD7C}"/>
+                </a:ext>
+              </a:extLst>
+            </p:cNvPr>
+            <p:cNvSpPr txBox="1"/>
+            <p:nvPr/>
+          </p:nvSpPr>
+          <p:spPr>
+            <a:xfrm>
+              <a:off x="8622668" y="5498148"/>
+              <a:ext cx="963725" cy="461665"/>
+            </a:xfrm>
+            <a:prstGeom prst="rect">
+              <a:avLst/>
+            </a:prstGeom>
+            <a:noFill/>
+          </p:spPr>
+          <p:txBody>
+            <a:bodyPr wrap="none" rtlCol="0">
+              <a:spAutoFit/>
+            </a:bodyPr>
+            <a:lstStyle/>
+            <a:p>
+              <a:r>
+                <a:rPr lang="en-US" sz="2400" dirty="0"/>
+                <a:t>w3=-1</a:t>
+              </a:r>
+            </a:p>
+          </p:txBody>
+        </p:sp>
+        <p:sp>
+          <p:nvSpPr>
+            <p:cNvPr id="54" name="TextBox 53">
+              <a:extLst>
+                <a:ext uri="{FF2B5EF4-FFF2-40B4-BE49-F238E27FC236}">
+                  <a16:creationId xmlns:a16="http://schemas.microsoft.com/office/drawing/2014/main" id="{1F4445E4-5D6C-0149-A4EA-EC99A583C241}"/>
+                </a:ext>
+              </a:extLst>
+            </p:cNvPr>
+            <p:cNvSpPr txBox="1"/>
+            <p:nvPr/>
+          </p:nvSpPr>
+          <p:spPr>
+            <a:xfrm>
+              <a:off x="7135445" y="3829432"/>
+              <a:ext cx="522900" cy="523220"/>
+            </a:xfrm>
+            <a:prstGeom prst="rect">
+              <a:avLst/>
+            </a:prstGeom>
+            <a:noFill/>
+          </p:spPr>
+          <p:txBody>
+            <a:bodyPr wrap="none" rtlCol="0">
+              <a:spAutoFit/>
+            </a:bodyPr>
+            <a:lstStyle/>
+            <a:p>
+              <a:r>
+                <a:rPr lang="en-US" sz="2800" dirty="0"/>
+                <a:t>x1</a:t>
+              </a:r>
+            </a:p>
+          </p:txBody>
+        </p:sp>
+        <p:sp>
+          <p:nvSpPr>
+            <p:cNvPr id="55" name="TextBox 54">
+              <a:extLst>
+                <a:ext uri="{FF2B5EF4-FFF2-40B4-BE49-F238E27FC236}">
+                  <a16:creationId xmlns:a16="http://schemas.microsoft.com/office/drawing/2014/main" id="{7F539C38-1312-954D-AD01-6434E8CC8318}"/>
+                </a:ext>
+              </a:extLst>
+            </p:cNvPr>
+            <p:cNvSpPr txBox="1"/>
+            <p:nvPr/>
+          </p:nvSpPr>
+          <p:spPr>
+            <a:xfrm>
+              <a:off x="7297382" y="4689314"/>
+              <a:ext cx="473206" cy="461665"/>
+            </a:xfrm>
+            <a:prstGeom prst="rect">
+              <a:avLst/>
+            </a:prstGeom>
+            <a:noFill/>
+          </p:spPr>
+          <p:txBody>
+            <a:bodyPr wrap="none" rtlCol="0">
+              <a:spAutoFit/>
+            </a:bodyPr>
+            <a:lstStyle/>
+            <a:p>
+              <a:r>
+                <a:rPr lang="en-US" sz="2400" dirty="0"/>
+                <a:t>x2</a:t>
+              </a:r>
+            </a:p>
+          </p:txBody>
+        </p:sp>
+        <p:sp>
+          <p:nvSpPr>
+            <p:cNvPr id="56" name="TextBox 55">
+              <a:extLst>
+                <a:ext uri="{FF2B5EF4-FFF2-40B4-BE49-F238E27FC236}">
+                  <a16:creationId xmlns:a16="http://schemas.microsoft.com/office/drawing/2014/main" id="{CD3CD1C7-5AF3-5C49-8744-F2A60B37F09A}"/>
+                </a:ext>
+              </a:extLst>
+            </p:cNvPr>
+            <p:cNvSpPr txBox="1"/>
+            <p:nvPr/>
+          </p:nvSpPr>
+          <p:spPr>
+            <a:xfrm>
+              <a:off x="7391398" y="5590569"/>
+              <a:ext cx="473206" cy="461665"/>
+            </a:xfrm>
+            <a:prstGeom prst="rect">
+              <a:avLst/>
+            </a:prstGeom>
+            <a:noFill/>
+          </p:spPr>
+          <p:txBody>
+            <a:bodyPr wrap="none" rtlCol="0">
+              <a:spAutoFit/>
+            </a:bodyPr>
+            <a:lstStyle/>
+            <a:p>
+              <a:r>
+                <a:rPr lang="en-US" sz="2400" dirty="0"/>
+                <a:t>x3</a:t>
+              </a:r>
+            </a:p>
+          </p:txBody>
+        </p:sp>
+      </p:grpSp>
+      <p:grpSp>
+        <p:nvGrpSpPr>
+          <p:cNvPr id="4" name="Group 3">
+            <a:extLst>
+              <a:ext uri="{FF2B5EF4-FFF2-40B4-BE49-F238E27FC236}">
+                <a16:creationId xmlns:a16="http://schemas.microsoft.com/office/drawing/2014/main" id="{34B68FEB-4A38-F649-894E-F7F40D7BB95B}"/>
+              </a:ext>
+            </a:extLst>
+          </p:cNvPr>
+          <p:cNvGrpSpPr/>
+          <p:nvPr/>
+        </p:nvGrpSpPr>
+        <p:grpSpPr>
+          <a:xfrm>
+            <a:off x="6862320" y="1766097"/>
+            <a:ext cx="2943704" cy="2081822"/>
+            <a:chOff x="7193219" y="928450"/>
+            <a:chExt cx="3776987" cy="2176687"/>
+          </a:xfrm>
+        </p:grpSpPr>
+        <p:sp>
+          <p:nvSpPr>
+            <p:cNvPr id="57" name="Oval 56">
+              <a:extLst>
+                <a:ext uri="{FF2B5EF4-FFF2-40B4-BE49-F238E27FC236}">
+                  <a16:creationId xmlns:a16="http://schemas.microsoft.com/office/drawing/2014/main" id="{F1F63B8A-308B-3549-B600-87790C45677D}"/>
+                </a:ext>
+              </a:extLst>
+            </p:cNvPr>
+            <p:cNvSpPr/>
+            <p:nvPr/>
+          </p:nvSpPr>
+          <p:spPr>
+            <a:xfrm>
+              <a:off x="9293216" y="1657828"/>
+              <a:ext cx="863871" cy="806845"/>
+            </a:xfrm>
+            <a:prstGeom prst="ellipse">
+              <a:avLst/>
+            </a:prstGeom>
+            <a:noFill/>
+            <a:ln>
+              <a:solidFill>
+                <a:schemeClr val="dk1"/>
+              </a:solidFill>
+            </a:ln>
+          </p:spPr>
+          <p:style>
+            <a:lnRef idx="2">
+              <a:schemeClr val="accent1">
+                <a:shade val="50000"/>
+              </a:schemeClr>
+            </a:lnRef>
+            <a:fillRef idx="1">
+              <a:schemeClr val="accent1"/>
+            </a:fillRef>
+            <a:effectRef idx="0">
+              <a:schemeClr val="accent1"/>
+            </a:effectRef>
+            <a:fontRef idx="minor">
+              <a:schemeClr val="lt1"/>
+            </a:fontRef>
+          </p:style>
+          <p:txBody>
+            <a:bodyPr rtlCol="0" anchor="ctr"/>
+            <a:lstStyle/>
+            <a:p>
+              <a:pPr algn="ctr"/>
+              <a:endParaRPr lang="en-GB" sz="1799"/>
+            </a:p>
+          </p:txBody>
+        </p:sp>
+        <p:cxnSp>
+          <p:nvCxnSpPr>
+            <p:cNvPr id="58" name="Straight Arrow Connector 57">
+              <a:extLst>
+                <a:ext uri="{FF2B5EF4-FFF2-40B4-BE49-F238E27FC236}">
+                  <a16:creationId xmlns:a16="http://schemas.microsoft.com/office/drawing/2014/main" id="{79395787-7156-114F-8D72-2074EA16F394}"/>
+                </a:ext>
+              </a:extLst>
+            </p:cNvPr>
+            <p:cNvCxnSpPr>
+              <a:endCxn id="57" idx="2"/>
+            </p:cNvCxnSpPr>
+            <p:nvPr/>
+          </p:nvCxnSpPr>
+          <p:spPr>
+            <a:xfrm>
+              <a:off x="7793489" y="2058528"/>
+              <a:ext cx="1499727" cy="2723"/>
+            </a:xfrm>
+            <a:prstGeom prst="straightConnector1">
+              <a:avLst/>
+            </a:prstGeom>
+            <a:ln w="69850">
+              <a:solidFill>
+                <a:schemeClr val="tx1"/>
+              </a:solidFill>
+              <a:tailEnd type="triangle"/>
+            </a:ln>
+          </p:spPr>
+          <p:style>
+            <a:lnRef idx="1">
+              <a:schemeClr val="accent1"/>
+            </a:lnRef>
+            <a:fillRef idx="0">
+              <a:schemeClr val="accent1"/>
+            </a:fillRef>
+            <a:effectRef idx="0">
+              <a:schemeClr val="accent1"/>
+            </a:effectRef>
+            <a:fontRef idx="minor">
+              <a:schemeClr val="tx1"/>
+            </a:fontRef>
+          </p:style>
+        </p:cxnSp>
+        <p:cxnSp>
+          <p:nvCxnSpPr>
+            <p:cNvPr id="59" name="Straight Arrow Connector 58">
+              <a:extLst>
+                <a:ext uri="{FF2B5EF4-FFF2-40B4-BE49-F238E27FC236}">
+                  <a16:creationId xmlns:a16="http://schemas.microsoft.com/office/drawing/2014/main" id="{098DFA99-0265-C440-8B76-E1F35B95D6A3}"/>
+                </a:ext>
+              </a:extLst>
+            </p:cNvPr>
+            <p:cNvCxnSpPr>
+              <a:cxnSpLocks/>
+              <a:endCxn id="57" idx="3"/>
+            </p:cNvCxnSpPr>
+            <p:nvPr/>
+          </p:nvCxnSpPr>
+          <p:spPr>
+            <a:xfrm flipV="1">
+              <a:off x="7793489" y="2346513"/>
+              <a:ext cx="1626238" cy="417638"/>
+            </a:xfrm>
+            <a:prstGeom prst="straightConnector1">
+              <a:avLst/>
+            </a:prstGeom>
+            <a:ln w="69850">
+              <a:solidFill>
+                <a:schemeClr val="tx1"/>
+              </a:solidFill>
+              <a:tailEnd type="triangle"/>
+            </a:ln>
+          </p:spPr>
+          <p:style>
+            <a:lnRef idx="1">
+              <a:schemeClr val="accent1"/>
+            </a:lnRef>
+            <a:fillRef idx="0">
+              <a:schemeClr val="accent1"/>
+            </a:fillRef>
+            <a:effectRef idx="0">
+              <a:schemeClr val="accent1"/>
+            </a:effectRef>
+            <a:fontRef idx="minor">
+              <a:schemeClr val="tx1"/>
+            </a:fontRef>
+          </p:style>
+        </p:cxnSp>
+        <p:cxnSp>
+          <p:nvCxnSpPr>
+            <p:cNvPr id="60" name="Straight Arrow Connector 59">
+              <a:extLst>
+                <a:ext uri="{FF2B5EF4-FFF2-40B4-BE49-F238E27FC236}">
+                  <a16:creationId xmlns:a16="http://schemas.microsoft.com/office/drawing/2014/main" id="{7E21C1E5-7E7B-684E-A970-EC7288A89F77}"/>
+                </a:ext>
+              </a:extLst>
+            </p:cNvPr>
+            <p:cNvCxnSpPr>
+              <a:cxnSpLocks/>
+              <a:endCxn id="57" idx="1"/>
+            </p:cNvCxnSpPr>
+            <p:nvPr/>
+          </p:nvCxnSpPr>
+          <p:spPr>
+            <a:xfrm>
+              <a:off x="7793489" y="1194964"/>
+              <a:ext cx="1626238" cy="581024"/>
+            </a:xfrm>
+            <a:prstGeom prst="straightConnector1">
+              <a:avLst/>
+            </a:prstGeom>
+            <a:ln w="69850">
+              <a:solidFill>
+                <a:schemeClr val="tx1"/>
+              </a:solidFill>
+              <a:tailEnd type="triangle"/>
+            </a:ln>
+          </p:spPr>
+          <p:style>
+            <a:lnRef idx="1">
+              <a:schemeClr val="accent1"/>
+            </a:lnRef>
+            <a:fillRef idx="0">
+              <a:schemeClr val="accent1"/>
+            </a:fillRef>
+            <a:effectRef idx="0">
+              <a:schemeClr val="accent1"/>
+            </a:effectRef>
+            <a:fontRef idx="minor">
+              <a:schemeClr val="tx1"/>
+            </a:fontRef>
+          </p:style>
+        </p:cxnSp>
+        <p:cxnSp>
+          <p:nvCxnSpPr>
+            <p:cNvPr id="61" name="Straight Arrow Connector 60">
+              <a:extLst>
+                <a:ext uri="{FF2B5EF4-FFF2-40B4-BE49-F238E27FC236}">
+                  <a16:creationId xmlns:a16="http://schemas.microsoft.com/office/drawing/2014/main" id="{65E5252B-4CB6-5D4E-9668-3FE627BCBC94}"/>
+                </a:ext>
+              </a:extLst>
+            </p:cNvPr>
+            <p:cNvCxnSpPr>
+              <a:cxnSpLocks/>
+            </p:cNvCxnSpPr>
+            <p:nvPr/>
+          </p:nvCxnSpPr>
+          <p:spPr>
+            <a:xfrm flipV="1">
+              <a:off x="10186162" y="2023643"/>
+              <a:ext cx="784044" cy="1"/>
+            </a:xfrm>
+            <a:prstGeom prst="straightConnector1">
+              <a:avLst/>
+            </a:prstGeom>
+            <a:ln w="69850">
+              <a:solidFill>
+                <a:schemeClr val="tx1"/>
+              </a:solidFill>
+              <a:tailEnd type="triangle"/>
+            </a:ln>
+          </p:spPr>
+          <p:style>
+            <a:lnRef idx="1">
+              <a:schemeClr val="accent1"/>
+            </a:lnRef>
+            <a:fillRef idx="0">
+              <a:schemeClr val="accent1"/>
+            </a:fillRef>
+            <a:effectRef idx="0">
+              <a:schemeClr val="accent1"/>
+            </a:effectRef>
+            <a:fontRef idx="minor">
+              <a:schemeClr val="tx1"/>
+            </a:fontRef>
+          </p:style>
+        </p:cxnSp>
+        <p:sp>
+          <p:nvSpPr>
+            <p:cNvPr id="62" name="TextBox 61">
+              <a:extLst>
+                <a:ext uri="{FF2B5EF4-FFF2-40B4-BE49-F238E27FC236}">
+                  <a16:creationId xmlns:a16="http://schemas.microsoft.com/office/drawing/2014/main" id="{8E9E61C3-54AC-584A-A55C-CDFF4B2F84F1}"/>
+                </a:ext>
+              </a:extLst>
+            </p:cNvPr>
+            <p:cNvSpPr txBox="1"/>
+            <p:nvPr/>
+          </p:nvSpPr>
+          <p:spPr>
+            <a:xfrm>
+              <a:off x="9478930" y="1873862"/>
+              <a:ext cx="591829" cy="461665"/>
+            </a:xfrm>
+            <a:prstGeom prst="rect">
+              <a:avLst/>
+            </a:prstGeom>
+            <a:noFill/>
+          </p:spPr>
+          <p:txBody>
+            <a:bodyPr wrap="none" rtlCol="0">
+              <a:spAutoFit/>
+            </a:bodyPr>
+            <a:lstStyle/>
+            <a:p>
+              <a:r>
+                <a:rPr lang="en-US" sz="2400" dirty="0"/>
+                <a:t>g(.)</a:t>
+              </a:r>
+            </a:p>
+          </p:txBody>
+        </p:sp>
+        <p:sp>
+          <p:nvSpPr>
+            <p:cNvPr id="63" name="TextBox 62">
+              <a:extLst>
+                <a:ext uri="{FF2B5EF4-FFF2-40B4-BE49-F238E27FC236}">
+                  <a16:creationId xmlns:a16="http://schemas.microsoft.com/office/drawing/2014/main" id="{4024907B-35F4-654E-903A-065276E8F163}"/>
+                </a:ext>
+              </a:extLst>
+            </p:cNvPr>
+            <p:cNvSpPr txBox="1"/>
+            <p:nvPr/>
+          </p:nvSpPr>
+          <p:spPr>
+            <a:xfrm>
+              <a:off x="8348719" y="928450"/>
+              <a:ext cx="869149" cy="461665"/>
+            </a:xfrm>
+            <a:prstGeom prst="rect">
+              <a:avLst/>
+            </a:prstGeom>
+            <a:noFill/>
+          </p:spPr>
+          <p:txBody>
+            <a:bodyPr wrap="none" rtlCol="0">
+              <a:spAutoFit/>
+            </a:bodyPr>
+            <a:lstStyle/>
+            <a:p>
+              <a:r>
+                <a:rPr lang="en-US" sz="2400" dirty="0"/>
+                <a:t>w1=1</a:t>
+              </a:r>
+            </a:p>
+          </p:txBody>
+        </p:sp>
+        <p:sp>
+          <p:nvSpPr>
+            <p:cNvPr id="64" name="TextBox 63">
+              <a:extLst>
+                <a:ext uri="{FF2B5EF4-FFF2-40B4-BE49-F238E27FC236}">
+                  <a16:creationId xmlns:a16="http://schemas.microsoft.com/office/drawing/2014/main" id="{8A996B94-DF88-1E4E-9621-963F7ACA4A1D}"/>
+                </a:ext>
+              </a:extLst>
+            </p:cNvPr>
+            <p:cNvSpPr txBox="1"/>
+            <p:nvPr/>
+          </p:nvSpPr>
+          <p:spPr>
+            <a:xfrm>
+              <a:off x="8013303" y="1649552"/>
+              <a:ext cx="869149" cy="461665"/>
+            </a:xfrm>
+            <a:prstGeom prst="rect">
+              <a:avLst/>
+            </a:prstGeom>
+            <a:noFill/>
+          </p:spPr>
+          <p:txBody>
+            <a:bodyPr wrap="none" rtlCol="0">
+              <a:spAutoFit/>
+            </a:bodyPr>
+            <a:lstStyle/>
+            <a:p>
+              <a:r>
+                <a:rPr lang="en-US" sz="2400" dirty="0"/>
+                <a:t>w2=0</a:t>
+              </a:r>
+            </a:p>
+          </p:txBody>
+        </p:sp>
+        <p:sp>
+          <p:nvSpPr>
+            <p:cNvPr id="65" name="TextBox 64">
+              <a:extLst>
+                <a:ext uri="{FF2B5EF4-FFF2-40B4-BE49-F238E27FC236}">
+                  <a16:creationId xmlns:a16="http://schemas.microsoft.com/office/drawing/2014/main" id="{0E0FFF72-FECC-1943-B0AE-B7ADE98B68FA}"/>
+                </a:ext>
+              </a:extLst>
+            </p:cNvPr>
+            <p:cNvSpPr txBox="1"/>
+            <p:nvPr/>
+          </p:nvSpPr>
+          <p:spPr>
+            <a:xfrm>
+              <a:off x="8543352" y="2551051"/>
+              <a:ext cx="963725" cy="461665"/>
+            </a:xfrm>
+            <a:prstGeom prst="rect">
+              <a:avLst/>
+            </a:prstGeom>
+            <a:noFill/>
+          </p:spPr>
+          <p:txBody>
+            <a:bodyPr wrap="none" rtlCol="0">
+              <a:spAutoFit/>
+            </a:bodyPr>
+            <a:lstStyle/>
+            <a:p>
+              <a:r>
+                <a:rPr lang="en-US" sz="2400" dirty="0"/>
+                <a:t>w3=-3</a:t>
+              </a:r>
+            </a:p>
+          </p:txBody>
+        </p:sp>
+        <p:sp>
+          <p:nvSpPr>
+            <p:cNvPr id="66" name="TextBox 65">
+              <a:extLst>
+                <a:ext uri="{FF2B5EF4-FFF2-40B4-BE49-F238E27FC236}">
+                  <a16:creationId xmlns:a16="http://schemas.microsoft.com/office/drawing/2014/main" id="{CD45639F-64CE-F84E-81CC-9FF1DB91E83F}"/>
+                </a:ext>
+              </a:extLst>
+            </p:cNvPr>
+            <p:cNvSpPr txBox="1"/>
+            <p:nvPr/>
+          </p:nvSpPr>
+          <p:spPr>
+            <a:xfrm>
+              <a:off x="7193219" y="928450"/>
+              <a:ext cx="522900" cy="523220"/>
+            </a:xfrm>
+            <a:prstGeom prst="rect">
+              <a:avLst/>
+            </a:prstGeom>
+            <a:noFill/>
+          </p:spPr>
+          <p:txBody>
+            <a:bodyPr wrap="none" rtlCol="0">
+              <a:spAutoFit/>
+            </a:bodyPr>
+            <a:lstStyle/>
+            <a:p>
+              <a:r>
+                <a:rPr lang="en-US" sz="2800" dirty="0"/>
+                <a:t>x1</a:t>
+              </a:r>
+            </a:p>
+          </p:txBody>
+        </p:sp>
+        <p:sp>
+          <p:nvSpPr>
+            <p:cNvPr id="67" name="TextBox 66">
+              <a:extLst>
+                <a:ext uri="{FF2B5EF4-FFF2-40B4-BE49-F238E27FC236}">
+                  <a16:creationId xmlns:a16="http://schemas.microsoft.com/office/drawing/2014/main" id="{82B1F6F2-D045-8841-9E54-C8892B3C2B61}"/>
+                </a:ext>
+              </a:extLst>
+            </p:cNvPr>
+            <p:cNvSpPr txBox="1"/>
+            <p:nvPr/>
+          </p:nvSpPr>
+          <p:spPr>
+            <a:xfrm>
+              <a:off x="7218066" y="1742217"/>
+              <a:ext cx="473206" cy="461665"/>
+            </a:xfrm>
+            <a:prstGeom prst="rect">
+              <a:avLst/>
+            </a:prstGeom>
+            <a:noFill/>
+          </p:spPr>
+          <p:txBody>
+            <a:bodyPr wrap="none" rtlCol="0">
+              <a:spAutoFit/>
+            </a:bodyPr>
+            <a:lstStyle/>
+            <a:p>
+              <a:r>
+                <a:rPr lang="en-US" sz="2400" dirty="0"/>
+                <a:t>x2</a:t>
+              </a:r>
+            </a:p>
+          </p:txBody>
+        </p:sp>
+        <p:sp>
+          <p:nvSpPr>
+            <p:cNvPr id="68" name="TextBox 67">
+              <a:extLst>
+                <a:ext uri="{FF2B5EF4-FFF2-40B4-BE49-F238E27FC236}">
+                  <a16:creationId xmlns:a16="http://schemas.microsoft.com/office/drawing/2014/main" id="{F12D9F8B-182E-9440-9808-DD3706423AD1}"/>
+                </a:ext>
+              </a:extLst>
+            </p:cNvPr>
+            <p:cNvSpPr txBox="1"/>
+            <p:nvPr/>
+          </p:nvSpPr>
+          <p:spPr>
+            <a:xfrm>
+              <a:off x="7312082" y="2643472"/>
+              <a:ext cx="473206" cy="461665"/>
+            </a:xfrm>
+            <a:prstGeom prst="rect">
+              <a:avLst/>
+            </a:prstGeom>
+            <a:noFill/>
+          </p:spPr>
+          <p:txBody>
+            <a:bodyPr wrap="none" rtlCol="0">
+              <a:spAutoFit/>
+            </a:bodyPr>
+            <a:lstStyle/>
+            <a:p>
+              <a:r>
+                <a:rPr lang="en-US" sz="2400" dirty="0"/>
+                <a:t>x3</a:t>
+              </a:r>
+            </a:p>
+          </p:txBody>
+        </p:sp>
+      </p:grpSp>
+      <p:grpSp>
+        <p:nvGrpSpPr>
+          <p:cNvPr id="6" name="Group 5">
+            <a:extLst>
+              <a:ext uri="{FF2B5EF4-FFF2-40B4-BE49-F238E27FC236}">
+                <a16:creationId xmlns:a16="http://schemas.microsoft.com/office/drawing/2014/main" id="{094FD206-0345-774D-9694-C4BD92D91049}"/>
+              </a:ext>
+            </a:extLst>
+          </p:cNvPr>
+          <p:cNvGrpSpPr/>
+          <p:nvPr/>
+        </p:nvGrpSpPr>
+        <p:grpSpPr>
+          <a:xfrm>
+            <a:off x="2619928" y="3836958"/>
+            <a:ext cx="2992331" cy="2107227"/>
+            <a:chOff x="1581007" y="4407461"/>
+            <a:chExt cx="3752140" cy="2184569"/>
+          </a:xfrm>
+        </p:grpSpPr>
+        <p:sp>
+          <p:nvSpPr>
+            <p:cNvPr id="69" name="Oval 68">
+              <a:extLst>
+                <a:ext uri="{FF2B5EF4-FFF2-40B4-BE49-F238E27FC236}">
+                  <a16:creationId xmlns:a16="http://schemas.microsoft.com/office/drawing/2014/main" id="{55852F18-340D-0E47-8BE0-37EDD099B0BC}"/>
+                </a:ext>
+              </a:extLst>
+            </p:cNvPr>
+            <p:cNvSpPr/>
+            <p:nvPr/>
+          </p:nvSpPr>
+          <p:spPr>
+            <a:xfrm>
+              <a:off x="3656157" y="5144721"/>
+              <a:ext cx="863871" cy="806845"/>
+            </a:xfrm>
+            <a:prstGeom prst="ellipse">
+              <a:avLst/>
+            </a:prstGeom>
+            <a:noFill/>
+            <a:ln>
+              <a:solidFill>
+                <a:schemeClr val="dk1"/>
+              </a:solidFill>
+            </a:ln>
+          </p:spPr>
+          <p:style>
+            <a:lnRef idx="2">
+              <a:schemeClr val="accent1">
+                <a:shade val="50000"/>
+              </a:schemeClr>
+            </a:lnRef>
+            <a:fillRef idx="1">
+              <a:schemeClr val="accent1"/>
+            </a:fillRef>
+            <a:effectRef idx="0">
+              <a:schemeClr val="accent1"/>
+            </a:effectRef>
+            <a:fontRef idx="minor">
+              <a:schemeClr val="lt1"/>
+            </a:fontRef>
+          </p:style>
+          <p:txBody>
+            <a:bodyPr rtlCol="0" anchor="ctr"/>
+            <a:lstStyle/>
+            <a:p>
+              <a:pPr algn="ctr"/>
+              <a:endParaRPr lang="en-GB" sz="1799"/>
+            </a:p>
+          </p:txBody>
+        </p:sp>
+        <p:cxnSp>
+          <p:nvCxnSpPr>
+            <p:cNvPr id="70" name="Straight Arrow Connector 69">
+              <a:extLst>
+                <a:ext uri="{FF2B5EF4-FFF2-40B4-BE49-F238E27FC236}">
+                  <a16:creationId xmlns:a16="http://schemas.microsoft.com/office/drawing/2014/main" id="{1E03943D-4A7C-4F4F-B129-908C8F5927EB}"/>
+                </a:ext>
+              </a:extLst>
+            </p:cNvPr>
+            <p:cNvCxnSpPr>
+              <a:endCxn id="69" idx="2"/>
+            </p:cNvCxnSpPr>
+            <p:nvPr/>
+          </p:nvCxnSpPr>
+          <p:spPr>
+            <a:xfrm>
+              <a:off x="2156430" y="5545421"/>
+              <a:ext cx="1499727" cy="2723"/>
+            </a:xfrm>
+            <a:prstGeom prst="straightConnector1">
+              <a:avLst/>
+            </a:prstGeom>
+            <a:ln w="69850">
+              <a:solidFill>
+                <a:schemeClr val="tx1"/>
+              </a:solidFill>
+              <a:tailEnd type="triangle"/>
+            </a:ln>
+          </p:spPr>
+          <p:style>
+            <a:lnRef idx="1">
+              <a:schemeClr val="accent1"/>
+            </a:lnRef>
+            <a:fillRef idx="0">
+              <a:schemeClr val="accent1"/>
+            </a:fillRef>
+            <a:effectRef idx="0">
+              <a:schemeClr val="accent1"/>
+            </a:effectRef>
+            <a:fontRef idx="minor">
+              <a:schemeClr val="tx1"/>
+            </a:fontRef>
+          </p:style>
+        </p:cxnSp>
+        <p:cxnSp>
+          <p:nvCxnSpPr>
+            <p:cNvPr id="71" name="Straight Arrow Connector 70">
+              <a:extLst>
+                <a:ext uri="{FF2B5EF4-FFF2-40B4-BE49-F238E27FC236}">
+                  <a16:creationId xmlns:a16="http://schemas.microsoft.com/office/drawing/2014/main" id="{B699B3B8-A6A9-CF43-931A-4A7A608CDBE4}"/>
+                </a:ext>
+              </a:extLst>
+            </p:cNvPr>
+            <p:cNvCxnSpPr>
+              <a:cxnSpLocks/>
+              <a:endCxn id="69" idx="3"/>
+            </p:cNvCxnSpPr>
+            <p:nvPr/>
+          </p:nvCxnSpPr>
+          <p:spPr>
+            <a:xfrm flipV="1">
+              <a:off x="2156430" y="5833406"/>
+              <a:ext cx="1626238" cy="417638"/>
+            </a:xfrm>
+            <a:prstGeom prst="straightConnector1">
+              <a:avLst/>
+            </a:prstGeom>
+            <a:ln w="69850">
+              <a:solidFill>
+                <a:schemeClr val="tx1"/>
+              </a:solidFill>
+              <a:tailEnd type="triangle"/>
+            </a:ln>
+          </p:spPr>
+          <p:style>
+            <a:lnRef idx="1">
+              <a:schemeClr val="accent1"/>
+            </a:lnRef>
+            <a:fillRef idx="0">
+              <a:schemeClr val="accent1"/>
+            </a:fillRef>
+            <a:effectRef idx="0">
+              <a:schemeClr val="accent1"/>
+            </a:effectRef>
+            <a:fontRef idx="minor">
+              <a:schemeClr val="tx1"/>
+            </a:fontRef>
+          </p:style>
+        </p:cxnSp>
+        <p:cxnSp>
+          <p:nvCxnSpPr>
+            <p:cNvPr id="72" name="Straight Arrow Connector 71">
+              <a:extLst>
+                <a:ext uri="{FF2B5EF4-FFF2-40B4-BE49-F238E27FC236}">
+                  <a16:creationId xmlns:a16="http://schemas.microsoft.com/office/drawing/2014/main" id="{06322119-42E2-CE4F-81EF-8C03BB1BE222}"/>
+                </a:ext>
+              </a:extLst>
+            </p:cNvPr>
+            <p:cNvCxnSpPr>
+              <a:cxnSpLocks/>
+              <a:endCxn id="69" idx="1"/>
+            </p:cNvCxnSpPr>
+            <p:nvPr/>
+          </p:nvCxnSpPr>
+          <p:spPr>
+            <a:xfrm>
+              <a:off x="2156430" y="4681857"/>
+              <a:ext cx="1626238" cy="581024"/>
+            </a:xfrm>
+            <a:prstGeom prst="straightConnector1">
+              <a:avLst/>
+            </a:prstGeom>
+            <a:ln w="69850">
+              <a:solidFill>
+                <a:schemeClr val="tx1"/>
+              </a:solidFill>
+              <a:tailEnd type="triangle"/>
+            </a:ln>
+          </p:spPr>
+          <p:style>
+            <a:lnRef idx="1">
+              <a:schemeClr val="accent1"/>
+            </a:lnRef>
+            <a:fillRef idx="0">
+              <a:schemeClr val="accent1"/>
+            </a:fillRef>
+            <a:effectRef idx="0">
+              <a:schemeClr val="accent1"/>
+            </a:effectRef>
+            <a:fontRef idx="minor">
+              <a:schemeClr val="tx1"/>
+            </a:fontRef>
+          </p:style>
+        </p:cxnSp>
+        <p:cxnSp>
+          <p:nvCxnSpPr>
+            <p:cNvPr id="73" name="Straight Arrow Connector 72">
+              <a:extLst>
+                <a:ext uri="{FF2B5EF4-FFF2-40B4-BE49-F238E27FC236}">
+                  <a16:creationId xmlns:a16="http://schemas.microsoft.com/office/drawing/2014/main" id="{558E2A3E-9F98-3C4A-8B54-D50D0C8A0B2B}"/>
+                </a:ext>
+              </a:extLst>
+            </p:cNvPr>
+            <p:cNvCxnSpPr>
+              <a:cxnSpLocks/>
+            </p:cNvCxnSpPr>
+            <p:nvPr/>
+          </p:nvCxnSpPr>
+          <p:spPr>
+            <a:xfrm flipV="1">
+              <a:off x="4549103" y="5510536"/>
+              <a:ext cx="784044" cy="1"/>
+            </a:xfrm>
+            <a:prstGeom prst="straightConnector1">
+              <a:avLst/>
+            </a:prstGeom>
+            <a:ln w="69850">
+              <a:solidFill>
+                <a:schemeClr val="tx1"/>
+              </a:solidFill>
+              <a:tailEnd type="triangle"/>
+            </a:ln>
+          </p:spPr>
+          <p:style>
+            <a:lnRef idx="1">
+              <a:schemeClr val="accent1"/>
+            </a:lnRef>
+            <a:fillRef idx="0">
+              <a:schemeClr val="accent1"/>
+            </a:fillRef>
+            <a:effectRef idx="0">
+              <a:schemeClr val="accent1"/>
+            </a:effectRef>
+            <a:fontRef idx="minor">
+              <a:schemeClr val="tx1"/>
+            </a:fontRef>
+          </p:style>
+        </p:cxnSp>
+        <p:sp>
+          <p:nvSpPr>
+            <p:cNvPr id="74" name="TextBox 73">
+              <a:extLst>
+                <a:ext uri="{FF2B5EF4-FFF2-40B4-BE49-F238E27FC236}">
+                  <a16:creationId xmlns:a16="http://schemas.microsoft.com/office/drawing/2014/main" id="{BFA9CD42-71C0-8140-8E0A-B0F6E76AD78F}"/>
+                </a:ext>
+              </a:extLst>
+            </p:cNvPr>
+            <p:cNvSpPr txBox="1"/>
+            <p:nvPr/>
+          </p:nvSpPr>
+          <p:spPr>
+            <a:xfrm>
+              <a:off x="3841871" y="5360755"/>
+              <a:ext cx="591829" cy="461665"/>
+            </a:xfrm>
+            <a:prstGeom prst="rect">
+              <a:avLst/>
+            </a:prstGeom>
+            <a:noFill/>
+          </p:spPr>
+          <p:txBody>
+            <a:bodyPr wrap="none" rtlCol="0">
+              <a:spAutoFit/>
+            </a:bodyPr>
+            <a:lstStyle/>
+            <a:p>
+              <a:r>
+                <a:rPr lang="en-US" sz="2400" dirty="0"/>
+                <a:t>g(.)</a:t>
+              </a:r>
+            </a:p>
+          </p:txBody>
+        </p:sp>
+        <p:sp>
+          <p:nvSpPr>
+            <p:cNvPr id="75" name="TextBox 74">
+              <a:extLst>
+                <a:ext uri="{FF2B5EF4-FFF2-40B4-BE49-F238E27FC236}">
+                  <a16:creationId xmlns:a16="http://schemas.microsoft.com/office/drawing/2014/main" id="{84C333D1-DAAA-1048-8DB5-5972AAC21CA9}"/>
+                </a:ext>
+              </a:extLst>
+            </p:cNvPr>
+            <p:cNvSpPr txBox="1"/>
+            <p:nvPr/>
+          </p:nvSpPr>
+          <p:spPr>
+            <a:xfrm>
+              <a:off x="2711660" y="4415343"/>
+              <a:ext cx="869149" cy="461665"/>
+            </a:xfrm>
+            <a:prstGeom prst="rect">
+              <a:avLst/>
+            </a:prstGeom>
+            <a:noFill/>
+          </p:spPr>
+          <p:txBody>
+            <a:bodyPr wrap="none" rtlCol="0">
+              <a:spAutoFit/>
+            </a:bodyPr>
+            <a:lstStyle/>
+            <a:p>
+              <a:r>
+                <a:rPr lang="en-US" sz="2400" dirty="0"/>
+                <a:t>w1=1</a:t>
+              </a:r>
+            </a:p>
+          </p:txBody>
+        </p:sp>
+        <p:sp>
+          <p:nvSpPr>
+            <p:cNvPr id="76" name="TextBox 75">
+              <a:extLst>
+                <a:ext uri="{FF2B5EF4-FFF2-40B4-BE49-F238E27FC236}">
+                  <a16:creationId xmlns:a16="http://schemas.microsoft.com/office/drawing/2014/main" id="{F15ED87F-D96E-254F-8F58-C247D51EB23D}"/>
+                </a:ext>
+              </a:extLst>
+            </p:cNvPr>
+            <p:cNvSpPr txBox="1"/>
+            <p:nvPr/>
+          </p:nvSpPr>
+          <p:spPr>
+            <a:xfrm>
+              <a:off x="2376244" y="5136445"/>
+              <a:ext cx="963725" cy="461665"/>
+            </a:xfrm>
+            <a:prstGeom prst="rect">
+              <a:avLst/>
+            </a:prstGeom>
+            <a:noFill/>
+          </p:spPr>
+          <p:txBody>
+            <a:bodyPr wrap="none" rtlCol="0">
+              <a:spAutoFit/>
+            </a:bodyPr>
+            <a:lstStyle/>
+            <a:p>
+              <a:r>
+                <a:rPr lang="en-US" sz="2400" dirty="0"/>
+                <a:t>w2=-3</a:t>
+              </a:r>
+            </a:p>
+          </p:txBody>
+        </p:sp>
+        <p:sp>
+          <p:nvSpPr>
+            <p:cNvPr id="77" name="TextBox 76">
+              <a:extLst>
+                <a:ext uri="{FF2B5EF4-FFF2-40B4-BE49-F238E27FC236}">
+                  <a16:creationId xmlns:a16="http://schemas.microsoft.com/office/drawing/2014/main" id="{D497D02C-32A4-E848-BBCA-3F9AAF0A3C5F}"/>
+                </a:ext>
+              </a:extLst>
+            </p:cNvPr>
+            <p:cNvSpPr txBox="1"/>
+            <p:nvPr/>
+          </p:nvSpPr>
+          <p:spPr>
+            <a:xfrm>
+              <a:off x="2906293" y="6037944"/>
+              <a:ext cx="963725" cy="461665"/>
+            </a:xfrm>
+            <a:prstGeom prst="rect">
+              <a:avLst/>
+            </a:prstGeom>
+            <a:noFill/>
+          </p:spPr>
+          <p:txBody>
+            <a:bodyPr wrap="none" rtlCol="0">
+              <a:spAutoFit/>
+            </a:bodyPr>
+            <a:lstStyle/>
+            <a:p>
+              <a:r>
+                <a:rPr lang="en-US" sz="2400" dirty="0"/>
+                <a:t>w3=-1</a:t>
+              </a:r>
+            </a:p>
+          </p:txBody>
+        </p:sp>
+        <p:sp>
+          <p:nvSpPr>
+            <p:cNvPr id="78" name="TextBox 77">
+              <a:extLst>
+                <a:ext uri="{FF2B5EF4-FFF2-40B4-BE49-F238E27FC236}">
+                  <a16:creationId xmlns:a16="http://schemas.microsoft.com/office/drawing/2014/main" id="{B3C6D002-F015-9249-86FC-3AB2F29EEE3D}"/>
+                </a:ext>
+              </a:extLst>
+            </p:cNvPr>
+            <p:cNvSpPr txBox="1"/>
+            <p:nvPr/>
+          </p:nvSpPr>
+          <p:spPr>
+            <a:xfrm>
+              <a:off x="1617365" y="4407461"/>
+              <a:ext cx="522900" cy="523220"/>
+            </a:xfrm>
+            <a:prstGeom prst="rect">
+              <a:avLst/>
+            </a:prstGeom>
+            <a:noFill/>
+          </p:spPr>
+          <p:txBody>
+            <a:bodyPr wrap="none" rtlCol="0">
+              <a:spAutoFit/>
+            </a:bodyPr>
+            <a:lstStyle/>
+            <a:p>
+              <a:r>
+                <a:rPr lang="en-US" sz="2800" dirty="0"/>
+                <a:t>x1</a:t>
+              </a:r>
+            </a:p>
+          </p:txBody>
+        </p:sp>
+        <p:sp>
+          <p:nvSpPr>
+            <p:cNvPr id="79" name="TextBox 78">
+              <a:extLst>
+                <a:ext uri="{FF2B5EF4-FFF2-40B4-BE49-F238E27FC236}">
+                  <a16:creationId xmlns:a16="http://schemas.microsoft.com/office/drawing/2014/main" id="{9084EEB0-89D3-9E43-996E-AC368383F460}"/>
+                </a:ext>
+              </a:extLst>
+            </p:cNvPr>
+            <p:cNvSpPr txBox="1"/>
+            <p:nvPr/>
+          </p:nvSpPr>
+          <p:spPr>
+            <a:xfrm>
+              <a:off x="1581007" y="5229110"/>
+              <a:ext cx="473206" cy="461665"/>
+            </a:xfrm>
+            <a:prstGeom prst="rect">
+              <a:avLst/>
+            </a:prstGeom>
+            <a:noFill/>
+          </p:spPr>
+          <p:txBody>
+            <a:bodyPr wrap="none" rtlCol="0">
+              <a:spAutoFit/>
+            </a:bodyPr>
+            <a:lstStyle/>
+            <a:p>
+              <a:r>
+                <a:rPr lang="en-US" sz="2400" dirty="0"/>
+                <a:t>x2</a:t>
+              </a:r>
+            </a:p>
+          </p:txBody>
+        </p:sp>
+        <p:sp>
+          <p:nvSpPr>
+            <p:cNvPr id="80" name="TextBox 79">
+              <a:extLst>
+                <a:ext uri="{FF2B5EF4-FFF2-40B4-BE49-F238E27FC236}">
+                  <a16:creationId xmlns:a16="http://schemas.microsoft.com/office/drawing/2014/main" id="{89D47948-742B-144F-832D-2E0B5FE4FC3F}"/>
+                </a:ext>
+              </a:extLst>
+            </p:cNvPr>
+            <p:cNvSpPr txBox="1"/>
+            <p:nvPr/>
+          </p:nvSpPr>
+          <p:spPr>
+            <a:xfrm>
+              <a:off x="1675023" y="6130365"/>
+              <a:ext cx="473206" cy="461665"/>
+            </a:xfrm>
+            <a:prstGeom prst="rect">
+              <a:avLst/>
+            </a:prstGeom>
+            <a:noFill/>
+          </p:spPr>
+          <p:txBody>
+            <a:bodyPr wrap="none" rtlCol="0">
+              <a:spAutoFit/>
+            </a:bodyPr>
+            <a:lstStyle/>
+            <a:p>
+              <a:r>
+                <a:rPr lang="en-US" sz="2400" dirty="0"/>
+                <a:t>x3</a:t>
+              </a:r>
+            </a:p>
+          </p:txBody>
+        </p:sp>
+      </p:grpSp>
       <p:sp>
         <p:nvSpPr>
-          <p:cNvPr id="31" name="Oval 30">
-            <a:extLst>
-              <a:ext uri="{FF2B5EF4-FFF2-40B4-BE49-F238E27FC236}">
-                <a16:creationId xmlns:a16="http://schemas.microsoft.com/office/drawing/2014/main" id="{025BE4B9-39D9-E44F-9348-0DACDA81D55D}"/>
+          <p:cNvPr id="81" name="Freeform 80">
+            <a:extLst>
+              <a:ext uri="{FF2B5EF4-FFF2-40B4-BE49-F238E27FC236}">
+                <a16:creationId xmlns:a16="http://schemas.microsoft.com/office/drawing/2014/main" id="{4E962631-D2B4-F445-B224-02CEA2882D54}"/>
               </a:ext>
             </a:extLst>
           </p:cNvPr>
@@ -16229,18 +18947,1186 @@
         </p:nvSpPr>
         <p:spPr>
           <a:xfrm>
-            <a:off x="3912089" y="2905343"/>
-            <a:ext cx="863871" cy="806845"/>
-          </a:xfrm>
-          <a:prstGeom prst="ellipse">
+            <a:off x="328614" y="1107652"/>
+            <a:ext cx="11572874" cy="5407798"/>
+          </a:xfrm>
+          <a:custGeom>
             <a:avLst/>
-          </a:prstGeom>
-          <a:noFill/>
-          <a:ln>
-            <a:solidFill>
-              <a:schemeClr val="dk1"/>
-            </a:solidFill>
-          </a:ln>
+            <a:gdLst>
+              <a:gd name="connsiteX0" fmla="*/ 667265 w 9205784"/>
+              <a:gd name="connsiteY0" fmla="*/ 3225114 h 4226011"/>
+              <a:gd name="connsiteX1" fmla="*/ 617838 w 9205784"/>
+              <a:gd name="connsiteY1" fmla="*/ 3138617 h 4226011"/>
+              <a:gd name="connsiteX2" fmla="*/ 593125 w 9205784"/>
+              <a:gd name="connsiteY2" fmla="*/ 3101546 h 4226011"/>
+              <a:gd name="connsiteX3" fmla="*/ 568411 w 9205784"/>
+              <a:gd name="connsiteY3" fmla="*/ 3052119 h 4226011"/>
+              <a:gd name="connsiteX4" fmla="*/ 531341 w 9205784"/>
+              <a:gd name="connsiteY4" fmla="*/ 2990335 h 4226011"/>
+              <a:gd name="connsiteX5" fmla="*/ 506627 w 9205784"/>
+              <a:gd name="connsiteY5" fmla="*/ 2928552 h 4226011"/>
+              <a:gd name="connsiteX6" fmla="*/ 395416 w 9205784"/>
+              <a:gd name="connsiteY6" fmla="*/ 2755557 h 4226011"/>
+              <a:gd name="connsiteX7" fmla="*/ 345989 w 9205784"/>
+              <a:gd name="connsiteY7" fmla="*/ 2681417 h 4226011"/>
+              <a:gd name="connsiteX8" fmla="*/ 247135 w 9205784"/>
+              <a:gd name="connsiteY8" fmla="*/ 2520779 h 4226011"/>
+              <a:gd name="connsiteX9" fmla="*/ 172995 w 9205784"/>
+              <a:gd name="connsiteY9" fmla="*/ 2384854 h 4226011"/>
+              <a:gd name="connsiteX10" fmla="*/ 135925 w 9205784"/>
+              <a:gd name="connsiteY10" fmla="*/ 2310714 h 4226011"/>
+              <a:gd name="connsiteX11" fmla="*/ 98854 w 9205784"/>
+              <a:gd name="connsiteY11" fmla="*/ 2248930 h 4226011"/>
+              <a:gd name="connsiteX12" fmla="*/ 86498 w 9205784"/>
+              <a:gd name="connsiteY12" fmla="*/ 2187146 h 4226011"/>
+              <a:gd name="connsiteX13" fmla="*/ 37070 w 9205784"/>
+              <a:gd name="connsiteY13" fmla="*/ 2075935 h 4226011"/>
+              <a:gd name="connsiteX14" fmla="*/ 24714 w 9205784"/>
+              <a:gd name="connsiteY14" fmla="*/ 2014152 h 4226011"/>
+              <a:gd name="connsiteX15" fmla="*/ 12357 w 9205784"/>
+              <a:gd name="connsiteY15" fmla="*/ 1964725 h 4226011"/>
+              <a:gd name="connsiteX16" fmla="*/ 0 w 9205784"/>
+              <a:gd name="connsiteY16" fmla="*/ 1865871 h 4226011"/>
+              <a:gd name="connsiteX17" fmla="*/ 12357 w 9205784"/>
+              <a:gd name="connsiteY17" fmla="*/ 1569308 h 4226011"/>
+              <a:gd name="connsiteX18" fmla="*/ 24714 w 9205784"/>
+              <a:gd name="connsiteY18" fmla="*/ 1532238 h 4226011"/>
+              <a:gd name="connsiteX19" fmla="*/ 86498 w 9205784"/>
+              <a:gd name="connsiteY19" fmla="*/ 1408671 h 4226011"/>
+              <a:gd name="connsiteX20" fmla="*/ 135925 w 9205784"/>
+              <a:gd name="connsiteY20" fmla="*/ 1334530 h 4226011"/>
+              <a:gd name="connsiteX21" fmla="*/ 247135 w 9205784"/>
+              <a:gd name="connsiteY21" fmla="*/ 1223319 h 4226011"/>
+              <a:gd name="connsiteX22" fmla="*/ 284206 w 9205784"/>
+              <a:gd name="connsiteY22" fmla="*/ 1186249 h 4226011"/>
+              <a:gd name="connsiteX23" fmla="*/ 333633 w 9205784"/>
+              <a:gd name="connsiteY23" fmla="*/ 1149179 h 4226011"/>
+              <a:gd name="connsiteX24" fmla="*/ 383060 w 9205784"/>
+              <a:gd name="connsiteY24" fmla="*/ 1099752 h 4226011"/>
+              <a:gd name="connsiteX25" fmla="*/ 420130 w 9205784"/>
+              <a:gd name="connsiteY25" fmla="*/ 1075038 h 4226011"/>
+              <a:gd name="connsiteX26" fmla="*/ 531341 w 9205784"/>
+              <a:gd name="connsiteY26" fmla="*/ 988541 h 4226011"/>
+              <a:gd name="connsiteX27" fmla="*/ 593125 w 9205784"/>
+              <a:gd name="connsiteY27" fmla="*/ 951471 h 4226011"/>
+              <a:gd name="connsiteX28" fmla="*/ 630195 w 9205784"/>
+              <a:gd name="connsiteY28" fmla="*/ 914400 h 4226011"/>
+              <a:gd name="connsiteX29" fmla="*/ 716692 w 9205784"/>
+              <a:gd name="connsiteY29" fmla="*/ 864973 h 4226011"/>
+              <a:gd name="connsiteX30" fmla="*/ 1124465 w 9205784"/>
+              <a:gd name="connsiteY30" fmla="*/ 630195 h 4226011"/>
+              <a:gd name="connsiteX31" fmla="*/ 1507525 w 9205784"/>
+              <a:gd name="connsiteY31" fmla="*/ 481914 h 4226011"/>
+              <a:gd name="connsiteX32" fmla="*/ 1915298 w 9205784"/>
+              <a:gd name="connsiteY32" fmla="*/ 395417 h 4226011"/>
+              <a:gd name="connsiteX33" fmla="*/ 2310714 w 9205784"/>
+              <a:gd name="connsiteY33" fmla="*/ 358346 h 4226011"/>
+              <a:gd name="connsiteX34" fmla="*/ 2953265 w 9205784"/>
+              <a:gd name="connsiteY34" fmla="*/ 370703 h 4226011"/>
+              <a:gd name="connsiteX35" fmla="*/ 3163330 w 9205784"/>
+              <a:gd name="connsiteY35" fmla="*/ 358346 h 4226011"/>
+              <a:gd name="connsiteX36" fmla="*/ 3311611 w 9205784"/>
+              <a:gd name="connsiteY36" fmla="*/ 284206 h 4226011"/>
+              <a:gd name="connsiteX37" fmla="*/ 3410465 w 9205784"/>
+              <a:gd name="connsiteY37" fmla="*/ 247135 h 4226011"/>
+              <a:gd name="connsiteX38" fmla="*/ 3954162 w 9205784"/>
+              <a:gd name="connsiteY38" fmla="*/ 98854 h 4226011"/>
+              <a:gd name="connsiteX39" fmla="*/ 4584357 w 9205784"/>
+              <a:gd name="connsiteY39" fmla="*/ 12357 h 4226011"/>
+              <a:gd name="connsiteX40" fmla="*/ 4880919 w 9205784"/>
+              <a:gd name="connsiteY40" fmla="*/ 0 h 4226011"/>
+              <a:gd name="connsiteX41" fmla="*/ 5844746 w 9205784"/>
+              <a:gd name="connsiteY41" fmla="*/ 37071 h 4226011"/>
+              <a:gd name="connsiteX42" fmla="*/ 5931243 w 9205784"/>
+              <a:gd name="connsiteY42" fmla="*/ 49427 h 4226011"/>
+              <a:gd name="connsiteX43" fmla="*/ 6240162 w 9205784"/>
+              <a:gd name="connsiteY43" fmla="*/ 123568 h 4226011"/>
+              <a:gd name="connsiteX44" fmla="*/ 6351373 w 9205784"/>
+              <a:gd name="connsiteY44" fmla="*/ 148281 h 4226011"/>
+              <a:gd name="connsiteX45" fmla="*/ 6388443 w 9205784"/>
+              <a:gd name="connsiteY45" fmla="*/ 160638 h 4226011"/>
+              <a:gd name="connsiteX46" fmla="*/ 6487298 w 9205784"/>
+              <a:gd name="connsiteY46" fmla="*/ 185352 h 4226011"/>
+              <a:gd name="connsiteX47" fmla="*/ 7772400 w 9205784"/>
+              <a:gd name="connsiteY47" fmla="*/ 197708 h 4226011"/>
+              <a:gd name="connsiteX48" fmla="*/ 7982465 w 9205784"/>
+              <a:gd name="connsiteY48" fmla="*/ 247135 h 4226011"/>
+              <a:gd name="connsiteX49" fmla="*/ 8241957 w 9205784"/>
+              <a:gd name="connsiteY49" fmla="*/ 333633 h 4226011"/>
+              <a:gd name="connsiteX50" fmla="*/ 8390238 w 9205784"/>
+              <a:gd name="connsiteY50" fmla="*/ 370703 h 4226011"/>
+              <a:gd name="connsiteX51" fmla="*/ 8612660 w 9205784"/>
+              <a:gd name="connsiteY51" fmla="*/ 444844 h 4226011"/>
+              <a:gd name="connsiteX52" fmla="*/ 8686800 w 9205784"/>
+              <a:gd name="connsiteY52" fmla="*/ 481914 h 4226011"/>
+              <a:gd name="connsiteX53" fmla="*/ 8798011 w 9205784"/>
+              <a:gd name="connsiteY53" fmla="*/ 531341 h 4226011"/>
+              <a:gd name="connsiteX54" fmla="*/ 8884508 w 9205784"/>
+              <a:gd name="connsiteY54" fmla="*/ 580768 h 4226011"/>
+              <a:gd name="connsiteX55" fmla="*/ 8921579 w 9205784"/>
+              <a:gd name="connsiteY55" fmla="*/ 617838 h 4226011"/>
+              <a:gd name="connsiteX56" fmla="*/ 8971006 w 9205784"/>
+              <a:gd name="connsiteY56" fmla="*/ 642552 h 4226011"/>
+              <a:gd name="connsiteX57" fmla="*/ 9045146 w 9205784"/>
+              <a:gd name="connsiteY57" fmla="*/ 691979 h 4226011"/>
+              <a:gd name="connsiteX58" fmla="*/ 9094573 w 9205784"/>
+              <a:gd name="connsiteY58" fmla="*/ 766119 h 4226011"/>
+              <a:gd name="connsiteX59" fmla="*/ 9156357 w 9205784"/>
+              <a:gd name="connsiteY59" fmla="*/ 827903 h 4226011"/>
+              <a:gd name="connsiteX60" fmla="*/ 9181070 w 9205784"/>
+              <a:gd name="connsiteY60" fmla="*/ 902044 h 4226011"/>
+              <a:gd name="connsiteX61" fmla="*/ 9205784 w 9205784"/>
+              <a:gd name="connsiteY61" fmla="*/ 1050325 h 4226011"/>
+              <a:gd name="connsiteX62" fmla="*/ 9181070 w 9205784"/>
+              <a:gd name="connsiteY62" fmla="*/ 1396314 h 4226011"/>
+              <a:gd name="connsiteX63" fmla="*/ 9168714 w 9205784"/>
+              <a:gd name="connsiteY63" fmla="*/ 1458098 h 4226011"/>
+              <a:gd name="connsiteX64" fmla="*/ 9094573 w 9205784"/>
+              <a:gd name="connsiteY64" fmla="*/ 1668163 h 4226011"/>
+              <a:gd name="connsiteX65" fmla="*/ 9069860 w 9205784"/>
+              <a:gd name="connsiteY65" fmla="*/ 1729946 h 4226011"/>
+              <a:gd name="connsiteX66" fmla="*/ 9032789 w 9205784"/>
+              <a:gd name="connsiteY66" fmla="*/ 1816444 h 4226011"/>
+              <a:gd name="connsiteX67" fmla="*/ 8971006 w 9205784"/>
+              <a:gd name="connsiteY67" fmla="*/ 1989438 h 4226011"/>
+              <a:gd name="connsiteX68" fmla="*/ 8933935 w 9205784"/>
+              <a:gd name="connsiteY68" fmla="*/ 2051222 h 4226011"/>
+              <a:gd name="connsiteX69" fmla="*/ 8835081 w 9205784"/>
+              <a:gd name="connsiteY69" fmla="*/ 2261287 h 4226011"/>
+              <a:gd name="connsiteX70" fmla="*/ 8723870 w 9205784"/>
+              <a:gd name="connsiteY70" fmla="*/ 2409568 h 4226011"/>
+              <a:gd name="connsiteX71" fmla="*/ 8501449 w 9205784"/>
+              <a:gd name="connsiteY71" fmla="*/ 2594919 h 4226011"/>
+              <a:gd name="connsiteX72" fmla="*/ 8377881 w 9205784"/>
+              <a:gd name="connsiteY72" fmla="*/ 2693773 h 4226011"/>
+              <a:gd name="connsiteX73" fmla="*/ 8167816 w 9205784"/>
+              <a:gd name="connsiteY73" fmla="*/ 2829698 h 4226011"/>
+              <a:gd name="connsiteX74" fmla="*/ 8044249 w 9205784"/>
+              <a:gd name="connsiteY74" fmla="*/ 2903838 h 4226011"/>
+              <a:gd name="connsiteX75" fmla="*/ 7933038 w 9205784"/>
+              <a:gd name="connsiteY75" fmla="*/ 2977979 h 4226011"/>
+              <a:gd name="connsiteX76" fmla="*/ 7858898 w 9205784"/>
+              <a:gd name="connsiteY76" fmla="*/ 3015049 h 4226011"/>
+              <a:gd name="connsiteX77" fmla="*/ 7636476 w 9205784"/>
+              <a:gd name="connsiteY77" fmla="*/ 3150973 h 4226011"/>
+              <a:gd name="connsiteX78" fmla="*/ 7315200 w 9205784"/>
+              <a:gd name="connsiteY78" fmla="*/ 3299254 h 4226011"/>
+              <a:gd name="connsiteX79" fmla="*/ 6981568 w 9205784"/>
+              <a:gd name="connsiteY79" fmla="*/ 3422822 h 4226011"/>
+              <a:gd name="connsiteX80" fmla="*/ 6783860 w 9205784"/>
+              <a:gd name="connsiteY80" fmla="*/ 3472249 h 4226011"/>
+              <a:gd name="connsiteX81" fmla="*/ 6264876 w 9205784"/>
+              <a:gd name="connsiteY81" fmla="*/ 3558746 h 4226011"/>
+              <a:gd name="connsiteX82" fmla="*/ 6079525 w 9205784"/>
+              <a:gd name="connsiteY82" fmla="*/ 3571103 h 4226011"/>
+              <a:gd name="connsiteX83" fmla="*/ 5918887 w 9205784"/>
+              <a:gd name="connsiteY83" fmla="*/ 3583460 h 4226011"/>
+              <a:gd name="connsiteX84" fmla="*/ 5721179 w 9205784"/>
+              <a:gd name="connsiteY84" fmla="*/ 3595817 h 4226011"/>
+              <a:gd name="connsiteX85" fmla="*/ 5152768 w 9205784"/>
+              <a:gd name="connsiteY85" fmla="*/ 3608173 h 4226011"/>
+              <a:gd name="connsiteX86" fmla="*/ 5029200 w 9205784"/>
+              <a:gd name="connsiteY86" fmla="*/ 3707027 h 4226011"/>
+              <a:gd name="connsiteX87" fmla="*/ 4930346 w 9205784"/>
+              <a:gd name="connsiteY87" fmla="*/ 3744098 h 4226011"/>
+              <a:gd name="connsiteX88" fmla="*/ 4683211 w 9205784"/>
+              <a:gd name="connsiteY88" fmla="*/ 3867665 h 4226011"/>
+              <a:gd name="connsiteX89" fmla="*/ 4312508 w 9205784"/>
+              <a:gd name="connsiteY89" fmla="*/ 3978876 h 4226011"/>
+              <a:gd name="connsiteX90" fmla="*/ 4114800 w 9205784"/>
+              <a:gd name="connsiteY90" fmla="*/ 4040660 h 4226011"/>
+              <a:gd name="connsiteX91" fmla="*/ 3719384 w 9205784"/>
+              <a:gd name="connsiteY91" fmla="*/ 4139514 h 4226011"/>
+              <a:gd name="connsiteX92" fmla="*/ 3447535 w 9205784"/>
+              <a:gd name="connsiteY92" fmla="*/ 4188941 h 4226011"/>
+              <a:gd name="connsiteX93" fmla="*/ 3299254 w 9205784"/>
+              <a:gd name="connsiteY93" fmla="*/ 4213654 h 4226011"/>
+              <a:gd name="connsiteX94" fmla="*/ 3175687 w 9205784"/>
+              <a:gd name="connsiteY94" fmla="*/ 4226011 h 4226011"/>
+              <a:gd name="connsiteX95" fmla="*/ 2706130 w 9205784"/>
+              <a:gd name="connsiteY95" fmla="*/ 4213654 h 4226011"/>
+              <a:gd name="connsiteX96" fmla="*/ 2656703 w 9205784"/>
+              <a:gd name="connsiteY96" fmla="*/ 4188941 h 4226011"/>
+              <a:gd name="connsiteX97" fmla="*/ 2545492 w 9205784"/>
+              <a:gd name="connsiteY97" fmla="*/ 4127157 h 4226011"/>
+              <a:gd name="connsiteX98" fmla="*/ 2471352 w 9205784"/>
+              <a:gd name="connsiteY98" fmla="*/ 4077730 h 4226011"/>
+              <a:gd name="connsiteX99" fmla="*/ 2421925 w 9205784"/>
+              <a:gd name="connsiteY99" fmla="*/ 4015946 h 4226011"/>
+              <a:gd name="connsiteX100" fmla="*/ 2372498 w 9205784"/>
+              <a:gd name="connsiteY100" fmla="*/ 3941806 h 4226011"/>
+              <a:gd name="connsiteX101" fmla="*/ 2211860 w 9205784"/>
+              <a:gd name="connsiteY101" fmla="*/ 3929449 h 4226011"/>
+              <a:gd name="connsiteX102" fmla="*/ 2038865 w 9205784"/>
+              <a:gd name="connsiteY102" fmla="*/ 3880022 h 4226011"/>
+              <a:gd name="connsiteX103" fmla="*/ 1754660 w 9205784"/>
+              <a:gd name="connsiteY103" fmla="*/ 3781168 h 4226011"/>
+              <a:gd name="connsiteX104" fmla="*/ 1606379 w 9205784"/>
+              <a:gd name="connsiteY104" fmla="*/ 3731741 h 4226011"/>
+              <a:gd name="connsiteX105" fmla="*/ 1532238 w 9205784"/>
+              <a:gd name="connsiteY105" fmla="*/ 3707027 h 4226011"/>
+              <a:gd name="connsiteX106" fmla="*/ 1198606 w 9205784"/>
+              <a:gd name="connsiteY106" fmla="*/ 3595817 h 4226011"/>
+              <a:gd name="connsiteX107" fmla="*/ 1112108 w 9205784"/>
+              <a:gd name="connsiteY107" fmla="*/ 3571103 h 4226011"/>
+              <a:gd name="connsiteX108" fmla="*/ 1050325 w 9205784"/>
+              <a:gd name="connsiteY108" fmla="*/ 3546390 h 4226011"/>
+              <a:gd name="connsiteX109" fmla="*/ 976184 w 9205784"/>
+              <a:gd name="connsiteY109" fmla="*/ 3534033 h 4226011"/>
+              <a:gd name="connsiteX110" fmla="*/ 939114 w 9205784"/>
+              <a:gd name="connsiteY110" fmla="*/ 3509319 h 4226011"/>
+              <a:gd name="connsiteX111" fmla="*/ 889687 w 9205784"/>
+              <a:gd name="connsiteY111" fmla="*/ 3496963 h 4226011"/>
+              <a:gd name="connsiteX112" fmla="*/ 852616 w 9205784"/>
+              <a:gd name="connsiteY112" fmla="*/ 3484606 h 4226011"/>
+              <a:gd name="connsiteX113" fmla="*/ 778476 w 9205784"/>
+              <a:gd name="connsiteY113" fmla="*/ 3435179 h 4226011"/>
+              <a:gd name="connsiteX114" fmla="*/ 741406 w 9205784"/>
+              <a:gd name="connsiteY114" fmla="*/ 3410465 h 4226011"/>
+              <a:gd name="connsiteX115" fmla="*/ 729049 w 9205784"/>
+              <a:gd name="connsiteY115" fmla="*/ 3373395 h 4226011"/>
+              <a:gd name="connsiteX116" fmla="*/ 667265 w 9205784"/>
+              <a:gd name="connsiteY116" fmla="*/ 3262184 h 4226011"/>
+              <a:gd name="connsiteX117" fmla="*/ 667265 w 9205784"/>
+              <a:gd name="connsiteY117" fmla="*/ 3225114 h 4226011"/>
+            </a:gdLst>
+            <a:ahLst/>
+            <a:cxnLst>
+              <a:cxn ang="0">
+                <a:pos x="connsiteX0" y="connsiteY0"/>
+              </a:cxn>
+              <a:cxn ang="0">
+                <a:pos x="connsiteX1" y="connsiteY1"/>
+              </a:cxn>
+              <a:cxn ang="0">
+                <a:pos x="connsiteX2" y="connsiteY2"/>
+              </a:cxn>
+              <a:cxn ang="0">
+                <a:pos x="connsiteX3" y="connsiteY3"/>
+              </a:cxn>
+              <a:cxn ang="0">
+                <a:pos x="connsiteX4" y="connsiteY4"/>
+              </a:cxn>
+              <a:cxn ang="0">
+                <a:pos x="connsiteX5" y="connsiteY5"/>
+              </a:cxn>
+              <a:cxn ang="0">
+                <a:pos x="connsiteX6" y="connsiteY6"/>
+              </a:cxn>
+              <a:cxn ang="0">
+                <a:pos x="connsiteX7" y="connsiteY7"/>
+              </a:cxn>
+              <a:cxn ang="0">
+                <a:pos x="connsiteX8" y="connsiteY8"/>
+              </a:cxn>
+              <a:cxn ang="0">
+                <a:pos x="connsiteX9" y="connsiteY9"/>
+              </a:cxn>
+              <a:cxn ang="0">
+                <a:pos x="connsiteX10" y="connsiteY10"/>
+              </a:cxn>
+              <a:cxn ang="0">
+                <a:pos x="connsiteX11" y="connsiteY11"/>
+              </a:cxn>
+              <a:cxn ang="0">
+                <a:pos x="connsiteX12" y="connsiteY12"/>
+              </a:cxn>
+              <a:cxn ang="0">
+                <a:pos x="connsiteX13" y="connsiteY13"/>
+              </a:cxn>
+              <a:cxn ang="0">
+                <a:pos x="connsiteX14" y="connsiteY14"/>
+              </a:cxn>
+              <a:cxn ang="0">
+                <a:pos x="connsiteX15" y="connsiteY15"/>
+              </a:cxn>
+              <a:cxn ang="0">
+                <a:pos x="connsiteX16" y="connsiteY16"/>
+              </a:cxn>
+              <a:cxn ang="0">
+                <a:pos x="connsiteX17" y="connsiteY17"/>
+              </a:cxn>
+              <a:cxn ang="0">
+                <a:pos x="connsiteX18" y="connsiteY18"/>
+              </a:cxn>
+              <a:cxn ang="0">
+                <a:pos x="connsiteX19" y="connsiteY19"/>
+              </a:cxn>
+              <a:cxn ang="0">
+                <a:pos x="connsiteX20" y="connsiteY20"/>
+              </a:cxn>
+              <a:cxn ang="0">
+                <a:pos x="connsiteX21" y="connsiteY21"/>
+              </a:cxn>
+              <a:cxn ang="0">
+                <a:pos x="connsiteX22" y="connsiteY22"/>
+              </a:cxn>
+              <a:cxn ang="0">
+                <a:pos x="connsiteX23" y="connsiteY23"/>
+              </a:cxn>
+              <a:cxn ang="0">
+                <a:pos x="connsiteX24" y="connsiteY24"/>
+              </a:cxn>
+              <a:cxn ang="0">
+                <a:pos x="connsiteX25" y="connsiteY25"/>
+              </a:cxn>
+              <a:cxn ang="0">
+                <a:pos x="connsiteX26" y="connsiteY26"/>
+              </a:cxn>
+              <a:cxn ang="0">
+                <a:pos x="connsiteX27" y="connsiteY27"/>
+              </a:cxn>
+              <a:cxn ang="0">
+                <a:pos x="connsiteX28" y="connsiteY28"/>
+              </a:cxn>
+              <a:cxn ang="0">
+                <a:pos x="connsiteX29" y="connsiteY29"/>
+              </a:cxn>
+              <a:cxn ang="0">
+                <a:pos x="connsiteX30" y="connsiteY30"/>
+              </a:cxn>
+              <a:cxn ang="0">
+                <a:pos x="connsiteX31" y="connsiteY31"/>
+              </a:cxn>
+              <a:cxn ang="0">
+                <a:pos x="connsiteX32" y="connsiteY32"/>
+              </a:cxn>
+              <a:cxn ang="0">
+                <a:pos x="connsiteX33" y="connsiteY33"/>
+              </a:cxn>
+              <a:cxn ang="0">
+                <a:pos x="connsiteX34" y="connsiteY34"/>
+              </a:cxn>
+              <a:cxn ang="0">
+                <a:pos x="connsiteX35" y="connsiteY35"/>
+              </a:cxn>
+              <a:cxn ang="0">
+                <a:pos x="connsiteX36" y="connsiteY36"/>
+              </a:cxn>
+              <a:cxn ang="0">
+                <a:pos x="connsiteX37" y="connsiteY37"/>
+              </a:cxn>
+              <a:cxn ang="0">
+                <a:pos x="connsiteX38" y="connsiteY38"/>
+              </a:cxn>
+              <a:cxn ang="0">
+                <a:pos x="connsiteX39" y="connsiteY39"/>
+              </a:cxn>
+              <a:cxn ang="0">
+                <a:pos x="connsiteX40" y="connsiteY40"/>
+              </a:cxn>
+              <a:cxn ang="0">
+                <a:pos x="connsiteX41" y="connsiteY41"/>
+              </a:cxn>
+              <a:cxn ang="0">
+                <a:pos x="connsiteX42" y="connsiteY42"/>
+              </a:cxn>
+              <a:cxn ang="0">
+                <a:pos x="connsiteX43" y="connsiteY43"/>
+              </a:cxn>
+              <a:cxn ang="0">
+                <a:pos x="connsiteX44" y="connsiteY44"/>
+              </a:cxn>
+              <a:cxn ang="0">
+                <a:pos x="connsiteX45" y="connsiteY45"/>
+              </a:cxn>
+              <a:cxn ang="0">
+                <a:pos x="connsiteX46" y="connsiteY46"/>
+              </a:cxn>
+              <a:cxn ang="0">
+                <a:pos x="connsiteX47" y="connsiteY47"/>
+              </a:cxn>
+              <a:cxn ang="0">
+                <a:pos x="connsiteX48" y="connsiteY48"/>
+              </a:cxn>
+              <a:cxn ang="0">
+                <a:pos x="connsiteX49" y="connsiteY49"/>
+              </a:cxn>
+              <a:cxn ang="0">
+                <a:pos x="connsiteX50" y="connsiteY50"/>
+              </a:cxn>
+              <a:cxn ang="0">
+                <a:pos x="connsiteX51" y="connsiteY51"/>
+              </a:cxn>
+              <a:cxn ang="0">
+                <a:pos x="connsiteX52" y="connsiteY52"/>
+              </a:cxn>
+              <a:cxn ang="0">
+                <a:pos x="connsiteX53" y="connsiteY53"/>
+              </a:cxn>
+              <a:cxn ang="0">
+                <a:pos x="connsiteX54" y="connsiteY54"/>
+              </a:cxn>
+              <a:cxn ang="0">
+                <a:pos x="connsiteX55" y="connsiteY55"/>
+              </a:cxn>
+              <a:cxn ang="0">
+                <a:pos x="connsiteX56" y="connsiteY56"/>
+              </a:cxn>
+              <a:cxn ang="0">
+                <a:pos x="connsiteX57" y="connsiteY57"/>
+              </a:cxn>
+              <a:cxn ang="0">
+                <a:pos x="connsiteX58" y="connsiteY58"/>
+              </a:cxn>
+              <a:cxn ang="0">
+                <a:pos x="connsiteX59" y="connsiteY59"/>
+              </a:cxn>
+              <a:cxn ang="0">
+                <a:pos x="connsiteX60" y="connsiteY60"/>
+              </a:cxn>
+              <a:cxn ang="0">
+                <a:pos x="connsiteX61" y="connsiteY61"/>
+              </a:cxn>
+              <a:cxn ang="0">
+                <a:pos x="connsiteX62" y="connsiteY62"/>
+              </a:cxn>
+              <a:cxn ang="0">
+                <a:pos x="connsiteX63" y="connsiteY63"/>
+              </a:cxn>
+              <a:cxn ang="0">
+                <a:pos x="connsiteX64" y="connsiteY64"/>
+              </a:cxn>
+              <a:cxn ang="0">
+                <a:pos x="connsiteX65" y="connsiteY65"/>
+              </a:cxn>
+              <a:cxn ang="0">
+                <a:pos x="connsiteX66" y="connsiteY66"/>
+              </a:cxn>
+              <a:cxn ang="0">
+                <a:pos x="connsiteX67" y="connsiteY67"/>
+              </a:cxn>
+              <a:cxn ang="0">
+                <a:pos x="connsiteX68" y="connsiteY68"/>
+              </a:cxn>
+              <a:cxn ang="0">
+                <a:pos x="connsiteX69" y="connsiteY69"/>
+              </a:cxn>
+              <a:cxn ang="0">
+                <a:pos x="connsiteX70" y="connsiteY70"/>
+              </a:cxn>
+              <a:cxn ang="0">
+                <a:pos x="connsiteX71" y="connsiteY71"/>
+              </a:cxn>
+              <a:cxn ang="0">
+                <a:pos x="connsiteX72" y="connsiteY72"/>
+              </a:cxn>
+              <a:cxn ang="0">
+                <a:pos x="connsiteX73" y="connsiteY73"/>
+              </a:cxn>
+              <a:cxn ang="0">
+                <a:pos x="connsiteX74" y="connsiteY74"/>
+              </a:cxn>
+              <a:cxn ang="0">
+                <a:pos x="connsiteX75" y="connsiteY75"/>
+              </a:cxn>
+              <a:cxn ang="0">
+                <a:pos x="connsiteX76" y="connsiteY76"/>
+              </a:cxn>
+              <a:cxn ang="0">
+                <a:pos x="connsiteX77" y="connsiteY77"/>
+              </a:cxn>
+              <a:cxn ang="0">
+                <a:pos x="connsiteX78" y="connsiteY78"/>
+              </a:cxn>
+              <a:cxn ang="0">
+                <a:pos x="connsiteX79" y="connsiteY79"/>
+              </a:cxn>
+              <a:cxn ang="0">
+                <a:pos x="connsiteX80" y="connsiteY80"/>
+              </a:cxn>
+              <a:cxn ang="0">
+                <a:pos x="connsiteX81" y="connsiteY81"/>
+              </a:cxn>
+              <a:cxn ang="0">
+                <a:pos x="connsiteX82" y="connsiteY82"/>
+              </a:cxn>
+              <a:cxn ang="0">
+                <a:pos x="connsiteX83" y="connsiteY83"/>
+              </a:cxn>
+              <a:cxn ang="0">
+                <a:pos x="connsiteX84" y="connsiteY84"/>
+              </a:cxn>
+              <a:cxn ang="0">
+                <a:pos x="connsiteX85" y="connsiteY85"/>
+              </a:cxn>
+              <a:cxn ang="0">
+                <a:pos x="connsiteX86" y="connsiteY86"/>
+              </a:cxn>
+              <a:cxn ang="0">
+                <a:pos x="connsiteX87" y="connsiteY87"/>
+              </a:cxn>
+              <a:cxn ang="0">
+                <a:pos x="connsiteX88" y="connsiteY88"/>
+              </a:cxn>
+              <a:cxn ang="0">
+                <a:pos x="connsiteX89" y="connsiteY89"/>
+              </a:cxn>
+              <a:cxn ang="0">
+                <a:pos x="connsiteX90" y="connsiteY90"/>
+              </a:cxn>
+              <a:cxn ang="0">
+                <a:pos x="connsiteX91" y="connsiteY91"/>
+              </a:cxn>
+              <a:cxn ang="0">
+                <a:pos x="connsiteX92" y="connsiteY92"/>
+              </a:cxn>
+              <a:cxn ang="0">
+                <a:pos x="connsiteX93" y="connsiteY93"/>
+              </a:cxn>
+              <a:cxn ang="0">
+                <a:pos x="connsiteX94" y="connsiteY94"/>
+              </a:cxn>
+              <a:cxn ang="0">
+                <a:pos x="connsiteX95" y="connsiteY95"/>
+              </a:cxn>
+              <a:cxn ang="0">
+                <a:pos x="connsiteX96" y="connsiteY96"/>
+              </a:cxn>
+              <a:cxn ang="0">
+                <a:pos x="connsiteX97" y="connsiteY97"/>
+              </a:cxn>
+              <a:cxn ang="0">
+                <a:pos x="connsiteX98" y="connsiteY98"/>
+              </a:cxn>
+              <a:cxn ang="0">
+                <a:pos x="connsiteX99" y="connsiteY99"/>
+              </a:cxn>
+              <a:cxn ang="0">
+                <a:pos x="connsiteX100" y="connsiteY100"/>
+              </a:cxn>
+              <a:cxn ang="0">
+                <a:pos x="connsiteX101" y="connsiteY101"/>
+              </a:cxn>
+              <a:cxn ang="0">
+                <a:pos x="connsiteX102" y="connsiteY102"/>
+              </a:cxn>
+              <a:cxn ang="0">
+                <a:pos x="connsiteX103" y="connsiteY103"/>
+              </a:cxn>
+              <a:cxn ang="0">
+                <a:pos x="connsiteX104" y="connsiteY104"/>
+              </a:cxn>
+              <a:cxn ang="0">
+                <a:pos x="connsiteX105" y="connsiteY105"/>
+              </a:cxn>
+              <a:cxn ang="0">
+                <a:pos x="connsiteX106" y="connsiteY106"/>
+              </a:cxn>
+              <a:cxn ang="0">
+                <a:pos x="connsiteX107" y="connsiteY107"/>
+              </a:cxn>
+              <a:cxn ang="0">
+                <a:pos x="connsiteX108" y="connsiteY108"/>
+              </a:cxn>
+              <a:cxn ang="0">
+                <a:pos x="connsiteX109" y="connsiteY109"/>
+              </a:cxn>
+              <a:cxn ang="0">
+                <a:pos x="connsiteX110" y="connsiteY110"/>
+              </a:cxn>
+              <a:cxn ang="0">
+                <a:pos x="connsiteX111" y="connsiteY111"/>
+              </a:cxn>
+              <a:cxn ang="0">
+                <a:pos x="connsiteX112" y="connsiteY112"/>
+              </a:cxn>
+              <a:cxn ang="0">
+                <a:pos x="connsiteX113" y="connsiteY113"/>
+              </a:cxn>
+              <a:cxn ang="0">
+                <a:pos x="connsiteX114" y="connsiteY114"/>
+              </a:cxn>
+              <a:cxn ang="0">
+                <a:pos x="connsiteX115" y="connsiteY115"/>
+              </a:cxn>
+              <a:cxn ang="0">
+                <a:pos x="connsiteX116" y="connsiteY116"/>
+              </a:cxn>
+              <a:cxn ang="0">
+                <a:pos x="connsiteX117" y="connsiteY117"/>
+              </a:cxn>
+            </a:cxnLst>
+            <a:rect l="l" t="t" r="r" b="b"/>
+            <a:pathLst>
+              <a:path w="9205784" h="4226011">
+                <a:moveTo>
+                  <a:pt x="667265" y="3225114"/>
+                </a:moveTo>
+                <a:cubicBezTo>
+                  <a:pt x="659027" y="3204520"/>
+                  <a:pt x="634923" y="3167092"/>
+                  <a:pt x="617838" y="3138617"/>
+                </a:cubicBezTo>
+                <a:cubicBezTo>
+                  <a:pt x="610197" y="3125882"/>
+                  <a:pt x="600493" y="3114440"/>
+                  <a:pt x="593125" y="3101546"/>
+                </a:cubicBezTo>
+                <a:cubicBezTo>
+                  <a:pt x="583986" y="3085553"/>
+                  <a:pt x="577357" y="3068221"/>
+                  <a:pt x="568411" y="3052119"/>
+                </a:cubicBezTo>
+                <a:cubicBezTo>
+                  <a:pt x="556747" y="3031124"/>
+                  <a:pt x="542082" y="3011817"/>
+                  <a:pt x="531341" y="2990335"/>
+                </a:cubicBezTo>
+                <a:cubicBezTo>
+                  <a:pt x="521421" y="2970496"/>
+                  <a:pt x="517740" y="2947748"/>
+                  <a:pt x="506627" y="2928552"/>
+                </a:cubicBezTo>
+                <a:cubicBezTo>
+                  <a:pt x="472279" y="2869225"/>
+                  <a:pt x="432776" y="2813034"/>
+                  <a:pt x="395416" y="2755557"/>
+                </a:cubicBezTo>
+                <a:cubicBezTo>
+                  <a:pt x="379229" y="2730654"/>
+                  <a:pt x="360725" y="2707205"/>
+                  <a:pt x="345989" y="2681417"/>
+                </a:cubicBezTo>
+                <a:cubicBezTo>
+                  <a:pt x="281826" y="2569131"/>
+                  <a:pt x="314983" y="2622550"/>
+                  <a:pt x="247135" y="2520779"/>
+                </a:cubicBezTo>
+                <a:cubicBezTo>
+                  <a:pt x="199482" y="2377815"/>
+                  <a:pt x="253477" y="2511326"/>
+                  <a:pt x="172995" y="2384854"/>
+                </a:cubicBezTo>
+                <a:cubicBezTo>
+                  <a:pt x="158161" y="2361543"/>
+                  <a:pt x="149156" y="2334971"/>
+                  <a:pt x="135925" y="2310714"/>
+                </a:cubicBezTo>
+                <a:cubicBezTo>
+                  <a:pt x="124424" y="2289629"/>
+                  <a:pt x="111211" y="2269525"/>
+                  <a:pt x="98854" y="2248930"/>
+                </a:cubicBezTo>
+                <a:cubicBezTo>
+                  <a:pt x="94735" y="2228335"/>
+                  <a:pt x="92533" y="2207263"/>
+                  <a:pt x="86498" y="2187146"/>
+                </a:cubicBezTo>
+                <a:cubicBezTo>
+                  <a:pt x="74667" y="2147708"/>
+                  <a:pt x="55323" y="2112441"/>
+                  <a:pt x="37070" y="2075935"/>
+                </a:cubicBezTo>
+                <a:cubicBezTo>
+                  <a:pt x="32951" y="2055341"/>
+                  <a:pt x="29270" y="2034654"/>
+                  <a:pt x="24714" y="2014152"/>
+                </a:cubicBezTo>
+                <a:cubicBezTo>
+                  <a:pt x="21030" y="1997574"/>
+                  <a:pt x="15149" y="1981477"/>
+                  <a:pt x="12357" y="1964725"/>
+                </a:cubicBezTo>
+                <a:cubicBezTo>
+                  <a:pt x="6898" y="1931969"/>
+                  <a:pt x="4119" y="1898822"/>
+                  <a:pt x="0" y="1865871"/>
+                </a:cubicBezTo>
+                <a:cubicBezTo>
+                  <a:pt x="4119" y="1767017"/>
+                  <a:pt x="5048" y="1667978"/>
+                  <a:pt x="12357" y="1569308"/>
+                </a:cubicBezTo>
+                <a:cubicBezTo>
+                  <a:pt x="13319" y="1556318"/>
+                  <a:pt x="19256" y="1544064"/>
+                  <a:pt x="24714" y="1532238"/>
+                </a:cubicBezTo>
+                <a:cubicBezTo>
+                  <a:pt x="44012" y="1490426"/>
+                  <a:pt x="60954" y="1446988"/>
+                  <a:pt x="86498" y="1408671"/>
+                </a:cubicBezTo>
+                <a:cubicBezTo>
+                  <a:pt x="102974" y="1383957"/>
+                  <a:pt x="114922" y="1355533"/>
+                  <a:pt x="135925" y="1334530"/>
+                </a:cubicBezTo>
+                <a:lnTo>
+                  <a:pt x="247135" y="1223319"/>
+                </a:lnTo>
+                <a:cubicBezTo>
+                  <a:pt x="259492" y="1210962"/>
+                  <a:pt x="270226" y="1196734"/>
+                  <a:pt x="284206" y="1186249"/>
+                </a:cubicBezTo>
+                <a:cubicBezTo>
+                  <a:pt x="300682" y="1173892"/>
+                  <a:pt x="318134" y="1162741"/>
+                  <a:pt x="333633" y="1149179"/>
+                </a:cubicBezTo>
+                <a:cubicBezTo>
+                  <a:pt x="351168" y="1133836"/>
+                  <a:pt x="365369" y="1114916"/>
+                  <a:pt x="383060" y="1099752"/>
+                </a:cubicBezTo>
+                <a:cubicBezTo>
+                  <a:pt x="394336" y="1090087"/>
+                  <a:pt x="408249" y="1083949"/>
+                  <a:pt x="420130" y="1075038"/>
+                </a:cubicBezTo>
+                <a:cubicBezTo>
+                  <a:pt x="457700" y="1046860"/>
+                  <a:pt x="491071" y="1012703"/>
+                  <a:pt x="531341" y="988541"/>
+                </a:cubicBezTo>
+                <a:cubicBezTo>
+                  <a:pt x="551936" y="976184"/>
+                  <a:pt x="573911" y="965881"/>
+                  <a:pt x="593125" y="951471"/>
+                </a:cubicBezTo>
+                <a:cubicBezTo>
+                  <a:pt x="607105" y="940986"/>
+                  <a:pt x="615879" y="924421"/>
+                  <a:pt x="630195" y="914400"/>
+                </a:cubicBezTo>
+                <a:cubicBezTo>
+                  <a:pt x="657400" y="895356"/>
+                  <a:pt x="689062" y="883393"/>
+                  <a:pt x="716692" y="864973"/>
+                </a:cubicBezTo>
+                <a:cubicBezTo>
+                  <a:pt x="907255" y="737932"/>
+                  <a:pt x="782220" y="762677"/>
+                  <a:pt x="1124465" y="630195"/>
+                </a:cubicBezTo>
+                <a:cubicBezTo>
+                  <a:pt x="1252152" y="580768"/>
+                  <a:pt x="1374245" y="513274"/>
+                  <a:pt x="1507525" y="481914"/>
+                </a:cubicBezTo>
+                <a:cubicBezTo>
+                  <a:pt x="1669026" y="443914"/>
+                  <a:pt x="1752994" y="420777"/>
+                  <a:pt x="1915298" y="395417"/>
+                </a:cubicBezTo>
+                <a:cubicBezTo>
+                  <a:pt x="2090790" y="367996"/>
+                  <a:pt x="2133950" y="369394"/>
+                  <a:pt x="2310714" y="358346"/>
+                </a:cubicBezTo>
+                <a:lnTo>
+                  <a:pt x="2953265" y="370703"/>
+                </a:lnTo>
+                <a:cubicBezTo>
+                  <a:pt x="3141010" y="377067"/>
+                  <a:pt x="2925152" y="405982"/>
+                  <a:pt x="3163330" y="358346"/>
+                </a:cubicBezTo>
+                <a:cubicBezTo>
+                  <a:pt x="3212757" y="333633"/>
+                  <a:pt x="3259869" y="303610"/>
+                  <a:pt x="3311611" y="284206"/>
+                </a:cubicBezTo>
+                <a:cubicBezTo>
+                  <a:pt x="3344562" y="271849"/>
+                  <a:pt x="3376875" y="257632"/>
+                  <a:pt x="3410465" y="247135"/>
+                </a:cubicBezTo>
+                <a:cubicBezTo>
+                  <a:pt x="3580231" y="194083"/>
+                  <a:pt x="3778908" y="138427"/>
+                  <a:pt x="3954162" y="98854"/>
+                </a:cubicBezTo>
+                <a:cubicBezTo>
+                  <a:pt x="4118306" y="61789"/>
+                  <a:pt x="4531650" y="17298"/>
+                  <a:pt x="4584357" y="12357"/>
+                </a:cubicBezTo>
+                <a:cubicBezTo>
+                  <a:pt x="4682865" y="3122"/>
+                  <a:pt x="4782065" y="4119"/>
+                  <a:pt x="4880919" y="0"/>
+                </a:cubicBezTo>
+                <a:lnTo>
+                  <a:pt x="5844746" y="37071"/>
+                </a:lnTo>
+                <a:cubicBezTo>
+                  <a:pt x="5873839" y="38440"/>
+                  <a:pt x="5902632" y="43977"/>
+                  <a:pt x="5931243" y="49427"/>
+                </a:cubicBezTo>
+                <a:cubicBezTo>
+                  <a:pt x="6155037" y="92054"/>
+                  <a:pt x="6043457" y="74392"/>
+                  <a:pt x="6240162" y="123568"/>
+                </a:cubicBezTo>
+                <a:cubicBezTo>
+                  <a:pt x="6277003" y="132778"/>
+                  <a:pt x="6314532" y="139071"/>
+                  <a:pt x="6351373" y="148281"/>
+                </a:cubicBezTo>
+                <a:cubicBezTo>
+                  <a:pt x="6364009" y="151440"/>
+                  <a:pt x="6375807" y="157479"/>
+                  <a:pt x="6388443" y="160638"/>
+                </a:cubicBezTo>
+                <a:lnTo>
+                  <a:pt x="6487298" y="185352"/>
+                </a:lnTo>
+                <a:cubicBezTo>
+                  <a:pt x="6993209" y="160056"/>
+                  <a:pt x="7016516" y="152804"/>
+                  <a:pt x="7772400" y="197708"/>
+                </a:cubicBezTo>
+                <a:cubicBezTo>
+                  <a:pt x="7844207" y="201974"/>
+                  <a:pt x="7912679" y="229688"/>
+                  <a:pt x="7982465" y="247135"/>
+                </a:cubicBezTo>
+                <a:cubicBezTo>
+                  <a:pt x="8759982" y="441516"/>
+                  <a:pt x="7866276" y="208407"/>
+                  <a:pt x="8241957" y="333633"/>
+                </a:cubicBezTo>
+                <a:cubicBezTo>
+                  <a:pt x="8290291" y="349744"/>
+                  <a:pt x="8340811" y="358346"/>
+                  <a:pt x="8390238" y="370703"/>
+                </a:cubicBezTo>
+                <a:cubicBezTo>
+                  <a:pt x="8489787" y="437071"/>
+                  <a:pt x="8373021" y="364964"/>
+                  <a:pt x="8612660" y="444844"/>
+                </a:cubicBezTo>
+                <a:cubicBezTo>
+                  <a:pt x="8638872" y="453581"/>
+                  <a:pt x="8661646" y="470481"/>
+                  <a:pt x="8686800" y="481914"/>
+                </a:cubicBezTo>
+                <a:cubicBezTo>
+                  <a:pt x="8729773" y="501447"/>
+                  <a:pt x="8758570" y="506690"/>
+                  <a:pt x="8798011" y="531341"/>
+                </a:cubicBezTo>
+                <a:cubicBezTo>
+                  <a:pt x="8883506" y="584776"/>
+                  <a:pt x="8811679" y="556491"/>
+                  <a:pt x="8884508" y="580768"/>
+                </a:cubicBezTo>
+                <a:cubicBezTo>
+                  <a:pt x="8896865" y="593125"/>
+                  <a:pt x="8907359" y="607681"/>
+                  <a:pt x="8921579" y="617838"/>
+                </a:cubicBezTo>
+                <a:cubicBezTo>
+                  <a:pt x="8936568" y="628545"/>
+                  <a:pt x="8955211" y="633075"/>
+                  <a:pt x="8971006" y="642552"/>
+                </a:cubicBezTo>
+                <a:cubicBezTo>
+                  <a:pt x="8996475" y="657834"/>
+                  <a:pt x="9020433" y="675503"/>
+                  <a:pt x="9045146" y="691979"/>
+                </a:cubicBezTo>
+                <a:cubicBezTo>
+                  <a:pt x="9061622" y="716692"/>
+                  <a:pt x="9075765" y="743131"/>
+                  <a:pt x="9094573" y="766119"/>
+                </a:cubicBezTo>
+                <a:cubicBezTo>
+                  <a:pt x="9113016" y="788661"/>
+                  <a:pt x="9140720" y="803331"/>
+                  <a:pt x="9156357" y="827903"/>
+                </a:cubicBezTo>
+                <a:cubicBezTo>
+                  <a:pt x="9170343" y="849881"/>
+                  <a:pt x="9174752" y="876771"/>
+                  <a:pt x="9181070" y="902044"/>
+                </a:cubicBezTo>
+                <a:cubicBezTo>
+                  <a:pt x="9201481" y="983687"/>
+                  <a:pt x="9191321" y="934619"/>
+                  <a:pt x="9205784" y="1050325"/>
+                </a:cubicBezTo>
+                <a:cubicBezTo>
+                  <a:pt x="9197546" y="1165655"/>
+                  <a:pt x="9191538" y="1281165"/>
+                  <a:pt x="9181070" y="1396314"/>
+                </a:cubicBezTo>
+                <a:cubicBezTo>
+                  <a:pt x="9179169" y="1417230"/>
+                  <a:pt x="9175082" y="1438084"/>
+                  <a:pt x="9168714" y="1458098"/>
+                </a:cubicBezTo>
+                <a:cubicBezTo>
+                  <a:pt x="9146200" y="1528857"/>
+                  <a:pt x="9119949" y="1598379"/>
+                  <a:pt x="9094573" y="1668163"/>
+                </a:cubicBezTo>
+                <a:cubicBezTo>
+                  <a:pt x="9086993" y="1689008"/>
+                  <a:pt x="9078391" y="1709471"/>
+                  <a:pt x="9069860" y="1729946"/>
+                </a:cubicBezTo>
+                <a:cubicBezTo>
+                  <a:pt x="9057795" y="1758902"/>
+                  <a:pt x="9042709" y="1786685"/>
+                  <a:pt x="9032789" y="1816444"/>
+                </a:cubicBezTo>
+                <a:cubicBezTo>
+                  <a:pt x="9017474" y="1862390"/>
+                  <a:pt x="8989493" y="1949383"/>
+                  <a:pt x="8971006" y="1989438"/>
+                </a:cubicBezTo>
+                <a:cubicBezTo>
+                  <a:pt x="8960941" y="2011245"/>
+                  <a:pt x="8944162" y="2029491"/>
+                  <a:pt x="8933935" y="2051222"/>
+                </a:cubicBezTo>
+                <a:cubicBezTo>
+                  <a:pt x="8886183" y="2152695"/>
+                  <a:pt x="8889265" y="2184527"/>
+                  <a:pt x="8835081" y="2261287"/>
+                </a:cubicBezTo>
+                <a:cubicBezTo>
+                  <a:pt x="8799451" y="2311762"/>
+                  <a:pt x="8771035" y="2369659"/>
+                  <a:pt x="8723870" y="2409568"/>
+                </a:cubicBezTo>
+                <a:cubicBezTo>
+                  <a:pt x="8543099" y="2562528"/>
+                  <a:pt x="8618005" y="2501675"/>
+                  <a:pt x="8501449" y="2594919"/>
+                </a:cubicBezTo>
+                <a:cubicBezTo>
+                  <a:pt x="8460260" y="2627870"/>
+                  <a:pt x="8422167" y="2665117"/>
+                  <a:pt x="8377881" y="2693773"/>
+                </a:cubicBezTo>
+                <a:cubicBezTo>
+                  <a:pt x="8307859" y="2739081"/>
+                  <a:pt x="8239333" y="2786788"/>
+                  <a:pt x="8167816" y="2829698"/>
+                </a:cubicBezTo>
+                <a:cubicBezTo>
+                  <a:pt x="8126627" y="2854411"/>
+                  <a:pt x="8084861" y="2878188"/>
+                  <a:pt x="8044249" y="2903838"/>
+                </a:cubicBezTo>
+                <a:cubicBezTo>
+                  <a:pt x="8006580" y="2927629"/>
+                  <a:pt x="7971242" y="2955057"/>
+                  <a:pt x="7933038" y="2977979"/>
+                </a:cubicBezTo>
+                <a:cubicBezTo>
+                  <a:pt x="7909345" y="2992195"/>
+                  <a:pt x="7882765" y="3001127"/>
+                  <a:pt x="7858898" y="3015049"/>
+                </a:cubicBezTo>
+                <a:cubicBezTo>
+                  <a:pt x="7783845" y="3058830"/>
+                  <a:pt x="7712071" y="3108136"/>
+                  <a:pt x="7636476" y="3150973"/>
+                </a:cubicBezTo>
+                <a:cubicBezTo>
+                  <a:pt x="7552133" y="3198767"/>
+                  <a:pt x="7402694" y="3265110"/>
+                  <a:pt x="7315200" y="3299254"/>
+                </a:cubicBezTo>
+                <a:cubicBezTo>
+                  <a:pt x="7204721" y="3342368"/>
+                  <a:pt x="7096620" y="3394059"/>
+                  <a:pt x="6981568" y="3422822"/>
+                </a:cubicBezTo>
+                <a:lnTo>
+                  <a:pt x="6783860" y="3472249"/>
+                </a:lnTo>
+                <a:cubicBezTo>
+                  <a:pt x="6623318" y="3509709"/>
+                  <a:pt x="6419613" y="3548430"/>
+                  <a:pt x="6264876" y="3558746"/>
+                </a:cubicBezTo>
+                <a:lnTo>
+                  <a:pt x="6079525" y="3571103"/>
+                </a:lnTo>
+                <a:lnTo>
+                  <a:pt x="5918887" y="3583460"/>
+                </a:lnTo>
+                <a:cubicBezTo>
+                  <a:pt x="5853012" y="3588003"/>
+                  <a:pt x="5787176" y="3593688"/>
+                  <a:pt x="5721179" y="3595817"/>
+                </a:cubicBezTo>
+                <a:cubicBezTo>
+                  <a:pt x="5531762" y="3601927"/>
+                  <a:pt x="5342238" y="3604054"/>
+                  <a:pt x="5152768" y="3608173"/>
+                </a:cubicBezTo>
+                <a:cubicBezTo>
+                  <a:pt x="5106794" y="3654147"/>
+                  <a:pt x="5091553" y="3675850"/>
+                  <a:pt x="5029200" y="3707027"/>
+                </a:cubicBezTo>
+                <a:cubicBezTo>
+                  <a:pt x="4997723" y="3722765"/>
+                  <a:pt x="4962189" y="3729113"/>
+                  <a:pt x="4930346" y="3744098"/>
+                </a:cubicBezTo>
+                <a:cubicBezTo>
+                  <a:pt x="4804068" y="3803523"/>
+                  <a:pt x="4824364" y="3819466"/>
+                  <a:pt x="4683211" y="3867665"/>
+                </a:cubicBezTo>
+                <a:cubicBezTo>
+                  <a:pt x="4561124" y="3909353"/>
+                  <a:pt x="4435927" y="3941314"/>
+                  <a:pt x="4312508" y="3978876"/>
+                </a:cubicBezTo>
+                <a:cubicBezTo>
+                  <a:pt x="4246454" y="3998979"/>
+                  <a:pt x="4181784" y="4023914"/>
+                  <a:pt x="4114800" y="4040660"/>
+                </a:cubicBezTo>
+                <a:cubicBezTo>
+                  <a:pt x="3982995" y="4073611"/>
+                  <a:pt x="3852608" y="4112869"/>
+                  <a:pt x="3719384" y="4139514"/>
+                </a:cubicBezTo>
+                <a:cubicBezTo>
+                  <a:pt x="3390479" y="4205295"/>
+                  <a:pt x="3649563" y="4157042"/>
+                  <a:pt x="3447535" y="4188941"/>
+                </a:cubicBezTo>
+                <a:cubicBezTo>
+                  <a:pt x="3398039" y="4196756"/>
+                  <a:pt x="3348903" y="4206884"/>
+                  <a:pt x="3299254" y="4213654"/>
+                </a:cubicBezTo>
+                <a:cubicBezTo>
+                  <a:pt x="3258239" y="4219247"/>
+                  <a:pt x="3216876" y="4221892"/>
+                  <a:pt x="3175687" y="4226011"/>
+                </a:cubicBezTo>
+                <a:cubicBezTo>
+                  <a:pt x="3019168" y="4221892"/>
+                  <a:pt x="2862305" y="4224809"/>
+                  <a:pt x="2706130" y="4213654"/>
+                </a:cubicBezTo>
+                <a:cubicBezTo>
+                  <a:pt x="2687757" y="4212342"/>
+                  <a:pt x="2673536" y="4196422"/>
+                  <a:pt x="2656703" y="4188941"/>
+                </a:cubicBezTo>
+                <a:cubicBezTo>
+                  <a:pt x="2547576" y="4140440"/>
+                  <a:pt x="2638866" y="4192519"/>
+                  <a:pt x="2545492" y="4127157"/>
+                </a:cubicBezTo>
+                <a:cubicBezTo>
+                  <a:pt x="2521159" y="4110124"/>
+                  <a:pt x="2493429" y="4097600"/>
+                  <a:pt x="2471352" y="4077730"/>
+                </a:cubicBezTo>
+                <a:cubicBezTo>
+                  <a:pt x="2451748" y="4060087"/>
+                  <a:pt x="2437437" y="4037276"/>
+                  <a:pt x="2421925" y="4015946"/>
+                </a:cubicBezTo>
+                <a:cubicBezTo>
+                  <a:pt x="2404455" y="3991925"/>
+                  <a:pt x="2399963" y="3953115"/>
+                  <a:pt x="2372498" y="3941806"/>
+                </a:cubicBezTo>
+                <a:cubicBezTo>
+                  <a:pt x="2322839" y="3921358"/>
+                  <a:pt x="2265406" y="3933568"/>
+                  <a:pt x="2211860" y="3929449"/>
+                </a:cubicBezTo>
+                <a:cubicBezTo>
+                  <a:pt x="2092376" y="3869706"/>
+                  <a:pt x="2254578" y="3945389"/>
+                  <a:pt x="2038865" y="3880022"/>
+                </a:cubicBezTo>
+                <a:cubicBezTo>
+                  <a:pt x="1942873" y="3850934"/>
+                  <a:pt x="1849540" y="3813698"/>
+                  <a:pt x="1754660" y="3781168"/>
+                </a:cubicBezTo>
+                <a:lnTo>
+                  <a:pt x="1606379" y="3731741"/>
+                </a:lnTo>
+                <a:cubicBezTo>
+                  <a:pt x="1581665" y="3723503"/>
+                  <a:pt x="1556682" y="3716033"/>
+                  <a:pt x="1532238" y="3707027"/>
+                </a:cubicBezTo>
+                <a:cubicBezTo>
+                  <a:pt x="1193272" y="3582145"/>
+                  <a:pt x="1407823" y="3651608"/>
+                  <a:pt x="1198606" y="3595817"/>
+                </a:cubicBezTo>
+                <a:cubicBezTo>
+                  <a:pt x="1169632" y="3588091"/>
+                  <a:pt x="1140556" y="3580586"/>
+                  <a:pt x="1112108" y="3571103"/>
+                </a:cubicBezTo>
+                <a:cubicBezTo>
+                  <a:pt x="1091065" y="3564089"/>
+                  <a:pt x="1071724" y="3552226"/>
+                  <a:pt x="1050325" y="3546390"/>
+                </a:cubicBezTo>
+                <a:cubicBezTo>
+                  <a:pt x="1026153" y="3539798"/>
+                  <a:pt x="1000898" y="3538152"/>
+                  <a:pt x="976184" y="3534033"/>
+                </a:cubicBezTo>
+                <a:cubicBezTo>
+                  <a:pt x="963827" y="3525795"/>
+                  <a:pt x="952764" y="3515169"/>
+                  <a:pt x="939114" y="3509319"/>
+                </a:cubicBezTo>
+                <a:cubicBezTo>
+                  <a:pt x="923504" y="3502629"/>
+                  <a:pt x="906016" y="3501628"/>
+                  <a:pt x="889687" y="3496963"/>
+                </a:cubicBezTo>
+                <a:cubicBezTo>
+                  <a:pt x="877163" y="3493385"/>
+                  <a:pt x="864973" y="3488725"/>
+                  <a:pt x="852616" y="3484606"/>
+                </a:cubicBezTo>
+                <a:lnTo>
+                  <a:pt x="778476" y="3435179"/>
+                </a:lnTo>
+                <a:lnTo>
+                  <a:pt x="741406" y="3410465"/>
+                </a:lnTo>
+                <a:cubicBezTo>
+                  <a:pt x="737287" y="3398108"/>
+                  <a:pt x="735375" y="3384781"/>
+                  <a:pt x="729049" y="3373395"/>
+                </a:cubicBezTo>
+                <a:cubicBezTo>
+                  <a:pt x="703778" y="3327907"/>
+                  <a:pt x="675254" y="3310114"/>
+                  <a:pt x="667265" y="3262184"/>
+                </a:cubicBezTo>
+                <a:cubicBezTo>
+                  <a:pt x="665234" y="3249995"/>
+                  <a:pt x="675503" y="3245708"/>
+                  <a:pt x="667265" y="3225114"/>
+                </a:cubicBezTo>
+                <a:close/>
+              </a:path>
+            </a:pathLst>
+          </a:custGeom>
+          <a:solidFill>
+            <a:schemeClr val="accent1">
+              <a:alpha val="42000"/>
+            </a:schemeClr>
+          </a:solidFill>
         </p:spPr>
         <p:style>
           <a:lnRef idx="2">
@@ -16263,1855 +20149,7 @@
           <a:lstStyle/>
           <a:p>
             <a:pPr algn="ctr"/>
-            <a:endParaRPr lang="en-GB" sz="1799"/>
-          </a:p>
-        </p:txBody>
-      </p:sp>
-      <p:cxnSp>
-        <p:nvCxnSpPr>
-          <p:cNvPr id="32" name="Straight Arrow Connector 31">
-            <a:extLst>
-              <a:ext uri="{FF2B5EF4-FFF2-40B4-BE49-F238E27FC236}">
-                <a16:creationId xmlns:a16="http://schemas.microsoft.com/office/drawing/2014/main" id="{8665F14F-D7D7-2949-BFA6-7E6ACC956F1F}"/>
-              </a:ext>
-            </a:extLst>
-          </p:cNvPr>
-          <p:cNvCxnSpPr>
-            <a:endCxn id="31" idx="2"/>
-          </p:cNvCxnSpPr>
-          <p:nvPr/>
-        </p:nvCxnSpPr>
-        <p:spPr>
-          <a:xfrm>
-            <a:off x="2412362" y="3306043"/>
-            <a:ext cx="1499727" cy="2723"/>
-          </a:xfrm>
-          <a:prstGeom prst="straightConnector1">
-            <a:avLst/>
-          </a:prstGeom>
-          <a:ln w="69850">
-            <a:solidFill>
-              <a:schemeClr val="tx1"/>
-            </a:solidFill>
-            <a:tailEnd type="triangle"/>
-          </a:ln>
-        </p:spPr>
-        <p:style>
-          <a:lnRef idx="1">
-            <a:schemeClr val="accent1"/>
-          </a:lnRef>
-          <a:fillRef idx="0">
-            <a:schemeClr val="accent1"/>
-          </a:fillRef>
-          <a:effectRef idx="0">
-            <a:schemeClr val="accent1"/>
-          </a:effectRef>
-          <a:fontRef idx="minor">
-            <a:schemeClr val="tx1"/>
-          </a:fontRef>
-        </p:style>
-      </p:cxnSp>
-      <p:cxnSp>
-        <p:nvCxnSpPr>
-          <p:cNvPr id="33" name="Straight Arrow Connector 32">
-            <a:extLst>
-              <a:ext uri="{FF2B5EF4-FFF2-40B4-BE49-F238E27FC236}">
-                <a16:creationId xmlns:a16="http://schemas.microsoft.com/office/drawing/2014/main" id="{A78DB9FE-7AFB-8544-BFF5-02CC57862713}"/>
-              </a:ext>
-            </a:extLst>
-          </p:cNvPr>
-          <p:cNvCxnSpPr>
-            <a:cxnSpLocks/>
-            <a:endCxn id="31" idx="3"/>
-          </p:cNvCxnSpPr>
-          <p:nvPr/>
-        </p:nvCxnSpPr>
-        <p:spPr>
-          <a:xfrm flipV="1">
-            <a:off x="2412362" y="3594028"/>
-            <a:ext cx="1626238" cy="417638"/>
-          </a:xfrm>
-          <a:prstGeom prst="straightConnector1">
-            <a:avLst/>
-          </a:prstGeom>
-          <a:ln w="69850">
-            <a:solidFill>
-              <a:schemeClr val="tx1"/>
-            </a:solidFill>
-            <a:tailEnd type="triangle"/>
-          </a:ln>
-        </p:spPr>
-        <p:style>
-          <a:lnRef idx="1">
-            <a:schemeClr val="accent1"/>
-          </a:lnRef>
-          <a:fillRef idx="0">
-            <a:schemeClr val="accent1"/>
-          </a:fillRef>
-          <a:effectRef idx="0">
-            <a:schemeClr val="accent1"/>
-          </a:effectRef>
-          <a:fontRef idx="minor">
-            <a:schemeClr val="tx1"/>
-          </a:fontRef>
-        </p:style>
-      </p:cxnSp>
-      <p:cxnSp>
-        <p:nvCxnSpPr>
-          <p:cNvPr id="34" name="Straight Arrow Connector 33">
-            <a:extLst>
-              <a:ext uri="{FF2B5EF4-FFF2-40B4-BE49-F238E27FC236}">
-                <a16:creationId xmlns:a16="http://schemas.microsoft.com/office/drawing/2014/main" id="{BB2F0E51-89C5-6343-A718-332B64BF278C}"/>
-              </a:ext>
-            </a:extLst>
-          </p:cNvPr>
-          <p:cNvCxnSpPr>
-            <a:cxnSpLocks/>
-            <a:endCxn id="31" idx="1"/>
-          </p:cNvCxnSpPr>
-          <p:nvPr/>
-        </p:nvCxnSpPr>
-        <p:spPr>
-          <a:xfrm>
-            <a:off x="2412362" y="2442479"/>
-            <a:ext cx="1626238" cy="581024"/>
-          </a:xfrm>
-          <a:prstGeom prst="straightConnector1">
-            <a:avLst/>
-          </a:prstGeom>
-          <a:ln w="69850">
-            <a:solidFill>
-              <a:schemeClr val="tx1"/>
-            </a:solidFill>
-            <a:tailEnd type="triangle"/>
-          </a:ln>
-        </p:spPr>
-        <p:style>
-          <a:lnRef idx="1">
-            <a:schemeClr val="accent1"/>
-          </a:lnRef>
-          <a:fillRef idx="0">
-            <a:schemeClr val="accent1"/>
-          </a:fillRef>
-          <a:effectRef idx="0">
-            <a:schemeClr val="accent1"/>
-          </a:effectRef>
-          <a:fontRef idx="minor">
-            <a:schemeClr val="tx1"/>
-          </a:fontRef>
-        </p:style>
-      </p:cxnSp>
-      <p:cxnSp>
-        <p:nvCxnSpPr>
-          <p:cNvPr id="35" name="Straight Arrow Connector 34">
-            <a:extLst>
-              <a:ext uri="{FF2B5EF4-FFF2-40B4-BE49-F238E27FC236}">
-                <a16:creationId xmlns:a16="http://schemas.microsoft.com/office/drawing/2014/main" id="{4E4B3391-3ECE-A444-82FE-D94131BD1346}"/>
-              </a:ext>
-            </a:extLst>
-          </p:cNvPr>
-          <p:cNvCxnSpPr>
-            <a:cxnSpLocks/>
-          </p:cNvCxnSpPr>
-          <p:nvPr/>
-        </p:nvCxnSpPr>
-        <p:spPr>
-          <a:xfrm flipV="1">
-            <a:off x="4805035" y="3271158"/>
-            <a:ext cx="784044" cy="1"/>
-          </a:xfrm>
-          <a:prstGeom prst="straightConnector1">
-            <a:avLst/>
-          </a:prstGeom>
-          <a:ln w="69850">
-            <a:solidFill>
-              <a:schemeClr val="tx1"/>
-            </a:solidFill>
-            <a:tailEnd type="triangle"/>
-          </a:ln>
-        </p:spPr>
-        <p:style>
-          <a:lnRef idx="1">
-            <a:schemeClr val="accent1"/>
-          </a:lnRef>
-          <a:fillRef idx="0">
-            <a:schemeClr val="accent1"/>
-          </a:fillRef>
-          <a:effectRef idx="0">
-            <a:schemeClr val="accent1"/>
-          </a:effectRef>
-          <a:fontRef idx="minor">
-            <a:schemeClr val="tx1"/>
-          </a:fontRef>
-        </p:style>
-      </p:cxnSp>
-      <p:sp>
-        <p:nvSpPr>
-          <p:cNvPr id="36" name="TextBox 35">
-            <a:extLst>
-              <a:ext uri="{FF2B5EF4-FFF2-40B4-BE49-F238E27FC236}">
-                <a16:creationId xmlns:a16="http://schemas.microsoft.com/office/drawing/2014/main" id="{4DBE3E7A-F7E6-B54D-8041-781763DB7155}"/>
-              </a:ext>
-            </a:extLst>
-          </p:cNvPr>
-          <p:cNvSpPr txBox="1"/>
-          <p:nvPr/>
-        </p:nvSpPr>
-        <p:spPr>
-          <a:xfrm>
-            <a:off x="4097803" y="3121377"/>
-            <a:ext cx="591829" cy="461665"/>
-          </a:xfrm>
-          <a:prstGeom prst="rect">
-            <a:avLst/>
-          </a:prstGeom>
-          <a:noFill/>
-        </p:spPr>
-        <p:txBody>
-          <a:bodyPr wrap="none" rtlCol="0">
-            <a:spAutoFit/>
-          </a:bodyPr>
-          <a:lstStyle/>
-          <a:p>
-            <a:r>
-              <a:rPr lang="en-US" sz="2400" dirty="0"/>
-              <a:t>g(.)</a:t>
-            </a:r>
-          </a:p>
-        </p:txBody>
-      </p:sp>
-      <p:sp>
-        <p:nvSpPr>
-          <p:cNvPr id="37" name="TextBox 36">
-            <a:extLst>
-              <a:ext uri="{FF2B5EF4-FFF2-40B4-BE49-F238E27FC236}">
-                <a16:creationId xmlns:a16="http://schemas.microsoft.com/office/drawing/2014/main" id="{2DE195C1-990B-7E4B-A1B2-5B3E32E98EA1}"/>
-              </a:ext>
-            </a:extLst>
-          </p:cNvPr>
-          <p:cNvSpPr txBox="1"/>
-          <p:nvPr/>
-        </p:nvSpPr>
-        <p:spPr>
-          <a:xfrm>
-            <a:off x="2967592" y="2175965"/>
-            <a:ext cx="869149" cy="461665"/>
-          </a:xfrm>
-          <a:prstGeom prst="rect">
-            <a:avLst/>
-          </a:prstGeom>
-          <a:noFill/>
-        </p:spPr>
-        <p:txBody>
-          <a:bodyPr wrap="none" rtlCol="0">
-            <a:spAutoFit/>
-          </a:bodyPr>
-          <a:lstStyle/>
-          <a:p>
-            <a:r>
-              <a:rPr lang="en-US" sz="2400" dirty="0"/>
-              <a:t>w1=1</a:t>
-            </a:r>
-          </a:p>
-        </p:txBody>
-      </p:sp>
-      <p:sp>
-        <p:nvSpPr>
-          <p:cNvPr id="38" name="TextBox 37">
-            <a:extLst>
-              <a:ext uri="{FF2B5EF4-FFF2-40B4-BE49-F238E27FC236}">
-                <a16:creationId xmlns:a16="http://schemas.microsoft.com/office/drawing/2014/main" id="{41D877D7-6884-F349-8791-E3A4517F2C79}"/>
-              </a:ext>
-            </a:extLst>
-          </p:cNvPr>
-          <p:cNvSpPr txBox="1"/>
-          <p:nvPr/>
-        </p:nvSpPr>
-        <p:spPr>
-          <a:xfrm>
-            <a:off x="2632176" y="2897067"/>
-            <a:ext cx="869149" cy="461665"/>
-          </a:xfrm>
-          <a:prstGeom prst="rect">
-            <a:avLst/>
-          </a:prstGeom>
-          <a:noFill/>
-        </p:spPr>
-        <p:txBody>
-          <a:bodyPr wrap="none" rtlCol="0">
-            <a:spAutoFit/>
-          </a:bodyPr>
-          <a:lstStyle/>
-          <a:p>
-            <a:r>
-              <a:rPr lang="en-US" sz="2400" dirty="0"/>
-              <a:t>w2=0</a:t>
-            </a:r>
-          </a:p>
-        </p:txBody>
-      </p:sp>
-      <p:sp>
-        <p:nvSpPr>
-          <p:cNvPr id="39" name="TextBox 38">
-            <a:extLst>
-              <a:ext uri="{FF2B5EF4-FFF2-40B4-BE49-F238E27FC236}">
-                <a16:creationId xmlns:a16="http://schemas.microsoft.com/office/drawing/2014/main" id="{B81FF04F-4246-7848-AF99-05940E21F248}"/>
-              </a:ext>
-            </a:extLst>
-          </p:cNvPr>
-          <p:cNvSpPr txBox="1"/>
-          <p:nvPr/>
-        </p:nvSpPr>
-        <p:spPr>
-          <a:xfrm>
-            <a:off x="3162225" y="3798566"/>
-            <a:ext cx="963725" cy="461665"/>
-          </a:xfrm>
-          <a:prstGeom prst="rect">
-            <a:avLst/>
-          </a:prstGeom>
-          <a:noFill/>
-        </p:spPr>
-        <p:txBody>
-          <a:bodyPr wrap="none" rtlCol="0">
-            <a:spAutoFit/>
-          </a:bodyPr>
-          <a:lstStyle/>
-          <a:p>
-            <a:r>
-              <a:rPr lang="en-US" sz="2400" dirty="0"/>
-              <a:t>w3=-1</a:t>
-            </a:r>
-          </a:p>
-        </p:txBody>
-      </p:sp>
-      <p:sp>
-        <p:nvSpPr>
-          <p:cNvPr id="40" name="TextBox 39">
-            <a:extLst>
-              <a:ext uri="{FF2B5EF4-FFF2-40B4-BE49-F238E27FC236}">
-                <a16:creationId xmlns:a16="http://schemas.microsoft.com/office/drawing/2014/main" id="{BBE6F7AA-2D2D-0542-B640-EDF7259624F4}"/>
-              </a:ext>
-            </a:extLst>
-          </p:cNvPr>
-          <p:cNvSpPr txBox="1"/>
-          <p:nvPr/>
-        </p:nvSpPr>
-        <p:spPr>
-          <a:xfrm>
-            <a:off x="702786" y="2145187"/>
-            <a:ext cx="1658467" cy="523220"/>
-          </a:xfrm>
-          <a:prstGeom prst="rect">
-            <a:avLst/>
-          </a:prstGeom>
-          <a:noFill/>
-        </p:spPr>
-        <p:txBody>
-          <a:bodyPr wrap="none" rtlCol="0">
-            <a:spAutoFit/>
-          </a:bodyPr>
-          <a:lstStyle/>
-          <a:p>
-            <a:r>
-              <a:rPr lang="en-US" sz="2800" dirty="0"/>
-              <a:t>feature x1</a:t>
-            </a:r>
-          </a:p>
-        </p:txBody>
-      </p:sp>
-      <p:sp>
-        <p:nvSpPr>
-          <p:cNvPr id="41" name="TextBox 40">
-            <a:extLst>
-              <a:ext uri="{FF2B5EF4-FFF2-40B4-BE49-F238E27FC236}">
-                <a16:creationId xmlns:a16="http://schemas.microsoft.com/office/drawing/2014/main" id="{F0194FDA-6A4D-7049-87D5-BC9A792F7A36}"/>
-              </a:ext>
-            </a:extLst>
-          </p:cNvPr>
-          <p:cNvSpPr txBox="1"/>
-          <p:nvPr/>
-        </p:nvSpPr>
-        <p:spPr>
-          <a:xfrm>
-            <a:off x="1836939" y="2989732"/>
-            <a:ext cx="473206" cy="461665"/>
-          </a:xfrm>
-          <a:prstGeom prst="rect">
-            <a:avLst/>
-          </a:prstGeom>
-          <a:noFill/>
-        </p:spPr>
-        <p:txBody>
-          <a:bodyPr wrap="none" rtlCol="0">
-            <a:spAutoFit/>
-          </a:bodyPr>
-          <a:lstStyle/>
-          <a:p>
-            <a:r>
-              <a:rPr lang="en-US" sz="2400" dirty="0"/>
-              <a:t>x2</a:t>
-            </a:r>
-          </a:p>
-        </p:txBody>
-      </p:sp>
-      <p:sp>
-        <p:nvSpPr>
-          <p:cNvPr id="42" name="TextBox 41">
-            <a:extLst>
-              <a:ext uri="{FF2B5EF4-FFF2-40B4-BE49-F238E27FC236}">
-                <a16:creationId xmlns:a16="http://schemas.microsoft.com/office/drawing/2014/main" id="{A32F686E-F8D9-1E48-B4E2-06ABB1EF7AAA}"/>
-              </a:ext>
-            </a:extLst>
-          </p:cNvPr>
-          <p:cNvSpPr txBox="1"/>
-          <p:nvPr/>
-        </p:nvSpPr>
-        <p:spPr>
-          <a:xfrm>
-            <a:off x="1930955" y="3890987"/>
-            <a:ext cx="473206" cy="461665"/>
-          </a:xfrm>
-          <a:prstGeom prst="rect">
-            <a:avLst/>
-          </a:prstGeom>
-          <a:noFill/>
-        </p:spPr>
-        <p:txBody>
-          <a:bodyPr wrap="none" rtlCol="0">
-            <a:spAutoFit/>
-          </a:bodyPr>
-          <a:lstStyle/>
-          <a:p>
-            <a:r>
-              <a:rPr lang="en-US" sz="2400" dirty="0"/>
-              <a:t>x3</a:t>
-            </a:r>
-          </a:p>
-        </p:txBody>
-      </p:sp>
-      <p:sp>
-        <p:nvSpPr>
-          <p:cNvPr id="45" name="Oval 44">
-            <a:extLst>
-              <a:ext uri="{FF2B5EF4-FFF2-40B4-BE49-F238E27FC236}">
-                <a16:creationId xmlns:a16="http://schemas.microsoft.com/office/drawing/2014/main" id="{0FF6510C-C751-BB4B-BB9C-B8732EE5C0DE}"/>
-              </a:ext>
-            </a:extLst>
-          </p:cNvPr>
-          <p:cNvSpPr/>
-          <p:nvPr/>
-        </p:nvSpPr>
-        <p:spPr>
-          <a:xfrm>
-            <a:off x="9372532" y="4604925"/>
-            <a:ext cx="863871" cy="806845"/>
-          </a:xfrm>
-          <a:prstGeom prst="ellipse">
-            <a:avLst/>
-          </a:prstGeom>
-          <a:noFill/>
-          <a:ln>
-            <a:solidFill>
-              <a:schemeClr val="dk1"/>
-            </a:solidFill>
-          </a:ln>
-        </p:spPr>
-        <p:style>
-          <a:lnRef idx="2">
-            <a:schemeClr val="accent1">
-              <a:shade val="50000"/>
-            </a:schemeClr>
-          </a:lnRef>
-          <a:fillRef idx="1">
-            <a:schemeClr val="accent1"/>
-          </a:fillRef>
-          <a:effectRef idx="0">
-            <a:schemeClr val="accent1"/>
-          </a:effectRef>
-          <a:fontRef idx="minor">
-            <a:schemeClr val="lt1"/>
-          </a:fontRef>
-        </p:style>
-        <p:txBody>
-          <a:bodyPr rtlCol="0" anchor="ctr"/>
-          <a:lstStyle/>
-          <a:p>
-            <a:pPr algn="ctr"/>
-            <a:endParaRPr lang="en-GB" sz="1799"/>
-          </a:p>
-        </p:txBody>
-      </p:sp>
-      <p:cxnSp>
-        <p:nvCxnSpPr>
-          <p:cNvPr id="46" name="Straight Arrow Connector 45">
-            <a:extLst>
-              <a:ext uri="{FF2B5EF4-FFF2-40B4-BE49-F238E27FC236}">
-                <a16:creationId xmlns:a16="http://schemas.microsoft.com/office/drawing/2014/main" id="{FDE3BC3C-9208-DE49-9885-29076EF529CE}"/>
-              </a:ext>
-            </a:extLst>
-          </p:cNvPr>
-          <p:cNvCxnSpPr>
-            <a:endCxn id="45" idx="2"/>
-          </p:cNvCxnSpPr>
-          <p:nvPr/>
-        </p:nvCxnSpPr>
-        <p:spPr>
-          <a:xfrm>
-            <a:off x="7872805" y="5005625"/>
-            <a:ext cx="1499727" cy="2723"/>
-          </a:xfrm>
-          <a:prstGeom prst="straightConnector1">
-            <a:avLst/>
-          </a:prstGeom>
-          <a:ln w="69850">
-            <a:solidFill>
-              <a:schemeClr val="tx1"/>
-            </a:solidFill>
-            <a:tailEnd type="triangle"/>
-          </a:ln>
-        </p:spPr>
-        <p:style>
-          <a:lnRef idx="1">
-            <a:schemeClr val="accent1"/>
-          </a:lnRef>
-          <a:fillRef idx="0">
-            <a:schemeClr val="accent1"/>
-          </a:fillRef>
-          <a:effectRef idx="0">
-            <a:schemeClr val="accent1"/>
-          </a:effectRef>
-          <a:fontRef idx="minor">
-            <a:schemeClr val="tx1"/>
-          </a:fontRef>
-        </p:style>
-      </p:cxnSp>
-      <p:cxnSp>
-        <p:nvCxnSpPr>
-          <p:cNvPr id="47" name="Straight Arrow Connector 46">
-            <a:extLst>
-              <a:ext uri="{FF2B5EF4-FFF2-40B4-BE49-F238E27FC236}">
-                <a16:creationId xmlns:a16="http://schemas.microsoft.com/office/drawing/2014/main" id="{A240BABB-5346-9E48-AABB-9D72D094317C}"/>
-              </a:ext>
-            </a:extLst>
-          </p:cNvPr>
-          <p:cNvCxnSpPr>
-            <a:cxnSpLocks/>
-            <a:endCxn id="45" idx="3"/>
-          </p:cNvCxnSpPr>
-          <p:nvPr/>
-        </p:nvCxnSpPr>
-        <p:spPr>
-          <a:xfrm flipV="1">
-            <a:off x="7872805" y="5293610"/>
-            <a:ext cx="1626238" cy="417638"/>
-          </a:xfrm>
-          <a:prstGeom prst="straightConnector1">
-            <a:avLst/>
-          </a:prstGeom>
-          <a:ln w="69850">
-            <a:solidFill>
-              <a:schemeClr val="tx1"/>
-            </a:solidFill>
-            <a:tailEnd type="triangle"/>
-          </a:ln>
-        </p:spPr>
-        <p:style>
-          <a:lnRef idx="1">
-            <a:schemeClr val="accent1"/>
-          </a:lnRef>
-          <a:fillRef idx="0">
-            <a:schemeClr val="accent1"/>
-          </a:fillRef>
-          <a:effectRef idx="0">
-            <a:schemeClr val="accent1"/>
-          </a:effectRef>
-          <a:fontRef idx="minor">
-            <a:schemeClr val="tx1"/>
-          </a:fontRef>
-        </p:style>
-      </p:cxnSp>
-      <p:cxnSp>
-        <p:nvCxnSpPr>
-          <p:cNvPr id="48" name="Straight Arrow Connector 47">
-            <a:extLst>
-              <a:ext uri="{FF2B5EF4-FFF2-40B4-BE49-F238E27FC236}">
-                <a16:creationId xmlns:a16="http://schemas.microsoft.com/office/drawing/2014/main" id="{E8272890-29C7-E547-81D6-284660D38390}"/>
-              </a:ext>
-            </a:extLst>
-          </p:cNvPr>
-          <p:cNvCxnSpPr>
-            <a:cxnSpLocks/>
-            <a:endCxn id="45" idx="1"/>
-          </p:cNvCxnSpPr>
-          <p:nvPr/>
-        </p:nvCxnSpPr>
-        <p:spPr>
-          <a:xfrm>
-            <a:off x="7872805" y="4142061"/>
-            <a:ext cx="1626238" cy="581024"/>
-          </a:xfrm>
-          <a:prstGeom prst="straightConnector1">
-            <a:avLst/>
-          </a:prstGeom>
-          <a:ln w="69850">
-            <a:solidFill>
-              <a:schemeClr val="tx1"/>
-            </a:solidFill>
-            <a:tailEnd type="triangle"/>
-          </a:ln>
-        </p:spPr>
-        <p:style>
-          <a:lnRef idx="1">
-            <a:schemeClr val="accent1"/>
-          </a:lnRef>
-          <a:fillRef idx="0">
-            <a:schemeClr val="accent1"/>
-          </a:fillRef>
-          <a:effectRef idx="0">
-            <a:schemeClr val="accent1"/>
-          </a:effectRef>
-          <a:fontRef idx="minor">
-            <a:schemeClr val="tx1"/>
-          </a:fontRef>
-        </p:style>
-      </p:cxnSp>
-      <p:cxnSp>
-        <p:nvCxnSpPr>
-          <p:cNvPr id="49" name="Straight Arrow Connector 48">
-            <a:extLst>
-              <a:ext uri="{FF2B5EF4-FFF2-40B4-BE49-F238E27FC236}">
-                <a16:creationId xmlns:a16="http://schemas.microsoft.com/office/drawing/2014/main" id="{52496B55-C1F6-3748-AC83-131FE8551A46}"/>
-              </a:ext>
-            </a:extLst>
-          </p:cNvPr>
-          <p:cNvCxnSpPr>
-            <a:cxnSpLocks/>
-          </p:cNvCxnSpPr>
-          <p:nvPr/>
-        </p:nvCxnSpPr>
-        <p:spPr>
-          <a:xfrm flipV="1">
-            <a:off x="10265478" y="4970740"/>
-            <a:ext cx="784044" cy="1"/>
-          </a:xfrm>
-          <a:prstGeom prst="straightConnector1">
-            <a:avLst/>
-          </a:prstGeom>
-          <a:ln w="69850">
-            <a:solidFill>
-              <a:schemeClr val="tx1"/>
-            </a:solidFill>
-            <a:tailEnd type="triangle"/>
-          </a:ln>
-        </p:spPr>
-        <p:style>
-          <a:lnRef idx="1">
-            <a:schemeClr val="accent1"/>
-          </a:lnRef>
-          <a:fillRef idx="0">
-            <a:schemeClr val="accent1"/>
-          </a:fillRef>
-          <a:effectRef idx="0">
-            <a:schemeClr val="accent1"/>
-          </a:effectRef>
-          <a:fontRef idx="minor">
-            <a:schemeClr val="tx1"/>
-          </a:fontRef>
-        </p:style>
-      </p:cxnSp>
-      <p:sp>
-        <p:nvSpPr>
-          <p:cNvPr id="50" name="TextBox 49">
-            <a:extLst>
-              <a:ext uri="{FF2B5EF4-FFF2-40B4-BE49-F238E27FC236}">
-                <a16:creationId xmlns:a16="http://schemas.microsoft.com/office/drawing/2014/main" id="{62565618-FE89-FE4B-9034-3B7BF1051BB6}"/>
-              </a:ext>
-            </a:extLst>
-          </p:cNvPr>
-          <p:cNvSpPr txBox="1"/>
-          <p:nvPr/>
-        </p:nvSpPr>
-        <p:spPr>
-          <a:xfrm>
-            <a:off x="9558246" y="4820959"/>
-            <a:ext cx="591829" cy="461665"/>
-          </a:xfrm>
-          <a:prstGeom prst="rect">
-            <a:avLst/>
-          </a:prstGeom>
-          <a:noFill/>
-        </p:spPr>
-        <p:txBody>
-          <a:bodyPr wrap="none" rtlCol="0">
-            <a:spAutoFit/>
-          </a:bodyPr>
-          <a:lstStyle/>
-          <a:p>
-            <a:r>
-              <a:rPr lang="en-US" sz="2400" dirty="0"/>
-              <a:t>g(.)</a:t>
-            </a:r>
-          </a:p>
-        </p:txBody>
-      </p:sp>
-      <p:sp>
-        <p:nvSpPr>
-          <p:cNvPr id="51" name="TextBox 50">
-            <a:extLst>
-              <a:ext uri="{FF2B5EF4-FFF2-40B4-BE49-F238E27FC236}">
-                <a16:creationId xmlns:a16="http://schemas.microsoft.com/office/drawing/2014/main" id="{1648A1F8-0B26-4245-A0AD-5F0DD6AC13B8}"/>
-              </a:ext>
-            </a:extLst>
-          </p:cNvPr>
-          <p:cNvSpPr txBox="1"/>
-          <p:nvPr/>
-        </p:nvSpPr>
-        <p:spPr>
-          <a:xfrm>
-            <a:off x="8428035" y="3875547"/>
-            <a:ext cx="1024639" cy="461665"/>
-          </a:xfrm>
-          <a:prstGeom prst="rect">
-            <a:avLst/>
-          </a:prstGeom>
-          <a:noFill/>
-        </p:spPr>
-        <p:txBody>
-          <a:bodyPr wrap="none" rtlCol="0">
-            <a:spAutoFit/>
-          </a:bodyPr>
-          <a:lstStyle/>
-          <a:p>
-            <a:r>
-              <a:rPr lang="en-US" sz="2400" dirty="0"/>
-              <a:t>w1=10</a:t>
-            </a:r>
-          </a:p>
-        </p:txBody>
-      </p:sp>
-      <p:sp>
-        <p:nvSpPr>
-          <p:cNvPr id="52" name="TextBox 51">
-            <a:extLst>
-              <a:ext uri="{FF2B5EF4-FFF2-40B4-BE49-F238E27FC236}">
-                <a16:creationId xmlns:a16="http://schemas.microsoft.com/office/drawing/2014/main" id="{907E2BE2-0E15-4341-8E96-ABD83CCC5F1B}"/>
-              </a:ext>
-            </a:extLst>
-          </p:cNvPr>
-          <p:cNvSpPr txBox="1"/>
-          <p:nvPr/>
-        </p:nvSpPr>
-        <p:spPr>
-          <a:xfrm>
-            <a:off x="8092619" y="4596649"/>
-            <a:ext cx="869149" cy="461665"/>
-          </a:xfrm>
-          <a:prstGeom prst="rect">
-            <a:avLst/>
-          </a:prstGeom>
-          <a:noFill/>
-        </p:spPr>
-        <p:txBody>
-          <a:bodyPr wrap="none" rtlCol="0">
-            <a:spAutoFit/>
-          </a:bodyPr>
-          <a:lstStyle/>
-          <a:p>
-            <a:r>
-              <a:rPr lang="en-US" sz="2400" dirty="0"/>
-              <a:t>w2=0</a:t>
-            </a:r>
-          </a:p>
-        </p:txBody>
-      </p:sp>
-      <p:sp>
-        <p:nvSpPr>
-          <p:cNvPr id="53" name="TextBox 52">
-            <a:extLst>
-              <a:ext uri="{FF2B5EF4-FFF2-40B4-BE49-F238E27FC236}">
-                <a16:creationId xmlns:a16="http://schemas.microsoft.com/office/drawing/2014/main" id="{D05DAAAC-0E1D-4746-ADB8-77D75505CD7C}"/>
-              </a:ext>
-            </a:extLst>
-          </p:cNvPr>
-          <p:cNvSpPr txBox="1"/>
-          <p:nvPr/>
-        </p:nvSpPr>
-        <p:spPr>
-          <a:xfrm>
-            <a:off x="8622668" y="5498148"/>
-            <a:ext cx="963725" cy="461665"/>
-          </a:xfrm>
-          <a:prstGeom prst="rect">
-            <a:avLst/>
-          </a:prstGeom>
-          <a:noFill/>
-        </p:spPr>
-        <p:txBody>
-          <a:bodyPr wrap="none" rtlCol="0">
-            <a:spAutoFit/>
-          </a:bodyPr>
-          <a:lstStyle/>
-          <a:p>
-            <a:r>
-              <a:rPr lang="en-US" sz="2400" dirty="0"/>
-              <a:t>w3=-1</a:t>
-            </a:r>
-          </a:p>
-        </p:txBody>
-      </p:sp>
-      <p:sp>
-        <p:nvSpPr>
-          <p:cNvPr id="54" name="TextBox 53">
-            <a:extLst>
-              <a:ext uri="{FF2B5EF4-FFF2-40B4-BE49-F238E27FC236}">
-                <a16:creationId xmlns:a16="http://schemas.microsoft.com/office/drawing/2014/main" id="{1F4445E4-5D6C-0149-A4EA-EC99A583C241}"/>
-              </a:ext>
-            </a:extLst>
-          </p:cNvPr>
-          <p:cNvSpPr txBox="1"/>
-          <p:nvPr/>
-        </p:nvSpPr>
-        <p:spPr>
-          <a:xfrm>
-            <a:off x="6163229" y="3844769"/>
-            <a:ext cx="1658467" cy="523220"/>
-          </a:xfrm>
-          <a:prstGeom prst="rect">
-            <a:avLst/>
-          </a:prstGeom>
-          <a:noFill/>
-        </p:spPr>
-        <p:txBody>
-          <a:bodyPr wrap="none" rtlCol="0">
-            <a:spAutoFit/>
-          </a:bodyPr>
-          <a:lstStyle/>
-          <a:p>
-            <a:r>
-              <a:rPr lang="en-US" sz="2800" dirty="0"/>
-              <a:t>feature x1</a:t>
-            </a:r>
-          </a:p>
-        </p:txBody>
-      </p:sp>
-      <p:sp>
-        <p:nvSpPr>
-          <p:cNvPr id="55" name="TextBox 54">
-            <a:extLst>
-              <a:ext uri="{FF2B5EF4-FFF2-40B4-BE49-F238E27FC236}">
-                <a16:creationId xmlns:a16="http://schemas.microsoft.com/office/drawing/2014/main" id="{7F539C38-1312-954D-AD01-6434E8CC8318}"/>
-              </a:ext>
-            </a:extLst>
-          </p:cNvPr>
-          <p:cNvSpPr txBox="1"/>
-          <p:nvPr/>
-        </p:nvSpPr>
-        <p:spPr>
-          <a:xfrm>
-            <a:off x="7297382" y="4689314"/>
-            <a:ext cx="473206" cy="461665"/>
-          </a:xfrm>
-          <a:prstGeom prst="rect">
-            <a:avLst/>
-          </a:prstGeom>
-          <a:noFill/>
-        </p:spPr>
-        <p:txBody>
-          <a:bodyPr wrap="none" rtlCol="0">
-            <a:spAutoFit/>
-          </a:bodyPr>
-          <a:lstStyle/>
-          <a:p>
-            <a:r>
-              <a:rPr lang="en-US" sz="2400" dirty="0"/>
-              <a:t>x2</a:t>
-            </a:r>
-          </a:p>
-        </p:txBody>
-      </p:sp>
-      <p:sp>
-        <p:nvSpPr>
-          <p:cNvPr id="56" name="TextBox 55">
-            <a:extLst>
-              <a:ext uri="{FF2B5EF4-FFF2-40B4-BE49-F238E27FC236}">
-                <a16:creationId xmlns:a16="http://schemas.microsoft.com/office/drawing/2014/main" id="{CD3CD1C7-5AF3-5C49-8744-F2A60B37F09A}"/>
-              </a:ext>
-            </a:extLst>
-          </p:cNvPr>
-          <p:cNvSpPr txBox="1"/>
-          <p:nvPr/>
-        </p:nvSpPr>
-        <p:spPr>
-          <a:xfrm>
-            <a:off x="7391398" y="5590569"/>
-            <a:ext cx="473206" cy="461665"/>
-          </a:xfrm>
-          <a:prstGeom prst="rect">
-            <a:avLst/>
-          </a:prstGeom>
-          <a:noFill/>
-        </p:spPr>
-        <p:txBody>
-          <a:bodyPr wrap="none" rtlCol="0">
-            <a:spAutoFit/>
-          </a:bodyPr>
-          <a:lstStyle/>
-          <a:p>
-            <a:r>
-              <a:rPr lang="en-US" sz="2400" dirty="0"/>
-              <a:t>x3</a:t>
-            </a:r>
-          </a:p>
-        </p:txBody>
-      </p:sp>
-      <p:sp>
-        <p:nvSpPr>
-          <p:cNvPr id="57" name="Oval 56">
-            <a:extLst>
-              <a:ext uri="{FF2B5EF4-FFF2-40B4-BE49-F238E27FC236}">
-                <a16:creationId xmlns:a16="http://schemas.microsoft.com/office/drawing/2014/main" id="{F1F63B8A-308B-3549-B600-87790C45677D}"/>
-              </a:ext>
-            </a:extLst>
-          </p:cNvPr>
-          <p:cNvSpPr/>
-          <p:nvPr/>
-        </p:nvSpPr>
-        <p:spPr>
-          <a:xfrm>
-            <a:off x="9293216" y="1657828"/>
-            <a:ext cx="863871" cy="806845"/>
-          </a:xfrm>
-          <a:prstGeom prst="ellipse">
-            <a:avLst/>
-          </a:prstGeom>
-          <a:noFill/>
-          <a:ln>
-            <a:solidFill>
-              <a:schemeClr val="dk1"/>
-            </a:solidFill>
-          </a:ln>
-        </p:spPr>
-        <p:style>
-          <a:lnRef idx="2">
-            <a:schemeClr val="accent1">
-              <a:shade val="50000"/>
-            </a:schemeClr>
-          </a:lnRef>
-          <a:fillRef idx="1">
-            <a:schemeClr val="accent1"/>
-          </a:fillRef>
-          <a:effectRef idx="0">
-            <a:schemeClr val="accent1"/>
-          </a:effectRef>
-          <a:fontRef idx="minor">
-            <a:schemeClr val="lt1"/>
-          </a:fontRef>
-        </p:style>
-        <p:txBody>
-          <a:bodyPr rtlCol="0" anchor="ctr"/>
-          <a:lstStyle/>
-          <a:p>
-            <a:pPr algn="ctr"/>
-            <a:endParaRPr lang="en-GB" sz="1799"/>
-          </a:p>
-        </p:txBody>
-      </p:sp>
-      <p:cxnSp>
-        <p:nvCxnSpPr>
-          <p:cNvPr id="58" name="Straight Arrow Connector 57">
-            <a:extLst>
-              <a:ext uri="{FF2B5EF4-FFF2-40B4-BE49-F238E27FC236}">
-                <a16:creationId xmlns:a16="http://schemas.microsoft.com/office/drawing/2014/main" id="{79395787-7156-114F-8D72-2074EA16F394}"/>
-              </a:ext>
-            </a:extLst>
-          </p:cNvPr>
-          <p:cNvCxnSpPr>
-            <a:endCxn id="57" idx="2"/>
-          </p:cNvCxnSpPr>
-          <p:nvPr/>
-        </p:nvCxnSpPr>
-        <p:spPr>
-          <a:xfrm>
-            <a:off x="7793489" y="2058528"/>
-            <a:ext cx="1499727" cy="2723"/>
-          </a:xfrm>
-          <a:prstGeom prst="straightConnector1">
-            <a:avLst/>
-          </a:prstGeom>
-          <a:ln w="69850">
-            <a:solidFill>
-              <a:schemeClr val="tx1"/>
-            </a:solidFill>
-            <a:tailEnd type="triangle"/>
-          </a:ln>
-        </p:spPr>
-        <p:style>
-          <a:lnRef idx="1">
-            <a:schemeClr val="accent1"/>
-          </a:lnRef>
-          <a:fillRef idx="0">
-            <a:schemeClr val="accent1"/>
-          </a:fillRef>
-          <a:effectRef idx="0">
-            <a:schemeClr val="accent1"/>
-          </a:effectRef>
-          <a:fontRef idx="minor">
-            <a:schemeClr val="tx1"/>
-          </a:fontRef>
-        </p:style>
-      </p:cxnSp>
-      <p:cxnSp>
-        <p:nvCxnSpPr>
-          <p:cNvPr id="59" name="Straight Arrow Connector 58">
-            <a:extLst>
-              <a:ext uri="{FF2B5EF4-FFF2-40B4-BE49-F238E27FC236}">
-                <a16:creationId xmlns:a16="http://schemas.microsoft.com/office/drawing/2014/main" id="{098DFA99-0265-C440-8B76-E1F35B95D6A3}"/>
-              </a:ext>
-            </a:extLst>
-          </p:cNvPr>
-          <p:cNvCxnSpPr>
-            <a:cxnSpLocks/>
-            <a:endCxn id="57" idx="3"/>
-          </p:cNvCxnSpPr>
-          <p:nvPr/>
-        </p:nvCxnSpPr>
-        <p:spPr>
-          <a:xfrm flipV="1">
-            <a:off x="7793489" y="2346513"/>
-            <a:ext cx="1626238" cy="417638"/>
-          </a:xfrm>
-          <a:prstGeom prst="straightConnector1">
-            <a:avLst/>
-          </a:prstGeom>
-          <a:ln w="69850">
-            <a:solidFill>
-              <a:schemeClr val="tx1"/>
-            </a:solidFill>
-            <a:tailEnd type="triangle"/>
-          </a:ln>
-        </p:spPr>
-        <p:style>
-          <a:lnRef idx="1">
-            <a:schemeClr val="accent1"/>
-          </a:lnRef>
-          <a:fillRef idx="0">
-            <a:schemeClr val="accent1"/>
-          </a:fillRef>
-          <a:effectRef idx="0">
-            <a:schemeClr val="accent1"/>
-          </a:effectRef>
-          <a:fontRef idx="minor">
-            <a:schemeClr val="tx1"/>
-          </a:fontRef>
-        </p:style>
-      </p:cxnSp>
-      <p:cxnSp>
-        <p:nvCxnSpPr>
-          <p:cNvPr id="60" name="Straight Arrow Connector 59">
-            <a:extLst>
-              <a:ext uri="{FF2B5EF4-FFF2-40B4-BE49-F238E27FC236}">
-                <a16:creationId xmlns:a16="http://schemas.microsoft.com/office/drawing/2014/main" id="{7E21C1E5-7E7B-684E-A970-EC7288A89F77}"/>
-              </a:ext>
-            </a:extLst>
-          </p:cNvPr>
-          <p:cNvCxnSpPr>
-            <a:cxnSpLocks/>
-            <a:endCxn id="57" idx="1"/>
-          </p:cNvCxnSpPr>
-          <p:nvPr/>
-        </p:nvCxnSpPr>
-        <p:spPr>
-          <a:xfrm>
-            <a:off x="7793489" y="1194964"/>
-            <a:ext cx="1626238" cy="581024"/>
-          </a:xfrm>
-          <a:prstGeom prst="straightConnector1">
-            <a:avLst/>
-          </a:prstGeom>
-          <a:ln w="69850">
-            <a:solidFill>
-              <a:schemeClr val="tx1"/>
-            </a:solidFill>
-            <a:tailEnd type="triangle"/>
-          </a:ln>
-        </p:spPr>
-        <p:style>
-          <a:lnRef idx="1">
-            <a:schemeClr val="accent1"/>
-          </a:lnRef>
-          <a:fillRef idx="0">
-            <a:schemeClr val="accent1"/>
-          </a:fillRef>
-          <a:effectRef idx="0">
-            <a:schemeClr val="accent1"/>
-          </a:effectRef>
-          <a:fontRef idx="minor">
-            <a:schemeClr val="tx1"/>
-          </a:fontRef>
-        </p:style>
-      </p:cxnSp>
-      <p:cxnSp>
-        <p:nvCxnSpPr>
-          <p:cNvPr id="61" name="Straight Arrow Connector 60">
-            <a:extLst>
-              <a:ext uri="{FF2B5EF4-FFF2-40B4-BE49-F238E27FC236}">
-                <a16:creationId xmlns:a16="http://schemas.microsoft.com/office/drawing/2014/main" id="{65E5252B-4CB6-5D4E-9668-3FE627BCBC94}"/>
-              </a:ext>
-            </a:extLst>
-          </p:cNvPr>
-          <p:cNvCxnSpPr>
-            <a:cxnSpLocks/>
-          </p:cNvCxnSpPr>
-          <p:nvPr/>
-        </p:nvCxnSpPr>
-        <p:spPr>
-          <a:xfrm flipV="1">
-            <a:off x="10186162" y="2023643"/>
-            <a:ext cx="784044" cy="1"/>
-          </a:xfrm>
-          <a:prstGeom prst="straightConnector1">
-            <a:avLst/>
-          </a:prstGeom>
-          <a:ln w="69850">
-            <a:solidFill>
-              <a:schemeClr val="tx1"/>
-            </a:solidFill>
-            <a:tailEnd type="triangle"/>
-          </a:ln>
-        </p:spPr>
-        <p:style>
-          <a:lnRef idx="1">
-            <a:schemeClr val="accent1"/>
-          </a:lnRef>
-          <a:fillRef idx="0">
-            <a:schemeClr val="accent1"/>
-          </a:fillRef>
-          <a:effectRef idx="0">
-            <a:schemeClr val="accent1"/>
-          </a:effectRef>
-          <a:fontRef idx="minor">
-            <a:schemeClr val="tx1"/>
-          </a:fontRef>
-        </p:style>
-      </p:cxnSp>
-      <p:sp>
-        <p:nvSpPr>
-          <p:cNvPr id="62" name="TextBox 61">
-            <a:extLst>
-              <a:ext uri="{FF2B5EF4-FFF2-40B4-BE49-F238E27FC236}">
-                <a16:creationId xmlns:a16="http://schemas.microsoft.com/office/drawing/2014/main" id="{8E9E61C3-54AC-584A-A55C-CDFF4B2F84F1}"/>
-              </a:ext>
-            </a:extLst>
-          </p:cNvPr>
-          <p:cNvSpPr txBox="1"/>
-          <p:nvPr/>
-        </p:nvSpPr>
-        <p:spPr>
-          <a:xfrm>
-            <a:off x="9478930" y="1873862"/>
-            <a:ext cx="591829" cy="461665"/>
-          </a:xfrm>
-          <a:prstGeom prst="rect">
-            <a:avLst/>
-          </a:prstGeom>
-          <a:noFill/>
-        </p:spPr>
-        <p:txBody>
-          <a:bodyPr wrap="none" rtlCol="0">
-            <a:spAutoFit/>
-          </a:bodyPr>
-          <a:lstStyle/>
-          <a:p>
-            <a:r>
-              <a:rPr lang="en-US" sz="2400" dirty="0"/>
-              <a:t>g(.)</a:t>
-            </a:r>
-          </a:p>
-        </p:txBody>
-      </p:sp>
-      <p:sp>
-        <p:nvSpPr>
-          <p:cNvPr id="63" name="TextBox 62">
-            <a:extLst>
-              <a:ext uri="{FF2B5EF4-FFF2-40B4-BE49-F238E27FC236}">
-                <a16:creationId xmlns:a16="http://schemas.microsoft.com/office/drawing/2014/main" id="{4024907B-35F4-654E-903A-065276E8F163}"/>
-              </a:ext>
-            </a:extLst>
-          </p:cNvPr>
-          <p:cNvSpPr txBox="1"/>
-          <p:nvPr/>
-        </p:nvSpPr>
-        <p:spPr>
-          <a:xfrm>
-            <a:off x="8348719" y="928450"/>
-            <a:ext cx="869149" cy="461665"/>
-          </a:xfrm>
-          <a:prstGeom prst="rect">
-            <a:avLst/>
-          </a:prstGeom>
-          <a:noFill/>
-        </p:spPr>
-        <p:txBody>
-          <a:bodyPr wrap="none" rtlCol="0">
-            <a:spAutoFit/>
-          </a:bodyPr>
-          <a:lstStyle/>
-          <a:p>
-            <a:r>
-              <a:rPr lang="en-US" sz="2400" dirty="0"/>
-              <a:t>w1=1</a:t>
-            </a:r>
-          </a:p>
-        </p:txBody>
-      </p:sp>
-      <p:sp>
-        <p:nvSpPr>
-          <p:cNvPr id="64" name="TextBox 63">
-            <a:extLst>
-              <a:ext uri="{FF2B5EF4-FFF2-40B4-BE49-F238E27FC236}">
-                <a16:creationId xmlns:a16="http://schemas.microsoft.com/office/drawing/2014/main" id="{8A996B94-DF88-1E4E-9621-963F7ACA4A1D}"/>
-              </a:ext>
-            </a:extLst>
-          </p:cNvPr>
-          <p:cNvSpPr txBox="1"/>
-          <p:nvPr/>
-        </p:nvSpPr>
-        <p:spPr>
-          <a:xfrm>
-            <a:off x="8013303" y="1649552"/>
-            <a:ext cx="869149" cy="461665"/>
-          </a:xfrm>
-          <a:prstGeom prst="rect">
-            <a:avLst/>
-          </a:prstGeom>
-          <a:noFill/>
-        </p:spPr>
-        <p:txBody>
-          <a:bodyPr wrap="none" rtlCol="0">
-            <a:spAutoFit/>
-          </a:bodyPr>
-          <a:lstStyle/>
-          <a:p>
-            <a:r>
-              <a:rPr lang="en-US" sz="2400" dirty="0"/>
-              <a:t>w2=0</a:t>
-            </a:r>
-          </a:p>
-        </p:txBody>
-      </p:sp>
-      <p:sp>
-        <p:nvSpPr>
-          <p:cNvPr id="65" name="TextBox 64">
-            <a:extLst>
-              <a:ext uri="{FF2B5EF4-FFF2-40B4-BE49-F238E27FC236}">
-                <a16:creationId xmlns:a16="http://schemas.microsoft.com/office/drawing/2014/main" id="{0E0FFF72-FECC-1943-B0AE-B7ADE98B68FA}"/>
-              </a:ext>
-            </a:extLst>
-          </p:cNvPr>
-          <p:cNvSpPr txBox="1"/>
-          <p:nvPr/>
-        </p:nvSpPr>
-        <p:spPr>
-          <a:xfrm>
-            <a:off x="8543352" y="2551051"/>
-            <a:ext cx="963725" cy="461665"/>
-          </a:xfrm>
-          <a:prstGeom prst="rect">
-            <a:avLst/>
-          </a:prstGeom>
-          <a:noFill/>
-        </p:spPr>
-        <p:txBody>
-          <a:bodyPr wrap="none" rtlCol="0">
-            <a:spAutoFit/>
-          </a:bodyPr>
-          <a:lstStyle/>
-          <a:p>
-            <a:r>
-              <a:rPr lang="en-US" sz="2400" dirty="0"/>
-              <a:t>w3=-3</a:t>
-            </a:r>
-          </a:p>
-        </p:txBody>
-      </p:sp>
-      <p:sp>
-        <p:nvSpPr>
-          <p:cNvPr id="66" name="TextBox 65">
-            <a:extLst>
-              <a:ext uri="{FF2B5EF4-FFF2-40B4-BE49-F238E27FC236}">
-                <a16:creationId xmlns:a16="http://schemas.microsoft.com/office/drawing/2014/main" id="{CD45639F-64CE-F84E-81CC-9FF1DB91E83F}"/>
-              </a:ext>
-            </a:extLst>
-          </p:cNvPr>
-          <p:cNvSpPr txBox="1"/>
-          <p:nvPr/>
-        </p:nvSpPr>
-        <p:spPr>
-          <a:xfrm>
-            <a:off x="6083913" y="897672"/>
-            <a:ext cx="1658467" cy="523220"/>
-          </a:xfrm>
-          <a:prstGeom prst="rect">
-            <a:avLst/>
-          </a:prstGeom>
-          <a:noFill/>
-        </p:spPr>
-        <p:txBody>
-          <a:bodyPr wrap="none" rtlCol="0">
-            <a:spAutoFit/>
-          </a:bodyPr>
-          <a:lstStyle/>
-          <a:p>
-            <a:r>
-              <a:rPr lang="en-US" sz="2800" dirty="0"/>
-              <a:t>feature x1</a:t>
-            </a:r>
-          </a:p>
-        </p:txBody>
-      </p:sp>
-      <p:sp>
-        <p:nvSpPr>
-          <p:cNvPr id="67" name="TextBox 66">
-            <a:extLst>
-              <a:ext uri="{FF2B5EF4-FFF2-40B4-BE49-F238E27FC236}">
-                <a16:creationId xmlns:a16="http://schemas.microsoft.com/office/drawing/2014/main" id="{82B1F6F2-D045-8841-9E54-C8892B3C2B61}"/>
-              </a:ext>
-            </a:extLst>
-          </p:cNvPr>
-          <p:cNvSpPr txBox="1"/>
-          <p:nvPr/>
-        </p:nvSpPr>
-        <p:spPr>
-          <a:xfrm>
-            <a:off x="7218066" y="1742217"/>
-            <a:ext cx="473206" cy="461665"/>
-          </a:xfrm>
-          <a:prstGeom prst="rect">
-            <a:avLst/>
-          </a:prstGeom>
-          <a:noFill/>
-        </p:spPr>
-        <p:txBody>
-          <a:bodyPr wrap="none" rtlCol="0">
-            <a:spAutoFit/>
-          </a:bodyPr>
-          <a:lstStyle/>
-          <a:p>
-            <a:r>
-              <a:rPr lang="en-US" sz="2400" dirty="0"/>
-              <a:t>x2</a:t>
-            </a:r>
-          </a:p>
-        </p:txBody>
-      </p:sp>
-      <p:sp>
-        <p:nvSpPr>
-          <p:cNvPr id="68" name="TextBox 67">
-            <a:extLst>
-              <a:ext uri="{FF2B5EF4-FFF2-40B4-BE49-F238E27FC236}">
-                <a16:creationId xmlns:a16="http://schemas.microsoft.com/office/drawing/2014/main" id="{F12D9F8B-182E-9440-9808-DD3706423AD1}"/>
-              </a:ext>
-            </a:extLst>
-          </p:cNvPr>
-          <p:cNvSpPr txBox="1"/>
-          <p:nvPr/>
-        </p:nvSpPr>
-        <p:spPr>
-          <a:xfrm>
-            <a:off x="7312082" y="2643472"/>
-            <a:ext cx="473206" cy="461665"/>
-          </a:xfrm>
-          <a:prstGeom prst="rect">
-            <a:avLst/>
-          </a:prstGeom>
-          <a:noFill/>
-        </p:spPr>
-        <p:txBody>
-          <a:bodyPr wrap="none" rtlCol="0">
-            <a:spAutoFit/>
-          </a:bodyPr>
-          <a:lstStyle/>
-          <a:p>
-            <a:r>
-              <a:rPr lang="en-US" sz="2400" dirty="0"/>
-              <a:t>x3</a:t>
-            </a:r>
-          </a:p>
-        </p:txBody>
-      </p:sp>
-      <p:sp>
-        <p:nvSpPr>
-          <p:cNvPr id="69" name="Oval 68">
-            <a:extLst>
-              <a:ext uri="{FF2B5EF4-FFF2-40B4-BE49-F238E27FC236}">
-                <a16:creationId xmlns:a16="http://schemas.microsoft.com/office/drawing/2014/main" id="{55852F18-340D-0E47-8BE0-37EDD099B0BC}"/>
-              </a:ext>
-            </a:extLst>
-          </p:cNvPr>
-          <p:cNvSpPr/>
-          <p:nvPr/>
-        </p:nvSpPr>
-        <p:spPr>
-          <a:xfrm>
-            <a:off x="3656157" y="5144721"/>
-            <a:ext cx="863871" cy="806845"/>
-          </a:xfrm>
-          <a:prstGeom prst="ellipse">
-            <a:avLst/>
-          </a:prstGeom>
-          <a:noFill/>
-          <a:ln>
-            <a:solidFill>
-              <a:schemeClr val="dk1"/>
-            </a:solidFill>
-          </a:ln>
-        </p:spPr>
-        <p:style>
-          <a:lnRef idx="2">
-            <a:schemeClr val="accent1">
-              <a:shade val="50000"/>
-            </a:schemeClr>
-          </a:lnRef>
-          <a:fillRef idx="1">
-            <a:schemeClr val="accent1"/>
-          </a:fillRef>
-          <a:effectRef idx="0">
-            <a:schemeClr val="accent1"/>
-          </a:effectRef>
-          <a:fontRef idx="minor">
-            <a:schemeClr val="lt1"/>
-          </a:fontRef>
-        </p:style>
-        <p:txBody>
-          <a:bodyPr rtlCol="0" anchor="ctr"/>
-          <a:lstStyle/>
-          <a:p>
-            <a:pPr algn="ctr"/>
-            <a:endParaRPr lang="en-GB" sz="1799"/>
-          </a:p>
-        </p:txBody>
-      </p:sp>
-      <p:cxnSp>
-        <p:nvCxnSpPr>
-          <p:cNvPr id="70" name="Straight Arrow Connector 69">
-            <a:extLst>
-              <a:ext uri="{FF2B5EF4-FFF2-40B4-BE49-F238E27FC236}">
-                <a16:creationId xmlns:a16="http://schemas.microsoft.com/office/drawing/2014/main" id="{1E03943D-4A7C-4F4F-B129-908C8F5927EB}"/>
-              </a:ext>
-            </a:extLst>
-          </p:cNvPr>
-          <p:cNvCxnSpPr>
-            <a:endCxn id="69" idx="2"/>
-          </p:cNvCxnSpPr>
-          <p:nvPr/>
-        </p:nvCxnSpPr>
-        <p:spPr>
-          <a:xfrm>
-            <a:off x="2156430" y="5545421"/>
-            <a:ext cx="1499727" cy="2723"/>
-          </a:xfrm>
-          <a:prstGeom prst="straightConnector1">
-            <a:avLst/>
-          </a:prstGeom>
-          <a:ln w="69850">
-            <a:solidFill>
-              <a:schemeClr val="tx1"/>
-            </a:solidFill>
-            <a:tailEnd type="triangle"/>
-          </a:ln>
-        </p:spPr>
-        <p:style>
-          <a:lnRef idx="1">
-            <a:schemeClr val="accent1"/>
-          </a:lnRef>
-          <a:fillRef idx="0">
-            <a:schemeClr val="accent1"/>
-          </a:fillRef>
-          <a:effectRef idx="0">
-            <a:schemeClr val="accent1"/>
-          </a:effectRef>
-          <a:fontRef idx="minor">
-            <a:schemeClr val="tx1"/>
-          </a:fontRef>
-        </p:style>
-      </p:cxnSp>
-      <p:cxnSp>
-        <p:nvCxnSpPr>
-          <p:cNvPr id="71" name="Straight Arrow Connector 70">
-            <a:extLst>
-              <a:ext uri="{FF2B5EF4-FFF2-40B4-BE49-F238E27FC236}">
-                <a16:creationId xmlns:a16="http://schemas.microsoft.com/office/drawing/2014/main" id="{B699B3B8-A6A9-CF43-931A-4A7A608CDBE4}"/>
-              </a:ext>
-            </a:extLst>
-          </p:cNvPr>
-          <p:cNvCxnSpPr>
-            <a:cxnSpLocks/>
-            <a:endCxn id="69" idx="3"/>
-          </p:cNvCxnSpPr>
-          <p:nvPr/>
-        </p:nvCxnSpPr>
-        <p:spPr>
-          <a:xfrm flipV="1">
-            <a:off x="2156430" y="5833406"/>
-            <a:ext cx="1626238" cy="417638"/>
-          </a:xfrm>
-          <a:prstGeom prst="straightConnector1">
-            <a:avLst/>
-          </a:prstGeom>
-          <a:ln w="69850">
-            <a:solidFill>
-              <a:schemeClr val="tx1"/>
-            </a:solidFill>
-            <a:tailEnd type="triangle"/>
-          </a:ln>
-        </p:spPr>
-        <p:style>
-          <a:lnRef idx="1">
-            <a:schemeClr val="accent1"/>
-          </a:lnRef>
-          <a:fillRef idx="0">
-            <a:schemeClr val="accent1"/>
-          </a:fillRef>
-          <a:effectRef idx="0">
-            <a:schemeClr val="accent1"/>
-          </a:effectRef>
-          <a:fontRef idx="minor">
-            <a:schemeClr val="tx1"/>
-          </a:fontRef>
-        </p:style>
-      </p:cxnSp>
-      <p:cxnSp>
-        <p:nvCxnSpPr>
-          <p:cNvPr id="72" name="Straight Arrow Connector 71">
-            <a:extLst>
-              <a:ext uri="{FF2B5EF4-FFF2-40B4-BE49-F238E27FC236}">
-                <a16:creationId xmlns:a16="http://schemas.microsoft.com/office/drawing/2014/main" id="{06322119-42E2-CE4F-81EF-8C03BB1BE222}"/>
-              </a:ext>
-            </a:extLst>
-          </p:cNvPr>
-          <p:cNvCxnSpPr>
-            <a:cxnSpLocks/>
-            <a:endCxn id="69" idx="1"/>
-          </p:cNvCxnSpPr>
-          <p:nvPr/>
-        </p:nvCxnSpPr>
-        <p:spPr>
-          <a:xfrm>
-            <a:off x="2156430" y="4681857"/>
-            <a:ext cx="1626238" cy="581024"/>
-          </a:xfrm>
-          <a:prstGeom prst="straightConnector1">
-            <a:avLst/>
-          </a:prstGeom>
-          <a:ln w="69850">
-            <a:solidFill>
-              <a:schemeClr val="tx1"/>
-            </a:solidFill>
-            <a:tailEnd type="triangle"/>
-          </a:ln>
-        </p:spPr>
-        <p:style>
-          <a:lnRef idx="1">
-            <a:schemeClr val="accent1"/>
-          </a:lnRef>
-          <a:fillRef idx="0">
-            <a:schemeClr val="accent1"/>
-          </a:fillRef>
-          <a:effectRef idx="0">
-            <a:schemeClr val="accent1"/>
-          </a:effectRef>
-          <a:fontRef idx="minor">
-            <a:schemeClr val="tx1"/>
-          </a:fontRef>
-        </p:style>
-      </p:cxnSp>
-      <p:cxnSp>
-        <p:nvCxnSpPr>
-          <p:cNvPr id="73" name="Straight Arrow Connector 72">
-            <a:extLst>
-              <a:ext uri="{FF2B5EF4-FFF2-40B4-BE49-F238E27FC236}">
-                <a16:creationId xmlns:a16="http://schemas.microsoft.com/office/drawing/2014/main" id="{558E2A3E-9F98-3C4A-8B54-D50D0C8A0B2B}"/>
-              </a:ext>
-            </a:extLst>
-          </p:cNvPr>
-          <p:cNvCxnSpPr>
-            <a:cxnSpLocks/>
-          </p:cNvCxnSpPr>
-          <p:nvPr/>
-        </p:nvCxnSpPr>
-        <p:spPr>
-          <a:xfrm flipV="1">
-            <a:off x="4549103" y="5510536"/>
-            <a:ext cx="784044" cy="1"/>
-          </a:xfrm>
-          <a:prstGeom prst="straightConnector1">
-            <a:avLst/>
-          </a:prstGeom>
-          <a:ln w="69850">
-            <a:solidFill>
-              <a:schemeClr val="tx1"/>
-            </a:solidFill>
-            <a:tailEnd type="triangle"/>
-          </a:ln>
-        </p:spPr>
-        <p:style>
-          <a:lnRef idx="1">
-            <a:schemeClr val="accent1"/>
-          </a:lnRef>
-          <a:fillRef idx="0">
-            <a:schemeClr val="accent1"/>
-          </a:fillRef>
-          <a:effectRef idx="0">
-            <a:schemeClr val="accent1"/>
-          </a:effectRef>
-          <a:fontRef idx="minor">
-            <a:schemeClr val="tx1"/>
-          </a:fontRef>
-        </p:style>
-      </p:cxnSp>
-      <p:sp>
-        <p:nvSpPr>
-          <p:cNvPr id="74" name="TextBox 73">
-            <a:extLst>
-              <a:ext uri="{FF2B5EF4-FFF2-40B4-BE49-F238E27FC236}">
-                <a16:creationId xmlns:a16="http://schemas.microsoft.com/office/drawing/2014/main" id="{BFA9CD42-71C0-8140-8E0A-B0F6E76AD78F}"/>
-              </a:ext>
-            </a:extLst>
-          </p:cNvPr>
-          <p:cNvSpPr txBox="1"/>
-          <p:nvPr/>
-        </p:nvSpPr>
-        <p:spPr>
-          <a:xfrm>
-            <a:off x="3841871" y="5360755"/>
-            <a:ext cx="591829" cy="461665"/>
-          </a:xfrm>
-          <a:prstGeom prst="rect">
-            <a:avLst/>
-          </a:prstGeom>
-          <a:noFill/>
-        </p:spPr>
-        <p:txBody>
-          <a:bodyPr wrap="none" rtlCol="0">
-            <a:spAutoFit/>
-          </a:bodyPr>
-          <a:lstStyle/>
-          <a:p>
-            <a:r>
-              <a:rPr lang="en-US" sz="2400" dirty="0"/>
-              <a:t>g(.)</a:t>
-            </a:r>
-          </a:p>
-        </p:txBody>
-      </p:sp>
-      <p:sp>
-        <p:nvSpPr>
-          <p:cNvPr id="75" name="TextBox 74">
-            <a:extLst>
-              <a:ext uri="{FF2B5EF4-FFF2-40B4-BE49-F238E27FC236}">
-                <a16:creationId xmlns:a16="http://schemas.microsoft.com/office/drawing/2014/main" id="{84C333D1-DAAA-1048-8DB5-5972AAC21CA9}"/>
-              </a:ext>
-            </a:extLst>
-          </p:cNvPr>
-          <p:cNvSpPr txBox="1"/>
-          <p:nvPr/>
-        </p:nvSpPr>
-        <p:spPr>
-          <a:xfrm>
-            <a:off x="2711660" y="4415343"/>
-            <a:ext cx="869149" cy="461665"/>
-          </a:xfrm>
-          <a:prstGeom prst="rect">
-            <a:avLst/>
-          </a:prstGeom>
-          <a:noFill/>
-        </p:spPr>
-        <p:txBody>
-          <a:bodyPr wrap="none" rtlCol="0">
-            <a:spAutoFit/>
-          </a:bodyPr>
-          <a:lstStyle/>
-          <a:p>
-            <a:r>
-              <a:rPr lang="en-US" sz="2400" dirty="0"/>
-              <a:t>w1=1</a:t>
-            </a:r>
-          </a:p>
-        </p:txBody>
-      </p:sp>
-      <p:sp>
-        <p:nvSpPr>
-          <p:cNvPr id="76" name="TextBox 75">
-            <a:extLst>
-              <a:ext uri="{FF2B5EF4-FFF2-40B4-BE49-F238E27FC236}">
-                <a16:creationId xmlns:a16="http://schemas.microsoft.com/office/drawing/2014/main" id="{F15ED87F-D96E-254F-8F58-C247D51EB23D}"/>
-              </a:ext>
-            </a:extLst>
-          </p:cNvPr>
-          <p:cNvSpPr txBox="1"/>
-          <p:nvPr/>
-        </p:nvSpPr>
-        <p:spPr>
-          <a:xfrm>
-            <a:off x="2376244" y="5136445"/>
-            <a:ext cx="963725" cy="461665"/>
-          </a:xfrm>
-          <a:prstGeom prst="rect">
-            <a:avLst/>
-          </a:prstGeom>
-          <a:noFill/>
-        </p:spPr>
-        <p:txBody>
-          <a:bodyPr wrap="none" rtlCol="0">
-            <a:spAutoFit/>
-          </a:bodyPr>
-          <a:lstStyle/>
-          <a:p>
-            <a:r>
-              <a:rPr lang="en-US" sz="2400" dirty="0"/>
-              <a:t>w2=-3</a:t>
-            </a:r>
-          </a:p>
-        </p:txBody>
-      </p:sp>
-      <p:sp>
-        <p:nvSpPr>
-          <p:cNvPr id="77" name="TextBox 76">
-            <a:extLst>
-              <a:ext uri="{FF2B5EF4-FFF2-40B4-BE49-F238E27FC236}">
-                <a16:creationId xmlns:a16="http://schemas.microsoft.com/office/drawing/2014/main" id="{D497D02C-32A4-E848-BBCA-3F9AAF0A3C5F}"/>
-              </a:ext>
-            </a:extLst>
-          </p:cNvPr>
-          <p:cNvSpPr txBox="1"/>
-          <p:nvPr/>
-        </p:nvSpPr>
-        <p:spPr>
-          <a:xfrm>
-            <a:off x="2906293" y="6037944"/>
-            <a:ext cx="963725" cy="461665"/>
-          </a:xfrm>
-          <a:prstGeom prst="rect">
-            <a:avLst/>
-          </a:prstGeom>
-          <a:noFill/>
-        </p:spPr>
-        <p:txBody>
-          <a:bodyPr wrap="none" rtlCol="0">
-            <a:spAutoFit/>
-          </a:bodyPr>
-          <a:lstStyle/>
-          <a:p>
-            <a:r>
-              <a:rPr lang="en-US" sz="2400" dirty="0"/>
-              <a:t>w3=-1</a:t>
-            </a:r>
-          </a:p>
-        </p:txBody>
-      </p:sp>
-      <p:sp>
-        <p:nvSpPr>
-          <p:cNvPr id="78" name="TextBox 77">
-            <a:extLst>
-              <a:ext uri="{FF2B5EF4-FFF2-40B4-BE49-F238E27FC236}">
-                <a16:creationId xmlns:a16="http://schemas.microsoft.com/office/drawing/2014/main" id="{B3C6D002-F015-9249-86FC-3AB2F29EEE3D}"/>
-              </a:ext>
-            </a:extLst>
-          </p:cNvPr>
-          <p:cNvSpPr txBox="1"/>
-          <p:nvPr/>
-        </p:nvSpPr>
-        <p:spPr>
-          <a:xfrm>
-            <a:off x="446854" y="4384565"/>
-            <a:ext cx="1658467" cy="523220"/>
-          </a:xfrm>
-          <a:prstGeom prst="rect">
-            <a:avLst/>
-          </a:prstGeom>
-          <a:noFill/>
-        </p:spPr>
-        <p:txBody>
-          <a:bodyPr wrap="none" rtlCol="0">
-            <a:spAutoFit/>
-          </a:bodyPr>
-          <a:lstStyle/>
-          <a:p>
-            <a:r>
-              <a:rPr lang="en-US" sz="2800" dirty="0"/>
-              <a:t>feature x1</a:t>
-            </a:r>
-          </a:p>
-        </p:txBody>
-      </p:sp>
-      <p:sp>
-        <p:nvSpPr>
-          <p:cNvPr id="79" name="TextBox 78">
-            <a:extLst>
-              <a:ext uri="{FF2B5EF4-FFF2-40B4-BE49-F238E27FC236}">
-                <a16:creationId xmlns:a16="http://schemas.microsoft.com/office/drawing/2014/main" id="{9084EEB0-89D3-9E43-996E-AC368383F460}"/>
-              </a:ext>
-            </a:extLst>
-          </p:cNvPr>
-          <p:cNvSpPr txBox="1"/>
-          <p:nvPr/>
-        </p:nvSpPr>
-        <p:spPr>
-          <a:xfrm>
-            <a:off x="1581007" y="5229110"/>
-            <a:ext cx="473206" cy="461665"/>
-          </a:xfrm>
-          <a:prstGeom prst="rect">
-            <a:avLst/>
-          </a:prstGeom>
-          <a:noFill/>
-        </p:spPr>
-        <p:txBody>
-          <a:bodyPr wrap="none" rtlCol="0">
-            <a:spAutoFit/>
-          </a:bodyPr>
-          <a:lstStyle/>
-          <a:p>
-            <a:r>
-              <a:rPr lang="en-US" sz="2400" dirty="0"/>
-              <a:t>x2</a:t>
-            </a:r>
-          </a:p>
-        </p:txBody>
-      </p:sp>
-      <p:sp>
-        <p:nvSpPr>
-          <p:cNvPr id="80" name="TextBox 79">
-            <a:extLst>
-              <a:ext uri="{FF2B5EF4-FFF2-40B4-BE49-F238E27FC236}">
-                <a16:creationId xmlns:a16="http://schemas.microsoft.com/office/drawing/2014/main" id="{89D47948-742B-144F-832D-2E0B5FE4FC3F}"/>
-              </a:ext>
-            </a:extLst>
-          </p:cNvPr>
-          <p:cNvSpPr txBox="1"/>
-          <p:nvPr/>
-        </p:nvSpPr>
-        <p:spPr>
-          <a:xfrm>
-            <a:off x="1675023" y="6130365"/>
-            <a:ext cx="473206" cy="461665"/>
-          </a:xfrm>
-          <a:prstGeom prst="rect">
-            <a:avLst/>
-          </a:prstGeom>
-          <a:noFill/>
-        </p:spPr>
-        <p:txBody>
-          <a:bodyPr wrap="none" rtlCol="0">
-            <a:spAutoFit/>
-          </a:bodyPr>
-          <a:lstStyle/>
-          <a:p>
-            <a:r>
-              <a:rPr lang="en-US" sz="2400" dirty="0"/>
-              <a:t>x3</a:t>
-            </a:r>
+            <a:endParaRPr lang="en-US" dirty="0"/>
           </a:p>
         </p:txBody>
       </p:sp>
@@ -22512,7 +24550,7 @@
             </a:pPr>
             <a:r>
               <a:rPr lang="en-US" sz="3200" dirty="0"/>
-              <a:t>Loss function is design choice! </a:t>
+              <a:t>loss function is design choice! </a:t>
             </a:r>
           </a:p>
           <a:p>
@@ -22559,8 +24597,8 @@
           <a:chExt cx="0" cy="0"/>
         </a:xfrm>
       </p:grpSpPr>
-      <mc:AlternateContent xmlns:mc="http://schemas.openxmlformats.org/markup-compatibility/2006">
-        <mc:Choice xmlns:a14="http://schemas.microsoft.com/office/drawing/2010/main" Requires="a14">
+      <mc:AlternateContent xmlns:mc="http://schemas.openxmlformats.org/markup-compatibility/2006" xmlns:a14="http://schemas.microsoft.com/office/drawing/2010/main">
+        <mc:Choice Requires="a14">
           <p:sp>
             <p:nvSpPr>
               <p:cNvPr id="3" name="Content Placeholder 2">
@@ -22981,7 +25019,7 @@
                 </a:r>
                 <a:r>
                   <a:rPr lang="en-US" sz="3200" dirty="0"/>
-                  <a:t> function might </a:t>
+                  <a:t> </a:t>
                 </a:r>
                 <a:r>
                   <a:rPr lang="en-US" sz="3200" dirty="0">
@@ -22989,7 +25027,7 @@
                       <a:srgbClr val="FF0000"/>
                     </a:solidFill>
                   </a:rPr>
-                  <a:t>depend on predictor map</a:t>
+                  <a:t>depends on (weights of) predictor map</a:t>
                 </a:r>
                 <a:r>
                   <a:rPr lang="en-US" sz="3200" dirty="0"/>
@@ -23005,7 +25043,7 @@
             </p:txBody>
           </p:sp>
         </mc:Choice>
-        <mc:Fallback>
+        <mc:Fallback xmlns="">
           <p:sp>
             <p:nvSpPr>
               <p:cNvPr id="3" name="Content Placeholder 2">
@@ -29345,7 +31383,7 @@
         <p:spPr bwMode="auto">
           <a:xfrm>
             <a:off x="6108700" y="2691842"/>
-            <a:ext cx="2551113" cy="365125"/>
+            <a:ext cx="4416058" cy="583321"/>
           </a:xfrm>
           <a:prstGeom prst="rect">
             <a:avLst/>
@@ -29802,7 +31840,7 @@
               <a:buNone/>
             </a:pPr>
             <a:r>
-              <a:rPr lang="en-US" altLang="en-FI" sz="1800"/>
+              <a:rPr lang="en-US" altLang="en-FI" sz="3200" dirty="0"/>
               <a:t>linear predictor y’ = w*x</a:t>
             </a:r>
           </a:p>
@@ -29984,7 +32022,7 @@
           <p:cNvPr id="2" name="Title 1">
             <a:extLst>
               <a:ext uri="{FF2B5EF4-FFF2-40B4-BE49-F238E27FC236}">
-                <a16:creationId xmlns:a16="http://schemas.microsoft.com/office/drawing/2014/main" id="{90213502-710D-3646-8774-745D1D772761}"/>
+                <a16:creationId xmlns:a16="http://schemas.microsoft.com/office/drawing/2014/main" id="{DE266B99-454F-F948-AEFD-8C9A29B45617}"/>
               </a:ext>
             </a:extLst>
           </p:cNvPr>
@@ -30001,8 +32039,1072 @@
           <a:lstStyle/>
           <a:p>
             <a:r>
+              <a:rPr lang="en-US" dirty="0"/>
+              <a:t>Machine Learning = Optimization</a:t>
+            </a:r>
+          </a:p>
+        </p:txBody>
+      </p:sp>
+      <p:cxnSp>
+        <p:nvCxnSpPr>
+          <p:cNvPr id="4" name="Straight Arrow Connector 3">
+            <a:extLst>
+              <a:ext uri="{FF2B5EF4-FFF2-40B4-BE49-F238E27FC236}">
+                <a16:creationId xmlns:a16="http://schemas.microsoft.com/office/drawing/2014/main" id="{2B1B51B9-CB92-3C46-A373-6DB4DDD89EC2}"/>
+              </a:ext>
+            </a:extLst>
+          </p:cNvPr>
+          <p:cNvCxnSpPr>
+            <a:cxnSpLocks/>
+          </p:cNvCxnSpPr>
+          <p:nvPr/>
+        </p:nvCxnSpPr>
+        <p:spPr>
+          <a:xfrm flipV="1">
+            <a:off x="2994500" y="1898700"/>
+            <a:ext cx="0" cy="4544963"/>
+          </a:xfrm>
+          <a:prstGeom prst="straightConnector1">
+            <a:avLst/>
+          </a:prstGeom>
+          <a:ln w="38100">
+            <a:solidFill>
+              <a:schemeClr val="tx1"/>
+            </a:solidFill>
+            <a:tailEnd type="triangle"/>
+          </a:ln>
+        </p:spPr>
+        <p:style>
+          <a:lnRef idx="1">
+            <a:schemeClr val="accent1"/>
+          </a:lnRef>
+          <a:fillRef idx="0">
+            <a:schemeClr val="accent1"/>
+          </a:fillRef>
+          <a:effectRef idx="0">
+            <a:schemeClr val="accent1"/>
+          </a:effectRef>
+          <a:fontRef idx="minor">
+            <a:schemeClr val="tx1"/>
+          </a:fontRef>
+        </p:style>
+      </p:cxnSp>
+      <p:cxnSp>
+        <p:nvCxnSpPr>
+          <p:cNvPr id="5" name="Straight Arrow Connector 4">
+            <a:extLst>
+              <a:ext uri="{FF2B5EF4-FFF2-40B4-BE49-F238E27FC236}">
+                <a16:creationId xmlns:a16="http://schemas.microsoft.com/office/drawing/2014/main" id="{7AC49D60-4485-2147-8871-E1F5C805B1F6}"/>
+              </a:ext>
+            </a:extLst>
+          </p:cNvPr>
+          <p:cNvCxnSpPr>
+            <a:cxnSpLocks/>
+          </p:cNvCxnSpPr>
+          <p:nvPr/>
+        </p:nvCxnSpPr>
+        <p:spPr>
+          <a:xfrm>
+            <a:off x="2371725" y="6072188"/>
+            <a:ext cx="9115425" cy="0"/>
+          </a:xfrm>
+          <a:prstGeom prst="straightConnector1">
+            <a:avLst/>
+          </a:prstGeom>
+          <a:ln w="38100">
+            <a:solidFill>
+              <a:schemeClr val="tx1"/>
+            </a:solidFill>
+            <a:tailEnd type="triangle"/>
+          </a:ln>
+        </p:spPr>
+        <p:style>
+          <a:lnRef idx="1">
+            <a:schemeClr val="accent1"/>
+          </a:lnRef>
+          <a:fillRef idx="0">
+            <a:schemeClr val="accent1"/>
+          </a:fillRef>
+          <a:effectRef idx="0">
+            <a:schemeClr val="accent1"/>
+          </a:effectRef>
+          <a:fontRef idx="minor">
+            <a:schemeClr val="tx1"/>
+          </a:fontRef>
+        </p:style>
+      </p:cxnSp>
+      <p:sp>
+        <p:nvSpPr>
+          <p:cNvPr id="7" name="TextBox 6">
+            <a:extLst>
+              <a:ext uri="{FF2B5EF4-FFF2-40B4-BE49-F238E27FC236}">
+                <a16:creationId xmlns:a16="http://schemas.microsoft.com/office/drawing/2014/main" id="{7BCAF82E-0B79-0A4F-8F10-76963434E083}"/>
+              </a:ext>
+            </a:extLst>
+          </p:cNvPr>
+          <p:cNvSpPr txBox="1"/>
+          <p:nvPr/>
+        </p:nvSpPr>
+        <p:spPr>
+          <a:xfrm>
+            <a:off x="838200" y="1375480"/>
+            <a:ext cx="9515810" cy="523220"/>
+          </a:xfrm>
+          <a:prstGeom prst="rect">
+            <a:avLst/>
+          </a:prstGeom>
+          <a:noFill/>
+        </p:spPr>
+        <p:txBody>
+          <a:bodyPr wrap="none" rtlCol="0">
+            <a:spAutoFit/>
+          </a:bodyPr>
+          <a:lstStyle/>
+          <a:p>
+            <a:r>
+              <a:rPr lang="en-US" sz="2800" dirty="0"/>
+              <a:t>average loss on labeled (training) data incurred by predictor h(x)</a:t>
+            </a:r>
+          </a:p>
+        </p:txBody>
+      </p:sp>
+      <p:sp>
+        <p:nvSpPr>
+          <p:cNvPr id="12" name="TextBox 11">
+            <a:extLst>
+              <a:ext uri="{FF2B5EF4-FFF2-40B4-BE49-F238E27FC236}">
+                <a16:creationId xmlns:a16="http://schemas.microsoft.com/office/drawing/2014/main" id="{D40B5A3A-7A88-1047-A77F-95D0CF39A4AF}"/>
+              </a:ext>
+            </a:extLst>
+          </p:cNvPr>
+          <p:cNvSpPr txBox="1"/>
+          <p:nvPr/>
+        </p:nvSpPr>
+        <p:spPr>
+          <a:xfrm>
+            <a:off x="3819215" y="6129074"/>
+            <a:ext cx="6843220" cy="584775"/>
+          </a:xfrm>
+          <a:prstGeom prst="rect">
+            <a:avLst/>
+          </a:prstGeom>
+          <a:noFill/>
+        </p:spPr>
+        <p:txBody>
+          <a:bodyPr wrap="none" rtlCol="0">
+            <a:spAutoFit/>
+          </a:bodyPr>
+          <a:lstStyle/>
+          <a:p>
+            <a:r>
+              <a:rPr lang="en-US" sz="3200" dirty="0"/>
+              <a:t>weights/parameters of predictor map h </a:t>
+            </a:r>
+          </a:p>
+        </p:txBody>
+      </p:sp>
+      <p:sp>
+        <p:nvSpPr>
+          <p:cNvPr id="13" name="Freeform 12">
+            <a:extLst>
+              <a:ext uri="{FF2B5EF4-FFF2-40B4-BE49-F238E27FC236}">
+                <a16:creationId xmlns:a16="http://schemas.microsoft.com/office/drawing/2014/main" id="{B9ACEFE6-06C1-6B46-B327-7487BE3656B4}"/>
+              </a:ext>
+            </a:extLst>
+          </p:cNvPr>
+          <p:cNvSpPr/>
+          <p:nvPr/>
+        </p:nvSpPr>
+        <p:spPr>
+          <a:xfrm>
+            <a:off x="2371725" y="1784092"/>
+            <a:ext cx="7800962" cy="3668711"/>
+          </a:xfrm>
+          <a:custGeom>
+            <a:avLst/>
+            <a:gdLst>
+              <a:gd name="connsiteX0" fmla="*/ 0 w 6800850"/>
+              <a:gd name="connsiteY0" fmla="*/ 771525 h 2528888"/>
+              <a:gd name="connsiteX1" fmla="*/ 100013 w 6800850"/>
+              <a:gd name="connsiteY1" fmla="*/ 828675 h 2528888"/>
+              <a:gd name="connsiteX2" fmla="*/ 142875 w 6800850"/>
+              <a:gd name="connsiteY2" fmla="*/ 871538 h 2528888"/>
+              <a:gd name="connsiteX3" fmla="*/ 185738 w 6800850"/>
+              <a:gd name="connsiteY3" fmla="*/ 900113 h 2528888"/>
+              <a:gd name="connsiteX4" fmla="*/ 228600 w 6800850"/>
+              <a:gd name="connsiteY4" fmla="*/ 957263 h 2528888"/>
+              <a:gd name="connsiteX5" fmla="*/ 257175 w 6800850"/>
+              <a:gd name="connsiteY5" fmla="*/ 1000125 h 2528888"/>
+              <a:gd name="connsiteX6" fmla="*/ 314325 w 6800850"/>
+              <a:gd name="connsiteY6" fmla="*/ 1057275 h 2528888"/>
+              <a:gd name="connsiteX7" fmla="*/ 457200 w 6800850"/>
+              <a:gd name="connsiteY7" fmla="*/ 1185863 h 2528888"/>
+              <a:gd name="connsiteX8" fmla="*/ 485775 w 6800850"/>
+              <a:gd name="connsiteY8" fmla="*/ 1243013 h 2528888"/>
+              <a:gd name="connsiteX9" fmla="*/ 585788 w 6800850"/>
+              <a:gd name="connsiteY9" fmla="*/ 1343025 h 2528888"/>
+              <a:gd name="connsiteX10" fmla="*/ 714375 w 6800850"/>
+              <a:gd name="connsiteY10" fmla="*/ 1485900 h 2528888"/>
+              <a:gd name="connsiteX11" fmla="*/ 771525 w 6800850"/>
+              <a:gd name="connsiteY11" fmla="*/ 1543050 h 2528888"/>
+              <a:gd name="connsiteX12" fmla="*/ 885825 w 6800850"/>
+              <a:gd name="connsiteY12" fmla="*/ 1628775 h 2528888"/>
+              <a:gd name="connsiteX13" fmla="*/ 942975 w 6800850"/>
+              <a:gd name="connsiteY13" fmla="*/ 1671638 h 2528888"/>
+              <a:gd name="connsiteX14" fmla="*/ 1028700 w 6800850"/>
+              <a:gd name="connsiteY14" fmla="*/ 1743075 h 2528888"/>
+              <a:gd name="connsiteX15" fmla="*/ 1100138 w 6800850"/>
+              <a:gd name="connsiteY15" fmla="*/ 1800225 h 2528888"/>
+              <a:gd name="connsiteX16" fmla="*/ 1228725 w 6800850"/>
+              <a:gd name="connsiteY16" fmla="*/ 1871663 h 2528888"/>
+              <a:gd name="connsiteX17" fmla="*/ 1300163 w 6800850"/>
+              <a:gd name="connsiteY17" fmla="*/ 1914525 h 2528888"/>
+              <a:gd name="connsiteX18" fmla="*/ 1343025 w 6800850"/>
+              <a:gd name="connsiteY18" fmla="*/ 1943100 h 2528888"/>
+              <a:gd name="connsiteX19" fmla="*/ 1485900 w 6800850"/>
+              <a:gd name="connsiteY19" fmla="*/ 2014538 h 2528888"/>
+              <a:gd name="connsiteX20" fmla="*/ 1643063 w 6800850"/>
+              <a:gd name="connsiteY20" fmla="*/ 2100263 h 2528888"/>
+              <a:gd name="connsiteX21" fmla="*/ 1728788 w 6800850"/>
+              <a:gd name="connsiteY21" fmla="*/ 2143125 h 2528888"/>
+              <a:gd name="connsiteX22" fmla="*/ 1800225 w 6800850"/>
+              <a:gd name="connsiteY22" fmla="*/ 2171700 h 2528888"/>
+              <a:gd name="connsiteX23" fmla="*/ 1857375 w 6800850"/>
+              <a:gd name="connsiteY23" fmla="*/ 2214563 h 2528888"/>
+              <a:gd name="connsiteX24" fmla="*/ 2000250 w 6800850"/>
+              <a:gd name="connsiteY24" fmla="*/ 2271713 h 2528888"/>
+              <a:gd name="connsiteX25" fmla="*/ 2043113 w 6800850"/>
+              <a:gd name="connsiteY25" fmla="*/ 2300288 h 2528888"/>
+              <a:gd name="connsiteX26" fmla="*/ 2400300 w 6800850"/>
+              <a:gd name="connsiteY26" fmla="*/ 2314575 h 2528888"/>
+              <a:gd name="connsiteX27" fmla="*/ 2586038 w 6800850"/>
+              <a:gd name="connsiteY27" fmla="*/ 2343150 h 2528888"/>
+              <a:gd name="connsiteX28" fmla="*/ 2700338 w 6800850"/>
+              <a:gd name="connsiteY28" fmla="*/ 2371725 h 2528888"/>
+              <a:gd name="connsiteX29" fmla="*/ 2757488 w 6800850"/>
+              <a:gd name="connsiteY29" fmla="*/ 2400300 h 2528888"/>
+              <a:gd name="connsiteX30" fmla="*/ 2900363 w 6800850"/>
+              <a:gd name="connsiteY30" fmla="*/ 2428875 h 2528888"/>
+              <a:gd name="connsiteX31" fmla="*/ 3071813 w 6800850"/>
+              <a:gd name="connsiteY31" fmla="*/ 2486025 h 2528888"/>
+              <a:gd name="connsiteX32" fmla="*/ 3114675 w 6800850"/>
+              <a:gd name="connsiteY32" fmla="*/ 2500313 h 2528888"/>
+              <a:gd name="connsiteX33" fmla="*/ 3271838 w 6800850"/>
+              <a:gd name="connsiteY33" fmla="*/ 2528888 h 2528888"/>
+              <a:gd name="connsiteX34" fmla="*/ 3429000 w 6800850"/>
+              <a:gd name="connsiteY34" fmla="*/ 2514600 h 2528888"/>
+              <a:gd name="connsiteX35" fmla="*/ 3471863 w 6800850"/>
+              <a:gd name="connsiteY35" fmla="*/ 2486025 h 2528888"/>
+              <a:gd name="connsiteX36" fmla="*/ 3529013 w 6800850"/>
+              <a:gd name="connsiteY36" fmla="*/ 2457450 h 2528888"/>
+              <a:gd name="connsiteX37" fmla="*/ 3600450 w 6800850"/>
+              <a:gd name="connsiteY37" fmla="*/ 2414588 h 2528888"/>
+              <a:gd name="connsiteX38" fmla="*/ 3686175 w 6800850"/>
+              <a:gd name="connsiteY38" fmla="*/ 2386013 h 2528888"/>
+              <a:gd name="connsiteX39" fmla="*/ 3843338 w 6800850"/>
+              <a:gd name="connsiteY39" fmla="*/ 2286000 h 2528888"/>
+              <a:gd name="connsiteX40" fmla="*/ 3914775 w 6800850"/>
+              <a:gd name="connsiteY40" fmla="*/ 2243138 h 2528888"/>
+              <a:gd name="connsiteX41" fmla="*/ 4171950 w 6800850"/>
+              <a:gd name="connsiteY41" fmla="*/ 2128838 h 2528888"/>
+              <a:gd name="connsiteX42" fmla="*/ 4229100 w 6800850"/>
+              <a:gd name="connsiteY42" fmla="*/ 2100263 h 2528888"/>
+              <a:gd name="connsiteX43" fmla="*/ 4300538 w 6800850"/>
+              <a:gd name="connsiteY43" fmla="*/ 2085975 h 2528888"/>
+              <a:gd name="connsiteX44" fmla="*/ 4457700 w 6800850"/>
+              <a:gd name="connsiteY44" fmla="*/ 2028825 h 2528888"/>
+              <a:gd name="connsiteX45" fmla="*/ 4557713 w 6800850"/>
+              <a:gd name="connsiteY45" fmla="*/ 2000250 h 2528888"/>
+              <a:gd name="connsiteX46" fmla="*/ 4600575 w 6800850"/>
+              <a:gd name="connsiteY46" fmla="*/ 1985963 h 2528888"/>
+              <a:gd name="connsiteX47" fmla="*/ 4657725 w 6800850"/>
+              <a:gd name="connsiteY47" fmla="*/ 1943100 h 2528888"/>
+              <a:gd name="connsiteX48" fmla="*/ 4714875 w 6800850"/>
+              <a:gd name="connsiteY48" fmla="*/ 1914525 h 2528888"/>
+              <a:gd name="connsiteX49" fmla="*/ 4743450 w 6800850"/>
+              <a:gd name="connsiteY49" fmla="*/ 1871663 h 2528888"/>
+              <a:gd name="connsiteX50" fmla="*/ 4757738 w 6800850"/>
+              <a:gd name="connsiteY50" fmla="*/ 1814513 h 2528888"/>
+              <a:gd name="connsiteX51" fmla="*/ 4814888 w 6800850"/>
+              <a:gd name="connsiteY51" fmla="*/ 1785938 h 2528888"/>
+              <a:gd name="connsiteX52" fmla="*/ 4857750 w 6800850"/>
+              <a:gd name="connsiteY52" fmla="*/ 1743075 h 2528888"/>
+              <a:gd name="connsiteX53" fmla="*/ 5043488 w 6800850"/>
+              <a:gd name="connsiteY53" fmla="*/ 1585913 h 2528888"/>
+              <a:gd name="connsiteX54" fmla="*/ 5229225 w 6800850"/>
+              <a:gd name="connsiteY54" fmla="*/ 1443038 h 2528888"/>
+              <a:gd name="connsiteX55" fmla="*/ 5400675 w 6800850"/>
+              <a:gd name="connsiteY55" fmla="*/ 1300163 h 2528888"/>
+              <a:gd name="connsiteX56" fmla="*/ 5557838 w 6800850"/>
+              <a:gd name="connsiteY56" fmla="*/ 1200150 h 2528888"/>
+              <a:gd name="connsiteX57" fmla="*/ 5729288 w 6800850"/>
+              <a:gd name="connsiteY57" fmla="*/ 1071563 h 2528888"/>
+              <a:gd name="connsiteX58" fmla="*/ 5815013 w 6800850"/>
+              <a:gd name="connsiteY58" fmla="*/ 1014413 h 2528888"/>
+              <a:gd name="connsiteX59" fmla="*/ 5872163 w 6800850"/>
+              <a:gd name="connsiteY59" fmla="*/ 985838 h 2528888"/>
+              <a:gd name="connsiteX60" fmla="*/ 5972175 w 6800850"/>
+              <a:gd name="connsiteY60" fmla="*/ 885825 h 2528888"/>
+              <a:gd name="connsiteX61" fmla="*/ 6029325 w 6800850"/>
+              <a:gd name="connsiteY61" fmla="*/ 828675 h 2528888"/>
+              <a:gd name="connsiteX62" fmla="*/ 6072188 w 6800850"/>
+              <a:gd name="connsiteY62" fmla="*/ 771525 h 2528888"/>
+              <a:gd name="connsiteX63" fmla="*/ 6186488 w 6800850"/>
+              <a:gd name="connsiteY63" fmla="*/ 657225 h 2528888"/>
+              <a:gd name="connsiteX64" fmla="*/ 6315075 w 6800850"/>
+              <a:gd name="connsiteY64" fmla="*/ 514350 h 2528888"/>
+              <a:gd name="connsiteX65" fmla="*/ 6372225 w 6800850"/>
+              <a:gd name="connsiteY65" fmla="*/ 442913 h 2528888"/>
+              <a:gd name="connsiteX66" fmla="*/ 6443663 w 6800850"/>
+              <a:gd name="connsiteY66" fmla="*/ 385763 h 2528888"/>
+              <a:gd name="connsiteX67" fmla="*/ 6486525 w 6800850"/>
+              <a:gd name="connsiteY67" fmla="*/ 328613 h 2528888"/>
+              <a:gd name="connsiteX68" fmla="*/ 6543675 w 6800850"/>
+              <a:gd name="connsiteY68" fmla="*/ 285750 h 2528888"/>
+              <a:gd name="connsiteX69" fmla="*/ 6600825 w 6800850"/>
+              <a:gd name="connsiteY69" fmla="*/ 214313 h 2528888"/>
+              <a:gd name="connsiteX70" fmla="*/ 6643688 w 6800850"/>
+              <a:gd name="connsiteY70" fmla="*/ 185738 h 2528888"/>
+              <a:gd name="connsiteX71" fmla="*/ 6743700 w 6800850"/>
+              <a:gd name="connsiteY71" fmla="*/ 85725 h 2528888"/>
+              <a:gd name="connsiteX72" fmla="*/ 6786563 w 6800850"/>
+              <a:gd name="connsiteY72" fmla="*/ 42863 h 2528888"/>
+              <a:gd name="connsiteX73" fmla="*/ 6800850 w 6800850"/>
+              <a:gd name="connsiteY73" fmla="*/ 0 h 2528888"/>
+            </a:gdLst>
+            <a:ahLst/>
+            <a:cxnLst>
+              <a:cxn ang="0">
+                <a:pos x="connsiteX0" y="connsiteY0"/>
+              </a:cxn>
+              <a:cxn ang="0">
+                <a:pos x="connsiteX1" y="connsiteY1"/>
+              </a:cxn>
+              <a:cxn ang="0">
+                <a:pos x="connsiteX2" y="connsiteY2"/>
+              </a:cxn>
+              <a:cxn ang="0">
+                <a:pos x="connsiteX3" y="connsiteY3"/>
+              </a:cxn>
+              <a:cxn ang="0">
+                <a:pos x="connsiteX4" y="connsiteY4"/>
+              </a:cxn>
+              <a:cxn ang="0">
+                <a:pos x="connsiteX5" y="connsiteY5"/>
+              </a:cxn>
+              <a:cxn ang="0">
+                <a:pos x="connsiteX6" y="connsiteY6"/>
+              </a:cxn>
+              <a:cxn ang="0">
+                <a:pos x="connsiteX7" y="connsiteY7"/>
+              </a:cxn>
+              <a:cxn ang="0">
+                <a:pos x="connsiteX8" y="connsiteY8"/>
+              </a:cxn>
+              <a:cxn ang="0">
+                <a:pos x="connsiteX9" y="connsiteY9"/>
+              </a:cxn>
+              <a:cxn ang="0">
+                <a:pos x="connsiteX10" y="connsiteY10"/>
+              </a:cxn>
+              <a:cxn ang="0">
+                <a:pos x="connsiteX11" y="connsiteY11"/>
+              </a:cxn>
+              <a:cxn ang="0">
+                <a:pos x="connsiteX12" y="connsiteY12"/>
+              </a:cxn>
+              <a:cxn ang="0">
+                <a:pos x="connsiteX13" y="connsiteY13"/>
+              </a:cxn>
+              <a:cxn ang="0">
+                <a:pos x="connsiteX14" y="connsiteY14"/>
+              </a:cxn>
+              <a:cxn ang="0">
+                <a:pos x="connsiteX15" y="connsiteY15"/>
+              </a:cxn>
+              <a:cxn ang="0">
+                <a:pos x="connsiteX16" y="connsiteY16"/>
+              </a:cxn>
+              <a:cxn ang="0">
+                <a:pos x="connsiteX17" y="connsiteY17"/>
+              </a:cxn>
+              <a:cxn ang="0">
+                <a:pos x="connsiteX18" y="connsiteY18"/>
+              </a:cxn>
+              <a:cxn ang="0">
+                <a:pos x="connsiteX19" y="connsiteY19"/>
+              </a:cxn>
+              <a:cxn ang="0">
+                <a:pos x="connsiteX20" y="connsiteY20"/>
+              </a:cxn>
+              <a:cxn ang="0">
+                <a:pos x="connsiteX21" y="connsiteY21"/>
+              </a:cxn>
+              <a:cxn ang="0">
+                <a:pos x="connsiteX22" y="connsiteY22"/>
+              </a:cxn>
+              <a:cxn ang="0">
+                <a:pos x="connsiteX23" y="connsiteY23"/>
+              </a:cxn>
+              <a:cxn ang="0">
+                <a:pos x="connsiteX24" y="connsiteY24"/>
+              </a:cxn>
+              <a:cxn ang="0">
+                <a:pos x="connsiteX25" y="connsiteY25"/>
+              </a:cxn>
+              <a:cxn ang="0">
+                <a:pos x="connsiteX26" y="connsiteY26"/>
+              </a:cxn>
+              <a:cxn ang="0">
+                <a:pos x="connsiteX27" y="connsiteY27"/>
+              </a:cxn>
+              <a:cxn ang="0">
+                <a:pos x="connsiteX28" y="connsiteY28"/>
+              </a:cxn>
+              <a:cxn ang="0">
+                <a:pos x="connsiteX29" y="connsiteY29"/>
+              </a:cxn>
+              <a:cxn ang="0">
+                <a:pos x="connsiteX30" y="connsiteY30"/>
+              </a:cxn>
+              <a:cxn ang="0">
+                <a:pos x="connsiteX31" y="connsiteY31"/>
+              </a:cxn>
+              <a:cxn ang="0">
+                <a:pos x="connsiteX32" y="connsiteY32"/>
+              </a:cxn>
+              <a:cxn ang="0">
+                <a:pos x="connsiteX33" y="connsiteY33"/>
+              </a:cxn>
+              <a:cxn ang="0">
+                <a:pos x="connsiteX34" y="connsiteY34"/>
+              </a:cxn>
+              <a:cxn ang="0">
+                <a:pos x="connsiteX35" y="connsiteY35"/>
+              </a:cxn>
+              <a:cxn ang="0">
+                <a:pos x="connsiteX36" y="connsiteY36"/>
+              </a:cxn>
+              <a:cxn ang="0">
+                <a:pos x="connsiteX37" y="connsiteY37"/>
+              </a:cxn>
+              <a:cxn ang="0">
+                <a:pos x="connsiteX38" y="connsiteY38"/>
+              </a:cxn>
+              <a:cxn ang="0">
+                <a:pos x="connsiteX39" y="connsiteY39"/>
+              </a:cxn>
+              <a:cxn ang="0">
+                <a:pos x="connsiteX40" y="connsiteY40"/>
+              </a:cxn>
+              <a:cxn ang="0">
+                <a:pos x="connsiteX41" y="connsiteY41"/>
+              </a:cxn>
+              <a:cxn ang="0">
+                <a:pos x="connsiteX42" y="connsiteY42"/>
+              </a:cxn>
+              <a:cxn ang="0">
+                <a:pos x="connsiteX43" y="connsiteY43"/>
+              </a:cxn>
+              <a:cxn ang="0">
+                <a:pos x="connsiteX44" y="connsiteY44"/>
+              </a:cxn>
+              <a:cxn ang="0">
+                <a:pos x="connsiteX45" y="connsiteY45"/>
+              </a:cxn>
+              <a:cxn ang="0">
+                <a:pos x="connsiteX46" y="connsiteY46"/>
+              </a:cxn>
+              <a:cxn ang="0">
+                <a:pos x="connsiteX47" y="connsiteY47"/>
+              </a:cxn>
+              <a:cxn ang="0">
+                <a:pos x="connsiteX48" y="connsiteY48"/>
+              </a:cxn>
+              <a:cxn ang="0">
+                <a:pos x="connsiteX49" y="connsiteY49"/>
+              </a:cxn>
+              <a:cxn ang="0">
+                <a:pos x="connsiteX50" y="connsiteY50"/>
+              </a:cxn>
+              <a:cxn ang="0">
+                <a:pos x="connsiteX51" y="connsiteY51"/>
+              </a:cxn>
+              <a:cxn ang="0">
+                <a:pos x="connsiteX52" y="connsiteY52"/>
+              </a:cxn>
+              <a:cxn ang="0">
+                <a:pos x="connsiteX53" y="connsiteY53"/>
+              </a:cxn>
+              <a:cxn ang="0">
+                <a:pos x="connsiteX54" y="connsiteY54"/>
+              </a:cxn>
+              <a:cxn ang="0">
+                <a:pos x="connsiteX55" y="connsiteY55"/>
+              </a:cxn>
+              <a:cxn ang="0">
+                <a:pos x="connsiteX56" y="connsiteY56"/>
+              </a:cxn>
+              <a:cxn ang="0">
+                <a:pos x="connsiteX57" y="connsiteY57"/>
+              </a:cxn>
+              <a:cxn ang="0">
+                <a:pos x="connsiteX58" y="connsiteY58"/>
+              </a:cxn>
+              <a:cxn ang="0">
+                <a:pos x="connsiteX59" y="connsiteY59"/>
+              </a:cxn>
+              <a:cxn ang="0">
+                <a:pos x="connsiteX60" y="connsiteY60"/>
+              </a:cxn>
+              <a:cxn ang="0">
+                <a:pos x="connsiteX61" y="connsiteY61"/>
+              </a:cxn>
+              <a:cxn ang="0">
+                <a:pos x="connsiteX62" y="connsiteY62"/>
+              </a:cxn>
+              <a:cxn ang="0">
+                <a:pos x="connsiteX63" y="connsiteY63"/>
+              </a:cxn>
+              <a:cxn ang="0">
+                <a:pos x="connsiteX64" y="connsiteY64"/>
+              </a:cxn>
+              <a:cxn ang="0">
+                <a:pos x="connsiteX65" y="connsiteY65"/>
+              </a:cxn>
+              <a:cxn ang="0">
+                <a:pos x="connsiteX66" y="connsiteY66"/>
+              </a:cxn>
+              <a:cxn ang="0">
+                <a:pos x="connsiteX67" y="connsiteY67"/>
+              </a:cxn>
+              <a:cxn ang="0">
+                <a:pos x="connsiteX68" y="connsiteY68"/>
+              </a:cxn>
+              <a:cxn ang="0">
+                <a:pos x="connsiteX69" y="connsiteY69"/>
+              </a:cxn>
+              <a:cxn ang="0">
+                <a:pos x="connsiteX70" y="connsiteY70"/>
+              </a:cxn>
+              <a:cxn ang="0">
+                <a:pos x="connsiteX71" y="connsiteY71"/>
+              </a:cxn>
+              <a:cxn ang="0">
+                <a:pos x="connsiteX72" y="connsiteY72"/>
+              </a:cxn>
+              <a:cxn ang="0">
+                <a:pos x="connsiteX73" y="connsiteY73"/>
+              </a:cxn>
+            </a:cxnLst>
+            <a:rect l="l" t="t" r="r" b="b"/>
+            <a:pathLst>
+              <a:path w="6800850" h="2528888">
+                <a:moveTo>
+                  <a:pt x="0" y="771525"/>
+                </a:moveTo>
+                <a:cubicBezTo>
+                  <a:pt x="33338" y="790575"/>
+                  <a:pt x="68557" y="806656"/>
+                  <a:pt x="100013" y="828675"/>
+                </a:cubicBezTo>
+                <a:cubicBezTo>
+                  <a:pt x="116566" y="840262"/>
+                  <a:pt x="127353" y="858603"/>
+                  <a:pt x="142875" y="871538"/>
+                </a:cubicBezTo>
+                <a:cubicBezTo>
+                  <a:pt x="156067" y="882531"/>
+                  <a:pt x="171450" y="890588"/>
+                  <a:pt x="185738" y="900113"/>
+                </a:cubicBezTo>
+                <a:cubicBezTo>
+                  <a:pt x="200025" y="919163"/>
+                  <a:pt x="214759" y="937886"/>
+                  <a:pt x="228600" y="957263"/>
+                </a:cubicBezTo>
+                <a:cubicBezTo>
+                  <a:pt x="238581" y="971236"/>
+                  <a:pt x="246000" y="987088"/>
+                  <a:pt x="257175" y="1000125"/>
+                </a:cubicBezTo>
+                <a:cubicBezTo>
+                  <a:pt x="274708" y="1020580"/>
+                  <a:pt x="293870" y="1039742"/>
+                  <a:pt x="314325" y="1057275"/>
+                </a:cubicBezTo>
+                <a:cubicBezTo>
+                  <a:pt x="374356" y="1108730"/>
+                  <a:pt x="405614" y="1082691"/>
+                  <a:pt x="457200" y="1185863"/>
+                </a:cubicBezTo>
+                <a:cubicBezTo>
+                  <a:pt x="466725" y="1204913"/>
+                  <a:pt x="472288" y="1226529"/>
+                  <a:pt x="485775" y="1243013"/>
+                </a:cubicBezTo>
+                <a:cubicBezTo>
+                  <a:pt x="515630" y="1279502"/>
+                  <a:pt x="559636" y="1303797"/>
+                  <a:pt x="585788" y="1343025"/>
+                </a:cubicBezTo>
+                <a:cubicBezTo>
+                  <a:pt x="640515" y="1425116"/>
+                  <a:pt x="602221" y="1373746"/>
+                  <a:pt x="714375" y="1485900"/>
+                </a:cubicBezTo>
+                <a:cubicBezTo>
+                  <a:pt x="733425" y="1504950"/>
+                  <a:pt x="749972" y="1526886"/>
+                  <a:pt x="771525" y="1543050"/>
+                </a:cubicBezTo>
+                <a:lnTo>
+                  <a:pt x="885825" y="1628775"/>
+                </a:lnTo>
+                <a:cubicBezTo>
+                  <a:pt x="904875" y="1643063"/>
+                  <a:pt x="926137" y="1654800"/>
+                  <a:pt x="942975" y="1671638"/>
+                </a:cubicBezTo>
+                <a:cubicBezTo>
+                  <a:pt x="1021386" y="1750048"/>
+                  <a:pt x="949135" y="1683401"/>
+                  <a:pt x="1028700" y="1743075"/>
+                </a:cubicBezTo>
+                <a:cubicBezTo>
+                  <a:pt x="1053096" y="1761372"/>
+                  <a:pt x="1075156" y="1782737"/>
+                  <a:pt x="1100138" y="1800225"/>
+                </a:cubicBezTo>
+                <a:cubicBezTo>
+                  <a:pt x="1168855" y="1848327"/>
+                  <a:pt x="1162830" y="1835055"/>
+                  <a:pt x="1228725" y="1871663"/>
+                </a:cubicBezTo>
+                <a:cubicBezTo>
+                  <a:pt x="1253000" y="1885149"/>
+                  <a:pt x="1276614" y="1899807"/>
+                  <a:pt x="1300163" y="1914525"/>
+                </a:cubicBezTo>
+                <a:cubicBezTo>
+                  <a:pt x="1314724" y="1923626"/>
+                  <a:pt x="1327906" y="1934959"/>
+                  <a:pt x="1343025" y="1943100"/>
+                </a:cubicBezTo>
+                <a:cubicBezTo>
+                  <a:pt x="1389907" y="1968344"/>
+                  <a:pt x="1441596" y="1985002"/>
+                  <a:pt x="1485900" y="2014538"/>
+                </a:cubicBezTo>
+                <a:cubicBezTo>
+                  <a:pt x="1564205" y="2066741"/>
+                  <a:pt x="1513406" y="2035435"/>
+                  <a:pt x="1643063" y="2100263"/>
+                </a:cubicBezTo>
+                <a:cubicBezTo>
+                  <a:pt x="1671638" y="2114550"/>
+                  <a:pt x="1699125" y="2131260"/>
+                  <a:pt x="1728788" y="2143125"/>
+                </a:cubicBezTo>
+                <a:cubicBezTo>
+                  <a:pt x="1752600" y="2152650"/>
+                  <a:pt x="1777806" y="2159245"/>
+                  <a:pt x="1800225" y="2171700"/>
+                </a:cubicBezTo>
+                <a:cubicBezTo>
+                  <a:pt x="1821041" y="2183265"/>
+                  <a:pt x="1837182" y="2201942"/>
+                  <a:pt x="1857375" y="2214563"/>
+                </a:cubicBezTo>
+                <a:cubicBezTo>
+                  <a:pt x="1929342" y="2259542"/>
+                  <a:pt x="1911466" y="2232253"/>
+                  <a:pt x="2000250" y="2271713"/>
+                </a:cubicBezTo>
+                <a:cubicBezTo>
+                  <a:pt x="2015942" y="2278687"/>
+                  <a:pt x="2026039" y="2298459"/>
+                  <a:pt x="2043113" y="2300288"/>
+                </a:cubicBezTo>
+                <a:cubicBezTo>
+                  <a:pt x="2161592" y="2312982"/>
+                  <a:pt x="2281238" y="2309813"/>
+                  <a:pt x="2400300" y="2314575"/>
+                </a:cubicBezTo>
+                <a:cubicBezTo>
+                  <a:pt x="2559223" y="2354307"/>
+                  <a:pt x="2306302" y="2293785"/>
+                  <a:pt x="2586038" y="2343150"/>
+                </a:cubicBezTo>
+                <a:cubicBezTo>
+                  <a:pt x="2624713" y="2349975"/>
+                  <a:pt x="2700338" y="2371725"/>
+                  <a:pt x="2700338" y="2371725"/>
+                </a:cubicBezTo>
+                <a:cubicBezTo>
+                  <a:pt x="2719388" y="2381250"/>
+                  <a:pt x="2737009" y="2394449"/>
+                  <a:pt x="2757488" y="2400300"/>
+                </a:cubicBezTo>
+                <a:cubicBezTo>
+                  <a:pt x="2804187" y="2413643"/>
+                  <a:pt x="2900363" y="2428875"/>
+                  <a:pt x="2900363" y="2428875"/>
+                </a:cubicBezTo>
+                <a:cubicBezTo>
+                  <a:pt x="3029247" y="2493317"/>
+                  <a:pt x="2869350" y="2418534"/>
+                  <a:pt x="3071813" y="2486025"/>
+                </a:cubicBezTo>
+                <a:cubicBezTo>
+                  <a:pt x="3086100" y="2490788"/>
+                  <a:pt x="3100064" y="2496660"/>
+                  <a:pt x="3114675" y="2500313"/>
+                </a:cubicBezTo>
+                <a:cubicBezTo>
+                  <a:pt x="3154599" y="2510294"/>
+                  <a:pt x="3233640" y="2522522"/>
+                  <a:pt x="3271838" y="2528888"/>
+                </a:cubicBezTo>
+                <a:cubicBezTo>
+                  <a:pt x="3324225" y="2524125"/>
+                  <a:pt x="3377564" y="2525622"/>
+                  <a:pt x="3429000" y="2514600"/>
+                </a:cubicBezTo>
+                <a:cubicBezTo>
+                  <a:pt x="3445790" y="2511002"/>
+                  <a:pt x="3456954" y="2494544"/>
+                  <a:pt x="3471863" y="2486025"/>
+                </a:cubicBezTo>
+                <a:cubicBezTo>
+                  <a:pt x="3490355" y="2475458"/>
+                  <a:pt x="3510395" y="2467793"/>
+                  <a:pt x="3529013" y="2457450"/>
+                </a:cubicBezTo>
+                <a:cubicBezTo>
+                  <a:pt x="3553288" y="2443964"/>
+                  <a:pt x="3575169" y="2426079"/>
+                  <a:pt x="3600450" y="2414588"/>
+                </a:cubicBezTo>
+                <a:cubicBezTo>
+                  <a:pt x="3627871" y="2402124"/>
+                  <a:pt x="3659555" y="2400106"/>
+                  <a:pt x="3686175" y="2386013"/>
+                </a:cubicBezTo>
+                <a:cubicBezTo>
+                  <a:pt x="3741054" y="2356959"/>
+                  <a:pt x="3790681" y="2318911"/>
+                  <a:pt x="3843338" y="2286000"/>
+                </a:cubicBezTo>
+                <a:cubicBezTo>
+                  <a:pt x="3866887" y="2271282"/>
+                  <a:pt x="3888430" y="2251920"/>
+                  <a:pt x="3914775" y="2243138"/>
+                </a:cubicBezTo>
+                <a:cubicBezTo>
+                  <a:pt x="4061117" y="2194357"/>
+                  <a:pt x="3973559" y="2228033"/>
+                  <a:pt x="4171950" y="2128838"/>
+                </a:cubicBezTo>
+                <a:cubicBezTo>
+                  <a:pt x="4191000" y="2119313"/>
+                  <a:pt x="4208215" y="2104440"/>
+                  <a:pt x="4229100" y="2100263"/>
+                </a:cubicBezTo>
+                <a:cubicBezTo>
+                  <a:pt x="4252913" y="2095500"/>
+                  <a:pt x="4277109" y="2092365"/>
+                  <a:pt x="4300538" y="2085975"/>
+                </a:cubicBezTo>
+                <a:cubicBezTo>
+                  <a:pt x="4373921" y="2065961"/>
+                  <a:pt x="4389522" y="2054391"/>
+                  <a:pt x="4457700" y="2028825"/>
+                </a:cubicBezTo>
+                <a:cubicBezTo>
+                  <a:pt x="4512498" y="2008276"/>
+                  <a:pt x="4494679" y="2018260"/>
+                  <a:pt x="4557713" y="2000250"/>
+                </a:cubicBezTo>
+                <a:cubicBezTo>
+                  <a:pt x="4572194" y="1996113"/>
+                  <a:pt x="4586288" y="1990725"/>
+                  <a:pt x="4600575" y="1985963"/>
+                </a:cubicBezTo>
+                <a:cubicBezTo>
+                  <a:pt x="4619625" y="1971675"/>
+                  <a:pt x="4637532" y="1955721"/>
+                  <a:pt x="4657725" y="1943100"/>
+                </a:cubicBezTo>
+                <a:cubicBezTo>
+                  <a:pt x="4675786" y="1931812"/>
+                  <a:pt x="4698513" y="1928160"/>
+                  <a:pt x="4714875" y="1914525"/>
+                </a:cubicBezTo>
+                <a:cubicBezTo>
+                  <a:pt x="4728066" y="1903532"/>
+                  <a:pt x="4733925" y="1885950"/>
+                  <a:pt x="4743450" y="1871663"/>
+                </a:cubicBezTo>
+                <a:cubicBezTo>
+                  <a:pt x="4748213" y="1852613"/>
+                  <a:pt x="4745167" y="1829598"/>
+                  <a:pt x="4757738" y="1814513"/>
+                </a:cubicBezTo>
+                <a:cubicBezTo>
+                  <a:pt x="4771373" y="1798151"/>
+                  <a:pt x="4797557" y="1798318"/>
+                  <a:pt x="4814888" y="1785938"/>
+                </a:cubicBezTo>
+                <a:cubicBezTo>
+                  <a:pt x="4831330" y="1774194"/>
+                  <a:pt x="4842544" y="1756380"/>
+                  <a:pt x="4857750" y="1743075"/>
+                </a:cubicBezTo>
+                <a:cubicBezTo>
+                  <a:pt x="4918786" y="1689669"/>
+                  <a:pt x="4981452" y="1638154"/>
+                  <a:pt x="5043488" y="1585913"/>
+                </a:cubicBezTo>
+                <a:cubicBezTo>
+                  <a:pt x="5310154" y="1361353"/>
+                  <a:pt x="4934320" y="1675858"/>
+                  <a:pt x="5229225" y="1443038"/>
+                </a:cubicBezTo>
+                <a:cubicBezTo>
+                  <a:pt x="5287615" y="1396941"/>
+                  <a:pt x="5337913" y="1340103"/>
+                  <a:pt x="5400675" y="1300163"/>
+                </a:cubicBezTo>
+                <a:cubicBezTo>
+                  <a:pt x="5453063" y="1266825"/>
+                  <a:pt x="5508161" y="1237407"/>
+                  <a:pt x="5557838" y="1200150"/>
+                </a:cubicBezTo>
+                <a:cubicBezTo>
+                  <a:pt x="5614988" y="1157288"/>
+                  <a:pt x="5669848" y="1111189"/>
+                  <a:pt x="5729288" y="1071563"/>
+                </a:cubicBezTo>
+                <a:cubicBezTo>
+                  <a:pt x="5757863" y="1052513"/>
+                  <a:pt x="5784296" y="1029772"/>
+                  <a:pt x="5815013" y="1014413"/>
+                </a:cubicBezTo>
+                <a:cubicBezTo>
+                  <a:pt x="5834063" y="1004888"/>
+                  <a:pt x="5855679" y="999325"/>
+                  <a:pt x="5872163" y="985838"/>
+                </a:cubicBezTo>
+                <a:cubicBezTo>
+                  <a:pt x="5908652" y="955983"/>
+                  <a:pt x="5938838" y="919163"/>
+                  <a:pt x="5972175" y="885825"/>
+                </a:cubicBezTo>
+                <a:cubicBezTo>
+                  <a:pt x="5991225" y="866775"/>
+                  <a:pt x="6013160" y="850228"/>
+                  <a:pt x="6029325" y="828675"/>
+                </a:cubicBezTo>
+                <a:cubicBezTo>
+                  <a:pt x="6043613" y="809625"/>
+                  <a:pt x="6056097" y="789079"/>
+                  <a:pt x="6072188" y="771525"/>
+                </a:cubicBezTo>
+                <a:cubicBezTo>
+                  <a:pt x="6108597" y="731806"/>
+                  <a:pt x="6152828" y="699299"/>
+                  <a:pt x="6186488" y="657225"/>
+                </a:cubicBezTo>
+                <a:cubicBezTo>
+                  <a:pt x="6332047" y="475277"/>
+                  <a:pt x="6147675" y="700351"/>
+                  <a:pt x="6315075" y="514350"/>
+                </a:cubicBezTo>
+                <a:cubicBezTo>
+                  <a:pt x="6335475" y="491683"/>
+                  <a:pt x="6350662" y="464476"/>
+                  <a:pt x="6372225" y="442913"/>
+                </a:cubicBezTo>
+                <a:cubicBezTo>
+                  <a:pt x="6393788" y="421350"/>
+                  <a:pt x="6422100" y="407326"/>
+                  <a:pt x="6443663" y="385763"/>
+                </a:cubicBezTo>
+                <a:cubicBezTo>
+                  <a:pt x="6460501" y="368925"/>
+                  <a:pt x="6469687" y="345451"/>
+                  <a:pt x="6486525" y="328613"/>
+                </a:cubicBezTo>
+                <a:cubicBezTo>
+                  <a:pt x="6503363" y="311775"/>
+                  <a:pt x="6526837" y="302588"/>
+                  <a:pt x="6543675" y="285750"/>
+                </a:cubicBezTo>
+                <a:cubicBezTo>
+                  <a:pt x="6565238" y="264187"/>
+                  <a:pt x="6579262" y="235876"/>
+                  <a:pt x="6600825" y="214313"/>
+                </a:cubicBezTo>
+                <a:cubicBezTo>
+                  <a:pt x="6612967" y="202171"/>
+                  <a:pt x="6630924" y="197225"/>
+                  <a:pt x="6643688" y="185738"/>
+                </a:cubicBezTo>
+                <a:cubicBezTo>
+                  <a:pt x="6678732" y="154199"/>
+                  <a:pt x="6710362" y="119063"/>
+                  <a:pt x="6743700" y="85725"/>
+                </a:cubicBezTo>
+                <a:lnTo>
+                  <a:pt x="6786563" y="42863"/>
+                </a:lnTo>
+                <a:lnTo>
+                  <a:pt x="6800850" y="0"/>
+                </a:lnTo>
+              </a:path>
+            </a:pathLst>
+          </a:custGeom>
+          <a:noFill/>
+          <a:ln w="44450">
+            <a:solidFill>
+              <a:schemeClr val="accent1"/>
+            </a:solidFill>
+          </a:ln>
+        </p:spPr>
+        <p:style>
+          <a:lnRef idx="2">
+            <a:schemeClr val="accent1">
+              <a:shade val="50000"/>
+            </a:schemeClr>
+          </a:lnRef>
+          <a:fillRef idx="1">
+            <a:schemeClr val="accent1"/>
+          </a:fillRef>
+          <a:effectRef idx="0">
+            <a:schemeClr val="accent1"/>
+          </a:effectRef>
+          <a:fontRef idx="minor">
+            <a:schemeClr val="lt1"/>
+          </a:fontRef>
+        </p:style>
+        <p:txBody>
+          <a:bodyPr rtlCol="0" anchor="ctr"/>
+          <a:lstStyle/>
+          <a:p>
+            <a:pPr algn="ctr"/>
+            <a:endParaRPr lang="en-US"/>
+          </a:p>
+        </p:txBody>
+      </p:sp>
+      <p:sp>
+        <p:nvSpPr>
+          <p:cNvPr id="15" name="Heart 14">
+            <a:extLst>
+              <a:ext uri="{FF2B5EF4-FFF2-40B4-BE49-F238E27FC236}">
+                <a16:creationId xmlns:a16="http://schemas.microsoft.com/office/drawing/2014/main" id="{05AC4FD6-E5F7-1747-B1E2-E4BF694CFD1E}"/>
+              </a:ext>
+            </a:extLst>
+          </p:cNvPr>
+          <p:cNvSpPr/>
+          <p:nvPr/>
+        </p:nvSpPr>
+        <p:spPr>
+          <a:xfrm>
+            <a:off x="6036462" y="5779294"/>
+            <a:ext cx="471487" cy="585788"/>
+          </a:xfrm>
+          <a:prstGeom prst="heart">
+            <a:avLst/>
+          </a:prstGeom>
+          <a:solidFill>
+            <a:srgbClr val="FF0000"/>
+          </a:solidFill>
+        </p:spPr>
+        <p:style>
+          <a:lnRef idx="2">
+            <a:schemeClr val="accent1">
+              <a:shade val="50000"/>
+            </a:schemeClr>
+          </a:lnRef>
+          <a:fillRef idx="1">
+            <a:schemeClr val="accent1"/>
+          </a:fillRef>
+          <a:effectRef idx="0">
+            <a:schemeClr val="accent1"/>
+          </a:effectRef>
+          <a:fontRef idx="minor">
+            <a:schemeClr val="lt1"/>
+          </a:fontRef>
+        </p:style>
+        <p:txBody>
+          <a:bodyPr rtlCol="0" anchor="ctr"/>
+          <a:lstStyle/>
+          <a:p>
+            <a:pPr algn="ctr"/>
+            <a:endParaRPr lang="en-US"/>
+          </a:p>
+        </p:txBody>
+      </p:sp>
+    </p:spTree>
+    <p:extLst>
+      <p:ext uri="{BB962C8B-B14F-4D97-AF65-F5344CB8AC3E}">
+        <p14:creationId xmlns:p14="http://schemas.microsoft.com/office/powerpoint/2010/main" val="702910147"/>
+      </p:ext>
+    </p:extLst>
+  </p:cSld>
+  <p:clrMapOvr>
+    <a:masterClrMapping/>
+  </p:clrMapOvr>
+</p:sld>
+</file>
+
+<file path=ppt/slides/slide51.xml><?xml version="1.0" encoding="utf-8"?>
+<p:sld xmlns:a="http://schemas.openxmlformats.org/drawingml/2006/main" xmlns:r="http://schemas.openxmlformats.org/officeDocument/2006/relationships" xmlns:p="http://schemas.openxmlformats.org/presentationml/2006/main">
+  <p:cSld>
+    <p:spTree>
+      <p:nvGrpSpPr>
+        <p:cNvPr id="1" name=""/>
+        <p:cNvGrpSpPr/>
+        <p:nvPr/>
+      </p:nvGrpSpPr>
+      <p:grpSpPr>
+        <a:xfrm>
+          <a:off x="0" y="0"/>
+          <a:ext cx="0" cy="0"/>
+          <a:chOff x="0" y="0"/>
+          <a:chExt cx="0" cy="0"/>
+        </a:xfrm>
+      </p:grpSpPr>
+      <p:sp>
+        <p:nvSpPr>
+          <p:cNvPr id="2" name="Title 1">
+            <a:extLst>
+              <a:ext uri="{FF2B5EF4-FFF2-40B4-BE49-F238E27FC236}">
+                <a16:creationId xmlns:a16="http://schemas.microsoft.com/office/drawing/2014/main" id="{90213502-710D-3646-8774-745D1D772761}"/>
+              </a:ext>
+            </a:extLst>
+          </p:cNvPr>
+          <p:cNvSpPr>
+            <a:spLocks noGrp="1"/>
+          </p:cNvSpPr>
+          <p:nvPr>
+            <p:ph type="title"/>
+          </p:nvPr>
+        </p:nvSpPr>
+        <p:spPr>
+          <a:xfrm>
+            <a:off x="403654" y="222250"/>
+            <a:ext cx="10950146" cy="1325563"/>
+          </a:xfrm>
+        </p:spPr>
+        <p:txBody>
+          <a:bodyPr/>
+          <a:lstStyle/>
+          <a:p>
+            <a:r>
               <a:rPr lang="en-US" b="1" dirty="0"/>
-              <a:t>Key Challenge in Deep Learning - Overfitting</a:t>
+              <a:t>Key Challenge in Machine Learning - Overfitting</a:t>
             </a:r>
           </a:p>
         </p:txBody>
@@ -30037,7 +33139,7 @@
         </p:blipFill>
         <p:spPr>
           <a:xfrm>
-            <a:off x="838200" y="1390650"/>
+            <a:off x="977157" y="1399238"/>
             <a:ext cx="5196915" cy="4784462"/>
           </a:xfrm>
         </p:spPr>
@@ -30079,6 +33181,76 @@
             <a:r>
               <a:rPr lang="en-US" sz="4400" dirty="0"/>
               <a:t>poor predictor map!</a:t>
+            </a:r>
+          </a:p>
+        </p:txBody>
+      </p:sp>
+      <p:sp>
+        <p:nvSpPr>
+          <p:cNvPr id="12" name="TextBox 11">
+            <a:extLst>
+              <a:ext uri="{FF2B5EF4-FFF2-40B4-BE49-F238E27FC236}">
+                <a16:creationId xmlns:a16="http://schemas.microsoft.com/office/drawing/2014/main" id="{1CA3A59D-7B55-904D-A166-C243D18AAE89}"/>
+              </a:ext>
+            </a:extLst>
+          </p:cNvPr>
+          <p:cNvSpPr txBox="1"/>
+          <p:nvPr/>
+        </p:nvSpPr>
+        <p:spPr>
+          <a:xfrm rot="16200000">
+            <a:off x="-664423" y="3198106"/>
+            <a:ext cx="3590022" cy="584775"/>
+          </a:xfrm>
+          <a:prstGeom prst="rect">
+            <a:avLst/>
+          </a:prstGeom>
+          <a:noFill/>
+        </p:spPr>
+        <p:txBody>
+          <a:bodyPr wrap="none" rtlCol="0">
+            <a:spAutoFit/>
+          </a:bodyPr>
+          <a:lstStyle/>
+          <a:p>
+            <a:r>
+              <a:rPr lang="en-US" sz="3200" dirty="0"/>
+              <a:t>max daytime temp y</a:t>
+            </a:r>
+          </a:p>
+        </p:txBody>
+      </p:sp>
+      <p:sp>
+        <p:nvSpPr>
+          <p:cNvPr id="13" name="TextBox 12">
+            <a:extLst>
+              <a:ext uri="{FF2B5EF4-FFF2-40B4-BE49-F238E27FC236}">
+                <a16:creationId xmlns:a16="http://schemas.microsoft.com/office/drawing/2014/main" id="{D37CAB31-DD87-6F4A-B995-BA09C56F2B49}"/>
+              </a:ext>
+            </a:extLst>
+          </p:cNvPr>
+          <p:cNvSpPr txBox="1"/>
+          <p:nvPr/>
+        </p:nvSpPr>
+        <p:spPr>
+          <a:xfrm>
+            <a:off x="2142815" y="6035124"/>
+            <a:ext cx="3521670" cy="584775"/>
+          </a:xfrm>
+          <a:prstGeom prst="rect">
+            <a:avLst/>
+          </a:prstGeom>
+          <a:noFill/>
+        </p:spPr>
+        <p:txBody>
+          <a:bodyPr wrap="none" rtlCol="0">
+            <a:spAutoFit/>
+          </a:bodyPr>
+          <a:lstStyle/>
+          <a:p>
+            <a:r>
+              <a:rPr lang="en-US" sz="3200" dirty="0"/>
+              <a:t>min daytime temp x</a:t>
             </a:r>
           </a:p>
         </p:txBody>
@@ -30096,7 +33268,7 @@
 </p:sld>
 </file>
 
-<file path=ppt/slides/slide51.xml><?xml version="1.0" encoding="utf-8"?>
+<file path=ppt/slides/slide52.xml><?xml version="1.0" encoding="utf-8"?>
 <p:sld xmlns:a="http://schemas.openxmlformats.org/drawingml/2006/main" xmlns:r="http://schemas.openxmlformats.org/officeDocument/2006/relationships" xmlns:p="http://schemas.openxmlformats.org/presentationml/2006/main">
   <p:cSld>
     <p:spTree>
@@ -32023,99 +35195,6 @@
 </p:sld>
 </file>
 
-<file path=ppt/slides/slide52.xml><?xml version="1.0" encoding="utf-8"?>
-<p:sld xmlns:a="http://schemas.openxmlformats.org/drawingml/2006/main" xmlns:r="http://schemas.openxmlformats.org/officeDocument/2006/relationships" xmlns:p="http://schemas.openxmlformats.org/presentationml/2006/main">
-  <p:cSld>
-    <p:spTree>
-      <p:nvGrpSpPr>
-        <p:cNvPr id="1" name=""/>
-        <p:cNvGrpSpPr/>
-        <p:nvPr/>
-      </p:nvGrpSpPr>
-      <p:grpSpPr>
-        <a:xfrm>
-          <a:off x="0" y="0"/>
-          <a:ext cx="0" cy="0"/>
-          <a:chOff x="0" y="0"/>
-          <a:chExt cx="0" cy="0"/>
-        </a:xfrm>
-      </p:grpSpPr>
-      <p:sp>
-        <p:nvSpPr>
-          <p:cNvPr id="2" name="Title 1">
-            <a:extLst>
-              <a:ext uri="{FF2B5EF4-FFF2-40B4-BE49-F238E27FC236}">
-                <a16:creationId xmlns:a16="http://schemas.microsoft.com/office/drawing/2014/main" id="{452585D5-1CC3-5B40-A63F-F8E52B3F7E10}"/>
-              </a:ext>
-            </a:extLst>
-          </p:cNvPr>
-          <p:cNvSpPr>
-            <a:spLocks noGrp="1"/>
-          </p:cNvSpPr>
-          <p:nvPr>
-            <p:ph type="title"/>
-          </p:nvPr>
-        </p:nvSpPr>
-        <p:spPr/>
-        <p:txBody>
-          <a:bodyPr/>
-          <a:lstStyle/>
-          <a:p>
-            <a:r>
-              <a:rPr lang="en-US" b="1" dirty="0"/>
-              <a:t>Look at the Validation Set !!!</a:t>
-            </a:r>
-          </a:p>
-        </p:txBody>
-      </p:sp>
-      <p:pic>
-        <p:nvPicPr>
-          <p:cNvPr id="6" name="Picture 5" descr="A close up of a map&#10;&#10;Description automatically generated">
-            <a:extLst>
-              <a:ext uri="{FF2B5EF4-FFF2-40B4-BE49-F238E27FC236}">
-                <a16:creationId xmlns:a16="http://schemas.microsoft.com/office/drawing/2014/main" id="{989427CF-D50E-8845-84F4-EB9043099502}"/>
-              </a:ext>
-            </a:extLst>
-          </p:cNvPr>
-          <p:cNvPicPr>
-            <a:picLocks noChangeAspect="1"/>
-          </p:cNvPicPr>
-          <p:nvPr/>
-        </p:nvPicPr>
-        <p:blipFill rotWithShape="1">
-          <a:blip r:embed="rId2" cstate="email">
-            <a:extLst>
-              <a:ext uri="{28A0092B-C50C-407E-A947-70E740481C1C}">
-                <a14:useLocalDpi xmlns:a14="http://schemas.microsoft.com/office/drawing/2010/main"/>
-              </a:ext>
-            </a:extLst>
-          </a:blip>
-          <a:srcRect/>
-          <a:stretch/>
-        </p:blipFill>
-        <p:spPr>
-          <a:xfrm>
-            <a:off x="2100263" y="1328738"/>
-            <a:ext cx="6772276" cy="5027612"/>
-          </a:xfrm>
-          <a:prstGeom prst="rect">
-            <a:avLst/>
-          </a:prstGeom>
-        </p:spPr>
-      </p:pic>
-    </p:spTree>
-    <p:extLst>
-      <p:ext uri="{BB962C8B-B14F-4D97-AF65-F5344CB8AC3E}">
-        <p14:creationId xmlns:p14="http://schemas.microsoft.com/office/powerpoint/2010/main" val="3808336813"/>
-      </p:ext>
-    </p:extLst>
-  </p:cSld>
-  <p:clrMapOvr>
-    <a:masterClrMapping/>
-  </p:clrMapOvr>
-</p:sld>
-</file>
-
 <file path=ppt/slides/slide53.xml><?xml version="1.0" encoding="utf-8"?>
 <p:sld xmlns:a="http://schemas.openxmlformats.org/drawingml/2006/main" xmlns:r="http://schemas.openxmlformats.org/officeDocument/2006/relationships" xmlns:p="http://schemas.openxmlformats.org/presentationml/2006/main">
   <p:cSld>
@@ -32138,7 +35217,7 @@
           <p:cNvPr id="2" name="Title 1">
             <a:extLst>
               <a:ext uri="{FF2B5EF4-FFF2-40B4-BE49-F238E27FC236}">
-                <a16:creationId xmlns:a16="http://schemas.microsoft.com/office/drawing/2014/main" id="{D2A7F390-48F5-534F-8A6F-A27C88455F53}"/>
+                <a16:creationId xmlns:a16="http://schemas.microsoft.com/office/drawing/2014/main" id="{452585D5-1CC3-5B40-A63F-F8E52B3F7E10}"/>
               </a:ext>
             </a:extLst>
           </p:cNvPr>
@@ -32151,79 +35230,55 @@
         </p:nvSpPr>
         <p:spPr/>
         <p:txBody>
-          <a:bodyPr>
-            <a:normAutofit/>
-          </a:bodyPr>
+          <a:bodyPr/>
           <a:lstStyle/>
           <a:p>
             <a:r>
-              <a:rPr lang="en-US" sz="6000" b="1" dirty="0"/>
-              <a:t>Training, Validation and Test Set</a:t>
+              <a:rPr lang="en-US" b="1" dirty="0"/>
+              <a:t>Look at the Validation Set !!!</a:t>
             </a:r>
           </a:p>
         </p:txBody>
       </p:sp>
-      <p:sp>
-        <p:nvSpPr>
-          <p:cNvPr id="3" name="Content Placeholder 2">
-            <a:extLst>
-              <a:ext uri="{FF2B5EF4-FFF2-40B4-BE49-F238E27FC236}">
-                <a16:creationId xmlns:a16="http://schemas.microsoft.com/office/drawing/2014/main" id="{8F14DB8D-3FE7-C846-BE7D-E359C641FB49}"/>
-              </a:ext>
-            </a:extLst>
-          </p:cNvPr>
-          <p:cNvSpPr>
-            <a:spLocks noGrp="1"/>
-          </p:cNvSpPr>
-          <p:nvPr>
-            <p:ph idx="1"/>
-          </p:nvPr>
-        </p:nvSpPr>
-        <p:spPr/>
-        <p:txBody>
-          <a:bodyPr>
-            <a:normAutofit/>
-          </a:bodyPr>
-          <a:lstStyle/>
-          <a:p>
-            <a:pPr>
-              <a:lnSpc>
-                <a:spcPct val="150000"/>
-              </a:lnSpc>
-            </a:pPr>
-            <a:r>
-              <a:rPr lang="en-US" sz="4800" dirty="0"/>
-              <a:t>training set: used to adjust weights</a:t>
-            </a:r>
-          </a:p>
-          <a:p>
-            <a:pPr>
-              <a:lnSpc>
-                <a:spcPct val="110000"/>
-              </a:lnSpc>
-            </a:pPr>
-            <a:r>
-              <a:rPr lang="en-US" sz="4800" dirty="0"/>
-              <a:t>validation set: used to adjust hyperparameters (number of layers..) </a:t>
-            </a:r>
-          </a:p>
-          <a:p>
-            <a:pPr>
-              <a:lnSpc>
-                <a:spcPct val="150000"/>
-              </a:lnSpc>
-            </a:pPr>
-            <a:r>
-              <a:rPr lang="en-US" sz="4800" dirty="0"/>
-              <a:t>test set: final performance evaluation </a:t>
-            </a:r>
-          </a:p>
-        </p:txBody>
-      </p:sp>
+      <p:pic>
+        <p:nvPicPr>
+          <p:cNvPr id="6" name="Picture 5" descr="A close up of a map&#10;&#10;Description automatically generated">
+            <a:extLst>
+              <a:ext uri="{FF2B5EF4-FFF2-40B4-BE49-F238E27FC236}">
+                <a16:creationId xmlns:a16="http://schemas.microsoft.com/office/drawing/2014/main" id="{989427CF-D50E-8845-84F4-EB9043099502}"/>
+              </a:ext>
+            </a:extLst>
+          </p:cNvPr>
+          <p:cNvPicPr>
+            <a:picLocks noChangeAspect="1"/>
+          </p:cNvPicPr>
+          <p:nvPr/>
+        </p:nvPicPr>
+        <p:blipFill rotWithShape="1">
+          <a:blip r:embed="rId2" cstate="email">
+            <a:extLst>
+              <a:ext uri="{28A0092B-C50C-407E-A947-70E740481C1C}">
+                <a14:useLocalDpi xmlns:a14="http://schemas.microsoft.com/office/drawing/2010/main"/>
+              </a:ext>
+            </a:extLst>
+          </a:blip>
+          <a:srcRect/>
+          <a:stretch/>
+        </p:blipFill>
+        <p:spPr>
+          <a:xfrm>
+            <a:off x="2100263" y="1328738"/>
+            <a:ext cx="6772276" cy="5027612"/>
+          </a:xfrm>
+          <a:prstGeom prst="rect">
+            <a:avLst/>
+          </a:prstGeom>
+        </p:spPr>
+      </p:pic>
     </p:spTree>
     <p:extLst>
       <p:ext uri="{BB962C8B-B14F-4D97-AF65-F5344CB8AC3E}">
-        <p14:creationId xmlns:p14="http://schemas.microsoft.com/office/powerpoint/2010/main" val="235898792"/>
+        <p14:creationId xmlns:p14="http://schemas.microsoft.com/office/powerpoint/2010/main" val="3808336813"/>
       </p:ext>
     </p:extLst>
   </p:cSld>
@@ -32255,7 +35310,7 @@
           <p:cNvPr id="2" name="Title 1">
             <a:extLst>
               <a:ext uri="{FF2B5EF4-FFF2-40B4-BE49-F238E27FC236}">
-                <a16:creationId xmlns:a16="http://schemas.microsoft.com/office/drawing/2014/main" id="{D441FD2A-938D-8F4A-ACE5-D5F8CD8E8957}"/>
+                <a16:creationId xmlns:a16="http://schemas.microsoft.com/office/drawing/2014/main" id="{D2A7F390-48F5-534F-8A6F-A27C88455F53}"/>
               </a:ext>
             </a:extLst>
           </p:cNvPr>
@@ -32275,7 +35330,7 @@
           <a:p>
             <a:r>
               <a:rPr lang="en-US" sz="6000" b="1" dirty="0"/>
-              <a:t>Test Set</a:t>
+              <a:t>Training, Validation and Test Set</a:t>
             </a:r>
           </a:p>
         </p:txBody>
@@ -32285,7 +35340,7 @@
           <p:cNvPr id="3" name="Content Placeholder 2">
             <a:extLst>
               <a:ext uri="{FF2B5EF4-FFF2-40B4-BE49-F238E27FC236}">
-                <a16:creationId xmlns:a16="http://schemas.microsoft.com/office/drawing/2014/main" id="{BD0A2D25-D445-7A47-9A05-889B678CB36D}"/>
+                <a16:creationId xmlns:a16="http://schemas.microsoft.com/office/drawing/2014/main" id="{8F14DB8D-3FE7-C846-BE7D-E359C641FB49}"/>
               </a:ext>
             </a:extLst>
           </p:cNvPr>
@@ -32303,21 +35358,36 @@
           </a:bodyPr>
           <a:lstStyle/>
           <a:p>
+            <a:pPr>
+              <a:lnSpc>
+                <a:spcPct val="150000"/>
+              </a:lnSpc>
+            </a:pPr>
             <a:r>
               <a:rPr lang="en-US" sz="4800" dirty="0"/>
-              <a:t>used for final performance evaluation </a:t>
-            </a:r>
-          </a:p>
-          <a:p>
-            <a:pPr marL="0" indent="0">
-              <a:buNone/>
+              <a:t>training set: used to adjust weights</a:t>
+            </a:r>
+          </a:p>
+          <a:p>
+            <a:pPr>
+              <a:lnSpc>
+                <a:spcPct val="110000"/>
+              </a:lnSpc>
             </a:pPr>
-            <a:endParaRPr lang="en-US" sz="4800" dirty="0"/>
-          </a:p>
-          <a:p>
             <a:r>
               <a:rPr lang="en-US" sz="4800" dirty="0"/>
-              <a:t>results on test set MUST NOT BE used for model adjustment! </a:t>
+              <a:t>validation set: used to adjust hyperparameters (number of layers..) </a:t>
+            </a:r>
+          </a:p>
+          <a:p>
+            <a:pPr>
+              <a:lnSpc>
+                <a:spcPct val="150000"/>
+              </a:lnSpc>
+            </a:pPr>
+            <a:r>
+              <a:rPr lang="en-US" sz="4800" dirty="0"/>
+              <a:t>test set: final performance evaluation </a:t>
             </a:r>
           </a:p>
         </p:txBody>
@@ -32325,7 +35395,7 @@
     </p:spTree>
     <p:extLst>
       <p:ext uri="{BB962C8B-B14F-4D97-AF65-F5344CB8AC3E}">
-        <p14:creationId xmlns:p14="http://schemas.microsoft.com/office/powerpoint/2010/main" val="370194744"/>
+        <p14:creationId xmlns:p14="http://schemas.microsoft.com/office/powerpoint/2010/main" val="235898792"/>
       </p:ext>
     </p:extLst>
   </p:cSld>
@@ -32357,7 +35427,7 @@
           <p:cNvPr id="2" name="Title 1">
             <a:extLst>
               <a:ext uri="{FF2B5EF4-FFF2-40B4-BE49-F238E27FC236}">
-                <a16:creationId xmlns:a16="http://schemas.microsoft.com/office/drawing/2014/main" id="{FADEE162-22D7-0047-AFA0-7F52971952D9}"/>
+                <a16:creationId xmlns:a16="http://schemas.microsoft.com/office/drawing/2014/main" id="{D441FD2A-938D-8F4A-ACE5-D5F8CD8E8957}"/>
               </a:ext>
             </a:extLst>
           </p:cNvPr>
@@ -32368,244 +35438,58 @@
             <p:ph type="title"/>
           </p:nvPr>
         </p:nvSpPr>
-        <p:spPr>
-          <a:xfrm>
-            <a:off x="665205" y="320675"/>
-            <a:ext cx="11110784" cy="1325563"/>
-          </a:xfrm>
-        </p:spPr>
+        <p:spPr/>
         <p:txBody>
           <a:bodyPr>
-            <a:noAutofit/>
+            <a:normAutofit/>
           </a:bodyPr>
           <a:lstStyle/>
           <a:p>
             <a:r>
               <a:rPr lang="en-US" sz="6000" b="1" dirty="0"/>
-              <a:t>Diagnosing ML Methods</a:t>
+              <a:t>Test Set</a:t>
             </a:r>
           </a:p>
         </p:txBody>
       </p:sp>
       <p:sp>
         <p:nvSpPr>
-          <p:cNvPr id="3" name="Rectangle 2">
-            <a:extLst>
-              <a:ext uri="{FF2B5EF4-FFF2-40B4-BE49-F238E27FC236}">
-                <a16:creationId xmlns:a16="http://schemas.microsoft.com/office/drawing/2014/main" id="{584E6A98-BD59-EB4F-A94A-349A1CF6B8CD}"/>
-              </a:ext>
-            </a:extLst>
-          </p:cNvPr>
-          <p:cNvSpPr/>
-          <p:nvPr/>
+          <p:cNvPr id="3" name="Content Placeholder 2">
+            <a:extLst>
+              <a:ext uri="{FF2B5EF4-FFF2-40B4-BE49-F238E27FC236}">
+                <a16:creationId xmlns:a16="http://schemas.microsoft.com/office/drawing/2014/main" id="{BD0A2D25-D445-7A47-9A05-889B678CB36D}"/>
+              </a:ext>
+            </a:extLst>
+          </p:cNvPr>
+          <p:cNvSpPr>
+            <a:spLocks noGrp="1"/>
+          </p:cNvSpPr>
+          <p:nvPr>
+            <p:ph idx="1"/>
+          </p:nvPr>
         </p:nvSpPr>
-        <p:spPr>
-          <a:xfrm>
-            <a:off x="3948112" y="3047048"/>
-            <a:ext cx="1630289" cy="1499616"/>
-          </a:xfrm>
-          <a:prstGeom prst="rect">
-            <a:avLst/>
-          </a:prstGeom>
-          <a:solidFill>
-            <a:schemeClr val="accent1">
-              <a:alpha val="55000"/>
-            </a:schemeClr>
-          </a:solidFill>
-        </p:spPr>
-        <p:style>
-          <a:lnRef idx="2">
-            <a:schemeClr val="accent1">
-              <a:shade val="50000"/>
-            </a:schemeClr>
-          </a:lnRef>
-          <a:fillRef idx="1">
-            <a:schemeClr val="accent1"/>
-          </a:fillRef>
-          <a:effectRef idx="0">
-            <a:schemeClr val="accent1"/>
-          </a:effectRef>
-          <a:fontRef idx="minor">
-            <a:schemeClr val="lt1"/>
-          </a:fontRef>
-        </p:style>
+        <p:spPr/>
         <p:txBody>
-          <a:bodyPr rtlCol="0" anchor="ctr"/>
-          <a:lstStyle/>
-          <a:p>
-            <a:pPr algn="ctr"/>
-            <a:r>
-              <a:rPr lang="en-US" sz="2800" dirty="0">
-                <a:solidFill>
-                  <a:schemeClr val="tx1"/>
-                </a:solidFill>
-              </a:rPr>
-              <a:t>training </a:t>
-            </a:r>
-          </a:p>
-          <a:p>
-            <a:pPr algn="ctr"/>
-            <a:r>
-              <a:rPr lang="en-US" sz="2800" dirty="0">
-                <a:solidFill>
-                  <a:schemeClr val="tx1"/>
-                </a:solidFill>
-              </a:rPr>
-              <a:t>error</a:t>
-            </a:r>
-          </a:p>
-        </p:txBody>
-      </p:sp>
-      <p:sp>
-        <p:nvSpPr>
-          <p:cNvPr id="26" name="Rectangle 25">
-            <a:extLst>
-              <a:ext uri="{FF2B5EF4-FFF2-40B4-BE49-F238E27FC236}">
-                <a16:creationId xmlns:a16="http://schemas.microsoft.com/office/drawing/2014/main" id="{698C082A-27BB-B447-9A33-D193D4BB3275}"/>
-              </a:ext>
-            </a:extLst>
-          </p:cNvPr>
-          <p:cNvSpPr/>
-          <p:nvPr/>
-        </p:nvSpPr>
-        <p:spPr>
-          <a:xfrm>
-            <a:off x="6324789" y="2057401"/>
-            <a:ext cx="1630289" cy="2489263"/>
-          </a:xfrm>
-          <a:prstGeom prst="rect">
-            <a:avLst/>
-          </a:prstGeom>
-          <a:solidFill>
-            <a:srgbClr val="FFC000">
-              <a:alpha val="55000"/>
-            </a:srgbClr>
-          </a:solidFill>
-        </p:spPr>
-        <p:style>
-          <a:lnRef idx="2">
-            <a:schemeClr val="accent1">
-              <a:shade val="50000"/>
-            </a:schemeClr>
-          </a:lnRef>
-          <a:fillRef idx="1">
-            <a:schemeClr val="accent1"/>
-          </a:fillRef>
-          <a:effectRef idx="0">
-            <a:schemeClr val="accent1"/>
-          </a:effectRef>
-          <a:fontRef idx="minor">
-            <a:schemeClr val="lt1"/>
-          </a:fontRef>
-        </p:style>
-        <p:txBody>
-          <a:bodyPr rtlCol="0" anchor="ctr"/>
-          <a:lstStyle/>
-          <a:p>
-            <a:pPr algn="ctr"/>
-            <a:r>
-              <a:rPr lang="en-US" sz="2800" dirty="0">
-                <a:solidFill>
-                  <a:schemeClr val="tx1"/>
-                </a:solidFill>
-              </a:rPr>
-              <a:t>validation </a:t>
-            </a:r>
-          </a:p>
-          <a:p>
-            <a:pPr algn="ctr"/>
-            <a:r>
-              <a:rPr lang="en-US" sz="2800" dirty="0">
-                <a:solidFill>
-                  <a:schemeClr val="tx1"/>
-                </a:solidFill>
-              </a:rPr>
-              <a:t>error</a:t>
-            </a:r>
-          </a:p>
-        </p:txBody>
-      </p:sp>
-      <p:cxnSp>
-        <p:nvCxnSpPr>
-          <p:cNvPr id="16" name="Straight Connector 15">
-            <a:extLst>
-              <a:ext uri="{FF2B5EF4-FFF2-40B4-BE49-F238E27FC236}">
-                <a16:creationId xmlns:a16="http://schemas.microsoft.com/office/drawing/2014/main" id="{18825A0C-3618-3C47-AAE6-61BC3814FE57}"/>
-              </a:ext>
-            </a:extLst>
-          </p:cNvPr>
-          <p:cNvCxnSpPr>
-            <a:cxnSpLocks/>
-          </p:cNvCxnSpPr>
-          <p:nvPr/>
-        </p:nvCxnSpPr>
-        <p:spPr>
-          <a:xfrm>
-            <a:off x="1985963" y="3814763"/>
-            <a:ext cx="8915400" cy="0"/>
-          </a:xfrm>
-          <a:prstGeom prst="line">
-            <a:avLst/>
-          </a:prstGeom>
-          <a:ln w="38100">
-            <a:solidFill>
-              <a:schemeClr val="tx1"/>
-            </a:solidFill>
-            <a:prstDash val="dash"/>
-          </a:ln>
-        </p:spPr>
-        <p:style>
-          <a:lnRef idx="1">
-            <a:schemeClr val="accent1"/>
-          </a:lnRef>
-          <a:fillRef idx="0">
-            <a:schemeClr val="accent1"/>
-          </a:fillRef>
-          <a:effectRef idx="0">
-            <a:schemeClr val="accent1"/>
-          </a:effectRef>
-          <a:fontRef idx="minor">
-            <a:schemeClr val="tx1"/>
-          </a:fontRef>
-        </p:style>
-      </p:cxnSp>
-      <p:sp>
-        <p:nvSpPr>
-          <p:cNvPr id="20" name="TextBox 19">
-            <a:extLst>
-              <a:ext uri="{FF2B5EF4-FFF2-40B4-BE49-F238E27FC236}">
-                <a16:creationId xmlns:a16="http://schemas.microsoft.com/office/drawing/2014/main" id="{39B9DF35-0A00-F64E-B453-19B739466092}"/>
-              </a:ext>
-            </a:extLst>
-          </p:cNvPr>
-          <p:cNvSpPr txBox="1"/>
-          <p:nvPr/>
-        </p:nvSpPr>
-        <p:spPr>
-          <a:xfrm>
-            <a:off x="665205" y="3600450"/>
-            <a:ext cx="1803635" cy="830997"/>
-          </a:xfrm>
-          <a:prstGeom prst="rect">
-            <a:avLst/>
-          </a:prstGeom>
-          <a:noFill/>
-        </p:spPr>
-        <p:txBody>
-          <a:bodyPr wrap="none" rtlCol="0">
-            <a:spAutoFit/>
+          <a:bodyPr>
+            <a:normAutofit/>
           </a:bodyPr>
           <a:lstStyle/>
           <a:p>
             <a:r>
-              <a:rPr lang="en-US" sz="2400" dirty="0"/>
-              <a:t>target </a:t>
-            </a:r>
-          </a:p>
-          <a:p>
-            <a:r>
-              <a:rPr lang="en-US" sz="2400" dirty="0"/>
-              <a:t>performance</a:t>
+              <a:rPr lang="en-US" sz="4800" dirty="0"/>
+              <a:t>used for final performance evaluation </a:t>
+            </a:r>
+          </a:p>
+          <a:p>
+            <a:pPr marL="0" indent="0">
+              <a:buNone/>
+            </a:pPr>
+            <a:endParaRPr lang="en-US" sz="4800" dirty="0"/>
+          </a:p>
+          <a:p>
+            <a:r>
+              <a:rPr lang="en-US" sz="4800" dirty="0"/>
+              <a:t>results on test set MUST NOT BE used for model adjustment! </a:t>
             </a:r>
           </a:p>
         </p:txBody>
@@ -32613,7 +35497,7 @@
     </p:spTree>
     <p:extLst>
       <p:ext uri="{BB962C8B-B14F-4D97-AF65-F5344CB8AC3E}">
-        <p14:creationId xmlns:p14="http://schemas.microsoft.com/office/powerpoint/2010/main" val="214304524"/>
+        <p14:creationId xmlns:p14="http://schemas.microsoft.com/office/powerpoint/2010/main" val="370194744"/>
       </p:ext>
     </p:extLst>
   </p:cSld>
@@ -32670,7 +35554,7 @@
           <a:p>
             <a:r>
               <a:rPr lang="en-US" sz="6000" b="1" dirty="0"/>
-              <a:t>Case 1: Overfitting</a:t>
+              <a:t>Diagnosing ML Methods</a:t>
             </a:r>
           </a:p>
         </p:txBody>
@@ -32689,8 +35573,8 @@
         </p:nvSpPr>
         <p:spPr>
           <a:xfrm>
-            <a:off x="3948112" y="3929062"/>
-            <a:ext cx="1630289" cy="830989"/>
+            <a:off x="3948112" y="3047048"/>
+            <a:ext cx="1630289" cy="1499616"/>
           </a:xfrm>
           <a:prstGeom prst="rect">
             <a:avLst/>
@@ -32759,7 +35643,7 @@
         <p:spPr>
           <a:xfrm>
             <a:off x="6324789" y="2057401"/>
-            <a:ext cx="1630289" cy="2702646"/>
+            <a:ext cx="1630289" cy="2489263"/>
           </a:xfrm>
           <a:prstGeom prst="rect">
             <a:avLst/>
@@ -32898,51 +35782,10 @@
           </a:p>
         </p:txBody>
       </p:sp>
-      <p:sp>
-        <p:nvSpPr>
-          <p:cNvPr id="5" name="TextBox 4">
-            <a:extLst>
-              <a:ext uri="{FF2B5EF4-FFF2-40B4-BE49-F238E27FC236}">
-                <a16:creationId xmlns:a16="http://schemas.microsoft.com/office/drawing/2014/main" id="{CD02BCE0-DE36-C945-B634-DD4D8282EC73}"/>
-              </a:ext>
-            </a:extLst>
-          </p:cNvPr>
-          <p:cNvSpPr txBox="1"/>
-          <p:nvPr/>
-        </p:nvSpPr>
-        <p:spPr>
-          <a:xfrm>
-            <a:off x="161971" y="4912844"/>
-            <a:ext cx="11868057" cy="1446550"/>
-          </a:xfrm>
-          <a:prstGeom prst="rect">
-            <a:avLst/>
-          </a:prstGeom>
-          <a:noFill/>
-        </p:spPr>
-        <p:txBody>
-          <a:bodyPr wrap="none" rtlCol="0">
-            <a:spAutoFit/>
-          </a:bodyPr>
-          <a:lstStyle/>
-          <a:p>
-            <a:r>
-              <a:rPr lang="en-US" sz="4400" dirty="0"/>
-              <a:t>possible remedies: </a:t>
-            </a:r>
-          </a:p>
-          <a:p>
-            <a:r>
-              <a:rPr lang="en-US" sz="4400" dirty="0"/>
-              <a:t>reduce hypothesis space or use more training data </a:t>
-            </a:r>
-          </a:p>
-        </p:txBody>
-      </p:sp>
     </p:spTree>
     <p:extLst>
       <p:ext uri="{BB962C8B-B14F-4D97-AF65-F5344CB8AC3E}">
-        <p14:creationId xmlns:p14="http://schemas.microsoft.com/office/powerpoint/2010/main" val="3654499017"/>
+        <p14:creationId xmlns:p14="http://schemas.microsoft.com/office/powerpoint/2010/main" val="214304524"/>
       </p:ext>
     </p:extLst>
   </p:cSld>
@@ -32999,7 +35842,230 @@
           <a:p>
             <a:r>
               <a:rPr lang="en-US" sz="6000" b="1" dirty="0"/>
-              <a:t>Reducing Hypothesis Space</a:t>
+              <a:t>Case 1: Overfitting</a:t>
+            </a:r>
+          </a:p>
+        </p:txBody>
+      </p:sp>
+      <p:sp>
+        <p:nvSpPr>
+          <p:cNvPr id="3" name="Rectangle 2">
+            <a:extLst>
+              <a:ext uri="{FF2B5EF4-FFF2-40B4-BE49-F238E27FC236}">
+                <a16:creationId xmlns:a16="http://schemas.microsoft.com/office/drawing/2014/main" id="{584E6A98-BD59-EB4F-A94A-349A1CF6B8CD}"/>
+              </a:ext>
+            </a:extLst>
+          </p:cNvPr>
+          <p:cNvSpPr/>
+          <p:nvPr/>
+        </p:nvSpPr>
+        <p:spPr>
+          <a:xfrm>
+            <a:off x="3948112" y="3929062"/>
+            <a:ext cx="1630289" cy="830989"/>
+          </a:xfrm>
+          <a:prstGeom prst="rect">
+            <a:avLst/>
+          </a:prstGeom>
+          <a:solidFill>
+            <a:schemeClr val="accent1">
+              <a:alpha val="55000"/>
+            </a:schemeClr>
+          </a:solidFill>
+        </p:spPr>
+        <p:style>
+          <a:lnRef idx="2">
+            <a:schemeClr val="accent1">
+              <a:shade val="50000"/>
+            </a:schemeClr>
+          </a:lnRef>
+          <a:fillRef idx="1">
+            <a:schemeClr val="accent1"/>
+          </a:fillRef>
+          <a:effectRef idx="0">
+            <a:schemeClr val="accent1"/>
+          </a:effectRef>
+          <a:fontRef idx="minor">
+            <a:schemeClr val="lt1"/>
+          </a:fontRef>
+        </p:style>
+        <p:txBody>
+          <a:bodyPr rtlCol="0" anchor="ctr"/>
+          <a:lstStyle/>
+          <a:p>
+            <a:pPr algn="ctr"/>
+            <a:r>
+              <a:rPr lang="en-US" sz="2800" dirty="0">
+                <a:solidFill>
+                  <a:schemeClr val="tx1"/>
+                </a:solidFill>
+              </a:rPr>
+              <a:t>training </a:t>
+            </a:r>
+          </a:p>
+          <a:p>
+            <a:pPr algn="ctr"/>
+            <a:r>
+              <a:rPr lang="en-US" sz="2800" dirty="0">
+                <a:solidFill>
+                  <a:schemeClr val="tx1"/>
+                </a:solidFill>
+              </a:rPr>
+              <a:t>error</a:t>
+            </a:r>
+          </a:p>
+        </p:txBody>
+      </p:sp>
+      <p:sp>
+        <p:nvSpPr>
+          <p:cNvPr id="26" name="Rectangle 25">
+            <a:extLst>
+              <a:ext uri="{FF2B5EF4-FFF2-40B4-BE49-F238E27FC236}">
+                <a16:creationId xmlns:a16="http://schemas.microsoft.com/office/drawing/2014/main" id="{698C082A-27BB-B447-9A33-D193D4BB3275}"/>
+              </a:ext>
+            </a:extLst>
+          </p:cNvPr>
+          <p:cNvSpPr/>
+          <p:nvPr/>
+        </p:nvSpPr>
+        <p:spPr>
+          <a:xfrm>
+            <a:off x="6324789" y="2057401"/>
+            <a:ext cx="1630289" cy="2702646"/>
+          </a:xfrm>
+          <a:prstGeom prst="rect">
+            <a:avLst/>
+          </a:prstGeom>
+          <a:solidFill>
+            <a:srgbClr val="FFC000">
+              <a:alpha val="55000"/>
+            </a:srgbClr>
+          </a:solidFill>
+        </p:spPr>
+        <p:style>
+          <a:lnRef idx="2">
+            <a:schemeClr val="accent1">
+              <a:shade val="50000"/>
+            </a:schemeClr>
+          </a:lnRef>
+          <a:fillRef idx="1">
+            <a:schemeClr val="accent1"/>
+          </a:fillRef>
+          <a:effectRef idx="0">
+            <a:schemeClr val="accent1"/>
+          </a:effectRef>
+          <a:fontRef idx="minor">
+            <a:schemeClr val="lt1"/>
+          </a:fontRef>
+        </p:style>
+        <p:txBody>
+          <a:bodyPr rtlCol="0" anchor="ctr"/>
+          <a:lstStyle/>
+          <a:p>
+            <a:pPr algn="ctr"/>
+            <a:r>
+              <a:rPr lang="en-US" sz="2800" dirty="0">
+                <a:solidFill>
+                  <a:schemeClr val="tx1"/>
+                </a:solidFill>
+              </a:rPr>
+              <a:t>validation </a:t>
+            </a:r>
+          </a:p>
+          <a:p>
+            <a:pPr algn="ctr"/>
+            <a:r>
+              <a:rPr lang="en-US" sz="2800" dirty="0">
+                <a:solidFill>
+                  <a:schemeClr val="tx1"/>
+                </a:solidFill>
+              </a:rPr>
+              <a:t>error</a:t>
+            </a:r>
+          </a:p>
+        </p:txBody>
+      </p:sp>
+      <p:cxnSp>
+        <p:nvCxnSpPr>
+          <p:cNvPr id="16" name="Straight Connector 15">
+            <a:extLst>
+              <a:ext uri="{FF2B5EF4-FFF2-40B4-BE49-F238E27FC236}">
+                <a16:creationId xmlns:a16="http://schemas.microsoft.com/office/drawing/2014/main" id="{18825A0C-3618-3C47-AAE6-61BC3814FE57}"/>
+              </a:ext>
+            </a:extLst>
+          </p:cNvPr>
+          <p:cNvCxnSpPr>
+            <a:cxnSpLocks/>
+          </p:cNvCxnSpPr>
+          <p:nvPr/>
+        </p:nvCxnSpPr>
+        <p:spPr>
+          <a:xfrm>
+            <a:off x="1985963" y="3814763"/>
+            <a:ext cx="8915400" cy="0"/>
+          </a:xfrm>
+          <a:prstGeom prst="line">
+            <a:avLst/>
+          </a:prstGeom>
+          <a:ln w="38100">
+            <a:solidFill>
+              <a:schemeClr val="tx1"/>
+            </a:solidFill>
+            <a:prstDash val="dash"/>
+          </a:ln>
+        </p:spPr>
+        <p:style>
+          <a:lnRef idx="1">
+            <a:schemeClr val="accent1"/>
+          </a:lnRef>
+          <a:fillRef idx="0">
+            <a:schemeClr val="accent1"/>
+          </a:fillRef>
+          <a:effectRef idx="0">
+            <a:schemeClr val="accent1"/>
+          </a:effectRef>
+          <a:fontRef idx="minor">
+            <a:schemeClr val="tx1"/>
+          </a:fontRef>
+        </p:style>
+      </p:cxnSp>
+      <p:sp>
+        <p:nvSpPr>
+          <p:cNvPr id="20" name="TextBox 19">
+            <a:extLst>
+              <a:ext uri="{FF2B5EF4-FFF2-40B4-BE49-F238E27FC236}">
+                <a16:creationId xmlns:a16="http://schemas.microsoft.com/office/drawing/2014/main" id="{39B9DF35-0A00-F64E-B453-19B739466092}"/>
+              </a:ext>
+            </a:extLst>
+          </p:cNvPr>
+          <p:cNvSpPr txBox="1"/>
+          <p:nvPr/>
+        </p:nvSpPr>
+        <p:spPr>
+          <a:xfrm>
+            <a:off x="665205" y="3600450"/>
+            <a:ext cx="1803635" cy="830997"/>
+          </a:xfrm>
+          <a:prstGeom prst="rect">
+            <a:avLst/>
+          </a:prstGeom>
+          <a:noFill/>
+        </p:spPr>
+        <p:txBody>
+          <a:bodyPr wrap="none" rtlCol="0">
+            <a:spAutoFit/>
+          </a:bodyPr>
+          <a:lstStyle/>
+          <a:p>
+            <a:r>
+              <a:rPr lang="en-US" sz="2400" dirty="0"/>
+              <a:t>target </a:t>
+            </a:r>
+          </a:p>
+          <a:p>
+            <a:r>
+              <a:rPr lang="en-US" sz="2400" dirty="0"/>
+              <a:t>performance</a:t>
             </a:r>
           </a:p>
         </p:txBody>
@@ -33009,7 +36075,7 @@
           <p:cNvPr id="5" name="TextBox 4">
             <a:extLst>
               <a:ext uri="{FF2B5EF4-FFF2-40B4-BE49-F238E27FC236}">
-                <a16:creationId xmlns:a16="http://schemas.microsoft.com/office/drawing/2014/main" id="{B0D55309-44DB-0340-96DD-37C7E310273C}"/>
+                <a16:creationId xmlns:a16="http://schemas.microsoft.com/office/drawing/2014/main" id="{CD02BCE0-DE36-C945-B634-DD4D8282EC73}"/>
               </a:ext>
             </a:extLst>
           </p:cNvPr>
@@ -33018,8 +36084,8 @@
         </p:nvSpPr>
         <p:spPr>
           <a:xfrm>
-            <a:off x="400050" y="2185988"/>
-            <a:ext cx="11904284" cy="3170099"/>
+            <a:off x="161971" y="4912844"/>
+            <a:ext cx="11868057" cy="1446550"/>
           </a:xfrm>
           <a:prstGeom prst="rect">
             <a:avLst/>
@@ -33032,49 +36098,15 @@
           </a:bodyPr>
           <a:lstStyle/>
           <a:p>
-            <a:pPr marL="285750" indent="-285750">
-              <a:buFont typeface="Arial" panose="020B0604020202020204" pitchFamily="34" charset="0"/>
-              <a:buChar char="•"/>
-            </a:pPr>
-            <a:r>
-              <a:rPr lang="en-US" sz="4000" dirty="0"/>
-              <a:t>use fewer neurons in hidden layers </a:t>
-            </a:r>
-          </a:p>
-          <a:p>
-            <a:pPr marL="285750" indent="-285750">
-              <a:buFont typeface="Arial" panose="020B0604020202020204" pitchFamily="34" charset="0"/>
-              <a:buChar char="•"/>
-            </a:pPr>
-            <a:r>
-              <a:rPr lang="en-US" sz="4000" dirty="0"/>
-              <a:t>use fewer features (manually choose relevant features)</a:t>
-            </a:r>
-          </a:p>
-          <a:p>
-            <a:pPr marL="285750" indent="-285750">
-              <a:buFont typeface="Arial" panose="020B0604020202020204" pitchFamily="34" charset="0"/>
-              <a:buChar char="•"/>
-            </a:pPr>
-            <a:r>
-              <a:rPr lang="en-US" sz="4000" dirty="0"/>
-              <a:t>use fewer layers </a:t>
-            </a:r>
-          </a:p>
-          <a:p>
-            <a:pPr marL="285750" indent="-285750">
-              <a:buFont typeface="Arial" panose="020B0604020202020204" pitchFamily="34" charset="0"/>
-              <a:buChar char="•"/>
-            </a:pPr>
-            <a:r>
-              <a:rPr lang="en-US" sz="4000" dirty="0"/>
-              <a:t>use fewer iterations of gradient method (such that we </a:t>
-            </a:r>
-          </a:p>
-          <a:p>
-            <a:r>
-              <a:rPr lang="en-US" sz="4000" dirty="0"/>
-              <a:t>search only a smaller subset of the nominal space)</a:t>
+            <a:r>
+              <a:rPr lang="en-US" sz="4400" dirty="0"/>
+              <a:t>possible remedies: </a:t>
+            </a:r>
+          </a:p>
+          <a:p>
+            <a:r>
+              <a:rPr lang="en-US" sz="4400" dirty="0"/>
+              <a:t>reduce hypothesis space or use more training data </a:t>
             </a:r>
           </a:p>
         </p:txBody>
@@ -33082,7 +36114,7 @@
     </p:spTree>
     <p:extLst>
       <p:ext uri="{BB962C8B-B14F-4D97-AF65-F5344CB8AC3E}">
-        <p14:creationId xmlns:p14="http://schemas.microsoft.com/office/powerpoint/2010/main" val="3445737509"/>
+        <p14:creationId xmlns:p14="http://schemas.microsoft.com/office/powerpoint/2010/main" val="3654499017"/>
       </p:ext>
     </p:extLst>
   </p:cSld>
@@ -33158,8 +36190,8 @@
         </p:nvSpPr>
         <p:spPr>
           <a:xfrm>
-            <a:off x="416011" y="1485900"/>
-            <a:ext cx="11904284" cy="4613571"/>
+            <a:off x="400050" y="2185988"/>
+            <a:ext cx="11904284" cy="3170099"/>
           </a:xfrm>
           <a:prstGeom prst="rect">
             <a:avLst/>
@@ -33173,9 +36205,6 @@
           <a:lstStyle/>
           <a:p>
             <a:pPr marL="285750" indent="-285750">
-              <a:lnSpc>
-                <a:spcPct val="150000"/>
-              </a:lnSpc>
               <a:buFont typeface="Arial" panose="020B0604020202020204" pitchFamily="34" charset="0"/>
               <a:buChar char="•"/>
             </a:pPr>
@@ -33186,9 +36215,6 @@
           </a:p>
           <a:p>
             <a:pPr marL="285750" indent="-285750">
-              <a:lnSpc>
-                <a:spcPct val="150000"/>
-              </a:lnSpc>
               <a:buFont typeface="Arial" panose="020B0604020202020204" pitchFamily="34" charset="0"/>
               <a:buChar char="•"/>
             </a:pPr>
@@ -33199,9 +36225,6 @@
           </a:p>
           <a:p>
             <a:pPr marL="285750" indent="-285750">
-              <a:lnSpc>
-                <a:spcPct val="150000"/>
-              </a:lnSpc>
               <a:buFont typeface="Arial" panose="020B0604020202020204" pitchFamily="34" charset="0"/>
               <a:buChar char="•"/>
             </a:pPr>
@@ -33212,102 +36235,18 @@
           </a:p>
           <a:p>
             <a:pPr marL="285750" indent="-285750">
-              <a:lnSpc>
-                <a:spcPct val="150000"/>
-              </a:lnSpc>
               <a:buFont typeface="Arial" panose="020B0604020202020204" pitchFamily="34" charset="0"/>
               <a:buChar char="•"/>
             </a:pPr>
             <a:r>
               <a:rPr lang="en-US" sz="4000" dirty="0"/>
-              <a:t>use fewer iterations of gradient descent (search only </a:t>
-            </a:r>
-          </a:p>
-          <a:p>
-            <a:pPr>
-              <a:lnSpc>
-                <a:spcPct val="150000"/>
-              </a:lnSpc>
-            </a:pPr>
+              <a:t>use fewer iterations of gradient method (such that we </a:t>
+            </a:r>
+          </a:p>
+          <a:p>
             <a:r>
               <a:rPr lang="en-US" sz="4000" dirty="0"/>
-              <a:t>a smaller subset of the nominal space)</a:t>
-            </a:r>
-          </a:p>
-        </p:txBody>
-      </p:sp>
-      <p:cxnSp>
-        <p:nvCxnSpPr>
-          <p:cNvPr id="6" name="Straight Arrow Connector 5">
-            <a:extLst>
-              <a:ext uri="{FF2B5EF4-FFF2-40B4-BE49-F238E27FC236}">
-                <a16:creationId xmlns:a16="http://schemas.microsoft.com/office/drawing/2014/main" id="{3F7D36F5-6DC7-3243-93A2-C618ED99089E}"/>
-              </a:ext>
-            </a:extLst>
-          </p:cNvPr>
-          <p:cNvCxnSpPr>
-            <a:cxnSpLocks/>
-          </p:cNvCxnSpPr>
-          <p:nvPr/>
-        </p:nvCxnSpPr>
-        <p:spPr>
-          <a:xfrm flipH="1" flipV="1">
-            <a:off x="7915275" y="5172075"/>
-            <a:ext cx="1743075" cy="442913"/>
-          </a:xfrm>
-          <a:prstGeom prst="straightConnector1">
-            <a:avLst/>
-          </a:prstGeom>
-          <a:ln w="50800">
-            <a:tailEnd type="triangle"/>
-          </a:ln>
-        </p:spPr>
-        <p:style>
-          <a:lnRef idx="1">
-            <a:schemeClr val="accent1"/>
-          </a:lnRef>
-          <a:fillRef idx="0">
-            <a:schemeClr val="accent1"/>
-          </a:fillRef>
-          <a:effectRef idx="0">
-            <a:schemeClr val="accent1"/>
-          </a:effectRef>
-          <a:fontRef idx="minor">
-            <a:schemeClr val="tx1"/>
-          </a:fontRef>
-        </p:style>
-      </p:cxnSp>
-      <p:sp>
-        <p:nvSpPr>
-          <p:cNvPr id="7" name="TextBox 6">
-            <a:extLst>
-              <a:ext uri="{FF2B5EF4-FFF2-40B4-BE49-F238E27FC236}">
-                <a16:creationId xmlns:a16="http://schemas.microsoft.com/office/drawing/2014/main" id="{B6A02ADE-0654-5A48-BC71-A97760526A4B}"/>
-              </a:ext>
-            </a:extLst>
-          </p:cNvPr>
-          <p:cNvSpPr txBox="1"/>
-          <p:nvPr/>
-        </p:nvSpPr>
-        <p:spPr>
-          <a:xfrm>
-            <a:off x="8888532" y="5748712"/>
-            <a:ext cx="2887457" cy="584775"/>
-          </a:xfrm>
-          <a:prstGeom prst="rect">
-            <a:avLst/>
-          </a:prstGeom>
-          <a:noFill/>
-        </p:spPr>
-        <p:txBody>
-          <a:bodyPr wrap="none" rtlCol="0">
-            <a:spAutoFit/>
-          </a:bodyPr>
-          <a:lstStyle/>
-          <a:p>
-            <a:r>
-              <a:rPr lang="en-US" sz="3200" dirty="0"/>
-              <a:t>“early stopping”</a:t>
+              <a:t>search only a smaller subset of the nominal space)</a:t>
             </a:r>
           </a:p>
         </p:txBody>
@@ -33315,7 +36254,7 @@
     </p:spTree>
     <p:extLst>
       <p:ext uri="{BB962C8B-B14F-4D97-AF65-F5344CB8AC3E}">
-        <p14:creationId xmlns:p14="http://schemas.microsoft.com/office/powerpoint/2010/main" val="2494325882"/>
+        <p14:creationId xmlns:p14="http://schemas.microsoft.com/office/powerpoint/2010/main" val="3445737509"/>
       </p:ext>
     </p:extLst>
   </p:cSld>
@@ -33360,8 +36299,8 @@
         </p:nvSpPr>
         <p:spPr>
           <a:xfrm>
-            <a:off x="308017" y="194084"/>
-            <a:ext cx="11364870" cy="1325563"/>
+            <a:off x="665205" y="320675"/>
+            <a:ext cx="11110784" cy="1325563"/>
           </a:xfrm>
         </p:spPr>
         <p:txBody>
@@ -33372,51 +36311,183 @@
           <a:p>
             <a:r>
               <a:rPr lang="en-US" sz="6000" b="1" dirty="0"/>
-              <a:t>Reducing Effective Hypothesis Space</a:t>
+              <a:t>Reducing Hypothesis Space</a:t>
             </a:r>
           </a:p>
         </p:txBody>
       </p:sp>
-      <p:pic>
-        <p:nvPicPr>
-          <p:cNvPr id="6" name="Picture 5" descr="A screenshot of a cell phone&#10;&#10;Description automatically generated">
-            <a:extLst>
-              <a:ext uri="{FF2B5EF4-FFF2-40B4-BE49-F238E27FC236}">
-                <a16:creationId xmlns:a16="http://schemas.microsoft.com/office/drawing/2014/main" id="{52A9596A-5EA0-A44A-B962-AA19471AD982}"/>
-              </a:ext>
-            </a:extLst>
-          </p:cNvPr>
-          <p:cNvPicPr>
-            <a:picLocks noChangeAspect="1"/>
-          </p:cNvPicPr>
+      <p:sp>
+        <p:nvSpPr>
+          <p:cNvPr id="5" name="TextBox 4">
+            <a:extLst>
+              <a:ext uri="{FF2B5EF4-FFF2-40B4-BE49-F238E27FC236}">
+                <a16:creationId xmlns:a16="http://schemas.microsoft.com/office/drawing/2014/main" id="{B0D55309-44DB-0340-96DD-37C7E310273C}"/>
+              </a:ext>
+            </a:extLst>
+          </p:cNvPr>
+          <p:cNvSpPr txBox="1"/>
           <p:nvPr/>
-        </p:nvPicPr>
-        <p:blipFill>
-          <a:blip r:embed="rId2" cstate="email">
-            <a:extLst>
-              <a:ext uri="{28A0092B-C50C-407E-A947-70E740481C1C}">
-                <a14:useLocalDpi xmlns:a14="http://schemas.microsoft.com/office/drawing/2010/main"/>
-              </a:ext>
-            </a:extLst>
-          </a:blip>
-          <a:stretch>
-            <a:fillRect/>
-          </a:stretch>
-        </p:blipFill>
+        </p:nvSpPr>
         <p:spPr>
           <a:xfrm>
-            <a:off x="1671638" y="1798919"/>
-            <a:ext cx="7658100" cy="3998887"/>
+            <a:off x="416011" y="1485900"/>
+            <a:ext cx="11904284" cy="4613571"/>
           </a:xfrm>
           <a:prstGeom prst="rect">
             <a:avLst/>
           </a:prstGeom>
-        </p:spPr>
-      </p:pic>
+          <a:noFill/>
+        </p:spPr>
+        <p:txBody>
+          <a:bodyPr wrap="none" rtlCol="0">
+            <a:spAutoFit/>
+          </a:bodyPr>
+          <a:lstStyle/>
+          <a:p>
+            <a:pPr marL="285750" indent="-285750">
+              <a:lnSpc>
+                <a:spcPct val="150000"/>
+              </a:lnSpc>
+              <a:buFont typeface="Arial" panose="020B0604020202020204" pitchFamily="34" charset="0"/>
+              <a:buChar char="•"/>
+            </a:pPr>
+            <a:r>
+              <a:rPr lang="en-US" sz="4000" dirty="0"/>
+              <a:t>use fewer neurons in hidden layers </a:t>
+            </a:r>
+          </a:p>
+          <a:p>
+            <a:pPr marL="285750" indent="-285750">
+              <a:lnSpc>
+                <a:spcPct val="150000"/>
+              </a:lnSpc>
+              <a:buFont typeface="Arial" panose="020B0604020202020204" pitchFamily="34" charset="0"/>
+              <a:buChar char="•"/>
+            </a:pPr>
+            <a:r>
+              <a:rPr lang="en-US" sz="4000" dirty="0"/>
+              <a:t>use fewer features (manually choose relevant features)</a:t>
+            </a:r>
+          </a:p>
+          <a:p>
+            <a:pPr marL="285750" indent="-285750">
+              <a:lnSpc>
+                <a:spcPct val="150000"/>
+              </a:lnSpc>
+              <a:buFont typeface="Arial" panose="020B0604020202020204" pitchFamily="34" charset="0"/>
+              <a:buChar char="•"/>
+            </a:pPr>
+            <a:r>
+              <a:rPr lang="en-US" sz="4000" dirty="0"/>
+              <a:t>use fewer layers </a:t>
+            </a:r>
+          </a:p>
+          <a:p>
+            <a:pPr marL="285750" indent="-285750">
+              <a:lnSpc>
+                <a:spcPct val="150000"/>
+              </a:lnSpc>
+              <a:buFont typeface="Arial" panose="020B0604020202020204" pitchFamily="34" charset="0"/>
+              <a:buChar char="•"/>
+            </a:pPr>
+            <a:r>
+              <a:rPr lang="en-US" sz="4000" dirty="0"/>
+              <a:t>use fewer iterations of gradient descent (search only </a:t>
+            </a:r>
+          </a:p>
+          <a:p>
+            <a:pPr>
+              <a:lnSpc>
+                <a:spcPct val="150000"/>
+              </a:lnSpc>
+            </a:pPr>
+            <a:r>
+              <a:rPr lang="en-US" sz="4000" dirty="0"/>
+              <a:t>a smaller subset of the nominal space)</a:t>
+            </a:r>
+          </a:p>
+        </p:txBody>
+      </p:sp>
+      <p:cxnSp>
+        <p:nvCxnSpPr>
+          <p:cNvPr id="6" name="Straight Arrow Connector 5">
+            <a:extLst>
+              <a:ext uri="{FF2B5EF4-FFF2-40B4-BE49-F238E27FC236}">
+                <a16:creationId xmlns:a16="http://schemas.microsoft.com/office/drawing/2014/main" id="{3F7D36F5-6DC7-3243-93A2-C618ED99089E}"/>
+              </a:ext>
+            </a:extLst>
+          </p:cNvPr>
+          <p:cNvCxnSpPr>
+            <a:cxnSpLocks/>
+          </p:cNvCxnSpPr>
+          <p:nvPr/>
+        </p:nvCxnSpPr>
+        <p:spPr>
+          <a:xfrm flipH="1" flipV="1">
+            <a:off x="7915275" y="5172075"/>
+            <a:ext cx="1743075" cy="442913"/>
+          </a:xfrm>
+          <a:prstGeom prst="straightConnector1">
+            <a:avLst/>
+          </a:prstGeom>
+          <a:ln w="50800">
+            <a:tailEnd type="triangle"/>
+          </a:ln>
+        </p:spPr>
+        <p:style>
+          <a:lnRef idx="1">
+            <a:schemeClr val="accent1"/>
+          </a:lnRef>
+          <a:fillRef idx="0">
+            <a:schemeClr val="accent1"/>
+          </a:fillRef>
+          <a:effectRef idx="0">
+            <a:schemeClr val="accent1"/>
+          </a:effectRef>
+          <a:fontRef idx="minor">
+            <a:schemeClr val="tx1"/>
+          </a:fontRef>
+        </p:style>
+      </p:cxnSp>
+      <p:sp>
+        <p:nvSpPr>
+          <p:cNvPr id="7" name="TextBox 6">
+            <a:extLst>
+              <a:ext uri="{FF2B5EF4-FFF2-40B4-BE49-F238E27FC236}">
+                <a16:creationId xmlns:a16="http://schemas.microsoft.com/office/drawing/2014/main" id="{B6A02ADE-0654-5A48-BC71-A97760526A4B}"/>
+              </a:ext>
+            </a:extLst>
+          </p:cNvPr>
+          <p:cNvSpPr txBox="1"/>
+          <p:nvPr/>
+        </p:nvSpPr>
+        <p:spPr>
+          <a:xfrm>
+            <a:off x="8888532" y="5748712"/>
+            <a:ext cx="2887457" cy="584775"/>
+          </a:xfrm>
+          <a:prstGeom prst="rect">
+            <a:avLst/>
+          </a:prstGeom>
+          <a:noFill/>
+        </p:spPr>
+        <p:txBody>
+          <a:bodyPr wrap="none" rtlCol="0">
+            <a:spAutoFit/>
+          </a:bodyPr>
+          <a:lstStyle/>
+          <a:p>
+            <a:r>
+              <a:rPr lang="en-US" sz="3200" dirty="0"/>
+              <a:t>“early stopping”</a:t>
+            </a:r>
+          </a:p>
+        </p:txBody>
+      </p:sp>
     </p:spTree>
     <p:extLst>
       <p:ext uri="{BB962C8B-B14F-4D97-AF65-F5344CB8AC3E}">
-        <p14:creationId xmlns:p14="http://schemas.microsoft.com/office/powerpoint/2010/main" val="1799329152"/>
+        <p14:creationId xmlns:p14="http://schemas.microsoft.com/office/powerpoint/2010/main" val="2494325882"/>
       </p:ext>
     </p:extLst>
   </p:cSld>
@@ -34008,8 +37079,8 @@
         </p:nvSpPr>
         <p:spPr>
           <a:xfrm>
-            <a:off x="665205" y="320675"/>
-            <a:ext cx="11110784" cy="1325563"/>
+            <a:off x="308017" y="194084"/>
+            <a:ext cx="11364870" cy="1325563"/>
           </a:xfrm>
         </p:spPr>
         <p:txBody>
@@ -34020,279 +37091,51 @@
           <a:p>
             <a:r>
               <a:rPr lang="en-US" sz="6000" b="1" dirty="0"/>
-              <a:t>Case 2: Underfitting</a:t>
+              <a:t>Reducing Effective Hypothesis Space</a:t>
             </a:r>
           </a:p>
         </p:txBody>
       </p:sp>
-      <p:sp>
-        <p:nvSpPr>
-          <p:cNvPr id="3" name="Rectangle 2">
-            <a:extLst>
-              <a:ext uri="{FF2B5EF4-FFF2-40B4-BE49-F238E27FC236}">
-                <a16:creationId xmlns:a16="http://schemas.microsoft.com/office/drawing/2014/main" id="{584E6A98-BD59-EB4F-A94A-349A1CF6B8CD}"/>
-              </a:ext>
-            </a:extLst>
-          </p:cNvPr>
-          <p:cNvSpPr/>
+      <p:pic>
+        <p:nvPicPr>
+          <p:cNvPr id="6" name="Picture 5" descr="A screenshot of a cell phone&#10;&#10;Description automatically generated">
+            <a:extLst>
+              <a:ext uri="{FF2B5EF4-FFF2-40B4-BE49-F238E27FC236}">
+                <a16:creationId xmlns:a16="http://schemas.microsoft.com/office/drawing/2014/main" id="{52A9596A-5EA0-A44A-B962-AA19471AD982}"/>
+              </a:ext>
+            </a:extLst>
+          </p:cNvPr>
+          <p:cNvPicPr>
+            <a:picLocks noChangeAspect="1"/>
+          </p:cNvPicPr>
           <p:nvPr/>
-        </p:nvSpPr>
+        </p:nvPicPr>
+        <p:blipFill>
+          <a:blip r:embed="rId2" cstate="email">
+            <a:extLst>
+              <a:ext uri="{28A0092B-C50C-407E-A947-70E740481C1C}">
+                <a14:useLocalDpi xmlns:a14="http://schemas.microsoft.com/office/drawing/2010/main"/>
+              </a:ext>
+            </a:extLst>
+          </a:blip>
+          <a:stretch>
+            <a:fillRect/>
+          </a:stretch>
+        </p:blipFill>
         <p:spPr>
           <a:xfrm>
-            <a:off x="3948112" y="1799036"/>
-            <a:ext cx="1630289" cy="2961016"/>
+            <a:off x="1671638" y="1798919"/>
+            <a:ext cx="7658100" cy="3998887"/>
           </a:xfrm>
           <a:prstGeom prst="rect">
             <a:avLst/>
           </a:prstGeom>
-          <a:solidFill>
-            <a:schemeClr val="accent1">
-              <a:alpha val="55000"/>
-            </a:schemeClr>
-          </a:solidFill>
-        </p:spPr>
-        <p:style>
-          <a:lnRef idx="2">
-            <a:schemeClr val="accent1">
-              <a:shade val="50000"/>
-            </a:schemeClr>
-          </a:lnRef>
-          <a:fillRef idx="1">
-            <a:schemeClr val="accent1"/>
-          </a:fillRef>
-          <a:effectRef idx="0">
-            <a:schemeClr val="accent1"/>
-          </a:effectRef>
-          <a:fontRef idx="minor">
-            <a:schemeClr val="lt1"/>
-          </a:fontRef>
-        </p:style>
-        <p:txBody>
-          <a:bodyPr rtlCol="0" anchor="ctr"/>
-          <a:lstStyle/>
-          <a:p>
-            <a:pPr algn="ctr"/>
-            <a:r>
-              <a:rPr lang="en-US" sz="2800" dirty="0">
-                <a:solidFill>
-                  <a:schemeClr val="tx1"/>
-                </a:solidFill>
-              </a:rPr>
-              <a:t>training </a:t>
-            </a:r>
-          </a:p>
-          <a:p>
-            <a:pPr algn="ctr"/>
-            <a:r>
-              <a:rPr lang="en-US" sz="2800" dirty="0">
-                <a:solidFill>
-                  <a:schemeClr val="tx1"/>
-                </a:solidFill>
-              </a:rPr>
-              <a:t>error</a:t>
-            </a:r>
-          </a:p>
-        </p:txBody>
-      </p:sp>
-      <p:sp>
-        <p:nvSpPr>
-          <p:cNvPr id="26" name="Rectangle 25">
-            <a:extLst>
-              <a:ext uri="{FF2B5EF4-FFF2-40B4-BE49-F238E27FC236}">
-                <a16:creationId xmlns:a16="http://schemas.microsoft.com/office/drawing/2014/main" id="{698C082A-27BB-B447-9A33-D193D4BB3275}"/>
-              </a:ext>
-            </a:extLst>
-          </p:cNvPr>
-          <p:cNvSpPr/>
-          <p:nvPr/>
-        </p:nvSpPr>
-        <p:spPr>
-          <a:xfrm>
-            <a:off x="6324789" y="1646238"/>
-            <a:ext cx="1630289" cy="3113809"/>
-          </a:xfrm>
-          <a:prstGeom prst="rect">
-            <a:avLst/>
-          </a:prstGeom>
-          <a:solidFill>
-            <a:srgbClr val="FFC000">
-              <a:alpha val="55000"/>
-            </a:srgbClr>
-          </a:solidFill>
-        </p:spPr>
-        <p:style>
-          <a:lnRef idx="2">
-            <a:schemeClr val="accent1">
-              <a:shade val="50000"/>
-            </a:schemeClr>
-          </a:lnRef>
-          <a:fillRef idx="1">
-            <a:schemeClr val="accent1"/>
-          </a:fillRef>
-          <a:effectRef idx="0">
-            <a:schemeClr val="accent1"/>
-          </a:effectRef>
-          <a:fontRef idx="minor">
-            <a:schemeClr val="lt1"/>
-          </a:fontRef>
-        </p:style>
-        <p:txBody>
-          <a:bodyPr rtlCol="0" anchor="ctr"/>
-          <a:lstStyle/>
-          <a:p>
-            <a:pPr algn="ctr"/>
-            <a:r>
-              <a:rPr lang="en-US" sz="2800" dirty="0">
-                <a:solidFill>
-                  <a:schemeClr val="tx1"/>
-                </a:solidFill>
-              </a:rPr>
-              <a:t>validation </a:t>
-            </a:r>
-          </a:p>
-          <a:p>
-            <a:pPr algn="ctr"/>
-            <a:r>
-              <a:rPr lang="en-US" sz="2800" dirty="0">
-                <a:solidFill>
-                  <a:schemeClr val="tx1"/>
-                </a:solidFill>
-              </a:rPr>
-              <a:t>error</a:t>
-            </a:r>
-          </a:p>
-        </p:txBody>
-      </p:sp>
-      <p:cxnSp>
-        <p:nvCxnSpPr>
-          <p:cNvPr id="16" name="Straight Connector 15">
-            <a:extLst>
-              <a:ext uri="{FF2B5EF4-FFF2-40B4-BE49-F238E27FC236}">
-                <a16:creationId xmlns:a16="http://schemas.microsoft.com/office/drawing/2014/main" id="{18825A0C-3618-3C47-AAE6-61BC3814FE57}"/>
-              </a:ext>
-            </a:extLst>
-          </p:cNvPr>
-          <p:cNvCxnSpPr>
-            <a:cxnSpLocks/>
-          </p:cNvCxnSpPr>
-          <p:nvPr/>
-        </p:nvCxnSpPr>
-        <p:spPr>
-          <a:xfrm>
-            <a:off x="1985963" y="3814763"/>
-            <a:ext cx="8915400" cy="0"/>
-          </a:xfrm>
-          <a:prstGeom prst="line">
-            <a:avLst/>
-          </a:prstGeom>
-          <a:ln w="38100">
-            <a:solidFill>
-              <a:schemeClr val="tx1"/>
-            </a:solidFill>
-            <a:prstDash val="dash"/>
-          </a:ln>
-        </p:spPr>
-        <p:style>
-          <a:lnRef idx="1">
-            <a:schemeClr val="accent1"/>
-          </a:lnRef>
-          <a:fillRef idx="0">
-            <a:schemeClr val="accent1"/>
-          </a:fillRef>
-          <a:effectRef idx="0">
-            <a:schemeClr val="accent1"/>
-          </a:effectRef>
-          <a:fontRef idx="minor">
-            <a:schemeClr val="tx1"/>
-          </a:fontRef>
-        </p:style>
-      </p:cxnSp>
-      <p:sp>
-        <p:nvSpPr>
-          <p:cNvPr id="20" name="TextBox 19">
-            <a:extLst>
-              <a:ext uri="{FF2B5EF4-FFF2-40B4-BE49-F238E27FC236}">
-                <a16:creationId xmlns:a16="http://schemas.microsoft.com/office/drawing/2014/main" id="{39B9DF35-0A00-F64E-B453-19B739466092}"/>
-              </a:ext>
-            </a:extLst>
-          </p:cNvPr>
-          <p:cNvSpPr txBox="1"/>
-          <p:nvPr/>
-        </p:nvSpPr>
-        <p:spPr>
-          <a:xfrm>
-            <a:off x="665205" y="3600450"/>
-            <a:ext cx="1803635" cy="830997"/>
-          </a:xfrm>
-          <a:prstGeom prst="rect">
-            <a:avLst/>
-          </a:prstGeom>
-          <a:noFill/>
-        </p:spPr>
-        <p:txBody>
-          <a:bodyPr wrap="none" rtlCol="0">
-            <a:spAutoFit/>
-          </a:bodyPr>
-          <a:lstStyle/>
-          <a:p>
-            <a:r>
-              <a:rPr lang="en-US" sz="2400" dirty="0"/>
-              <a:t>target </a:t>
-            </a:r>
-          </a:p>
-          <a:p>
-            <a:r>
-              <a:rPr lang="en-US" sz="2400" dirty="0"/>
-              <a:t>performance</a:t>
-            </a:r>
-          </a:p>
-        </p:txBody>
-      </p:sp>
-      <p:sp>
-        <p:nvSpPr>
-          <p:cNvPr id="5" name="TextBox 4">
-            <a:extLst>
-              <a:ext uri="{FF2B5EF4-FFF2-40B4-BE49-F238E27FC236}">
-                <a16:creationId xmlns:a16="http://schemas.microsoft.com/office/drawing/2014/main" id="{CD02BCE0-DE36-C945-B634-DD4D8282EC73}"/>
-              </a:ext>
-            </a:extLst>
-          </p:cNvPr>
-          <p:cNvSpPr txBox="1"/>
-          <p:nvPr/>
-        </p:nvSpPr>
-        <p:spPr>
-          <a:xfrm>
-            <a:off x="161971" y="4912844"/>
-            <a:ext cx="5932650" cy="1446550"/>
-          </a:xfrm>
-          <a:prstGeom prst="rect">
-            <a:avLst/>
-          </a:prstGeom>
-          <a:noFill/>
-        </p:spPr>
-        <p:txBody>
-          <a:bodyPr wrap="none" rtlCol="0">
-            <a:spAutoFit/>
-          </a:bodyPr>
-          <a:lstStyle/>
-          <a:p>
-            <a:r>
-              <a:rPr lang="en-US" sz="4400" dirty="0"/>
-              <a:t>possible remedy: </a:t>
-            </a:r>
-          </a:p>
-          <a:p>
-            <a:r>
-              <a:rPr lang="en-US" sz="4400" dirty="0"/>
-              <a:t>enlarge hypothesis space</a:t>
-            </a:r>
-          </a:p>
-        </p:txBody>
-      </p:sp>
+        </p:spPr>
+      </p:pic>
     </p:spTree>
     <p:extLst>
       <p:ext uri="{BB962C8B-B14F-4D97-AF65-F5344CB8AC3E}">
-        <p14:creationId xmlns:p14="http://schemas.microsoft.com/office/powerpoint/2010/main" val="1335871088"/>
+        <p14:creationId xmlns:p14="http://schemas.microsoft.com/office/powerpoint/2010/main" val="1799329152"/>
       </p:ext>
     </p:extLst>
   </p:cSld>
@@ -34349,7 +37192,230 @@
           <a:p>
             <a:r>
               <a:rPr lang="en-US" sz="6000" b="1" dirty="0"/>
-              <a:t>Enlarging Hypothesis Space</a:t>
+              <a:t>Case 2: Underfitting</a:t>
+            </a:r>
+          </a:p>
+        </p:txBody>
+      </p:sp>
+      <p:sp>
+        <p:nvSpPr>
+          <p:cNvPr id="3" name="Rectangle 2">
+            <a:extLst>
+              <a:ext uri="{FF2B5EF4-FFF2-40B4-BE49-F238E27FC236}">
+                <a16:creationId xmlns:a16="http://schemas.microsoft.com/office/drawing/2014/main" id="{584E6A98-BD59-EB4F-A94A-349A1CF6B8CD}"/>
+              </a:ext>
+            </a:extLst>
+          </p:cNvPr>
+          <p:cNvSpPr/>
+          <p:nvPr/>
+        </p:nvSpPr>
+        <p:spPr>
+          <a:xfrm>
+            <a:off x="3948112" y="1799036"/>
+            <a:ext cx="1630289" cy="2961016"/>
+          </a:xfrm>
+          <a:prstGeom prst="rect">
+            <a:avLst/>
+          </a:prstGeom>
+          <a:solidFill>
+            <a:schemeClr val="accent1">
+              <a:alpha val="55000"/>
+            </a:schemeClr>
+          </a:solidFill>
+        </p:spPr>
+        <p:style>
+          <a:lnRef idx="2">
+            <a:schemeClr val="accent1">
+              <a:shade val="50000"/>
+            </a:schemeClr>
+          </a:lnRef>
+          <a:fillRef idx="1">
+            <a:schemeClr val="accent1"/>
+          </a:fillRef>
+          <a:effectRef idx="0">
+            <a:schemeClr val="accent1"/>
+          </a:effectRef>
+          <a:fontRef idx="minor">
+            <a:schemeClr val="lt1"/>
+          </a:fontRef>
+        </p:style>
+        <p:txBody>
+          <a:bodyPr rtlCol="0" anchor="ctr"/>
+          <a:lstStyle/>
+          <a:p>
+            <a:pPr algn="ctr"/>
+            <a:r>
+              <a:rPr lang="en-US" sz="2800" dirty="0">
+                <a:solidFill>
+                  <a:schemeClr val="tx1"/>
+                </a:solidFill>
+              </a:rPr>
+              <a:t>training </a:t>
+            </a:r>
+          </a:p>
+          <a:p>
+            <a:pPr algn="ctr"/>
+            <a:r>
+              <a:rPr lang="en-US" sz="2800" dirty="0">
+                <a:solidFill>
+                  <a:schemeClr val="tx1"/>
+                </a:solidFill>
+              </a:rPr>
+              <a:t>error</a:t>
+            </a:r>
+          </a:p>
+        </p:txBody>
+      </p:sp>
+      <p:sp>
+        <p:nvSpPr>
+          <p:cNvPr id="26" name="Rectangle 25">
+            <a:extLst>
+              <a:ext uri="{FF2B5EF4-FFF2-40B4-BE49-F238E27FC236}">
+                <a16:creationId xmlns:a16="http://schemas.microsoft.com/office/drawing/2014/main" id="{698C082A-27BB-B447-9A33-D193D4BB3275}"/>
+              </a:ext>
+            </a:extLst>
+          </p:cNvPr>
+          <p:cNvSpPr/>
+          <p:nvPr/>
+        </p:nvSpPr>
+        <p:spPr>
+          <a:xfrm>
+            <a:off x="6324789" y="1646238"/>
+            <a:ext cx="1630289" cy="3113809"/>
+          </a:xfrm>
+          <a:prstGeom prst="rect">
+            <a:avLst/>
+          </a:prstGeom>
+          <a:solidFill>
+            <a:srgbClr val="FFC000">
+              <a:alpha val="55000"/>
+            </a:srgbClr>
+          </a:solidFill>
+        </p:spPr>
+        <p:style>
+          <a:lnRef idx="2">
+            <a:schemeClr val="accent1">
+              <a:shade val="50000"/>
+            </a:schemeClr>
+          </a:lnRef>
+          <a:fillRef idx="1">
+            <a:schemeClr val="accent1"/>
+          </a:fillRef>
+          <a:effectRef idx="0">
+            <a:schemeClr val="accent1"/>
+          </a:effectRef>
+          <a:fontRef idx="minor">
+            <a:schemeClr val="lt1"/>
+          </a:fontRef>
+        </p:style>
+        <p:txBody>
+          <a:bodyPr rtlCol="0" anchor="ctr"/>
+          <a:lstStyle/>
+          <a:p>
+            <a:pPr algn="ctr"/>
+            <a:r>
+              <a:rPr lang="en-US" sz="2800" dirty="0">
+                <a:solidFill>
+                  <a:schemeClr val="tx1"/>
+                </a:solidFill>
+              </a:rPr>
+              <a:t>validation </a:t>
+            </a:r>
+          </a:p>
+          <a:p>
+            <a:pPr algn="ctr"/>
+            <a:r>
+              <a:rPr lang="en-US" sz="2800" dirty="0">
+                <a:solidFill>
+                  <a:schemeClr val="tx1"/>
+                </a:solidFill>
+              </a:rPr>
+              <a:t>error</a:t>
+            </a:r>
+          </a:p>
+        </p:txBody>
+      </p:sp>
+      <p:cxnSp>
+        <p:nvCxnSpPr>
+          <p:cNvPr id="16" name="Straight Connector 15">
+            <a:extLst>
+              <a:ext uri="{FF2B5EF4-FFF2-40B4-BE49-F238E27FC236}">
+                <a16:creationId xmlns:a16="http://schemas.microsoft.com/office/drawing/2014/main" id="{18825A0C-3618-3C47-AAE6-61BC3814FE57}"/>
+              </a:ext>
+            </a:extLst>
+          </p:cNvPr>
+          <p:cNvCxnSpPr>
+            <a:cxnSpLocks/>
+          </p:cNvCxnSpPr>
+          <p:nvPr/>
+        </p:nvCxnSpPr>
+        <p:spPr>
+          <a:xfrm>
+            <a:off x="1985963" y="3814763"/>
+            <a:ext cx="8915400" cy="0"/>
+          </a:xfrm>
+          <a:prstGeom prst="line">
+            <a:avLst/>
+          </a:prstGeom>
+          <a:ln w="38100">
+            <a:solidFill>
+              <a:schemeClr val="tx1"/>
+            </a:solidFill>
+            <a:prstDash val="dash"/>
+          </a:ln>
+        </p:spPr>
+        <p:style>
+          <a:lnRef idx="1">
+            <a:schemeClr val="accent1"/>
+          </a:lnRef>
+          <a:fillRef idx="0">
+            <a:schemeClr val="accent1"/>
+          </a:fillRef>
+          <a:effectRef idx="0">
+            <a:schemeClr val="accent1"/>
+          </a:effectRef>
+          <a:fontRef idx="minor">
+            <a:schemeClr val="tx1"/>
+          </a:fontRef>
+        </p:style>
+      </p:cxnSp>
+      <p:sp>
+        <p:nvSpPr>
+          <p:cNvPr id="20" name="TextBox 19">
+            <a:extLst>
+              <a:ext uri="{FF2B5EF4-FFF2-40B4-BE49-F238E27FC236}">
+                <a16:creationId xmlns:a16="http://schemas.microsoft.com/office/drawing/2014/main" id="{39B9DF35-0A00-F64E-B453-19B739466092}"/>
+              </a:ext>
+            </a:extLst>
+          </p:cNvPr>
+          <p:cNvSpPr txBox="1"/>
+          <p:nvPr/>
+        </p:nvSpPr>
+        <p:spPr>
+          <a:xfrm>
+            <a:off x="665205" y="3600450"/>
+            <a:ext cx="1803635" cy="830997"/>
+          </a:xfrm>
+          <a:prstGeom prst="rect">
+            <a:avLst/>
+          </a:prstGeom>
+          <a:noFill/>
+        </p:spPr>
+        <p:txBody>
+          <a:bodyPr wrap="none" rtlCol="0">
+            <a:spAutoFit/>
+          </a:bodyPr>
+          <a:lstStyle/>
+          <a:p>
+            <a:r>
+              <a:rPr lang="en-US" sz="2400" dirty="0"/>
+              <a:t>target </a:t>
+            </a:r>
+          </a:p>
+          <a:p>
+            <a:r>
+              <a:rPr lang="en-US" sz="2400" dirty="0"/>
+              <a:t>performance</a:t>
             </a:r>
           </a:p>
         </p:txBody>
@@ -34359,7 +37425,7 @@
           <p:cNvPr id="5" name="TextBox 4">
             <a:extLst>
               <a:ext uri="{FF2B5EF4-FFF2-40B4-BE49-F238E27FC236}">
-                <a16:creationId xmlns:a16="http://schemas.microsoft.com/office/drawing/2014/main" id="{B0D55309-44DB-0340-96DD-37C7E310273C}"/>
+                <a16:creationId xmlns:a16="http://schemas.microsoft.com/office/drawing/2014/main" id="{CD02BCE0-DE36-C945-B634-DD4D8282EC73}"/>
               </a:ext>
             </a:extLst>
           </p:cNvPr>
@@ -34368,8 +37434,8 @@
         </p:nvSpPr>
         <p:spPr>
           <a:xfrm>
-            <a:off x="416011" y="1485900"/>
-            <a:ext cx="11904284" cy="4613571"/>
+            <a:off x="161971" y="4912844"/>
+            <a:ext cx="5932650" cy="1446550"/>
           </a:xfrm>
           <a:prstGeom prst="rect">
             <a:avLst/>
@@ -34382,66 +37448,15 @@
           </a:bodyPr>
           <a:lstStyle/>
           <a:p>
-            <a:pPr marL="285750" indent="-285750">
-              <a:lnSpc>
-                <a:spcPct val="150000"/>
-              </a:lnSpc>
-              <a:buFont typeface="Arial" panose="020B0604020202020204" pitchFamily="34" charset="0"/>
-              <a:buChar char="•"/>
-            </a:pPr>
-            <a:r>
-              <a:rPr lang="en-US" sz="4000" dirty="0"/>
-              <a:t>use more neurons in hidden layers (wider layers)</a:t>
-            </a:r>
-          </a:p>
-          <a:p>
-            <a:pPr marL="285750" indent="-285750">
-              <a:lnSpc>
-                <a:spcPct val="150000"/>
-              </a:lnSpc>
-              <a:buFont typeface="Arial" panose="020B0604020202020204" pitchFamily="34" charset="0"/>
-              <a:buChar char="•"/>
-            </a:pPr>
-            <a:r>
-              <a:rPr lang="en-US" sz="4000" dirty="0"/>
-              <a:t>use more features (manually choose relevant features)</a:t>
-            </a:r>
-          </a:p>
-          <a:p>
-            <a:pPr marL="285750" indent="-285750">
-              <a:lnSpc>
-                <a:spcPct val="150000"/>
-              </a:lnSpc>
-              <a:buFont typeface="Arial" panose="020B0604020202020204" pitchFamily="34" charset="0"/>
-              <a:buChar char="•"/>
-            </a:pPr>
-            <a:r>
-              <a:rPr lang="en-US" sz="4000" dirty="0"/>
-              <a:t>use more layers (make network deeper)</a:t>
-            </a:r>
-          </a:p>
-          <a:p>
-            <a:pPr marL="285750" indent="-285750">
-              <a:lnSpc>
-                <a:spcPct val="150000"/>
-              </a:lnSpc>
-              <a:buFont typeface="Arial" panose="020B0604020202020204" pitchFamily="34" charset="0"/>
-              <a:buChar char="•"/>
-            </a:pPr>
-            <a:r>
-              <a:rPr lang="en-US" sz="4000" dirty="0"/>
-              <a:t>use more iterations of gradient descent (search </a:t>
-            </a:r>
-          </a:p>
-          <a:p>
-            <a:pPr>
-              <a:lnSpc>
-                <a:spcPct val="150000"/>
-              </a:lnSpc>
-            </a:pPr>
-            <a:r>
-              <a:rPr lang="en-US" sz="4000" dirty="0"/>
-              <a:t>a larger portion of the entire hypothesis space)</a:t>
+            <a:r>
+              <a:rPr lang="en-US" sz="4400" dirty="0"/>
+              <a:t>possible remedy: </a:t>
+            </a:r>
+          </a:p>
+          <a:p>
+            <a:r>
+              <a:rPr lang="en-US" sz="4400" dirty="0"/>
+              <a:t>enlarge hypothesis space</a:t>
             </a:r>
           </a:p>
         </p:txBody>
@@ -34449,7 +37464,7 @@
     </p:spTree>
     <p:extLst>
       <p:ext uri="{BB962C8B-B14F-4D97-AF65-F5344CB8AC3E}">
-        <p14:creationId xmlns:p14="http://schemas.microsoft.com/office/powerpoint/2010/main" val="849107801"/>
+        <p14:creationId xmlns:p14="http://schemas.microsoft.com/office/powerpoint/2010/main" val="1335871088"/>
       </p:ext>
     </p:extLst>
   </p:cSld>
@@ -34481,7 +37496,7 @@
           <p:cNvPr id="2" name="Title 1">
             <a:extLst>
               <a:ext uri="{FF2B5EF4-FFF2-40B4-BE49-F238E27FC236}">
-                <a16:creationId xmlns:a16="http://schemas.microsoft.com/office/drawing/2014/main" id="{5A0AD12F-C815-274E-B2B6-EC9BDEA61BEF}"/>
+                <a16:creationId xmlns:a16="http://schemas.microsoft.com/office/drawing/2014/main" id="{FADEE162-22D7-0047-AFA0-7F52971952D9}"/>
               </a:ext>
             </a:extLst>
           </p:cNvPr>
@@ -34494,39 +37509,111 @@
         </p:nvSpPr>
         <p:spPr>
           <a:xfrm>
-            <a:off x="838200" y="499237"/>
-            <a:ext cx="10515600" cy="5158613"/>
+            <a:off x="665205" y="320675"/>
+            <a:ext cx="11110784" cy="1325563"/>
           </a:xfrm>
         </p:spPr>
         <p:txBody>
           <a:bodyPr>
-            <a:normAutofit/>
+            <a:noAutofit/>
           </a:bodyPr>
           <a:lstStyle/>
           <a:p>
             <a:r>
-              <a:rPr lang="en-US" sz="5400" b="1" dirty="0"/>
-              <a:t>That’s All !</a:t>
-            </a:r>
-            <a:br>
-              <a:rPr lang="en-US" sz="5400" b="1" dirty="0"/>
-            </a:br>
-            <a:br>
-              <a:rPr lang="en-US" sz="5400" b="1" dirty="0"/>
-            </a:br>
-            <a:r>
-              <a:rPr lang="en-US" sz="5400" b="1" dirty="0"/>
-              <a:t>Do not hesitate to ask !</a:t>
-            </a:r>
-            <a:br>
-              <a:rPr lang="en-US" sz="5400" b="1" dirty="0"/>
-            </a:br>
-            <a:br>
-              <a:rPr lang="en-US" sz="5400" b="1" dirty="0"/>
-            </a:br>
-            <a:r>
-              <a:rPr lang="en-US" sz="5400" b="1" dirty="0"/>
-              <a:t>Use slack discussion forum! </a:t>
+              <a:rPr lang="en-US" sz="6000" b="1" dirty="0"/>
+              <a:t>Enlarging Hypothesis Space</a:t>
+            </a:r>
+          </a:p>
+        </p:txBody>
+      </p:sp>
+      <p:sp>
+        <p:nvSpPr>
+          <p:cNvPr id="5" name="TextBox 4">
+            <a:extLst>
+              <a:ext uri="{FF2B5EF4-FFF2-40B4-BE49-F238E27FC236}">
+                <a16:creationId xmlns:a16="http://schemas.microsoft.com/office/drawing/2014/main" id="{B0D55309-44DB-0340-96DD-37C7E310273C}"/>
+              </a:ext>
+            </a:extLst>
+          </p:cNvPr>
+          <p:cNvSpPr txBox="1"/>
+          <p:nvPr/>
+        </p:nvSpPr>
+        <p:spPr>
+          <a:xfrm>
+            <a:off x="416011" y="1485900"/>
+            <a:ext cx="11904284" cy="4613571"/>
+          </a:xfrm>
+          <a:prstGeom prst="rect">
+            <a:avLst/>
+          </a:prstGeom>
+          <a:noFill/>
+        </p:spPr>
+        <p:txBody>
+          <a:bodyPr wrap="none" rtlCol="0">
+            <a:spAutoFit/>
+          </a:bodyPr>
+          <a:lstStyle/>
+          <a:p>
+            <a:pPr marL="285750" indent="-285750">
+              <a:lnSpc>
+                <a:spcPct val="150000"/>
+              </a:lnSpc>
+              <a:buFont typeface="Arial" panose="020B0604020202020204" pitchFamily="34" charset="0"/>
+              <a:buChar char="•"/>
+            </a:pPr>
+            <a:r>
+              <a:rPr lang="en-US" sz="4000" dirty="0"/>
+              <a:t>use more neurons in hidden layers (wider layers)</a:t>
+            </a:r>
+          </a:p>
+          <a:p>
+            <a:pPr marL="285750" indent="-285750">
+              <a:lnSpc>
+                <a:spcPct val="150000"/>
+              </a:lnSpc>
+              <a:buFont typeface="Arial" panose="020B0604020202020204" pitchFamily="34" charset="0"/>
+              <a:buChar char="•"/>
+            </a:pPr>
+            <a:r>
+              <a:rPr lang="en-US" sz="4000" dirty="0"/>
+              <a:t>use more features (manually choose relevant features)</a:t>
+            </a:r>
+          </a:p>
+          <a:p>
+            <a:pPr marL="285750" indent="-285750">
+              <a:lnSpc>
+                <a:spcPct val="150000"/>
+              </a:lnSpc>
+              <a:buFont typeface="Arial" panose="020B0604020202020204" pitchFamily="34" charset="0"/>
+              <a:buChar char="•"/>
+            </a:pPr>
+            <a:r>
+              <a:rPr lang="en-US" sz="4000" dirty="0"/>
+              <a:t>use more layers (make network deeper)</a:t>
+            </a:r>
+          </a:p>
+          <a:p>
+            <a:pPr marL="285750" indent="-285750">
+              <a:lnSpc>
+                <a:spcPct val="150000"/>
+              </a:lnSpc>
+              <a:buFont typeface="Arial" panose="020B0604020202020204" pitchFamily="34" charset="0"/>
+              <a:buChar char="•"/>
+            </a:pPr>
+            <a:r>
+              <a:rPr lang="en-US" sz="4000" dirty="0"/>
+              <a:t>use more iterations of gradient descent (search </a:t>
+            </a:r>
+          </a:p>
+          <a:p>
+            <a:pPr>
+              <a:lnSpc>
+                <a:spcPct val="150000"/>
+              </a:lnSpc>
+            </a:pPr>
+            <a:r>
+              <a:rPr lang="en-US" sz="4000" dirty="0"/>
+              <a:t>a larger portion of the entire hypothesis space)</a:t>
             </a:r>
           </a:p>
         </p:txBody>
@@ -34534,7 +37621,7 @@
     </p:spTree>
     <p:extLst>
       <p:ext uri="{BB962C8B-B14F-4D97-AF65-F5344CB8AC3E}">
-        <p14:creationId xmlns:p14="http://schemas.microsoft.com/office/powerpoint/2010/main" val="4226717398"/>
+        <p14:creationId xmlns:p14="http://schemas.microsoft.com/office/powerpoint/2010/main" val="849107801"/>
       </p:ext>
     </p:extLst>
   </p:cSld>
@@ -34563,6 +37650,91 @@
       </p:grpSpPr>
       <p:sp>
         <p:nvSpPr>
+          <p:cNvPr id="2" name="Title 1">
+            <a:extLst>
+              <a:ext uri="{FF2B5EF4-FFF2-40B4-BE49-F238E27FC236}">
+                <a16:creationId xmlns:a16="http://schemas.microsoft.com/office/drawing/2014/main" id="{5A0AD12F-C815-274E-B2B6-EC9BDEA61BEF}"/>
+              </a:ext>
+            </a:extLst>
+          </p:cNvPr>
+          <p:cNvSpPr>
+            <a:spLocks noGrp="1"/>
+          </p:cNvSpPr>
+          <p:nvPr>
+            <p:ph type="title"/>
+          </p:nvPr>
+        </p:nvSpPr>
+        <p:spPr>
+          <a:xfrm>
+            <a:off x="838200" y="499237"/>
+            <a:ext cx="10515600" cy="5158613"/>
+          </a:xfrm>
+        </p:spPr>
+        <p:txBody>
+          <a:bodyPr>
+            <a:normAutofit/>
+          </a:bodyPr>
+          <a:lstStyle/>
+          <a:p>
+            <a:r>
+              <a:rPr lang="en-US" sz="5400" b="1" dirty="0"/>
+              <a:t>That’s All !</a:t>
+            </a:r>
+            <a:br>
+              <a:rPr lang="en-US" sz="5400" b="1" dirty="0"/>
+            </a:br>
+            <a:br>
+              <a:rPr lang="en-US" sz="5400" b="1" dirty="0"/>
+            </a:br>
+            <a:r>
+              <a:rPr lang="en-US" sz="5400" b="1" dirty="0"/>
+              <a:t>Do not hesitate to ask !</a:t>
+            </a:r>
+            <a:br>
+              <a:rPr lang="en-US" sz="5400" b="1" dirty="0"/>
+            </a:br>
+            <a:br>
+              <a:rPr lang="en-US" sz="5400" b="1" dirty="0"/>
+            </a:br>
+            <a:r>
+              <a:rPr lang="en-US" sz="5400" b="1" dirty="0"/>
+              <a:t>Use slack discussion forum! </a:t>
+            </a:r>
+          </a:p>
+        </p:txBody>
+      </p:sp>
+    </p:spTree>
+    <p:extLst>
+      <p:ext uri="{BB962C8B-B14F-4D97-AF65-F5344CB8AC3E}">
+        <p14:creationId xmlns:p14="http://schemas.microsoft.com/office/powerpoint/2010/main" val="4226717398"/>
+      </p:ext>
+    </p:extLst>
+  </p:cSld>
+  <p:clrMapOvr>
+    <a:masterClrMapping/>
+  </p:clrMapOvr>
+</p:sld>
+</file>
+
+<file path=ppt/slides/slide64.xml><?xml version="1.0" encoding="utf-8"?>
+<p:sld xmlns:a="http://schemas.openxmlformats.org/drawingml/2006/main" xmlns:r="http://schemas.openxmlformats.org/officeDocument/2006/relationships" xmlns:p="http://schemas.openxmlformats.org/presentationml/2006/main">
+  <p:cSld>
+    <p:spTree>
+      <p:nvGrpSpPr>
+        <p:cNvPr id="1" name=""/>
+        <p:cNvGrpSpPr/>
+        <p:nvPr/>
+      </p:nvGrpSpPr>
+      <p:grpSpPr>
+        <a:xfrm>
+          <a:off x="0" y="0"/>
+          <a:ext cx="0" cy="0"/>
+          <a:chOff x="0" y="0"/>
+          <a:chExt cx="0" cy="0"/>
+        </a:xfrm>
+      </p:grpSpPr>
+      <p:sp>
+        <p:nvSpPr>
           <p:cNvPr id="12" name="Title 1">
             <a:extLst>
               <a:ext uri="{FF2B5EF4-FFF2-40B4-BE49-F238E27FC236}">
@@ -34718,7 +37890,7 @@
 </p:sld>
 </file>
 
-<file path=ppt/slides/slide64.xml><?xml version="1.0" encoding="utf-8"?>
+<file path=ppt/slides/slide65.xml><?xml version="1.0" encoding="utf-8"?>
 <p:sld xmlns:a="http://schemas.openxmlformats.org/drawingml/2006/main" xmlns:r="http://schemas.openxmlformats.org/officeDocument/2006/relationships" xmlns:p="http://schemas.openxmlformats.org/presentationml/2006/main">
   <p:cSld>
     <p:spTree>
